--- a/PPT/chapter14.pptx
+++ b/PPT/chapter14.pptx
@@ -5,20 +5,27 @@
     <p:sldMasterId id="2147483648" r:id="rId1"/>
   </p:sldMasterIdLst>
   <p:notesMasterIdLst>
-    <p:notesMasterId r:id="rId10"/>
+    <p:notesMasterId r:id="rId17"/>
   </p:notesMasterIdLst>
   <p:handoutMasterIdLst>
-    <p:handoutMasterId r:id="rId11"/>
+    <p:handoutMasterId r:id="rId18"/>
   </p:handoutMasterIdLst>
   <p:sldIdLst>
     <p:sldId id="260" r:id="rId2"/>
     <p:sldId id="366" r:id="rId3"/>
     <p:sldId id="257" r:id="rId4"/>
-    <p:sldId id="283" r:id="rId5"/>
-    <p:sldId id="279" r:id="rId6"/>
-    <p:sldId id="284" r:id="rId7"/>
-    <p:sldId id="282" r:id="rId8"/>
-    <p:sldId id="285" r:id="rId9"/>
+    <p:sldId id="370" r:id="rId5"/>
+    <p:sldId id="377" r:id="rId6"/>
+    <p:sldId id="378" r:id="rId7"/>
+    <p:sldId id="379" r:id="rId8"/>
+    <p:sldId id="380" r:id="rId9"/>
+    <p:sldId id="381" r:id="rId10"/>
+    <p:sldId id="382" r:id="rId11"/>
+    <p:sldId id="383" r:id="rId12"/>
+    <p:sldId id="384" r:id="rId13"/>
+    <p:sldId id="385" r:id="rId14"/>
+    <p:sldId id="386" r:id="rId15"/>
+    <p:sldId id="282" r:id="rId16"/>
   </p:sldIdLst>
   <p:sldSz cx="12192000" cy="6858000"/>
   <p:notesSz cx="6858000" cy="9144000"/>
@@ -190,6 +197,1132 @@
     </pc:docChg>
   </pc:docChgLst>
   <pc:docChgLst>
+    <pc:chgData name="Scruel Tao" userId="5ea5c98d59b44d4b" providerId="LiveId" clId="{2BA6F94F-59B6-4AA6-9DB6-4A8227DBE37E}"/>
+    <pc:docChg chg="undo redo custSel addSld delSld modSld sldOrd modMainMaster">
+      <pc:chgData name="Scruel Tao" userId="5ea5c98d59b44d4b" providerId="LiveId" clId="{2BA6F94F-59B6-4AA6-9DB6-4A8227DBE37E}" dt="2023-04-06T03:22:01.021" v="6326" actId="20577"/>
+      <pc:docMkLst>
+        <pc:docMk/>
+      </pc:docMkLst>
+      <pc:sldChg chg="del">
+        <pc:chgData name="Scruel Tao" userId="5ea5c98d59b44d4b" providerId="LiveId" clId="{2BA6F94F-59B6-4AA6-9DB6-4A8227DBE37E}" dt="2023-04-03T03:24:06.255" v="207" actId="47"/>
+        <pc:sldMkLst>
+          <pc:docMk/>
+          <pc:sldMk cId="1900326474" sldId="256"/>
+        </pc:sldMkLst>
+      </pc:sldChg>
+      <pc:sldChg chg="modSp mod">
+        <pc:chgData name="Scruel Tao" userId="5ea5c98d59b44d4b" providerId="LiveId" clId="{2BA6F94F-59B6-4AA6-9DB6-4A8227DBE37E}" dt="2023-04-06T03:06:34.065" v="6045" actId="20577"/>
+        <pc:sldMkLst>
+          <pc:docMk/>
+          <pc:sldMk cId="1112998187" sldId="257"/>
+        </pc:sldMkLst>
+        <pc:spChg chg="mod">
+          <ac:chgData name="Scruel Tao" userId="5ea5c98d59b44d4b" providerId="LiveId" clId="{2BA6F94F-59B6-4AA6-9DB6-4A8227DBE37E}" dt="2023-04-06T01:53:20.359" v="3276"/>
+          <ac:spMkLst>
+            <pc:docMk/>
+            <pc:sldMk cId="1112998187" sldId="257"/>
+            <ac:spMk id="2" creationId="{1422DFF6-0952-1023-64E3-97184D36BE3F}"/>
+          </ac:spMkLst>
+        </pc:spChg>
+        <pc:spChg chg="mod">
+          <ac:chgData name="Scruel Tao" userId="5ea5c98d59b44d4b" providerId="LiveId" clId="{2BA6F94F-59B6-4AA6-9DB6-4A8227DBE37E}" dt="2023-04-06T03:06:34.065" v="6045" actId="20577"/>
+          <ac:spMkLst>
+            <pc:docMk/>
+            <pc:sldMk cId="1112998187" sldId="257"/>
+            <ac:spMk id="3" creationId="{AC7759D9-0BB4-08ED-8476-24F7D903D6DE}"/>
+          </ac:spMkLst>
+        </pc:spChg>
+      </pc:sldChg>
+      <pc:sldChg chg="addSp delSp modSp mod modClrScheme chgLayout">
+        <pc:chgData name="Scruel Tao" userId="5ea5c98d59b44d4b" providerId="LiveId" clId="{2BA6F94F-59B6-4AA6-9DB6-4A8227DBE37E}" dt="2023-04-03T05:03:22.628" v="2756"/>
+        <pc:sldMkLst>
+          <pc:docMk/>
+          <pc:sldMk cId="3636494425" sldId="258"/>
+        </pc:sldMkLst>
+        <pc:spChg chg="mod ord">
+          <ac:chgData name="Scruel Tao" userId="5ea5c98d59b44d4b" providerId="LiveId" clId="{2BA6F94F-59B6-4AA6-9DB6-4A8227DBE37E}" dt="2023-04-03T05:03:22.628" v="2756"/>
+          <ac:spMkLst>
+            <pc:docMk/>
+            <pc:sldMk cId="3636494425" sldId="258"/>
+            <ac:spMk id="2" creationId="{ABA783DF-49A6-7EF1-661E-C574E2C2F386}"/>
+          </ac:spMkLst>
+        </pc:spChg>
+        <pc:spChg chg="mod ord">
+          <ac:chgData name="Scruel Tao" userId="5ea5c98d59b44d4b" providerId="LiveId" clId="{2BA6F94F-59B6-4AA6-9DB6-4A8227DBE37E}" dt="2023-04-03T03:46:29.252" v="641" actId="20577"/>
+          <ac:spMkLst>
+            <pc:docMk/>
+            <pc:sldMk cId="3636494425" sldId="258"/>
+            <ac:spMk id="3" creationId="{4C14948B-081B-0FED-AF72-DA2CFEC85EB0}"/>
+          </ac:spMkLst>
+        </pc:spChg>
+        <pc:spChg chg="add del mod ord">
+          <ac:chgData name="Scruel Tao" userId="5ea5c98d59b44d4b" providerId="LiveId" clId="{2BA6F94F-59B6-4AA6-9DB6-4A8227DBE37E}" dt="2023-04-03T03:44:53.662" v="491" actId="700"/>
+          <ac:spMkLst>
+            <pc:docMk/>
+            <pc:sldMk cId="3636494425" sldId="258"/>
+            <ac:spMk id="6" creationId="{F56D7D0D-9A8C-4EF8-27F2-E32848F94E27}"/>
+          </ac:spMkLst>
+        </pc:spChg>
+        <pc:spChg chg="add del mod ord">
+          <ac:chgData name="Scruel Tao" userId="5ea5c98d59b44d4b" providerId="LiveId" clId="{2BA6F94F-59B6-4AA6-9DB6-4A8227DBE37E}" dt="2023-04-03T03:47:53.866" v="642" actId="478"/>
+          <ac:spMkLst>
+            <pc:docMk/>
+            <pc:sldMk cId="3636494425" sldId="258"/>
+            <ac:spMk id="7" creationId="{34E14114-55C2-509B-E32D-4974A828AFB6}"/>
+          </ac:spMkLst>
+        </pc:spChg>
+        <pc:picChg chg="add mod">
+          <ac:chgData name="Scruel Tao" userId="5ea5c98d59b44d4b" providerId="LiveId" clId="{2BA6F94F-59B6-4AA6-9DB6-4A8227DBE37E}" dt="2023-04-03T03:45:05.643" v="494" actId="1076"/>
+          <ac:picMkLst>
+            <pc:docMk/>
+            <pc:sldMk cId="3636494425" sldId="258"/>
+            <ac:picMk id="5" creationId="{C5E50AA4-F82C-6E14-E269-5451494306AE}"/>
+          </ac:picMkLst>
+        </pc:picChg>
+      </pc:sldChg>
+      <pc:sldChg chg="addSp delSp modSp add mod modClrScheme chgLayout">
+        <pc:chgData name="Scruel Tao" userId="5ea5c98d59b44d4b" providerId="LiveId" clId="{2BA6F94F-59B6-4AA6-9DB6-4A8227DBE37E}" dt="2023-04-06T01:58:50.310" v="3415" actId="20577"/>
+        <pc:sldMkLst>
+          <pc:docMk/>
+          <pc:sldMk cId="1199684676" sldId="259"/>
+        </pc:sldMkLst>
+        <pc:spChg chg="mod ord">
+          <ac:chgData name="Scruel Tao" userId="5ea5c98d59b44d4b" providerId="LiveId" clId="{2BA6F94F-59B6-4AA6-9DB6-4A8227DBE37E}" dt="2023-04-06T01:58:50.310" v="3415" actId="20577"/>
+          <ac:spMkLst>
+            <pc:docMk/>
+            <pc:sldMk cId="1199684676" sldId="259"/>
+            <ac:spMk id="2" creationId="{ABA783DF-49A6-7EF1-661E-C574E2C2F386}"/>
+          </ac:spMkLst>
+        </pc:spChg>
+        <pc:spChg chg="del">
+          <ac:chgData name="Scruel Tao" userId="5ea5c98d59b44d4b" providerId="LiveId" clId="{2BA6F94F-59B6-4AA6-9DB6-4A8227DBE37E}" dt="2023-04-03T03:35:16.150" v="336"/>
+          <ac:spMkLst>
+            <pc:docMk/>
+            <pc:sldMk cId="1199684676" sldId="259"/>
+            <ac:spMk id="3" creationId="{4C14948B-081B-0FED-AF72-DA2CFEC85EB0}"/>
+          </ac:spMkLst>
+        </pc:spChg>
+        <pc:spChg chg="add del mod">
+          <ac:chgData name="Scruel Tao" userId="5ea5c98d59b44d4b" providerId="LiveId" clId="{2BA6F94F-59B6-4AA6-9DB6-4A8227DBE37E}" dt="2023-04-03T03:35:26.887" v="338"/>
+          <ac:spMkLst>
+            <pc:docMk/>
+            <pc:sldMk cId="1199684676" sldId="259"/>
+            <ac:spMk id="6" creationId="{99A6C97A-27D9-096E-3F01-65FA7A6B5674}"/>
+          </ac:spMkLst>
+        </pc:spChg>
+        <pc:spChg chg="add del mod">
+          <ac:chgData name="Scruel Tao" userId="5ea5c98d59b44d4b" providerId="LiveId" clId="{2BA6F94F-59B6-4AA6-9DB6-4A8227DBE37E}" dt="2023-04-03T03:35:46.159" v="342"/>
+          <ac:spMkLst>
+            <pc:docMk/>
+            <pc:sldMk cId="1199684676" sldId="259"/>
+            <ac:spMk id="9" creationId="{EA4CD5A2-8483-D61D-CBA0-AB48D8A07DC9}"/>
+          </ac:spMkLst>
+        </pc:spChg>
+        <pc:spChg chg="add mod ord">
+          <ac:chgData name="Scruel Tao" userId="5ea5c98d59b44d4b" providerId="LiveId" clId="{2BA6F94F-59B6-4AA6-9DB6-4A8227DBE37E}" dt="2023-04-06T01:54:00.591" v="3312" actId="20577"/>
+          <ac:spMkLst>
+            <pc:docMk/>
+            <pc:sldMk cId="1199684676" sldId="259"/>
+            <ac:spMk id="12" creationId="{17AECC1C-6944-9F68-770A-0455E86B2492}"/>
+          </ac:spMkLst>
+        </pc:spChg>
+        <pc:picChg chg="add del mod">
+          <ac:chgData name="Scruel Tao" userId="5ea5c98d59b44d4b" providerId="LiveId" clId="{2BA6F94F-59B6-4AA6-9DB6-4A8227DBE37E}" dt="2023-04-03T03:35:18.823" v="337" actId="478"/>
+          <ac:picMkLst>
+            <pc:docMk/>
+            <pc:sldMk cId="1199684676" sldId="259"/>
+            <ac:picMk id="4" creationId="{5CD98794-78EF-B400-A554-F39AC55576BD}"/>
+          </ac:picMkLst>
+        </pc:picChg>
+        <pc:picChg chg="add del mod">
+          <ac:chgData name="Scruel Tao" userId="5ea5c98d59b44d4b" providerId="LiveId" clId="{2BA6F94F-59B6-4AA6-9DB6-4A8227DBE37E}" dt="2023-04-03T03:35:35.326" v="341" actId="478"/>
+          <ac:picMkLst>
+            <pc:docMk/>
+            <pc:sldMk cId="1199684676" sldId="259"/>
+            <ac:picMk id="7" creationId="{F8FEA747-E9DF-6A17-2CB8-1B41D931CB90}"/>
+          </ac:picMkLst>
+        </pc:picChg>
+        <pc:picChg chg="add mod ord">
+          <ac:chgData name="Scruel Tao" userId="5ea5c98d59b44d4b" providerId="LiveId" clId="{2BA6F94F-59B6-4AA6-9DB6-4A8227DBE37E}" dt="2023-04-06T01:54:10.825" v="3315" actId="1076"/>
+          <ac:picMkLst>
+            <pc:docMk/>
+            <pc:sldMk cId="1199684676" sldId="259"/>
+            <ac:picMk id="11" creationId="{9D500740-D60E-EFBC-F3C9-43DA9B4672BC}"/>
+          </ac:picMkLst>
+        </pc:picChg>
+      </pc:sldChg>
+      <pc:sldChg chg="addSp delSp modSp add mod">
+        <pc:chgData name="Scruel Tao" userId="5ea5c98d59b44d4b" providerId="LiveId" clId="{2BA6F94F-59B6-4AA6-9DB6-4A8227DBE37E}" dt="2023-04-03T03:41:24.102" v="348" actId="1076"/>
+        <pc:sldMkLst>
+          <pc:docMk/>
+          <pc:sldMk cId="0" sldId="260"/>
+        </pc:sldMkLst>
+        <pc:spChg chg="mod">
+          <ac:chgData name="Scruel Tao" userId="5ea5c98d59b44d4b" providerId="LiveId" clId="{2BA6F94F-59B6-4AA6-9DB6-4A8227DBE37E}" dt="2023-04-03T03:33:34.644" v="330"/>
+          <ac:spMkLst>
+            <pc:docMk/>
+            <pc:sldMk cId="0" sldId="260"/>
+            <ac:spMk id="1227783" creationId="{F7B3941E-B689-22D6-F18C-358E4BAEDF5F}"/>
+          </ac:spMkLst>
+        </pc:spChg>
+        <pc:spChg chg="add del mod">
+          <ac:chgData name="Scruel Tao" userId="5ea5c98d59b44d4b" providerId="LiveId" clId="{2BA6F94F-59B6-4AA6-9DB6-4A8227DBE37E}" dt="2023-04-03T03:33:39.968" v="331" actId="1076"/>
+          <ac:spMkLst>
+            <pc:docMk/>
+            <pc:sldMk cId="0" sldId="260"/>
+            <ac:spMk id="1227786" creationId="{C3F4DD20-8FA3-3CB0-19B6-FE0240B92A34}"/>
+          </ac:spMkLst>
+        </pc:spChg>
+        <pc:picChg chg="add mod">
+          <ac:chgData name="Scruel Tao" userId="5ea5c98d59b44d4b" providerId="LiveId" clId="{2BA6F94F-59B6-4AA6-9DB6-4A8227DBE37E}" dt="2023-04-03T03:41:24.102" v="348" actId="1076"/>
+          <ac:picMkLst>
+            <pc:docMk/>
+            <pc:sldMk cId="0" sldId="260"/>
+            <ac:picMk id="4" creationId="{E03AF484-A892-E4D7-A8C4-A4C7AE20944E}"/>
+          </ac:picMkLst>
+        </pc:picChg>
+      </pc:sldChg>
+      <pc:sldChg chg="addSp delSp modSp add mod chgLayout">
+        <pc:chgData name="Scruel Tao" userId="5ea5c98d59b44d4b" providerId="LiveId" clId="{2BA6F94F-59B6-4AA6-9DB6-4A8227DBE37E}" dt="2023-04-06T01:59:00.026" v="3419" actId="20577"/>
+        <pc:sldMkLst>
+          <pc:docMk/>
+          <pc:sldMk cId="3351160539" sldId="261"/>
+        </pc:sldMkLst>
+        <pc:spChg chg="mod ord">
+          <ac:chgData name="Scruel Tao" userId="5ea5c98d59b44d4b" providerId="LiveId" clId="{2BA6F94F-59B6-4AA6-9DB6-4A8227DBE37E}" dt="2023-04-06T01:59:00.026" v="3419" actId="20577"/>
+          <ac:spMkLst>
+            <pc:docMk/>
+            <pc:sldMk cId="3351160539" sldId="261"/>
+            <ac:spMk id="2" creationId="{ABA783DF-49A6-7EF1-661E-C574E2C2F386}"/>
+          </ac:spMkLst>
+        </pc:spChg>
+        <pc:spChg chg="add del mod">
+          <ac:chgData name="Scruel Tao" userId="5ea5c98d59b44d4b" providerId="LiveId" clId="{2BA6F94F-59B6-4AA6-9DB6-4A8227DBE37E}" dt="2023-04-03T03:55:10.330" v="847" actId="700"/>
+          <ac:spMkLst>
+            <pc:docMk/>
+            <pc:sldMk cId="3351160539" sldId="261"/>
+            <ac:spMk id="4" creationId="{B3A734ED-5C82-D6A5-9DB3-B2DF9F846D94}"/>
+          </ac:spMkLst>
+        </pc:spChg>
+        <pc:spChg chg="add mod ord">
+          <ac:chgData name="Scruel Tao" userId="5ea5c98d59b44d4b" providerId="LiveId" clId="{2BA6F94F-59B6-4AA6-9DB6-4A8227DBE37E}" dt="2023-04-03T04:04:07.946" v="1365" actId="20577"/>
+          <ac:spMkLst>
+            <pc:docMk/>
+            <pc:sldMk cId="3351160539" sldId="261"/>
+            <ac:spMk id="5" creationId="{334FF01F-2A65-44F6-34F9-69AC934A31D7}"/>
+          </ac:spMkLst>
+        </pc:spChg>
+        <pc:spChg chg="add del mod">
+          <ac:chgData name="Scruel Tao" userId="5ea5c98d59b44d4b" providerId="LiveId" clId="{2BA6F94F-59B6-4AA6-9DB6-4A8227DBE37E}" dt="2023-04-03T03:59:25.344" v="1081"/>
+          <ac:spMkLst>
+            <pc:docMk/>
+            <pc:sldMk cId="3351160539" sldId="261"/>
+            <ac:spMk id="9" creationId="{C16084A3-CDE6-AAC4-2971-FD575FBF0A8B}"/>
+          </ac:spMkLst>
+        </pc:spChg>
+        <pc:spChg chg="del mod ord">
+          <ac:chgData name="Scruel Tao" userId="5ea5c98d59b44d4b" providerId="LiveId" clId="{2BA6F94F-59B6-4AA6-9DB6-4A8227DBE37E}" dt="2023-04-03T03:58:01.823" v="1015"/>
+          <ac:spMkLst>
+            <pc:docMk/>
+            <pc:sldMk cId="3351160539" sldId="261"/>
+            <ac:spMk id="12" creationId="{17AECC1C-6944-9F68-770A-0455E86B2492}"/>
+          </ac:spMkLst>
+        </pc:spChg>
+        <pc:spChg chg="add mod">
+          <ac:chgData name="Scruel Tao" userId="5ea5c98d59b44d4b" providerId="LiveId" clId="{2BA6F94F-59B6-4AA6-9DB6-4A8227DBE37E}" dt="2023-04-03T04:05:44.217" v="1475" actId="114"/>
+          <ac:spMkLst>
+            <pc:docMk/>
+            <pc:sldMk cId="3351160539" sldId="261"/>
+            <ac:spMk id="14" creationId="{670E3534-8F35-5B26-8418-171E013CEE09}"/>
+          </ac:spMkLst>
+        </pc:spChg>
+        <pc:picChg chg="add del mod">
+          <ac:chgData name="Scruel Tao" userId="5ea5c98d59b44d4b" providerId="LiveId" clId="{2BA6F94F-59B6-4AA6-9DB6-4A8227DBE37E}" dt="2023-04-03T03:59:24.519" v="1080" actId="478"/>
+          <ac:picMkLst>
+            <pc:docMk/>
+            <pc:sldMk cId="3351160539" sldId="261"/>
+            <ac:picMk id="7" creationId="{0FBFFB0C-E3DC-4B3B-8988-A0B34551F390}"/>
+          </ac:picMkLst>
+        </pc:picChg>
+        <pc:picChg chg="del">
+          <ac:chgData name="Scruel Tao" userId="5ea5c98d59b44d4b" providerId="LiveId" clId="{2BA6F94F-59B6-4AA6-9DB6-4A8227DBE37E}" dt="2023-04-03T03:53:43.786" v="845" actId="21"/>
+          <ac:picMkLst>
+            <pc:docMk/>
+            <pc:sldMk cId="3351160539" sldId="261"/>
+            <ac:picMk id="11" creationId="{9D500740-D60E-EFBC-F3C9-43DA9B4672BC}"/>
+          </ac:picMkLst>
+        </pc:picChg>
+        <pc:picChg chg="add mod">
+          <ac:chgData name="Scruel Tao" userId="5ea5c98d59b44d4b" providerId="LiveId" clId="{2BA6F94F-59B6-4AA6-9DB6-4A8227DBE37E}" dt="2023-04-03T04:05:27.689" v="1473" actId="1076"/>
+          <ac:picMkLst>
+            <pc:docMk/>
+            <pc:sldMk cId="3351160539" sldId="261"/>
+            <ac:picMk id="13" creationId="{7C633EC2-82A6-5F6A-D9A3-326C1E77FDA3}"/>
+          </ac:picMkLst>
+        </pc:picChg>
+      </pc:sldChg>
+      <pc:sldChg chg="addSp delSp modSp add mod">
+        <pc:chgData name="Scruel Tao" userId="5ea5c98d59b44d4b" providerId="LiveId" clId="{2BA6F94F-59B6-4AA6-9DB6-4A8227DBE37E}" dt="2023-04-06T03:20:40.633" v="6312" actId="20577"/>
+        <pc:sldMkLst>
+          <pc:docMk/>
+          <pc:sldMk cId="1122177192" sldId="262"/>
+        </pc:sldMkLst>
+        <pc:spChg chg="mod">
+          <ac:chgData name="Scruel Tao" userId="5ea5c98d59b44d4b" providerId="LiveId" clId="{2BA6F94F-59B6-4AA6-9DB6-4A8227DBE37E}" dt="2023-04-06T03:20:30.082" v="6290" actId="20577"/>
+          <ac:spMkLst>
+            <pc:docMk/>
+            <pc:sldMk cId="1122177192" sldId="262"/>
+            <ac:spMk id="2" creationId="{ABA783DF-49A6-7EF1-661E-C574E2C2F386}"/>
+          </ac:spMkLst>
+        </pc:spChg>
+        <pc:spChg chg="mod">
+          <ac:chgData name="Scruel Tao" userId="5ea5c98d59b44d4b" providerId="LiveId" clId="{2BA6F94F-59B6-4AA6-9DB6-4A8227DBE37E}" dt="2023-04-06T03:20:40.633" v="6312" actId="20577"/>
+          <ac:spMkLst>
+            <pc:docMk/>
+            <pc:sldMk cId="1122177192" sldId="262"/>
+            <ac:spMk id="5" creationId="{334FF01F-2A65-44F6-34F9-69AC934A31D7}"/>
+          </ac:spMkLst>
+        </pc:spChg>
+        <pc:spChg chg="del">
+          <ac:chgData name="Scruel Tao" userId="5ea5c98d59b44d4b" providerId="LiveId" clId="{2BA6F94F-59B6-4AA6-9DB6-4A8227DBE37E}" dt="2023-04-03T04:15:30.512" v="1555"/>
+          <ac:spMkLst>
+            <pc:docMk/>
+            <pc:sldMk cId="1122177192" sldId="262"/>
+            <ac:spMk id="12" creationId="{17AECC1C-6944-9F68-770A-0455E86B2492}"/>
+          </ac:spMkLst>
+        </pc:spChg>
+        <pc:picChg chg="add mod">
+          <ac:chgData name="Scruel Tao" userId="5ea5c98d59b44d4b" providerId="LiveId" clId="{2BA6F94F-59B6-4AA6-9DB6-4A8227DBE37E}" dt="2023-04-03T04:15:30.512" v="1555"/>
+          <ac:picMkLst>
+            <pc:docMk/>
+            <pc:sldMk cId="1122177192" sldId="262"/>
+            <ac:picMk id="4" creationId="{1025CE4E-D3BC-5184-15B8-313E85995FFB}"/>
+          </ac:picMkLst>
+        </pc:picChg>
+      </pc:sldChg>
+      <pc:sldChg chg="addSp delSp modSp add mod chgLayout">
+        <pc:chgData name="Scruel Tao" userId="5ea5c98d59b44d4b" providerId="LiveId" clId="{2BA6F94F-59B6-4AA6-9DB6-4A8227DBE37E}" dt="2023-04-06T01:59:30.132" v="3435" actId="20577"/>
+        <pc:sldMkLst>
+          <pc:docMk/>
+          <pc:sldMk cId="3745137309" sldId="263"/>
+        </pc:sldMkLst>
+        <pc:spChg chg="mod ord">
+          <ac:chgData name="Scruel Tao" userId="5ea5c98d59b44d4b" providerId="LiveId" clId="{2BA6F94F-59B6-4AA6-9DB6-4A8227DBE37E}" dt="2023-04-06T01:59:30.132" v="3435" actId="20577"/>
+          <ac:spMkLst>
+            <pc:docMk/>
+            <pc:sldMk cId="3745137309" sldId="263"/>
+            <ac:spMk id="2" creationId="{ABA783DF-49A6-7EF1-661E-C574E2C2F386}"/>
+          </ac:spMkLst>
+        </pc:spChg>
+        <pc:spChg chg="del">
+          <ac:chgData name="Scruel Tao" userId="5ea5c98d59b44d4b" providerId="LiveId" clId="{2BA6F94F-59B6-4AA6-9DB6-4A8227DBE37E}" dt="2023-04-03T04:18:57.963" v="1679"/>
+          <ac:spMkLst>
+            <pc:docMk/>
+            <pc:sldMk cId="3745137309" sldId="263"/>
+            <ac:spMk id="5" creationId="{334FF01F-2A65-44F6-34F9-69AC934A31D7}"/>
+          </ac:spMkLst>
+        </pc:spChg>
+        <pc:spChg chg="add del mod ord">
+          <ac:chgData name="Scruel Tao" userId="5ea5c98d59b44d4b" providerId="LiveId" clId="{2BA6F94F-59B6-4AA6-9DB6-4A8227DBE37E}" dt="2023-04-03T04:19:17.511" v="1685"/>
+          <ac:spMkLst>
+            <pc:docMk/>
+            <pc:sldMk cId="3745137309" sldId="263"/>
+            <ac:spMk id="6" creationId="{6B189840-C568-FCE7-C338-AC0FAD512F62}"/>
+          </ac:spMkLst>
+        </pc:spChg>
+        <pc:spChg chg="add mod">
+          <ac:chgData name="Scruel Tao" userId="5ea5c98d59b44d4b" providerId="LiveId" clId="{2BA6F94F-59B6-4AA6-9DB6-4A8227DBE37E}" dt="2023-04-03T04:24:42.121" v="1788" actId="1076"/>
+          <ac:spMkLst>
+            <pc:docMk/>
+            <pc:sldMk cId="3745137309" sldId="263"/>
+            <ac:spMk id="8" creationId="{4EC194EB-1593-CBF2-055D-77D4ADFC943F}"/>
+          </ac:spMkLst>
+        </pc:spChg>
+        <pc:spChg chg="del">
+          <ac:chgData name="Scruel Tao" userId="5ea5c98d59b44d4b" providerId="LiveId" clId="{2BA6F94F-59B6-4AA6-9DB6-4A8227DBE37E}" dt="2023-04-03T04:19:06.857" v="1681" actId="478"/>
+          <ac:spMkLst>
+            <pc:docMk/>
+            <pc:sldMk cId="3745137309" sldId="263"/>
+            <ac:spMk id="12" creationId="{17AECC1C-6944-9F68-770A-0455E86B2492}"/>
+          </ac:spMkLst>
+        </pc:spChg>
+        <pc:spChg chg="add del mod">
+          <ac:chgData name="Scruel Tao" userId="5ea5c98d59b44d4b" providerId="LiveId" clId="{2BA6F94F-59B6-4AA6-9DB6-4A8227DBE37E}" dt="2023-04-03T04:39:14.278" v="1794"/>
+          <ac:spMkLst>
+            <pc:docMk/>
+            <pc:sldMk cId="3745137309" sldId="263"/>
+            <ac:spMk id="13" creationId="{2B1E7E69-5ECD-2369-2087-012FACB0EF09}"/>
+          </ac:spMkLst>
+        </pc:spChg>
+        <pc:spChg chg="add mod">
+          <ac:chgData name="Scruel Tao" userId="5ea5c98d59b44d4b" providerId="LiveId" clId="{2BA6F94F-59B6-4AA6-9DB6-4A8227DBE37E}" dt="2023-04-03T04:43:54.118" v="2025" actId="1076"/>
+          <ac:spMkLst>
+            <pc:docMk/>
+            <pc:sldMk cId="3745137309" sldId="263"/>
+            <ac:spMk id="14" creationId="{7382B610-BA58-D421-667D-2CC58252E53B}"/>
+          </ac:spMkLst>
+        </pc:spChg>
+        <pc:spChg chg="add del mod">
+          <ac:chgData name="Scruel Tao" userId="5ea5c98d59b44d4b" providerId="LiveId" clId="{2BA6F94F-59B6-4AA6-9DB6-4A8227DBE37E}" dt="2023-04-03T04:41:30.895" v="1872"/>
+          <ac:spMkLst>
+            <pc:docMk/>
+            <pc:sldMk cId="3745137309" sldId="263"/>
+            <ac:spMk id="20" creationId="{3C1528B3-D941-8F6A-C2B1-9FE727504D1A}"/>
+          </ac:spMkLst>
+        </pc:spChg>
+        <pc:spChg chg="add mod">
+          <ac:chgData name="Scruel Tao" userId="5ea5c98d59b44d4b" providerId="LiveId" clId="{2BA6F94F-59B6-4AA6-9DB6-4A8227DBE37E}" dt="2023-04-03T04:43:48.923" v="2024" actId="113"/>
+          <ac:spMkLst>
+            <pc:docMk/>
+            <pc:sldMk cId="3745137309" sldId="263"/>
+            <ac:spMk id="22" creationId="{7B6674C0-F558-F52E-4B1A-A3B15762388C}"/>
+          </ac:spMkLst>
+        </pc:spChg>
+        <pc:picChg chg="add del mod ord">
+          <ac:chgData name="Scruel Tao" userId="5ea5c98d59b44d4b" providerId="LiveId" clId="{2BA6F94F-59B6-4AA6-9DB6-4A8227DBE37E}" dt="2023-04-03T04:19:16.103" v="1684" actId="21"/>
+          <ac:picMkLst>
+            <pc:docMk/>
+            <pc:sldMk cId="3745137309" sldId="263"/>
+            <ac:picMk id="4" creationId="{52AC7973-0B2B-7791-FC5B-6D95CBD8CBA1}"/>
+          </ac:picMkLst>
+        </pc:picChg>
+        <pc:picChg chg="add del mod">
+          <ac:chgData name="Scruel Tao" userId="5ea5c98d59b44d4b" providerId="LiveId" clId="{2BA6F94F-59B6-4AA6-9DB6-4A8227DBE37E}" dt="2023-04-03T04:41:22.605" v="1869" actId="478"/>
+          <ac:picMkLst>
+            <pc:docMk/>
+            <pc:sldMk cId="3745137309" sldId="263"/>
+            <ac:picMk id="9" creationId="{B07056AA-01D5-51E8-D408-F1980FDC4BC3}"/>
+          </ac:picMkLst>
+        </pc:picChg>
+        <pc:picChg chg="add del mod">
+          <ac:chgData name="Scruel Tao" userId="5ea5c98d59b44d4b" providerId="LiveId" clId="{2BA6F94F-59B6-4AA6-9DB6-4A8227DBE37E}" dt="2023-04-03T04:40:34.570" v="1864" actId="21"/>
+          <ac:picMkLst>
+            <pc:docMk/>
+            <pc:sldMk cId="3745137309" sldId="263"/>
+            <ac:picMk id="11" creationId="{F2971DA2-97CA-921D-0683-2575B93D11D9}"/>
+          </ac:picMkLst>
+        </pc:picChg>
+        <pc:picChg chg="add mod">
+          <ac:chgData name="Scruel Tao" userId="5ea5c98d59b44d4b" providerId="LiveId" clId="{2BA6F94F-59B6-4AA6-9DB6-4A8227DBE37E}" dt="2023-04-03T04:41:02.756" v="1866" actId="1076"/>
+          <ac:picMkLst>
+            <pc:docMk/>
+            <pc:sldMk cId="3745137309" sldId="263"/>
+            <ac:picMk id="16" creationId="{6DA1B3CC-2227-CCDD-B3BF-D5E87A89708B}"/>
+          </ac:picMkLst>
+        </pc:picChg>
+        <pc:picChg chg="add del mod">
+          <ac:chgData name="Scruel Tao" userId="5ea5c98d59b44d4b" providerId="LiveId" clId="{2BA6F94F-59B6-4AA6-9DB6-4A8227DBE37E}" dt="2023-04-03T04:41:29.949" v="1871" actId="21"/>
+          <ac:picMkLst>
+            <pc:docMk/>
+            <pc:sldMk cId="3745137309" sldId="263"/>
+            <ac:picMk id="18" creationId="{313CB848-6C20-4548-45B0-BFDAA30EA3A2}"/>
+          </ac:picMkLst>
+        </pc:picChg>
+        <pc:picChg chg="add mod">
+          <ac:chgData name="Scruel Tao" userId="5ea5c98d59b44d4b" providerId="LiveId" clId="{2BA6F94F-59B6-4AA6-9DB6-4A8227DBE37E}" dt="2023-04-03T04:43:33.350" v="2001" actId="1076"/>
+          <ac:picMkLst>
+            <pc:docMk/>
+            <pc:sldMk cId="3745137309" sldId="263"/>
+            <ac:picMk id="21" creationId="{87C92696-2285-C2FB-D306-11BA00515544}"/>
+          </ac:picMkLst>
+        </pc:picChg>
+      </pc:sldChg>
+      <pc:sldChg chg="addSp delSp modSp add mod ord">
+        <pc:chgData name="Scruel Tao" userId="5ea5c98d59b44d4b" providerId="LiveId" clId="{2BA6F94F-59B6-4AA6-9DB6-4A8227DBE37E}" dt="2023-04-06T01:59:23.291" v="3427" actId="20577"/>
+        <pc:sldMkLst>
+          <pc:docMk/>
+          <pc:sldMk cId="3725727672" sldId="264"/>
+        </pc:sldMkLst>
+        <pc:spChg chg="mod">
+          <ac:chgData name="Scruel Tao" userId="5ea5c98d59b44d4b" providerId="LiveId" clId="{2BA6F94F-59B6-4AA6-9DB6-4A8227DBE37E}" dt="2023-04-06T01:59:23.291" v="3427" actId="20577"/>
+          <ac:spMkLst>
+            <pc:docMk/>
+            <pc:sldMk cId="3725727672" sldId="264"/>
+            <ac:spMk id="2" creationId="{ABA783DF-49A6-7EF1-661E-C574E2C2F386}"/>
+          </ac:spMkLst>
+        </pc:spChg>
+        <pc:spChg chg="mod">
+          <ac:chgData name="Scruel Tao" userId="5ea5c98d59b44d4b" providerId="LiveId" clId="{2BA6F94F-59B6-4AA6-9DB6-4A8227DBE37E}" dt="2023-04-03T05:01:36.612" v="2644" actId="1076"/>
+          <ac:spMkLst>
+            <pc:docMk/>
+            <pc:sldMk cId="3725727672" sldId="264"/>
+            <ac:spMk id="5" creationId="{334FF01F-2A65-44F6-34F9-69AC934A31D7}"/>
+          </ac:spMkLst>
+        </pc:spChg>
+        <pc:spChg chg="add del mod">
+          <ac:chgData name="Scruel Tao" userId="5ea5c98d59b44d4b" providerId="LiveId" clId="{2BA6F94F-59B6-4AA6-9DB6-4A8227DBE37E}" dt="2023-04-03T05:00:26.370" v="2626"/>
+          <ac:spMkLst>
+            <pc:docMk/>
+            <pc:sldMk cId="3725727672" sldId="264"/>
+            <ac:spMk id="11" creationId="{E9210103-9DD3-6F29-C0C7-B18A6E419E73}"/>
+          </ac:spMkLst>
+        </pc:spChg>
+        <pc:spChg chg="del mod">
+          <ac:chgData name="Scruel Tao" userId="5ea5c98d59b44d4b" providerId="LiveId" clId="{2BA6F94F-59B6-4AA6-9DB6-4A8227DBE37E}" dt="2023-04-03T04:44:34.015" v="2029"/>
+          <ac:spMkLst>
+            <pc:docMk/>
+            <pc:sldMk cId="3725727672" sldId="264"/>
+            <ac:spMk id="12" creationId="{17AECC1C-6944-9F68-770A-0455E86B2492}"/>
+          </ac:spMkLst>
+        </pc:spChg>
+        <pc:spChg chg="add mod">
+          <ac:chgData name="Scruel Tao" userId="5ea5c98d59b44d4b" providerId="LiveId" clId="{2BA6F94F-59B6-4AA6-9DB6-4A8227DBE37E}" dt="2023-04-03T05:03:05.445" v="2754" actId="1076"/>
+          <ac:spMkLst>
+            <pc:docMk/>
+            <pc:sldMk cId="3725727672" sldId="264"/>
+            <ac:spMk id="15" creationId="{57CD949C-3C60-4F11-3188-DAAC2954E147}"/>
+          </ac:spMkLst>
+        </pc:spChg>
+        <pc:picChg chg="add del mod">
+          <ac:chgData name="Scruel Tao" userId="5ea5c98d59b44d4b" providerId="LiveId" clId="{2BA6F94F-59B6-4AA6-9DB6-4A8227DBE37E}" dt="2023-04-03T05:00:25.324" v="2625" actId="478"/>
+          <ac:picMkLst>
+            <pc:docMk/>
+            <pc:sldMk cId="3725727672" sldId="264"/>
+            <ac:picMk id="4" creationId="{A511FBE8-0DD6-E630-8EF3-0C4EEA9CD752}"/>
+          </ac:picMkLst>
+        </pc:picChg>
+        <pc:picChg chg="add del mod">
+          <ac:chgData name="Scruel Tao" userId="5ea5c98d59b44d4b" providerId="LiveId" clId="{2BA6F94F-59B6-4AA6-9DB6-4A8227DBE37E}" dt="2023-04-03T04:57:24.837" v="2616" actId="21"/>
+          <ac:picMkLst>
+            <pc:docMk/>
+            <pc:sldMk cId="3725727672" sldId="264"/>
+            <ac:picMk id="7" creationId="{DD04D8AF-8509-73F1-4E2C-416ED822D93C}"/>
+          </ac:picMkLst>
+        </pc:picChg>
+        <pc:picChg chg="add mod">
+          <ac:chgData name="Scruel Tao" userId="5ea5c98d59b44d4b" providerId="LiveId" clId="{2BA6F94F-59B6-4AA6-9DB6-4A8227DBE37E}" dt="2023-04-03T05:01:32.816" v="2643" actId="1076"/>
+          <ac:picMkLst>
+            <pc:docMk/>
+            <pc:sldMk cId="3725727672" sldId="264"/>
+            <ac:picMk id="9" creationId="{5508513D-8323-A6F7-C52C-5D05B49C07CC}"/>
+          </ac:picMkLst>
+        </pc:picChg>
+        <pc:picChg chg="add mod">
+          <ac:chgData name="Scruel Tao" userId="5ea5c98d59b44d4b" providerId="LiveId" clId="{2BA6F94F-59B6-4AA6-9DB6-4A8227DBE37E}" dt="2023-04-03T05:01:30.973" v="2642" actId="1076"/>
+          <ac:picMkLst>
+            <pc:docMk/>
+            <pc:sldMk cId="3725727672" sldId="264"/>
+            <ac:picMk id="14" creationId="{D5EB1BEF-B3CD-34F8-C19A-87E8C64345B3}"/>
+          </ac:picMkLst>
+        </pc:picChg>
+      </pc:sldChg>
+      <pc:sldChg chg="addSp delSp modSp add mod">
+        <pc:chgData name="Scruel Tao" userId="5ea5c98d59b44d4b" providerId="LiveId" clId="{2BA6F94F-59B6-4AA6-9DB6-4A8227DBE37E}" dt="2023-04-06T03:12:15.194" v="6242" actId="13926"/>
+        <pc:sldMkLst>
+          <pc:docMk/>
+          <pc:sldMk cId="3416507657" sldId="265"/>
+        </pc:sldMkLst>
+        <pc:spChg chg="mod">
+          <ac:chgData name="Scruel Tao" userId="5ea5c98d59b44d4b" providerId="LiveId" clId="{2BA6F94F-59B6-4AA6-9DB6-4A8227DBE37E}" dt="2023-04-06T01:59:38.903" v="3439" actId="20577"/>
+          <ac:spMkLst>
+            <pc:docMk/>
+            <pc:sldMk cId="3416507657" sldId="265"/>
+            <ac:spMk id="2" creationId="{ABA783DF-49A6-7EF1-661E-C574E2C2F386}"/>
+          </ac:spMkLst>
+        </pc:spChg>
+        <pc:spChg chg="add del mod">
+          <ac:chgData name="Scruel Tao" userId="5ea5c98d59b44d4b" providerId="LiveId" clId="{2BA6F94F-59B6-4AA6-9DB6-4A8227DBE37E}" dt="2023-04-06T03:12:15.194" v="6242" actId="13926"/>
+          <ac:spMkLst>
+            <pc:docMk/>
+            <pc:sldMk cId="3416507657" sldId="265"/>
+            <ac:spMk id="5" creationId="{334FF01F-2A65-44F6-34F9-69AC934A31D7}"/>
+          </ac:spMkLst>
+        </pc:spChg>
+        <pc:spChg chg="add del mod">
+          <ac:chgData name="Scruel Tao" userId="5ea5c98d59b44d4b" providerId="LiveId" clId="{2BA6F94F-59B6-4AA6-9DB6-4A8227DBE37E}" dt="2023-04-03T05:07:31.501" v="2932"/>
+          <ac:spMkLst>
+            <pc:docMk/>
+            <pc:sldMk cId="3416507657" sldId="265"/>
+            <ac:spMk id="9" creationId="{CCAFF9B5-8F81-F673-219D-9240B0194641}"/>
+          </ac:spMkLst>
+        </pc:spChg>
+        <pc:spChg chg="del">
+          <ac:chgData name="Scruel Tao" userId="5ea5c98d59b44d4b" providerId="LiveId" clId="{2BA6F94F-59B6-4AA6-9DB6-4A8227DBE37E}" dt="2023-04-03T05:06:16.950" v="2812"/>
+          <ac:spMkLst>
+            <pc:docMk/>
+            <pc:sldMk cId="3416507657" sldId="265"/>
+            <ac:spMk id="12" creationId="{17AECC1C-6944-9F68-770A-0455E86B2492}"/>
+          </ac:spMkLst>
+        </pc:spChg>
+        <pc:picChg chg="add del mod">
+          <ac:chgData name="Scruel Tao" userId="5ea5c98d59b44d4b" providerId="LiveId" clId="{2BA6F94F-59B6-4AA6-9DB6-4A8227DBE37E}" dt="2023-04-03T05:06:16.168" v="2811"/>
+          <ac:picMkLst>
+            <pc:docMk/>
+            <pc:sldMk cId="3416507657" sldId="265"/>
+            <ac:picMk id="4" creationId="{ABCDEA2C-CB97-DE24-E641-E77BFA3BF78D}"/>
+          </ac:picMkLst>
+        </pc:picChg>
+        <pc:picChg chg="add del mod">
+          <ac:chgData name="Scruel Tao" userId="5ea5c98d59b44d4b" providerId="LiveId" clId="{2BA6F94F-59B6-4AA6-9DB6-4A8227DBE37E}" dt="2023-04-03T05:07:30.490" v="2931" actId="478"/>
+          <ac:picMkLst>
+            <pc:docMk/>
+            <pc:sldMk cId="3416507657" sldId="265"/>
+            <ac:picMk id="7" creationId="{203C7841-531F-0781-7458-699E2A5C7CE7}"/>
+          </ac:picMkLst>
+        </pc:picChg>
+        <pc:picChg chg="add mod">
+          <ac:chgData name="Scruel Tao" userId="5ea5c98d59b44d4b" providerId="LiveId" clId="{2BA6F94F-59B6-4AA6-9DB6-4A8227DBE37E}" dt="2023-04-03T05:09:18.591" v="3012" actId="1076"/>
+          <ac:picMkLst>
+            <pc:docMk/>
+            <pc:sldMk cId="3416507657" sldId="265"/>
+            <ac:picMk id="11" creationId="{44AA24C5-508C-4D40-7E65-55D5627E4671}"/>
+          </ac:picMkLst>
+        </pc:picChg>
+      </pc:sldChg>
+      <pc:sldChg chg="add del">
+        <pc:chgData name="Scruel Tao" userId="5ea5c98d59b44d4b" providerId="LiveId" clId="{2BA6F94F-59B6-4AA6-9DB6-4A8227DBE37E}" dt="2023-04-03T05:03:50.426" v="2761" actId="47"/>
+        <pc:sldMkLst>
+          <pc:docMk/>
+          <pc:sldMk cId="3540231720" sldId="266"/>
+        </pc:sldMkLst>
+      </pc:sldChg>
+      <pc:sldChg chg="add del">
+        <pc:chgData name="Scruel Tao" userId="5ea5c98d59b44d4b" providerId="LiveId" clId="{2BA6F94F-59B6-4AA6-9DB6-4A8227DBE37E}" dt="2023-04-03T05:03:50.758" v="2762" actId="47"/>
+        <pc:sldMkLst>
+          <pc:docMk/>
+          <pc:sldMk cId="4025758886" sldId="267"/>
+        </pc:sldMkLst>
+      </pc:sldChg>
+      <pc:sldChg chg="add del">
+        <pc:chgData name="Scruel Tao" userId="5ea5c98d59b44d4b" providerId="LiveId" clId="{2BA6F94F-59B6-4AA6-9DB6-4A8227DBE37E}" dt="2023-04-03T05:03:50.967" v="2763" actId="47"/>
+        <pc:sldMkLst>
+          <pc:docMk/>
+          <pc:sldMk cId="3881832977" sldId="268"/>
+        </pc:sldMkLst>
+      </pc:sldChg>
+      <pc:sldChg chg="add del">
+        <pc:chgData name="Scruel Tao" userId="5ea5c98d59b44d4b" providerId="LiveId" clId="{2BA6F94F-59B6-4AA6-9DB6-4A8227DBE37E}" dt="2023-04-03T05:03:51.140" v="2764" actId="47"/>
+        <pc:sldMkLst>
+          <pc:docMk/>
+          <pc:sldMk cId="3546485175" sldId="269"/>
+        </pc:sldMkLst>
+      </pc:sldChg>
+      <pc:sldChg chg="addSp delSp modSp add mod ord">
+        <pc:chgData name="Scruel Tao" userId="5ea5c98d59b44d4b" providerId="LiveId" clId="{2BA6F94F-59B6-4AA6-9DB6-4A8227DBE37E}" dt="2023-04-06T03:12:53.496" v="6269" actId="1076"/>
+        <pc:sldMkLst>
+          <pc:docMk/>
+          <pc:sldMk cId="192831406" sldId="270"/>
+        </pc:sldMkLst>
+        <pc:spChg chg="mod">
+          <ac:chgData name="Scruel Tao" userId="5ea5c98d59b44d4b" providerId="LiveId" clId="{2BA6F94F-59B6-4AA6-9DB6-4A8227DBE37E}" dt="2023-04-06T01:59:06.037" v="3423" actId="20577"/>
+          <ac:spMkLst>
+            <pc:docMk/>
+            <pc:sldMk cId="192831406" sldId="270"/>
+            <ac:spMk id="2" creationId="{ABA783DF-49A6-7EF1-661E-C574E2C2F386}"/>
+          </ac:spMkLst>
+        </pc:spChg>
+        <pc:spChg chg="mod">
+          <ac:chgData name="Scruel Tao" userId="5ea5c98d59b44d4b" providerId="LiveId" clId="{2BA6F94F-59B6-4AA6-9DB6-4A8227DBE37E}" dt="2023-04-03T04:55:36.354" v="2500" actId="20577"/>
+          <ac:spMkLst>
+            <pc:docMk/>
+            <pc:sldMk cId="192831406" sldId="270"/>
+            <ac:spMk id="5" creationId="{334FF01F-2A65-44F6-34F9-69AC934A31D7}"/>
+          </ac:spMkLst>
+        </pc:spChg>
+        <pc:spChg chg="add del mod">
+          <ac:chgData name="Scruel Tao" userId="5ea5c98d59b44d4b" providerId="LiveId" clId="{2BA6F94F-59B6-4AA6-9DB6-4A8227DBE37E}" dt="2023-04-03T04:49:26.325" v="2108"/>
+          <ac:spMkLst>
+            <pc:docMk/>
+            <pc:sldMk cId="192831406" sldId="270"/>
+            <ac:spMk id="6" creationId="{4825B1F8-4B63-9130-AF5C-D8B58F7AE6AF}"/>
+          </ac:spMkLst>
+        </pc:spChg>
+        <pc:spChg chg="add del mod">
+          <ac:chgData name="Scruel Tao" userId="5ea5c98d59b44d4b" providerId="LiveId" clId="{2BA6F94F-59B6-4AA6-9DB6-4A8227DBE37E}" dt="2023-04-03T04:55:48.392" v="2504"/>
+          <ac:spMkLst>
+            <pc:docMk/>
+            <pc:sldMk cId="192831406" sldId="270"/>
+            <ac:spMk id="13" creationId="{BFF52406-2E49-3B9D-2A6D-2A5EDD1B1D0D}"/>
+          </ac:spMkLst>
+        </pc:spChg>
+        <pc:spChg chg="add mod">
+          <ac:chgData name="Scruel Tao" userId="5ea5c98d59b44d4b" providerId="LiveId" clId="{2BA6F94F-59B6-4AA6-9DB6-4A8227DBE37E}" dt="2023-04-06T03:12:53.496" v="6269" actId="1076"/>
+          <ac:spMkLst>
+            <pc:docMk/>
+            <pc:sldMk cId="192831406" sldId="270"/>
+            <ac:spMk id="14" creationId="{BF2C039C-7D70-5BA8-10BF-AC65C1C472C2}"/>
+          </ac:spMkLst>
+        </pc:spChg>
+        <pc:picChg chg="del">
+          <ac:chgData name="Scruel Tao" userId="5ea5c98d59b44d4b" providerId="LiveId" clId="{2BA6F94F-59B6-4AA6-9DB6-4A8227DBE37E}" dt="2023-04-03T04:46:04.237" v="2072" actId="21"/>
+          <ac:picMkLst>
+            <pc:docMk/>
+            <pc:sldMk cId="192831406" sldId="270"/>
+            <ac:picMk id="4" creationId="{A511FBE8-0DD6-E630-8EF3-0C4EEA9CD752}"/>
+          </ac:picMkLst>
+        </pc:picChg>
+        <pc:picChg chg="del mod">
+          <ac:chgData name="Scruel Tao" userId="5ea5c98d59b44d4b" providerId="LiveId" clId="{2BA6F94F-59B6-4AA6-9DB6-4A8227DBE37E}" dt="2023-04-03T04:49:25.552" v="2107" actId="21"/>
+          <ac:picMkLst>
+            <pc:docMk/>
+            <pc:sldMk cId="192831406" sldId="270"/>
+            <ac:picMk id="7" creationId="{DD04D8AF-8509-73F1-4E2C-416ED822D93C}"/>
+          </ac:picMkLst>
+        </pc:picChg>
+        <pc:picChg chg="add mod">
+          <ac:chgData name="Scruel Tao" userId="5ea5c98d59b44d4b" providerId="LiveId" clId="{2BA6F94F-59B6-4AA6-9DB6-4A8227DBE37E}" dt="2023-04-03T04:56:24.305" v="2563" actId="1076"/>
+          <ac:picMkLst>
+            <pc:docMk/>
+            <pc:sldMk cId="192831406" sldId="270"/>
+            <ac:picMk id="8" creationId="{9FEE71E3-5A5A-BDD3-0177-666AE0953528}"/>
+          </ac:picMkLst>
+        </pc:picChg>
+        <pc:picChg chg="add mod">
+          <ac:chgData name="Scruel Tao" userId="5ea5c98d59b44d4b" providerId="LiveId" clId="{2BA6F94F-59B6-4AA6-9DB6-4A8227DBE37E}" dt="2023-04-03T04:57:09.828" v="2614" actId="1076"/>
+          <ac:picMkLst>
+            <pc:docMk/>
+            <pc:sldMk cId="192831406" sldId="270"/>
+            <ac:picMk id="10" creationId="{ED7D2C24-3911-466C-3E76-669FC1671250}"/>
+          </ac:picMkLst>
+        </pc:picChg>
+        <pc:picChg chg="add mod">
+          <ac:chgData name="Scruel Tao" userId="5ea5c98d59b44d4b" providerId="LiveId" clId="{2BA6F94F-59B6-4AA6-9DB6-4A8227DBE37E}" dt="2023-04-03T04:55:39.683" v="2501" actId="1076"/>
+          <ac:picMkLst>
+            <pc:docMk/>
+            <pc:sldMk cId="192831406" sldId="270"/>
+            <ac:picMk id="12" creationId="{A8B42638-E2EC-8913-3326-65DFC6BFA414}"/>
+          </ac:picMkLst>
+        </pc:picChg>
+      </pc:sldChg>
+      <pc:sldChg chg="addSp delSp modSp add mod modTransition delAnim modAnim">
+        <pc:chgData name="Scruel Tao" userId="5ea5c98d59b44d4b" providerId="LiveId" clId="{2BA6F94F-59B6-4AA6-9DB6-4A8227DBE37E}" dt="2023-04-06T02:37:35.540" v="4103" actId="20577"/>
+        <pc:sldMkLst>
+          <pc:docMk/>
+          <pc:sldMk cId="555885545" sldId="271"/>
+        </pc:sldMkLst>
+        <pc:spChg chg="mod">
+          <ac:chgData name="Scruel Tao" userId="5ea5c98d59b44d4b" providerId="LiveId" clId="{2BA6F94F-59B6-4AA6-9DB6-4A8227DBE37E}" dt="2023-04-06T02:37:35.540" v="4103" actId="20577"/>
+          <ac:spMkLst>
+            <pc:docMk/>
+            <pc:sldMk cId="555885545" sldId="271"/>
+            <ac:spMk id="2" creationId="{ABA783DF-49A6-7EF1-661E-C574E2C2F386}"/>
+          </ac:spMkLst>
+        </pc:spChg>
+        <pc:spChg chg="mod">
+          <ac:chgData name="Scruel Tao" userId="5ea5c98d59b44d4b" providerId="LiveId" clId="{2BA6F94F-59B6-4AA6-9DB6-4A8227DBE37E}" dt="2023-04-06T02:37:10.496" v="4102" actId="20577"/>
+          <ac:spMkLst>
+            <pc:docMk/>
+            <pc:sldMk cId="555885545" sldId="271"/>
+            <ac:spMk id="5" creationId="{334FF01F-2A65-44F6-34F9-69AC934A31D7}"/>
+          </ac:spMkLst>
+        </pc:spChg>
+        <pc:spChg chg="del">
+          <ac:chgData name="Scruel Tao" userId="5ea5c98d59b44d4b" providerId="LiveId" clId="{2BA6F94F-59B6-4AA6-9DB6-4A8227DBE37E}" dt="2023-04-03T05:12:20.396" v="3109"/>
+          <ac:spMkLst>
+            <pc:docMk/>
+            <pc:sldMk cId="555885545" sldId="271"/>
+            <ac:spMk id="12" creationId="{17AECC1C-6944-9F68-770A-0455E86B2492}"/>
+          </ac:spMkLst>
+        </pc:spChg>
+        <pc:picChg chg="add mod">
+          <ac:chgData name="Scruel Tao" userId="5ea5c98d59b44d4b" providerId="LiveId" clId="{2BA6F94F-59B6-4AA6-9DB6-4A8227DBE37E}" dt="2023-04-03T05:12:24.482" v="3111" actId="1076"/>
+          <ac:picMkLst>
+            <pc:docMk/>
+            <pc:sldMk cId="555885545" sldId="271"/>
+            <ac:picMk id="3" creationId="{E9C9C4B6-9E80-13FC-3C11-56455F818828}"/>
+          </ac:picMkLst>
+        </pc:picChg>
+        <pc:picChg chg="add del mod">
+          <ac:chgData name="Scruel Tao" userId="5ea5c98d59b44d4b" providerId="LiveId" clId="{2BA6F94F-59B6-4AA6-9DB6-4A8227DBE37E}" dt="2023-04-06T02:23:46.442" v="3975" actId="478"/>
+          <ac:picMkLst>
+            <pc:docMk/>
+            <pc:sldMk cId="555885545" sldId="271"/>
+            <ac:picMk id="6" creationId="{946FBC4D-967C-E0DD-4B99-AFE37DE456FC}"/>
+          </ac:picMkLst>
+        </pc:picChg>
+        <pc:picChg chg="add del mod">
+          <ac:chgData name="Scruel Tao" userId="5ea5c98d59b44d4b" providerId="LiveId" clId="{2BA6F94F-59B6-4AA6-9DB6-4A8227DBE37E}" dt="2023-04-06T02:34:23.966" v="4014" actId="478"/>
+          <ac:picMkLst>
+            <pc:docMk/>
+            <pc:sldMk cId="555885545" sldId="271"/>
+            <ac:picMk id="8" creationId="{CBE0F782-9063-9A1B-F123-E3585C23F8D4}"/>
+          </ac:picMkLst>
+        </pc:picChg>
+        <pc:picChg chg="add mod ord">
+          <ac:chgData name="Scruel Tao" userId="5ea5c98d59b44d4b" providerId="LiveId" clId="{2BA6F94F-59B6-4AA6-9DB6-4A8227DBE37E}" dt="2023-04-06T02:34:21.109" v="4013" actId="171"/>
+          <ac:picMkLst>
+            <pc:docMk/>
+            <pc:sldMk cId="555885545" sldId="271"/>
+            <ac:picMk id="10" creationId="{AB9AA877-00A8-CAE0-AEB2-54C3CC706AB2}"/>
+          </ac:picMkLst>
+        </pc:picChg>
+        <pc:picChg chg="add del mod">
+          <ac:chgData name="Scruel Tao" userId="5ea5c98d59b44d4b" providerId="LiveId" clId="{2BA6F94F-59B6-4AA6-9DB6-4A8227DBE37E}" dt="2023-04-06T02:34:05.904" v="4011" actId="478"/>
+          <ac:picMkLst>
+            <pc:docMk/>
+            <pc:sldMk cId="555885545" sldId="271"/>
+            <ac:picMk id="12" creationId="{6B5B9BC3-94A6-21D9-46F9-DD8E61B43B92}"/>
+          </ac:picMkLst>
+        </pc:picChg>
+        <pc:picChg chg="add mod">
+          <ac:chgData name="Scruel Tao" userId="5ea5c98d59b44d4b" providerId="LiveId" clId="{2BA6F94F-59B6-4AA6-9DB6-4A8227DBE37E}" dt="2023-04-06T02:34:48.022" v="4029" actId="1076"/>
+          <ac:picMkLst>
+            <pc:docMk/>
+            <pc:sldMk cId="555885545" sldId="271"/>
+            <ac:picMk id="14" creationId="{6A16C4FE-00E6-5357-100A-B8710B34F596}"/>
+          </ac:picMkLst>
+        </pc:picChg>
+        <pc:picChg chg="add mod">
+          <ac:chgData name="Scruel Tao" userId="5ea5c98d59b44d4b" providerId="LiveId" clId="{2BA6F94F-59B6-4AA6-9DB6-4A8227DBE37E}" dt="2023-04-06T02:35:36.170" v="4034" actId="1076"/>
+          <ac:picMkLst>
+            <pc:docMk/>
+            <pc:sldMk cId="555885545" sldId="271"/>
+            <ac:picMk id="16" creationId="{11C754BB-74AE-32B2-031C-7FF20420B575}"/>
+          </ac:picMkLst>
+        </pc:picChg>
+      </pc:sldChg>
+      <pc:sldChg chg="addSp delSp modSp add mod modClrScheme modAnim chgLayout">
+        <pc:chgData name="Scruel Tao" userId="5ea5c98d59b44d4b" providerId="LiveId" clId="{2BA6F94F-59B6-4AA6-9DB6-4A8227DBE37E}" dt="2023-04-06T03:21:33.591" v="6322" actId="20577"/>
+        <pc:sldMkLst>
+          <pc:docMk/>
+          <pc:sldMk cId="1518949093" sldId="272"/>
+        </pc:sldMkLst>
+        <pc:spChg chg="mod ord">
+          <ac:chgData name="Scruel Tao" userId="5ea5c98d59b44d4b" providerId="LiveId" clId="{2BA6F94F-59B6-4AA6-9DB6-4A8227DBE37E}" dt="2023-04-06T02:46:26.755" v="4346" actId="700"/>
+          <ac:spMkLst>
+            <pc:docMk/>
+            <pc:sldMk cId="1518949093" sldId="272"/>
+            <ac:spMk id="2" creationId="{ABA783DF-49A6-7EF1-661E-C574E2C2F386}"/>
+          </ac:spMkLst>
+        </pc:spChg>
+        <pc:spChg chg="add mod ord">
+          <ac:chgData name="Scruel Tao" userId="5ea5c98d59b44d4b" providerId="LiveId" clId="{2BA6F94F-59B6-4AA6-9DB6-4A8227DBE37E}" dt="2023-04-06T03:21:33.591" v="6322" actId="20577"/>
+          <ac:spMkLst>
+            <pc:docMk/>
+            <pc:sldMk cId="1518949093" sldId="272"/>
+            <ac:spMk id="3" creationId="{939F03AE-10F4-D882-D99A-D5393469A114}"/>
+          </ac:spMkLst>
+        </pc:spChg>
+        <pc:spChg chg="add mod">
+          <ac:chgData name="Scruel Tao" userId="5ea5c98d59b44d4b" providerId="LiveId" clId="{2BA6F94F-59B6-4AA6-9DB6-4A8227DBE37E}" dt="2023-04-06T03:00:35.995" v="5800" actId="1076"/>
+          <ac:spMkLst>
+            <pc:docMk/>
+            <pc:sldMk cId="1518949093" sldId="272"/>
+            <ac:spMk id="4" creationId="{7F9F47DD-E49D-A929-FBF6-0571BAC29FB6}"/>
+          </ac:spMkLst>
+        </pc:spChg>
+        <pc:spChg chg="del mod ord">
+          <ac:chgData name="Scruel Tao" userId="5ea5c98d59b44d4b" providerId="LiveId" clId="{2BA6F94F-59B6-4AA6-9DB6-4A8227DBE37E}" dt="2023-04-06T02:46:26.755" v="4346" actId="700"/>
+          <ac:spMkLst>
+            <pc:docMk/>
+            <pc:sldMk cId="1518949093" sldId="272"/>
+            <ac:spMk id="5" creationId="{334FF01F-2A65-44F6-34F9-69AC934A31D7}"/>
+          </ac:spMkLst>
+        </pc:spChg>
+        <pc:spChg chg="add del mod">
+          <ac:chgData name="Scruel Tao" userId="5ea5c98d59b44d4b" providerId="LiveId" clId="{2BA6F94F-59B6-4AA6-9DB6-4A8227DBE37E}" dt="2023-04-06T02:46:26.755" v="4346" actId="700"/>
+          <ac:spMkLst>
+            <pc:docMk/>
+            <pc:sldMk cId="1518949093" sldId="272"/>
+            <ac:spMk id="7" creationId="{F35B7A8A-4930-2C62-CD2B-1E4E38AFABE3}"/>
+          </ac:spMkLst>
+        </pc:spChg>
+        <pc:spChg chg="del">
+          <ac:chgData name="Scruel Tao" userId="5ea5c98d59b44d4b" providerId="LiveId" clId="{2BA6F94F-59B6-4AA6-9DB6-4A8227DBE37E}" dt="2023-04-03T05:12:13.720" v="3106"/>
+          <ac:spMkLst>
+            <pc:docMk/>
+            <pc:sldMk cId="1518949093" sldId="272"/>
+            <ac:spMk id="12" creationId="{17AECC1C-6944-9F68-770A-0455E86B2492}"/>
+          </ac:spMkLst>
+        </pc:spChg>
+        <pc:picChg chg="add del mod">
+          <ac:chgData name="Scruel Tao" userId="5ea5c98d59b44d4b" providerId="LiveId" clId="{2BA6F94F-59B6-4AA6-9DB6-4A8227DBE37E}" dt="2023-04-03T05:12:18.430" v="3108" actId="21"/>
+          <ac:picMkLst>
+            <pc:docMk/>
+            <pc:sldMk cId="1518949093" sldId="272"/>
+            <ac:picMk id="4" creationId="{ED7E2725-EC32-D629-C663-EC55BC83D8AA}"/>
+          </ac:picMkLst>
+        </pc:picChg>
+      </pc:sldChg>
+      <pc:sldChg chg="addSp delSp modSp add mod modAnim">
+        <pc:chgData name="Scruel Tao" userId="5ea5c98d59b44d4b" providerId="LiveId" clId="{2BA6F94F-59B6-4AA6-9DB6-4A8227DBE37E}" dt="2023-04-06T03:22:01.021" v="6326" actId="20577"/>
+        <pc:sldMkLst>
+          <pc:docMk/>
+          <pc:sldMk cId="1301849154" sldId="273"/>
+        </pc:sldMkLst>
+        <pc:spChg chg="mod">
+          <ac:chgData name="Scruel Tao" userId="5ea5c98d59b44d4b" providerId="LiveId" clId="{2BA6F94F-59B6-4AA6-9DB6-4A8227DBE37E}" dt="2023-04-06T02:00:22.559" v="3502" actId="20577"/>
+          <ac:spMkLst>
+            <pc:docMk/>
+            <pc:sldMk cId="1301849154" sldId="273"/>
+            <ac:spMk id="2" creationId="{ABA783DF-49A6-7EF1-661E-C574E2C2F386}"/>
+          </ac:spMkLst>
+        </pc:spChg>
+        <pc:spChg chg="mod ord">
+          <ac:chgData name="Scruel Tao" userId="5ea5c98d59b44d4b" providerId="LiveId" clId="{2BA6F94F-59B6-4AA6-9DB6-4A8227DBE37E}" dt="2023-04-06T03:22:01.021" v="6326" actId="20577"/>
+          <ac:spMkLst>
+            <pc:docMk/>
+            <pc:sldMk cId="1301849154" sldId="273"/>
+            <ac:spMk id="5" creationId="{334FF01F-2A65-44F6-34F9-69AC934A31D7}"/>
+          </ac:spMkLst>
+        </pc:spChg>
+        <pc:spChg chg="add del">
+          <ac:chgData name="Scruel Tao" userId="5ea5c98d59b44d4b" providerId="LiveId" clId="{2BA6F94F-59B6-4AA6-9DB6-4A8227DBE37E}" dt="2023-04-06T03:03:08.342" v="5816" actId="22"/>
+          <ac:spMkLst>
+            <pc:docMk/>
+            <pc:sldMk cId="1301849154" sldId="273"/>
+            <ac:spMk id="9" creationId="{2D63CFCC-FD4C-6E5B-C31C-1FACE6548087}"/>
+          </ac:spMkLst>
+        </pc:spChg>
+        <pc:spChg chg="del">
+          <ac:chgData name="Scruel Tao" userId="5ea5c98d59b44d4b" providerId="LiveId" clId="{2BA6F94F-59B6-4AA6-9DB6-4A8227DBE37E}" dt="2023-04-06T02:59:42.163" v="5772"/>
+          <ac:spMkLst>
+            <pc:docMk/>
+            <pc:sldMk cId="1301849154" sldId="273"/>
+            <ac:spMk id="12" creationId="{17AECC1C-6944-9F68-770A-0455E86B2492}"/>
+          </ac:spMkLst>
+        </pc:spChg>
+        <pc:picChg chg="add mod">
+          <ac:chgData name="Scruel Tao" userId="5ea5c98d59b44d4b" providerId="LiveId" clId="{2BA6F94F-59B6-4AA6-9DB6-4A8227DBE37E}" dt="2023-04-06T03:00:08.355" v="5783" actId="14100"/>
+          <ac:picMkLst>
+            <pc:docMk/>
+            <pc:sldMk cId="1301849154" sldId="273"/>
+            <ac:picMk id="4" creationId="{0A002240-4414-DA2D-96E9-81195475F4D9}"/>
+          </ac:picMkLst>
+        </pc:picChg>
+        <pc:picChg chg="add mod">
+          <ac:chgData name="Scruel Tao" userId="5ea5c98d59b44d4b" providerId="LiveId" clId="{2BA6F94F-59B6-4AA6-9DB6-4A8227DBE37E}" dt="2023-04-06T03:01:55.942" v="5807" actId="1076"/>
+          <ac:picMkLst>
+            <pc:docMk/>
+            <pc:sldMk cId="1301849154" sldId="273"/>
+            <ac:picMk id="7" creationId="{039AB04D-EA90-8BDD-A9C6-599C7C25DC63}"/>
+          </ac:picMkLst>
+        </pc:picChg>
+        <pc:picChg chg="add mod">
+          <ac:chgData name="Scruel Tao" userId="5ea5c98d59b44d4b" providerId="LiveId" clId="{2BA6F94F-59B6-4AA6-9DB6-4A8227DBE37E}" dt="2023-04-06T03:03:35.262" v="5826" actId="1076"/>
+          <ac:picMkLst>
+            <pc:docMk/>
+            <pc:sldMk cId="1301849154" sldId="273"/>
+            <ac:picMk id="11" creationId="{F56CF5C9-083E-9020-8D45-F23AB3CF38CE}"/>
+          </ac:picMkLst>
+        </pc:picChg>
+      </pc:sldChg>
+      <pc:sldChg chg="addSp delSp modSp add mod modClrScheme modAnim chgLayout">
+        <pc:chgData name="Scruel Tao" userId="5ea5c98d59b44d4b" providerId="LiveId" clId="{2BA6F94F-59B6-4AA6-9DB6-4A8227DBE37E}" dt="2023-04-06T03:08:04.347" v="6177" actId="20577"/>
+        <pc:sldMkLst>
+          <pc:docMk/>
+          <pc:sldMk cId="2878673110" sldId="274"/>
+        </pc:sldMkLst>
+        <pc:spChg chg="mod ord">
+          <ac:chgData name="Scruel Tao" userId="5ea5c98d59b44d4b" providerId="LiveId" clId="{2BA6F94F-59B6-4AA6-9DB6-4A8227DBE37E}" dt="2023-04-06T03:06:24.832" v="6026" actId="20577"/>
+          <ac:spMkLst>
+            <pc:docMk/>
+            <pc:sldMk cId="2878673110" sldId="274"/>
+            <ac:spMk id="2" creationId="{ABA783DF-49A6-7EF1-661E-C574E2C2F386}"/>
+          </ac:spMkLst>
+        </pc:spChg>
+        <pc:spChg chg="add mod ord">
+          <ac:chgData name="Scruel Tao" userId="5ea5c98d59b44d4b" providerId="LiveId" clId="{2BA6F94F-59B6-4AA6-9DB6-4A8227DBE37E}" dt="2023-04-06T03:08:04.347" v="6177" actId="20577"/>
+          <ac:spMkLst>
+            <pc:docMk/>
+            <pc:sldMk cId="2878673110" sldId="274"/>
+            <ac:spMk id="3" creationId="{9E0BA8B8-92DA-1AC9-79B9-A552D184BB54}"/>
+          </ac:spMkLst>
+        </pc:spChg>
+        <pc:spChg chg="del mod ord">
+          <ac:chgData name="Scruel Tao" userId="5ea5c98d59b44d4b" providerId="LiveId" clId="{2BA6F94F-59B6-4AA6-9DB6-4A8227DBE37E}" dt="2023-04-03T05:14:57.549" v="3272" actId="700"/>
+          <ac:spMkLst>
+            <pc:docMk/>
+            <pc:sldMk cId="2878673110" sldId="274"/>
+            <ac:spMk id="5" creationId="{334FF01F-2A65-44F6-34F9-69AC934A31D7}"/>
+          </ac:spMkLst>
+        </pc:spChg>
+        <pc:spChg chg="del">
+          <ac:chgData name="Scruel Tao" userId="5ea5c98d59b44d4b" providerId="LiveId" clId="{2BA6F94F-59B6-4AA6-9DB6-4A8227DBE37E}" dt="2023-04-03T05:14:57.549" v="3272" actId="700"/>
+          <ac:spMkLst>
+            <pc:docMk/>
+            <pc:sldMk cId="2878673110" sldId="274"/>
+            <ac:spMk id="12" creationId="{17AECC1C-6944-9F68-770A-0455E86B2492}"/>
+          </ac:spMkLst>
+        </pc:spChg>
+      </pc:sldChg>
+      <pc:sldChg chg="addSp delSp modSp add mod delAnim modAnim">
+        <pc:chgData name="Scruel Tao" userId="5ea5c98d59b44d4b" providerId="LiveId" clId="{2BA6F94F-59B6-4AA6-9DB6-4A8227DBE37E}" dt="2023-04-06T03:11:42.112" v="6223" actId="20577"/>
+        <pc:sldMkLst>
+          <pc:docMk/>
+          <pc:sldMk cId="1525970791" sldId="275"/>
+        </pc:sldMkLst>
+        <pc:spChg chg="mod">
+          <ac:chgData name="Scruel Tao" userId="5ea5c98d59b44d4b" providerId="LiveId" clId="{2BA6F94F-59B6-4AA6-9DB6-4A8227DBE37E}" dt="2023-04-06T02:37:55.606" v="4130" actId="20577"/>
+          <ac:spMkLst>
+            <pc:docMk/>
+            <pc:sldMk cId="1525970791" sldId="275"/>
+            <ac:spMk id="2" creationId="{ABA783DF-49A6-7EF1-661E-C574E2C2F386}"/>
+          </ac:spMkLst>
+        </pc:spChg>
+        <pc:spChg chg="add mod">
+          <ac:chgData name="Scruel Tao" userId="5ea5c98d59b44d4b" providerId="LiveId" clId="{2BA6F94F-59B6-4AA6-9DB6-4A8227DBE37E}" dt="2023-04-06T02:40:44.115" v="4288" actId="1076"/>
+          <ac:spMkLst>
+            <pc:docMk/>
+            <pc:sldMk cId="1525970791" sldId="275"/>
+            <ac:spMk id="3" creationId="{758FEE91-E006-78B4-7371-44F05CE1873F}"/>
+          </ac:spMkLst>
+        </pc:spChg>
+        <pc:spChg chg="mod">
+          <ac:chgData name="Scruel Tao" userId="5ea5c98d59b44d4b" providerId="LiveId" clId="{2BA6F94F-59B6-4AA6-9DB6-4A8227DBE37E}" dt="2023-04-06T03:11:42.112" v="6223" actId="20577"/>
+          <ac:spMkLst>
+            <pc:docMk/>
+            <pc:sldMk cId="1525970791" sldId="275"/>
+            <ac:spMk id="5" creationId="{334FF01F-2A65-44F6-34F9-69AC934A31D7}"/>
+          </ac:spMkLst>
+        </pc:spChg>
+        <pc:spChg chg="add del mod">
+          <ac:chgData name="Scruel Tao" userId="5ea5c98d59b44d4b" providerId="LiveId" clId="{2BA6F94F-59B6-4AA6-9DB6-4A8227DBE37E}" dt="2023-04-06T02:41:11.484" v="4301"/>
+          <ac:spMkLst>
+            <pc:docMk/>
+            <pc:sldMk cId="1525970791" sldId="275"/>
+            <ac:spMk id="6" creationId="{FE71521E-2CC0-4A61-AAED-50B969DD3FB2}"/>
+          </ac:spMkLst>
+        </pc:spChg>
+        <pc:spChg chg="add del mod">
+          <ac:chgData name="Scruel Tao" userId="5ea5c98d59b44d4b" providerId="LiveId" clId="{2BA6F94F-59B6-4AA6-9DB6-4A8227DBE37E}" dt="2023-04-06T02:41:49.801" v="4308"/>
+          <ac:spMkLst>
+            <pc:docMk/>
+            <pc:sldMk cId="1525970791" sldId="275"/>
+            <ac:spMk id="11" creationId="{E7566BCF-DD27-2A40-5FAC-846D590C6664}"/>
+          </ac:spMkLst>
+        </pc:spChg>
+        <pc:picChg chg="del">
+          <ac:chgData name="Scruel Tao" userId="5ea5c98d59b44d4b" providerId="LiveId" clId="{2BA6F94F-59B6-4AA6-9DB6-4A8227DBE37E}" dt="2023-04-03T05:13:19.543" v="3163" actId="21"/>
+          <ac:picMkLst>
+            <pc:docMk/>
+            <pc:sldMk cId="1525970791" sldId="275"/>
+            <ac:picMk id="3" creationId="{E9C9C4B6-9E80-13FC-3C11-56455F818828}"/>
+          </ac:picMkLst>
+        </pc:picChg>
+        <pc:picChg chg="add del mod">
+          <ac:chgData name="Scruel Tao" userId="5ea5c98d59b44d4b" providerId="LiveId" clId="{2BA6F94F-59B6-4AA6-9DB6-4A8227DBE37E}" dt="2023-04-06T02:41:10.728" v="4300"/>
+          <ac:picMkLst>
+            <pc:docMk/>
+            <pc:sldMk cId="1525970791" sldId="275"/>
+            <ac:picMk id="7" creationId="{72753DEC-DD0C-C274-F404-F5EB4CD1C448}"/>
+          </ac:picMkLst>
+        </pc:picChg>
+        <pc:picChg chg="add del mod">
+          <ac:chgData name="Scruel Tao" userId="5ea5c98d59b44d4b" providerId="LiveId" clId="{2BA6F94F-59B6-4AA6-9DB6-4A8227DBE37E}" dt="2023-04-06T02:41:48.798" v="4307" actId="478"/>
+          <ac:picMkLst>
+            <pc:docMk/>
+            <pc:sldMk cId="1525970791" sldId="275"/>
+            <ac:picMk id="9" creationId="{956D46E1-CA10-6110-3721-527FB106B816}"/>
+          </ac:picMkLst>
+        </pc:picChg>
+        <pc:picChg chg="add mod">
+          <ac:chgData name="Scruel Tao" userId="5ea5c98d59b44d4b" providerId="LiveId" clId="{2BA6F94F-59B6-4AA6-9DB6-4A8227DBE37E}" dt="2023-04-06T02:41:56.060" v="4311" actId="14100"/>
+          <ac:picMkLst>
+            <pc:docMk/>
+            <pc:sldMk cId="1525970791" sldId="275"/>
+            <ac:picMk id="13" creationId="{28E0336C-E8D0-EA88-BA1F-58180AAA10B2}"/>
+          </ac:picMkLst>
+        </pc:picChg>
+        <pc:picChg chg="add mod">
+          <ac:chgData name="Scruel Tao" userId="5ea5c98d59b44d4b" providerId="LiveId" clId="{2BA6F94F-59B6-4AA6-9DB6-4A8227DBE37E}" dt="2023-04-06T02:43:15.541" v="4323" actId="1076"/>
+          <ac:picMkLst>
+            <pc:docMk/>
+            <pc:sldMk cId="1525970791" sldId="275"/>
+            <ac:picMk id="15" creationId="{688D0B3B-ED19-D752-7801-4EA7CCF93CF1}"/>
+          </ac:picMkLst>
+        </pc:picChg>
+        <pc:picChg chg="add del mod">
+          <ac:chgData name="Scruel Tao" userId="5ea5c98d59b44d4b" providerId="LiveId" clId="{2BA6F94F-59B6-4AA6-9DB6-4A8227DBE37E}" dt="2023-04-06T02:45:44.597" v="4337" actId="478"/>
+          <ac:picMkLst>
+            <pc:docMk/>
+            <pc:sldMk cId="1525970791" sldId="275"/>
+            <ac:picMk id="17" creationId="{A0899730-319B-2A2E-DBC8-BEBF8655AA69}"/>
+          </ac:picMkLst>
+        </pc:picChg>
+        <pc:picChg chg="add mod">
+          <ac:chgData name="Scruel Tao" userId="5ea5c98d59b44d4b" providerId="LiveId" clId="{2BA6F94F-59B6-4AA6-9DB6-4A8227DBE37E}" dt="2023-04-06T02:45:54.296" v="4342" actId="1076"/>
+          <ac:picMkLst>
+            <pc:docMk/>
+            <pc:sldMk cId="1525970791" sldId="275"/>
+            <ac:picMk id="19" creationId="{EA4C9E56-4F35-33EF-251B-533EFC0DABBF}"/>
+          </ac:picMkLst>
+        </pc:picChg>
+      </pc:sldChg>
+      <pc:sldChg chg="modSp add del mod">
+        <pc:chgData name="Scruel Tao" userId="5ea5c98d59b44d4b" providerId="LiveId" clId="{2BA6F94F-59B6-4AA6-9DB6-4A8227DBE37E}" dt="2023-04-06T02:37:57.733" v="4131" actId="47"/>
+        <pc:sldMkLst>
+          <pc:docMk/>
+          <pc:sldMk cId="1084643022" sldId="276"/>
+        </pc:sldMkLst>
+        <pc:spChg chg="mod">
+          <ac:chgData name="Scruel Tao" userId="5ea5c98d59b44d4b" providerId="LiveId" clId="{2BA6F94F-59B6-4AA6-9DB6-4A8227DBE37E}" dt="2023-04-06T01:59:57.563" v="3451" actId="20577"/>
+          <ac:spMkLst>
+            <pc:docMk/>
+            <pc:sldMk cId="1084643022" sldId="276"/>
+            <ac:spMk id="2" creationId="{ABA783DF-49A6-7EF1-661E-C574E2C2F386}"/>
+          </ac:spMkLst>
+        </pc:spChg>
+      </pc:sldChg>
+      <pc:sldMasterChg chg="modSldLayout">
+        <pc:chgData name="Scruel Tao" userId="5ea5c98d59b44d4b" providerId="LiveId" clId="{2BA6F94F-59B6-4AA6-9DB6-4A8227DBE37E}" dt="2023-04-03T03:34:53.033" v="335" actId="1076"/>
+        <pc:sldMasterMkLst>
+          <pc:docMk/>
+          <pc:sldMasterMk cId="1766057859" sldId="2147483648"/>
+        </pc:sldMasterMkLst>
+        <pc:sldLayoutChg chg="delSp modSp mod">
+          <pc:chgData name="Scruel Tao" userId="5ea5c98d59b44d4b" providerId="LiveId" clId="{2BA6F94F-59B6-4AA6-9DB6-4A8227DBE37E}" dt="2023-04-03T03:34:53.033" v="335" actId="1076"/>
+          <pc:sldLayoutMkLst>
+            <pc:docMk/>
+            <pc:sldMasterMk cId="1766057859" sldId="2147483648"/>
+            <pc:sldLayoutMk cId="1337634028" sldId="2147483660"/>
+          </pc:sldLayoutMkLst>
+          <pc:spChg chg="del mod">
+            <ac:chgData name="Scruel Tao" userId="5ea5c98d59b44d4b" providerId="LiveId" clId="{2BA6F94F-59B6-4AA6-9DB6-4A8227DBE37E}" dt="2023-04-03T03:27:47.594" v="278" actId="478"/>
+            <ac:spMkLst>
+              <pc:docMk/>
+              <pc:sldMasterMk cId="1766057859" sldId="2147483648"/>
+              <pc:sldLayoutMk cId="1337634028" sldId="2147483660"/>
+              <ac:spMk id="19468" creationId="{418CE5A5-515B-CEAB-D160-CBAFEBF4837F}"/>
+            </ac:spMkLst>
+          </pc:spChg>
+          <pc:picChg chg="del">
+            <ac:chgData name="Scruel Tao" userId="5ea5c98d59b44d4b" providerId="LiveId" clId="{2BA6F94F-59B6-4AA6-9DB6-4A8227DBE37E}" dt="2023-04-03T03:26:11.336" v="269" actId="21"/>
+            <ac:picMkLst>
+              <pc:docMk/>
+              <pc:sldMasterMk cId="1766057859" sldId="2147483648"/>
+              <pc:sldLayoutMk cId="1337634028" sldId="2147483660"/>
+              <ac:picMk id="19481" creationId="{02568321-E4E6-1B3D-8017-A3451A7203B9}"/>
+            </ac:picMkLst>
+          </pc:picChg>
+          <pc:picChg chg="mod">
+            <ac:chgData name="Scruel Tao" userId="5ea5c98d59b44d4b" providerId="LiveId" clId="{2BA6F94F-59B6-4AA6-9DB6-4A8227DBE37E}" dt="2023-04-03T03:34:53.033" v="335" actId="1076"/>
+            <ac:picMkLst>
+              <pc:docMk/>
+              <pc:sldMasterMk cId="1766057859" sldId="2147483648"/>
+              <pc:sldLayoutMk cId="1337634028" sldId="2147483660"/>
+              <ac:picMk id="19482" creationId="{8F2B9C9A-7CA4-5723-784E-DBADCF09186B}"/>
+            </ac:picMkLst>
+          </pc:picChg>
+        </pc:sldLayoutChg>
+      </pc:sldMasterChg>
+    </pc:docChg>
+  </pc:docChgLst>
+  <pc:docChgLst>
+    <pc:chgData name="Scruel Tao" userId="5ea5c98d59b44d4b" providerId="LiveId" clId="{8F62429A-6AAD-4E22-91E9-51710AB92828}"/>
+    <pc:docChg chg="modSld">
+      <pc:chgData name="Scruel Tao" userId="5ea5c98d59b44d4b" providerId="LiveId" clId="{8F62429A-6AAD-4E22-91E9-51710AB92828}" dt="2023-06-02T13:48:40.088" v="0" actId="20577"/>
+      <pc:docMkLst>
+        <pc:docMk/>
+      </pc:docMkLst>
+      <pc:sldChg chg="modSp mod">
+        <pc:chgData name="Scruel Tao" userId="5ea5c98d59b44d4b" providerId="LiveId" clId="{8F62429A-6AAD-4E22-91E9-51710AB92828}" dt="2023-06-02T13:48:40.088" v="0" actId="20577"/>
+        <pc:sldMkLst>
+          <pc:docMk/>
+          <pc:sldMk cId="0" sldId="260"/>
+        </pc:sldMkLst>
+        <pc:spChg chg="mod">
+          <ac:chgData name="Scruel Tao" userId="5ea5c98d59b44d4b" providerId="LiveId" clId="{8F62429A-6AAD-4E22-91E9-51710AB92828}" dt="2023-06-02T13:48:40.088" v="0" actId="20577"/>
+          <ac:spMkLst>
+            <pc:docMk/>
+            <pc:sldMk cId="0" sldId="260"/>
+            <ac:spMk id="1227783" creationId="{F7B3941E-B689-22D6-F18C-358E4BAEDF5F}"/>
+          </ac:spMkLst>
+        </pc:spChg>
+      </pc:sldChg>
+    </pc:docChg>
+  </pc:docChgLst>
+  <pc:docChgLst>
     <pc:chgData name="Scruel Tao" userId="5ea5c98d59b44d4b" providerId="LiveId" clId="{A52ED264-C864-416B-BFF4-46855FE833A0}"/>
     <pc:docChg chg="undo redo custSel addSld delSld modSld modMainMaster">
       <pc:chgData name="Scruel Tao" userId="5ea5c98d59b44d4b" providerId="LiveId" clId="{A52ED264-C864-416B-BFF4-46855FE833A0}" dt="2023-04-25T06:04:49.595" v="147" actId="47"/>
@@ -1384,30 +2517,6 @@
     </pc:docChg>
   </pc:docChgLst>
   <pc:docChgLst>
-    <pc:chgData name="Scruel Tao" userId="5ea5c98d59b44d4b" providerId="LiveId" clId="{8F62429A-6AAD-4E22-91E9-51710AB92828}"/>
-    <pc:docChg chg="modSld">
-      <pc:chgData name="Scruel Tao" userId="5ea5c98d59b44d4b" providerId="LiveId" clId="{8F62429A-6AAD-4E22-91E9-51710AB92828}" dt="2023-06-02T13:48:40.088" v="0" actId="20577"/>
-      <pc:docMkLst>
-        <pc:docMk/>
-      </pc:docMkLst>
-      <pc:sldChg chg="modSp mod">
-        <pc:chgData name="Scruel Tao" userId="5ea5c98d59b44d4b" providerId="LiveId" clId="{8F62429A-6AAD-4E22-91E9-51710AB92828}" dt="2023-06-02T13:48:40.088" v="0" actId="20577"/>
-        <pc:sldMkLst>
-          <pc:docMk/>
-          <pc:sldMk cId="0" sldId="260"/>
-        </pc:sldMkLst>
-        <pc:spChg chg="mod">
-          <ac:chgData name="Scruel Tao" userId="5ea5c98d59b44d4b" providerId="LiveId" clId="{8F62429A-6AAD-4E22-91E9-51710AB92828}" dt="2023-06-02T13:48:40.088" v="0" actId="20577"/>
-          <ac:spMkLst>
-            <pc:docMk/>
-            <pc:sldMk cId="0" sldId="260"/>
-            <ac:spMk id="1227783" creationId="{F7B3941E-B689-22D6-F18C-358E4BAEDF5F}"/>
-          </ac:spMkLst>
-        </pc:spChg>
-      </pc:sldChg>
-    </pc:docChg>
-  </pc:docChgLst>
-  <pc:docChgLst>
     <pc:chgData name="Scruel Tao" userId="5ea5c98d59b44d4b" providerId="LiveId" clId="{3CC7155B-2781-41E0-88B2-BB844CE8EF19}"/>
     <pc:docChg chg="undo custSel addSld delSld modSld sldOrd modMainMaster">
       <pc:chgData name="Scruel Tao" userId="5ea5c98d59b44d4b" providerId="LiveId" clId="{3CC7155B-2781-41E0-88B2-BB844CE8EF19}" dt="2023-05-16T03:59:23.242" v="70" actId="478"/>
@@ -1744,1108 +2853,6 @@
       </pc:sldMasterChg>
     </pc:docChg>
   </pc:docChgLst>
-  <pc:docChgLst>
-    <pc:chgData name="Scruel Tao" userId="5ea5c98d59b44d4b" providerId="LiveId" clId="{2BA6F94F-59B6-4AA6-9DB6-4A8227DBE37E}"/>
-    <pc:docChg chg="undo redo custSel addSld delSld modSld sldOrd modMainMaster">
-      <pc:chgData name="Scruel Tao" userId="5ea5c98d59b44d4b" providerId="LiveId" clId="{2BA6F94F-59B6-4AA6-9DB6-4A8227DBE37E}" dt="2023-04-06T03:22:01.021" v="6326" actId="20577"/>
-      <pc:docMkLst>
-        <pc:docMk/>
-      </pc:docMkLst>
-      <pc:sldChg chg="del">
-        <pc:chgData name="Scruel Tao" userId="5ea5c98d59b44d4b" providerId="LiveId" clId="{2BA6F94F-59B6-4AA6-9DB6-4A8227DBE37E}" dt="2023-04-03T03:24:06.255" v="207" actId="47"/>
-        <pc:sldMkLst>
-          <pc:docMk/>
-          <pc:sldMk cId="1900326474" sldId="256"/>
-        </pc:sldMkLst>
-      </pc:sldChg>
-      <pc:sldChg chg="modSp mod">
-        <pc:chgData name="Scruel Tao" userId="5ea5c98d59b44d4b" providerId="LiveId" clId="{2BA6F94F-59B6-4AA6-9DB6-4A8227DBE37E}" dt="2023-04-06T03:06:34.065" v="6045" actId="20577"/>
-        <pc:sldMkLst>
-          <pc:docMk/>
-          <pc:sldMk cId="1112998187" sldId="257"/>
-        </pc:sldMkLst>
-        <pc:spChg chg="mod">
-          <ac:chgData name="Scruel Tao" userId="5ea5c98d59b44d4b" providerId="LiveId" clId="{2BA6F94F-59B6-4AA6-9DB6-4A8227DBE37E}" dt="2023-04-06T01:53:20.359" v="3276"/>
-          <ac:spMkLst>
-            <pc:docMk/>
-            <pc:sldMk cId="1112998187" sldId="257"/>
-            <ac:spMk id="2" creationId="{1422DFF6-0952-1023-64E3-97184D36BE3F}"/>
-          </ac:spMkLst>
-        </pc:spChg>
-        <pc:spChg chg="mod">
-          <ac:chgData name="Scruel Tao" userId="5ea5c98d59b44d4b" providerId="LiveId" clId="{2BA6F94F-59B6-4AA6-9DB6-4A8227DBE37E}" dt="2023-04-06T03:06:34.065" v="6045" actId="20577"/>
-          <ac:spMkLst>
-            <pc:docMk/>
-            <pc:sldMk cId="1112998187" sldId="257"/>
-            <ac:spMk id="3" creationId="{AC7759D9-0BB4-08ED-8476-24F7D903D6DE}"/>
-          </ac:spMkLst>
-        </pc:spChg>
-      </pc:sldChg>
-      <pc:sldChg chg="addSp delSp modSp mod modClrScheme chgLayout">
-        <pc:chgData name="Scruel Tao" userId="5ea5c98d59b44d4b" providerId="LiveId" clId="{2BA6F94F-59B6-4AA6-9DB6-4A8227DBE37E}" dt="2023-04-03T05:03:22.628" v="2756"/>
-        <pc:sldMkLst>
-          <pc:docMk/>
-          <pc:sldMk cId="3636494425" sldId="258"/>
-        </pc:sldMkLst>
-        <pc:spChg chg="mod ord">
-          <ac:chgData name="Scruel Tao" userId="5ea5c98d59b44d4b" providerId="LiveId" clId="{2BA6F94F-59B6-4AA6-9DB6-4A8227DBE37E}" dt="2023-04-03T05:03:22.628" v="2756"/>
-          <ac:spMkLst>
-            <pc:docMk/>
-            <pc:sldMk cId="3636494425" sldId="258"/>
-            <ac:spMk id="2" creationId="{ABA783DF-49A6-7EF1-661E-C574E2C2F386}"/>
-          </ac:spMkLst>
-        </pc:spChg>
-        <pc:spChg chg="mod ord">
-          <ac:chgData name="Scruel Tao" userId="5ea5c98d59b44d4b" providerId="LiveId" clId="{2BA6F94F-59B6-4AA6-9DB6-4A8227DBE37E}" dt="2023-04-03T03:46:29.252" v="641" actId="20577"/>
-          <ac:spMkLst>
-            <pc:docMk/>
-            <pc:sldMk cId="3636494425" sldId="258"/>
-            <ac:spMk id="3" creationId="{4C14948B-081B-0FED-AF72-DA2CFEC85EB0}"/>
-          </ac:spMkLst>
-        </pc:spChg>
-        <pc:spChg chg="add del mod ord">
-          <ac:chgData name="Scruel Tao" userId="5ea5c98d59b44d4b" providerId="LiveId" clId="{2BA6F94F-59B6-4AA6-9DB6-4A8227DBE37E}" dt="2023-04-03T03:44:53.662" v="491" actId="700"/>
-          <ac:spMkLst>
-            <pc:docMk/>
-            <pc:sldMk cId="3636494425" sldId="258"/>
-            <ac:spMk id="6" creationId="{F56D7D0D-9A8C-4EF8-27F2-E32848F94E27}"/>
-          </ac:spMkLst>
-        </pc:spChg>
-        <pc:spChg chg="add del mod ord">
-          <ac:chgData name="Scruel Tao" userId="5ea5c98d59b44d4b" providerId="LiveId" clId="{2BA6F94F-59B6-4AA6-9DB6-4A8227DBE37E}" dt="2023-04-03T03:47:53.866" v="642" actId="478"/>
-          <ac:spMkLst>
-            <pc:docMk/>
-            <pc:sldMk cId="3636494425" sldId="258"/>
-            <ac:spMk id="7" creationId="{34E14114-55C2-509B-E32D-4974A828AFB6}"/>
-          </ac:spMkLst>
-        </pc:spChg>
-        <pc:picChg chg="add mod">
-          <ac:chgData name="Scruel Tao" userId="5ea5c98d59b44d4b" providerId="LiveId" clId="{2BA6F94F-59B6-4AA6-9DB6-4A8227DBE37E}" dt="2023-04-03T03:45:05.643" v="494" actId="1076"/>
-          <ac:picMkLst>
-            <pc:docMk/>
-            <pc:sldMk cId="3636494425" sldId="258"/>
-            <ac:picMk id="5" creationId="{C5E50AA4-F82C-6E14-E269-5451494306AE}"/>
-          </ac:picMkLst>
-        </pc:picChg>
-      </pc:sldChg>
-      <pc:sldChg chg="addSp delSp modSp add mod modClrScheme chgLayout">
-        <pc:chgData name="Scruel Tao" userId="5ea5c98d59b44d4b" providerId="LiveId" clId="{2BA6F94F-59B6-4AA6-9DB6-4A8227DBE37E}" dt="2023-04-06T01:58:50.310" v="3415" actId="20577"/>
-        <pc:sldMkLst>
-          <pc:docMk/>
-          <pc:sldMk cId="1199684676" sldId="259"/>
-        </pc:sldMkLst>
-        <pc:spChg chg="mod ord">
-          <ac:chgData name="Scruel Tao" userId="5ea5c98d59b44d4b" providerId="LiveId" clId="{2BA6F94F-59B6-4AA6-9DB6-4A8227DBE37E}" dt="2023-04-06T01:58:50.310" v="3415" actId="20577"/>
-          <ac:spMkLst>
-            <pc:docMk/>
-            <pc:sldMk cId="1199684676" sldId="259"/>
-            <ac:spMk id="2" creationId="{ABA783DF-49A6-7EF1-661E-C574E2C2F386}"/>
-          </ac:spMkLst>
-        </pc:spChg>
-        <pc:spChg chg="del">
-          <ac:chgData name="Scruel Tao" userId="5ea5c98d59b44d4b" providerId="LiveId" clId="{2BA6F94F-59B6-4AA6-9DB6-4A8227DBE37E}" dt="2023-04-03T03:35:16.150" v="336"/>
-          <ac:spMkLst>
-            <pc:docMk/>
-            <pc:sldMk cId="1199684676" sldId="259"/>
-            <ac:spMk id="3" creationId="{4C14948B-081B-0FED-AF72-DA2CFEC85EB0}"/>
-          </ac:spMkLst>
-        </pc:spChg>
-        <pc:spChg chg="add del mod">
-          <ac:chgData name="Scruel Tao" userId="5ea5c98d59b44d4b" providerId="LiveId" clId="{2BA6F94F-59B6-4AA6-9DB6-4A8227DBE37E}" dt="2023-04-03T03:35:26.887" v="338"/>
-          <ac:spMkLst>
-            <pc:docMk/>
-            <pc:sldMk cId="1199684676" sldId="259"/>
-            <ac:spMk id="6" creationId="{99A6C97A-27D9-096E-3F01-65FA7A6B5674}"/>
-          </ac:spMkLst>
-        </pc:spChg>
-        <pc:spChg chg="add del mod">
-          <ac:chgData name="Scruel Tao" userId="5ea5c98d59b44d4b" providerId="LiveId" clId="{2BA6F94F-59B6-4AA6-9DB6-4A8227DBE37E}" dt="2023-04-03T03:35:46.159" v="342"/>
-          <ac:spMkLst>
-            <pc:docMk/>
-            <pc:sldMk cId="1199684676" sldId="259"/>
-            <ac:spMk id="9" creationId="{EA4CD5A2-8483-D61D-CBA0-AB48D8A07DC9}"/>
-          </ac:spMkLst>
-        </pc:spChg>
-        <pc:spChg chg="add mod ord">
-          <ac:chgData name="Scruel Tao" userId="5ea5c98d59b44d4b" providerId="LiveId" clId="{2BA6F94F-59B6-4AA6-9DB6-4A8227DBE37E}" dt="2023-04-06T01:54:00.591" v="3312" actId="20577"/>
-          <ac:spMkLst>
-            <pc:docMk/>
-            <pc:sldMk cId="1199684676" sldId="259"/>
-            <ac:spMk id="12" creationId="{17AECC1C-6944-9F68-770A-0455E86B2492}"/>
-          </ac:spMkLst>
-        </pc:spChg>
-        <pc:picChg chg="add del mod">
-          <ac:chgData name="Scruel Tao" userId="5ea5c98d59b44d4b" providerId="LiveId" clId="{2BA6F94F-59B6-4AA6-9DB6-4A8227DBE37E}" dt="2023-04-03T03:35:18.823" v="337" actId="478"/>
-          <ac:picMkLst>
-            <pc:docMk/>
-            <pc:sldMk cId="1199684676" sldId="259"/>
-            <ac:picMk id="4" creationId="{5CD98794-78EF-B400-A554-F39AC55576BD}"/>
-          </ac:picMkLst>
-        </pc:picChg>
-        <pc:picChg chg="add del mod">
-          <ac:chgData name="Scruel Tao" userId="5ea5c98d59b44d4b" providerId="LiveId" clId="{2BA6F94F-59B6-4AA6-9DB6-4A8227DBE37E}" dt="2023-04-03T03:35:35.326" v="341" actId="478"/>
-          <ac:picMkLst>
-            <pc:docMk/>
-            <pc:sldMk cId="1199684676" sldId="259"/>
-            <ac:picMk id="7" creationId="{F8FEA747-E9DF-6A17-2CB8-1B41D931CB90}"/>
-          </ac:picMkLst>
-        </pc:picChg>
-        <pc:picChg chg="add mod ord">
-          <ac:chgData name="Scruel Tao" userId="5ea5c98d59b44d4b" providerId="LiveId" clId="{2BA6F94F-59B6-4AA6-9DB6-4A8227DBE37E}" dt="2023-04-06T01:54:10.825" v="3315" actId="1076"/>
-          <ac:picMkLst>
-            <pc:docMk/>
-            <pc:sldMk cId="1199684676" sldId="259"/>
-            <ac:picMk id="11" creationId="{9D500740-D60E-EFBC-F3C9-43DA9B4672BC}"/>
-          </ac:picMkLst>
-        </pc:picChg>
-      </pc:sldChg>
-      <pc:sldChg chg="addSp delSp modSp add mod">
-        <pc:chgData name="Scruel Tao" userId="5ea5c98d59b44d4b" providerId="LiveId" clId="{2BA6F94F-59B6-4AA6-9DB6-4A8227DBE37E}" dt="2023-04-03T03:41:24.102" v="348" actId="1076"/>
-        <pc:sldMkLst>
-          <pc:docMk/>
-          <pc:sldMk cId="0" sldId="260"/>
-        </pc:sldMkLst>
-        <pc:spChg chg="mod">
-          <ac:chgData name="Scruel Tao" userId="5ea5c98d59b44d4b" providerId="LiveId" clId="{2BA6F94F-59B6-4AA6-9DB6-4A8227DBE37E}" dt="2023-04-03T03:33:34.644" v="330"/>
-          <ac:spMkLst>
-            <pc:docMk/>
-            <pc:sldMk cId="0" sldId="260"/>
-            <ac:spMk id="1227783" creationId="{F7B3941E-B689-22D6-F18C-358E4BAEDF5F}"/>
-          </ac:spMkLst>
-        </pc:spChg>
-        <pc:spChg chg="add del mod">
-          <ac:chgData name="Scruel Tao" userId="5ea5c98d59b44d4b" providerId="LiveId" clId="{2BA6F94F-59B6-4AA6-9DB6-4A8227DBE37E}" dt="2023-04-03T03:33:39.968" v="331" actId="1076"/>
-          <ac:spMkLst>
-            <pc:docMk/>
-            <pc:sldMk cId="0" sldId="260"/>
-            <ac:spMk id="1227786" creationId="{C3F4DD20-8FA3-3CB0-19B6-FE0240B92A34}"/>
-          </ac:spMkLst>
-        </pc:spChg>
-        <pc:picChg chg="add mod">
-          <ac:chgData name="Scruel Tao" userId="5ea5c98d59b44d4b" providerId="LiveId" clId="{2BA6F94F-59B6-4AA6-9DB6-4A8227DBE37E}" dt="2023-04-03T03:41:24.102" v="348" actId="1076"/>
-          <ac:picMkLst>
-            <pc:docMk/>
-            <pc:sldMk cId="0" sldId="260"/>
-            <ac:picMk id="4" creationId="{E03AF484-A892-E4D7-A8C4-A4C7AE20944E}"/>
-          </ac:picMkLst>
-        </pc:picChg>
-      </pc:sldChg>
-      <pc:sldChg chg="addSp delSp modSp add mod chgLayout">
-        <pc:chgData name="Scruel Tao" userId="5ea5c98d59b44d4b" providerId="LiveId" clId="{2BA6F94F-59B6-4AA6-9DB6-4A8227DBE37E}" dt="2023-04-06T01:59:00.026" v="3419" actId="20577"/>
-        <pc:sldMkLst>
-          <pc:docMk/>
-          <pc:sldMk cId="3351160539" sldId="261"/>
-        </pc:sldMkLst>
-        <pc:spChg chg="mod ord">
-          <ac:chgData name="Scruel Tao" userId="5ea5c98d59b44d4b" providerId="LiveId" clId="{2BA6F94F-59B6-4AA6-9DB6-4A8227DBE37E}" dt="2023-04-06T01:59:00.026" v="3419" actId="20577"/>
-          <ac:spMkLst>
-            <pc:docMk/>
-            <pc:sldMk cId="3351160539" sldId="261"/>
-            <ac:spMk id="2" creationId="{ABA783DF-49A6-7EF1-661E-C574E2C2F386}"/>
-          </ac:spMkLst>
-        </pc:spChg>
-        <pc:spChg chg="add del mod">
-          <ac:chgData name="Scruel Tao" userId="5ea5c98d59b44d4b" providerId="LiveId" clId="{2BA6F94F-59B6-4AA6-9DB6-4A8227DBE37E}" dt="2023-04-03T03:55:10.330" v="847" actId="700"/>
-          <ac:spMkLst>
-            <pc:docMk/>
-            <pc:sldMk cId="3351160539" sldId="261"/>
-            <ac:spMk id="4" creationId="{B3A734ED-5C82-D6A5-9DB3-B2DF9F846D94}"/>
-          </ac:spMkLst>
-        </pc:spChg>
-        <pc:spChg chg="add mod ord">
-          <ac:chgData name="Scruel Tao" userId="5ea5c98d59b44d4b" providerId="LiveId" clId="{2BA6F94F-59B6-4AA6-9DB6-4A8227DBE37E}" dt="2023-04-03T04:04:07.946" v="1365" actId="20577"/>
-          <ac:spMkLst>
-            <pc:docMk/>
-            <pc:sldMk cId="3351160539" sldId="261"/>
-            <ac:spMk id="5" creationId="{334FF01F-2A65-44F6-34F9-69AC934A31D7}"/>
-          </ac:spMkLst>
-        </pc:spChg>
-        <pc:spChg chg="add del mod">
-          <ac:chgData name="Scruel Tao" userId="5ea5c98d59b44d4b" providerId="LiveId" clId="{2BA6F94F-59B6-4AA6-9DB6-4A8227DBE37E}" dt="2023-04-03T03:59:25.344" v="1081"/>
-          <ac:spMkLst>
-            <pc:docMk/>
-            <pc:sldMk cId="3351160539" sldId="261"/>
-            <ac:spMk id="9" creationId="{C16084A3-CDE6-AAC4-2971-FD575FBF0A8B}"/>
-          </ac:spMkLst>
-        </pc:spChg>
-        <pc:spChg chg="del mod ord">
-          <ac:chgData name="Scruel Tao" userId="5ea5c98d59b44d4b" providerId="LiveId" clId="{2BA6F94F-59B6-4AA6-9DB6-4A8227DBE37E}" dt="2023-04-03T03:58:01.823" v="1015"/>
-          <ac:spMkLst>
-            <pc:docMk/>
-            <pc:sldMk cId="3351160539" sldId="261"/>
-            <ac:spMk id="12" creationId="{17AECC1C-6944-9F68-770A-0455E86B2492}"/>
-          </ac:spMkLst>
-        </pc:spChg>
-        <pc:spChg chg="add mod">
-          <ac:chgData name="Scruel Tao" userId="5ea5c98d59b44d4b" providerId="LiveId" clId="{2BA6F94F-59B6-4AA6-9DB6-4A8227DBE37E}" dt="2023-04-03T04:05:44.217" v="1475" actId="114"/>
-          <ac:spMkLst>
-            <pc:docMk/>
-            <pc:sldMk cId="3351160539" sldId="261"/>
-            <ac:spMk id="14" creationId="{670E3534-8F35-5B26-8418-171E013CEE09}"/>
-          </ac:spMkLst>
-        </pc:spChg>
-        <pc:picChg chg="add del mod">
-          <ac:chgData name="Scruel Tao" userId="5ea5c98d59b44d4b" providerId="LiveId" clId="{2BA6F94F-59B6-4AA6-9DB6-4A8227DBE37E}" dt="2023-04-03T03:59:24.519" v="1080" actId="478"/>
-          <ac:picMkLst>
-            <pc:docMk/>
-            <pc:sldMk cId="3351160539" sldId="261"/>
-            <ac:picMk id="7" creationId="{0FBFFB0C-E3DC-4B3B-8988-A0B34551F390}"/>
-          </ac:picMkLst>
-        </pc:picChg>
-        <pc:picChg chg="del">
-          <ac:chgData name="Scruel Tao" userId="5ea5c98d59b44d4b" providerId="LiveId" clId="{2BA6F94F-59B6-4AA6-9DB6-4A8227DBE37E}" dt="2023-04-03T03:53:43.786" v="845" actId="21"/>
-          <ac:picMkLst>
-            <pc:docMk/>
-            <pc:sldMk cId="3351160539" sldId="261"/>
-            <ac:picMk id="11" creationId="{9D500740-D60E-EFBC-F3C9-43DA9B4672BC}"/>
-          </ac:picMkLst>
-        </pc:picChg>
-        <pc:picChg chg="add mod">
-          <ac:chgData name="Scruel Tao" userId="5ea5c98d59b44d4b" providerId="LiveId" clId="{2BA6F94F-59B6-4AA6-9DB6-4A8227DBE37E}" dt="2023-04-03T04:05:27.689" v="1473" actId="1076"/>
-          <ac:picMkLst>
-            <pc:docMk/>
-            <pc:sldMk cId="3351160539" sldId="261"/>
-            <ac:picMk id="13" creationId="{7C633EC2-82A6-5F6A-D9A3-326C1E77FDA3}"/>
-          </ac:picMkLst>
-        </pc:picChg>
-      </pc:sldChg>
-      <pc:sldChg chg="addSp delSp modSp add mod">
-        <pc:chgData name="Scruel Tao" userId="5ea5c98d59b44d4b" providerId="LiveId" clId="{2BA6F94F-59B6-4AA6-9DB6-4A8227DBE37E}" dt="2023-04-06T03:20:40.633" v="6312" actId="20577"/>
-        <pc:sldMkLst>
-          <pc:docMk/>
-          <pc:sldMk cId="1122177192" sldId="262"/>
-        </pc:sldMkLst>
-        <pc:spChg chg="mod">
-          <ac:chgData name="Scruel Tao" userId="5ea5c98d59b44d4b" providerId="LiveId" clId="{2BA6F94F-59B6-4AA6-9DB6-4A8227DBE37E}" dt="2023-04-06T03:20:30.082" v="6290" actId="20577"/>
-          <ac:spMkLst>
-            <pc:docMk/>
-            <pc:sldMk cId="1122177192" sldId="262"/>
-            <ac:spMk id="2" creationId="{ABA783DF-49A6-7EF1-661E-C574E2C2F386}"/>
-          </ac:spMkLst>
-        </pc:spChg>
-        <pc:spChg chg="mod">
-          <ac:chgData name="Scruel Tao" userId="5ea5c98d59b44d4b" providerId="LiveId" clId="{2BA6F94F-59B6-4AA6-9DB6-4A8227DBE37E}" dt="2023-04-06T03:20:40.633" v="6312" actId="20577"/>
-          <ac:spMkLst>
-            <pc:docMk/>
-            <pc:sldMk cId="1122177192" sldId="262"/>
-            <ac:spMk id="5" creationId="{334FF01F-2A65-44F6-34F9-69AC934A31D7}"/>
-          </ac:spMkLst>
-        </pc:spChg>
-        <pc:spChg chg="del">
-          <ac:chgData name="Scruel Tao" userId="5ea5c98d59b44d4b" providerId="LiveId" clId="{2BA6F94F-59B6-4AA6-9DB6-4A8227DBE37E}" dt="2023-04-03T04:15:30.512" v="1555"/>
-          <ac:spMkLst>
-            <pc:docMk/>
-            <pc:sldMk cId="1122177192" sldId="262"/>
-            <ac:spMk id="12" creationId="{17AECC1C-6944-9F68-770A-0455E86B2492}"/>
-          </ac:spMkLst>
-        </pc:spChg>
-        <pc:picChg chg="add mod">
-          <ac:chgData name="Scruel Tao" userId="5ea5c98d59b44d4b" providerId="LiveId" clId="{2BA6F94F-59B6-4AA6-9DB6-4A8227DBE37E}" dt="2023-04-03T04:15:30.512" v="1555"/>
-          <ac:picMkLst>
-            <pc:docMk/>
-            <pc:sldMk cId="1122177192" sldId="262"/>
-            <ac:picMk id="4" creationId="{1025CE4E-D3BC-5184-15B8-313E85995FFB}"/>
-          </ac:picMkLst>
-        </pc:picChg>
-      </pc:sldChg>
-      <pc:sldChg chg="addSp delSp modSp add mod chgLayout">
-        <pc:chgData name="Scruel Tao" userId="5ea5c98d59b44d4b" providerId="LiveId" clId="{2BA6F94F-59B6-4AA6-9DB6-4A8227DBE37E}" dt="2023-04-06T01:59:30.132" v="3435" actId="20577"/>
-        <pc:sldMkLst>
-          <pc:docMk/>
-          <pc:sldMk cId="3745137309" sldId="263"/>
-        </pc:sldMkLst>
-        <pc:spChg chg="mod ord">
-          <ac:chgData name="Scruel Tao" userId="5ea5c98d59b44d4b" providerId="LiveId" clId="{2BA6F94F-59B6-4AA6-9DB6-4A8227DBE37E}" dt="2023-04-06T01:59:30.132" v="3435" actId="20577"/>
-          <ac:spMkLst>
-            <pc:docMk/>
-            <pc:sldMk cId="3745137309" sldId="263"/>
-            <ac:spMk id="2" creationId="{ABA783DF-49A6-7EF1-661E-C574E2C2F386}"/>
-          </ac:spMkLst>
-        </pc:spChg>
-        <pc:spChg chg="del">
-          <ac:chgData name="Scruel Tao" userId="5ea5c98d59b44d4b" providerId="LiveId" clId="{2BA6F94F-59B6-4AA6-9DB6-4A8227DBE37E}" dt="2023-04-03T04:18:57.963" v="1679"/>
-          <ac:spMkLst>
-            <pc:docMk/>
-            <pc:sldMk cId="3745137309" sldId="263"/>
-            <ac:spMk id="5" creationId="{334FF01F-2A65-44F6-34F9-69AC934A31D7}"/>
-          </ac:spMkLst>
-        </pc:spChg>
-        <pc:spChg chg="add del mod ord">
-          <ac:chgData name="Scruel Tao" userId="5ea5c98d59b44d4b" providerId="LiveId" clId="{2BA6F94F-59B6-4AA6-9DB6-4A8227DBE37E}" dt="2023-04-03T04:19:17.511" v="1685"/>
-          <ac:spMkLst>
-            <pc:docMk/>
-            <pc:sldMk cId="3745137309" sldId="263"/>
-            <ac:spMk id="6" creationId="{6B189840-C568-FCE7-C338-AC0FAD512F62}"/>
-          </ac:spMkLst>
-        </pc:spChg>
-        <pc:spChg chg="add mod">
-          <ac:chgData name="Scruel Tao" userId="5ea5c98d59b44d4b" providerId="LiveId" clId="{2BA6F94F-59B6-4AA6-9DB6-4A8227DBE37E}" dt="2023-04-03T04:24:42.121" v="1788" actId="1076"/>
-          <ac:spMkLst>
-            <pc:docMk/>
-            <pc:sldMk cId="3745137309" sldId="263"/>
-            <ac:spMk id="8" creationId="{4EC194EB-1593-CBF2-055D-77D4ADFC943F}"/>
-          </ac:spMkLst>
-        </pc:spChg>
-        <pc:spChg chg="del">
-          <ac:chgData name="Scruel Tao" userId="5ea5c98d59b44d4b" providerId="LiveId" clId="{2BA6F94F-59B6-4AA6-9DB6-4A8227DBE37E}" dt="2023-04-03T04:19:06.857" v="1681" actId="478"/>
-          <ac:spMkLst>
-            <pc:docMk/>
-            <pc:sldMk cId="3745137309" sldId="263"/>
-            <ac:spMk id="12" creationId="{17AECC1C-6944-9F68-770A-0455E86B2492}"/>
-          </ac:spMkLst>
-        </pc:spChg>
-        <pc:spChg chg="add del mod">
-          <ac:chgData name="Scruel Tao" userId="5ea5c98d59b44d4b" providerId="LiveId" clId="{2BA6F94F-59B6-4AA6-9DB6-4A8227DBE37E}" dt="2023-04-03T04:39:14.278" v="1794"/>
-          <ac:spMkLst>
-            <pc:docMk/>
-            <pc:sldMk cId="3745137309" sldId="263"/>
-            <ac:spMk id="13" creationId="{2B1E7E69-5ECD-2369-2087-012FACB0EF09}"/>
-          </ac:spMkLst>
-        </pc:spChg>
-        <pc:spChg chg="add mod">
-          <ac:chgData name="Scruel Tao" userId="5ea5c98d59b44d4b" providerId="LiveId" clId="{2BA6F94F-59B6-4AA6-9DB6-4A8227DBE37E}" dt="2023-04-03T04:43:54.118" v="2025" actId="1076"/>
-          <ac:spMkLst>
-            <pc:docMk/>
-            <pc:sldMk cId="3745137309" sldId="263"/>
-            <ac:spMk id="14" creationId="{7382B610-BA58-D421-667D-2CC58252E53B}"/>
-          </ac:spMkLst>
-        </pc:spChg>
-        <pc:spChg chg="add del mod">
-          <ac:chgData name="Scruel Tao" userId="5ea5c98d59b44d4b" providerId="LiveId" clId="{2BA6F94F-59B6-4AA6-9DB6-4A8227DBE37E}" dt="2023-04-03T04:41:30.895" v="1872"/>
-          <ac:spMkLst>
-            <pc:docMk/>
-            <pc:sldMk cId="3745137309" sldId="263"/>
-            <ac:spMk id="20" creationId="{3C1528B3-D941-8F6A-C2B1-9FE727504D1A}"/>
-          </ac:spMkLst>
-        </pc:spChg>
-        <pc:spChg chg="add mod">
-          <ac:chgData name="Scruel Tao" userId="5ea5c98d59b44d4b" providerId="LiveId" clId="{2BA6F94F-59B6-4AA6-9DB6-4A8227DBE37E}" dt="2023-04-03T04:43:48.923" v="2024" actId="113"/>
-          <ac:spMkLst>
-            <pc:docMk/>
-            <pc:sldMk cId="3745137309" sldId="263"/>
-            <ac:spMk id="22" creationId="{7B6674C0-F558-F52E-4B1A-A3B15762388C}"/>
-          </ac:spMkLst>
-        </pc:spChg>
-        <pc:picChg chg="add del mod ord">
-          <ac:chgData name="Scruel Tao" userId="5ea5c98d59b44d4b" providerId="LiveId" clId="{2BA6F94F-59B6-4AA6-9DB6-4A8227DBE37E}" dt="2023-04-03T04:19:16.103" v="1684" actId="21"/>
-          <ac:picMkLst>
-            <pc:docMk/>
-            <pc:sldMk cId="3745137309" sldId="263"/>
-            <ac:picMk id="4" creationId="{52AC7973-0B2B-7791-FC5B-6D95CBD8CBA1}"/>
-          </ac:picMkLst>
-        </pc:picChg>
-        <pc:picChg chg="add del mod">
-          <ac:chgData name="Scruel Tao" userId="5ea5c98d59b44d4b" providerId="LiveId" clId="{2BA6F94F-59B6-4AA6-9DB6-4A8227DBE37E}" dt="2023-04-03T04:41:22.605" v="1869" actId="478"/>
-          <ac:picMkLst>
-            <pc:docMk/>
-            <pc:sldMk cId="3745137309" sldId="263"/>
-            <ac:picMk id="9" creationId="{B07056AA-01D5-51E8-D408-F1980FDC4BC3}"/>
-          </ac:picMkLst>
-        </pc:picChg>
-        <pc:picChg chg="add del mod">
-          <ac:chgData name="Scruel Tao" userId="5ea5c98d59b44d4b" providerId="LiveId" clId="{2BA6F94F-59B6-4AA6-9DB6-4A8227DBE37E}" dt="2023-04-03T04:40:34.570" v="1864" actId="21"/>
-          <ac:picMkLst>
-            <pc:docMk/>
-            <pc:sldMk cId="3745137309" sldId="263"/>
-            <ac:picMk id="11" creationId="{F2971DA2-97CA-921D-0683-2575B93D11D9}"/>
-          </ac:picMkLst>
-        </pc:picChg>
-        <pc:picChg chg="add mod">
-          <ac:chgData name="Scruel Tao" userId="5ea5c98d59b44d4b" providerId="LiveId" clId="{2BA6F94F-59B6-4AA6-9DB6-4A8227DBE37E}" dt="2023-04-03T04:41:02.756" v="1866" actId="1076"/>
-          <ac:picMkLst>
-            <pc:docMk/>
-            <pc:sldMk cId="3745137309" sldId="263"/>
-            <ac:picMk id="16" creationId="{6DA1B3CC-2227-CCDD-B3BF-D5E87A89708B}"/>
-          </ac:picMkLst>
-        </pc:picChg>
-        <pc:picChg chg="add del mod">
-          <ac:chgData name="Scruel Tao" userId="5ea5c98d59b44d4b" providerId="LiveId" clId="{2BA6F94F-59B6-4AA6-9DB6-4A8227DBE37E}" dt="2023-04-03T04:41:29.949" v="1871" actId="21"/>
-          <ac:picMkLst>
-            <pc:docMk/>
-            <pc:sldMk cId="3745137309" sldId="263"/>
-            <ac:picMk id="18" creationId="{313CB848-6C20-4548-45B0-BFDAA30EA3A2}"/>
-          </ac:picMkLst>
-        </pc:picChg>
-        <pc:picChg chg="add mod">
-          <ac:chgData name="Scruel Tao" userId="5ea5c98d59b44d4b" providerId="LiveId" clId="{2BA6F94F-59B6-4AA6-9DB6-4A8227DBE37E}" dt="2023-04-03T04:43:33.350" v="2001" actId="1076"/>
-          <ac:picMkLst>
-            <pc:docMk/>
-            <pc:sldMk cId="3745137309" sldId="263"/>
-            <ac:picMk id="21" creationId="{87C92696-2285-C2FB-D306-11BA00515544}"/>
-          </ac:picMkLst>
-        </pc:picChg>
-      </pc:sldChg>
-      <pc:sldChg chg="addSp delSp modSp add mod ord">
-        <pc:chgData name="Scruel Tao" userId="5ea5c98d59b44d4b" providerId="LiveId" clId="{2BA6F94F-59B6-4AA6-9DB6-4A8227DBE37E}" dt="2023-04-06T01:59:23.291" v="3427" actId="20577"/>
-        <pc:sldMkLst>
-          <pc:docMk/>
-          <pc:sldMk cId="3725727672" sldId="264"/>
-        </pc:sldMkLst>
-        <pc:spChg chg="mod">
-          <ac:chgData name="Scruel Tao" userId="5ea5c98d59b44d4b" providerId="LiveId" clId="{2BA6F94F-59B6-4AA6-9DB6-4A8227DBE37E}" dt="2023-04-06T01:59:23.291" v="3427" actId="20577"/>
-          <ac:spMkLst>
-            <pc:docMk/>
-            <pc:sldMk cId="3725727672" sldId="264"/>
-            <ac:spMk id="2" creationId="{ABA783DF-49A6-7EF1-661E-C574E2C2F386}"/>
-          </ac:spMkLst>
-        </pc:spChg>
-        <pc:spChg chg="mod">
-          <ac:chgData name="Scruel Tao" userId="5ea5c98d59b44d4b" providerId="LiveId" clId="{2BA6F94F-59B6-4AA6-9DB6-4A8227DBE37E}" dt="2023-04-03T05:01:36.612" v="2644" actId="1076"/>
-          <ac:spMkLst>
-            <pc:docMk/>
-            <pc:sldMk cId="3725727672" sldId="264"/>
-            <ac:spMk id="5" creationId="{334FF01F-2A65-44F6-34F9-69AC934A31D7}"/>
-          </ac:spMkLst>
-        </pc:spChg>
-        <pc:spChg chg="add del mod">
-          <ac:chgData name="Scruel Tao" userId="5ea5c98d59b44d4b" providerId="LiveId" clId="{2BA6F94F-59B6-4AA6-9DB6-4A8227DBE37E}" dt="2023-04-03T05:00:26.370" v="2626"/>
-          <ac:spMkLst>
-            <pc:docMk/>
-            <pc:sldMk cId="3725727672" sldId="264"/>
-            <ac:spMk id="11" creationId="{E9210103-9DD3-6F29-C0C7-B18A6E419E73}"/>
-          </ac:spMkLst>
-        </pc:spChg>
-        <pc:spChg chg="del mod">
-          <ac:chgData name="Scruel Tao" userId="5ea5c98d59b44d4b" providerId="LiveId" clId="{2BA6F94F-59B6-4AA6-9DB6-4A8227DBE37E}" dt="2023-04-03T04:44:34.015" v="2029"/>
-          <ac:spMkLst>
-            <pc:docMk/>
-            <pc:sldMk cId="3725727672" sldId="264"/>
-            <ac:spMk id="12" creationId="{17AECC1C-6944-9F68-770A-0455E86B2492}"/>
-          </ac:spMkLst>
-        </pc:spChg>
-        <pc:spChg chg="add mod">
-          <ac:chgData name="Scruel Tao" userId="5ea5c98d59b44d4b" providerId="LiveId" clId="{2BA6F94F-59B6-4AA6-9DB6-4A8227DBE37E}" dt="2023-04-03T05:03:05.445" v="2754" actId="1076"/>
-          <ac:spMkLst>
-            <pc:docMk/>
-            <pc:sldMk cId="3725727672" sldId="264"/>
-            <ac:spMk id="15" creationId="{57CD949C-3C60-4F11-3188-DAAC2954E147}"/>
-          </ac:spMkLst>
-        </pc:spChg>
-        <pc:picChg chg="add del mod">
-          <ac:chgData name="Scruel Tao" userId="5ea5c98d59b44d4b" providerId="LiveId" clId="{2BA6F94F-59B6-4AA6-9DB6-4A8227DBE37E}" dt="2023-04-03T05:00:25.324" v="2625" actId="478"/>
-          <ac:picMkLst>
-            <pc:docMk/>
-            <pc:sldMk cId="3725727672" sldId="264"/>
-            <ac:picMk id="4" creationId="{A511FBE8-0DD6-E630-8EF3-0C4EEA9CD752}"/>
-          </ac:picMkLst>
-        </pc:picChg>
-        <pc:picChg chg="add del mod">
-          <ac:chgData name="Scruel Tao" userId="5ea5c98d59b44d4b" providerId="LiveId" clId="{2BA6F94F-59B6-4AA6-9DB6-4A8227DBE37E}" dt="2023-04-03T04:57:24.837" v="2616" actId="21"/>
-          <ac:picMkLst>
-            <pc:docMk/>
-            <pc:sldMk cId="3725727672" sldId="264"/>
-            <ac:picMk id="7" creationId="{DD04D8AF-8509-73F1-4E2C-416ED822D93C}"/>
-          </ac:picMkLst>
-        </pc:picChg>
-        <pc:picChg chg="add mod">
-          <ac:chgData name="Scruel Tao" userId="5ea5c98d59b44d4b" providerId="LiveId" clId="{2BA6F94F-59B6-4AA6-9DB6-4A8227DBE37E}" dt="2023-04-03T05:01:32.816" v="2643" actId="1076"/>
-          <ac:picMkLst>
-            <pc:docMk/>
-            <pc:sldMk cId="3725727672" sldId="264"/>
-            <ac:picMk id="9" creationId="{5508513D-8323-A6F7-C52C-5D05B49C07CC}"/>
-          </ac:picMkLst>
-        </pc:picChg>
-        <pc:picChg chg="add mod">
-          <ac:chgData name="Scruel Tao" userId="5ea5c98d59b44d4b" providerId="LiveId" clId="{2BA6F94F-59B6-4AA6-9DB6-4A8227DBE37E}" dt="2023-04-03T05:01:30.973" v="2642" actId="1076"/>
-          <ac:picMkLst>
-            <pc:docMk/>
-            <pc:sldMk cId="3725727672" sldId="264"/>
-            <ac:picMk id="14" creationId="{D5EB1BEF-B3CD-34F8-C19A-87E8C64345B3}"/>
-          </ac:picMkLst>
-        </pc:picChg>
-      </pc:sldChg>
-      <pc:sldChg chg="addSp delSp modSp add mod">
-        <pc:chgData name="Scruel Tao" userId="5ea5c98d59b44d4b" providerId="LiveId" clId="{2BA6F94F-59B6-4AA6-9DB6-4A8227DBE37E}" dt="2023-04-06T03:12:15.194" v="6242" actId="13926"/>
-        <pc:sldMkLst>
-          <pc:docMk/>
-          <pc:sldMk cId="3416507657" sldId="265"/>
-        </pc:sldMkLst>
-        <pc:spChg chg="mod">
-          <ac:chgData name="Scruel Tao" userId="5ea5c98d59b44d4b" providerId="LiveId" clId="{2BA6F94F-59B6-4AA6-9DB6-4A8227DBE37E}" dt="2023-04-06T01:59:38.903" v="3439" actId="20577"/>
-          <ac:spMkLst>
-            <pc:docMk/>
-            <pc:sldMk cId="3416507657" sldId="265"/>
-            <ac:spMk id="2" creationId="{ABA783DF-49A6-7EF1-661E-C574E2C2F386}"/>
-          </ac:spMkLst>
-        </pc:spChg>
-        <pc:spChg chg="add del mod">
-          <ac:chgData name="Scruel Tao" userId="5ea5c98d59b44d4b" providerId="LiveId" clId="{2BA6F94F-59B6-4AA6-9DB6-4A8227DBE37E}" dt="2023-04-06T03:12:15.194" v="6242" actId="13926"/>
-          <ac:spMkLst>
-            <pc:docMk/>
-            <pc:sldMk cId="3416507657" sldId="265"/>
-            <ac:spMk id="5" creationId="{334FF01F-2A65-44F6-34F9-69AC934A31D7}"/>
-          </ac:spMkLst>
-        </pc:spChg>
-        <pc:spChg chg="add del mod">
-          <ac:chgData name="Scruel Tao" userId="5ea5c98d59b44d4b" providerId="LiveId" clId="{2BA6F94F-59B6-4AA6-9DB6-4A8227DBE37E}" dt="2023-04-03T05:07:31.501" v="2932"/>
-          <ac:spMkLst>
-            <pc:docMk/>
-            <pc:sldMk cId="3416507657" sldId="265"/>
-            <ac:spMk id="9" creationId="{CCAFF9B5-8F81-F673-219D-9240B0194641}"/>
-          </ac:spMkLst>
-        </pc:spChg>
-        <pc:spChg chg="del">
-          <ac:chgData name="Scruel Tao" userId="5ea5c98d59b44d4b" providerId="LiveId" clId="{2BA6F94F-59B6-4AA6-9DB6-4A8227DBE37E}" dt="2023-04-03T05:06:16.950" v="2812"/>
-          <ac:spMkLst>
-            <pc:docMk/>
-            <pc:sldMk cId="3416507657" sldId="265"/>
-            <ac:spMk id="12" creationId="{17AECC1C-6944-9F68-770A-0455E86B2492}"/>
-          </ac:spMkLst>
-        </pc:spChg>
-        <pc:picChg chg="add del mod">
-          <ac:chgData name="Scruel Tao" userId="5ea5c98d59b44d4b" providerId="LiveId" clId="{2BA6F94F-59B6-4AA6-9DB6-4A8227DBE37E}" dt="2023-04-03T05:06:16.168" v="2811"/>
-          <ac:picMkLst>
-            <pc:docMk/>
-            <pc:sldMk cId="3416507657" sldId="265"/>
-            <ac:picMk id="4" creationId="{ABCDEA2C-CB97-DE24-E641-E77BFA3BF78D}"/>
-          </ac:picMkLst>
-        </pc:picChg>
-        <pc:picChg chg="add del mod">
-          <ac:chgData name="Scruel Tao" userId="5ea5c98d59b44d4b" providerId="LiveId" clId="{2BA6F94F-59B6-4AA6-9DB6-4A8227DBE37E}" dt="2023-04-03T05:07:30.490" v="2931" actId="478"/>
-          <ac:picMkLst>
-            <pc:docMk/>
-            <pc:sldMk cId="3416507657" sldId="265"/>
-            <ac:picMk id="7" creationId="{203C7841-531F-0781-7458-699E2A5C7CE7}"/>
-          </ac:picMkLst>
-        </pc:picChg>
-        <pc:picChg chg="add mod">
-          <ac:chgData name="Scruel Tao" userId="5ea5c98d59b44d4b" providerId="LiveId" clId="{2BA6F94F-59B6-4AA6-9DB6-4A8227DBE37E}" dt="2023-04-03T05:09:18.591" v="3012" actId="1076"/>
-          <ac:picMkLst>
-            <pc:docMk/>
-            <pc:sldMk cId="3416507657" sldId="265"/>
-            <ac:picMk id="11" creationId="{44AA24C5-508C-4D40-7E65-55D5627E4671}"/>
-          </ac:picMkLst>
-        </pc:picChg>
-      </pc:sldChg>
-      <pc:sldChg chg="add del">
-        <pc:chgData name="Scruel Tao" userId="5ea5c98d59b44d4b" providerId="LiveId" clId="{2BA6F94F-59B6-4AA6-9DB6-4A8227DBE37E}" dt="2023-04-03T05:03:50.426" v="2761" actId="47"/>
-        <pc:sldMkLst>
-          <pc:docMk/>
-          <pc:sldMk cId="3540231720" sldId="266"/>
-        </pc:sldMkLst>
-      </pc:sldChg>
-      <pc:sldChg chg="add del">
-        <pc:chgData name="Scruel Tao" userId="5ea5c98d59b44d4b" providerId="LiveId" clId="{2BA6F94F-59B6-4AA6-9DB6-4A8227DBE37E}" dt="2023-04-03T05:03:50.758" v="2762" actId="47"/>
-        <pc:sldMkLst>
-          <pc:docMk/>
-          <pc:sldMk cId="4025758886" sldId="267"/>
-        </pc:sldMkLst>
-      </pc:sldChg>
-      <pc:sldChg chg="add del">
-        <pc:chgData name="Scruel Tao" userId="5ea5c98d59b44d4b" providerId="LiveId" clId="{2BA6F94F-59B6-4AA6-9DB6-4A8227DBE37E}" dt="2023-04-03T05:03:50.967" v="2763" actId="47"/>
-        <pc:sldMkLst>
-          <pc:docMk/>
-          <pc:sldMk cId="3881832977" sldId="268"/>
-        </pc:sldMkLst>
-      </pc:sldChg>
-      <pc:sldChg chg="add del">
-        <pc:chgData name="Scruel Tao" userId="5ea5c98d59b44d4b" providerId="LiveId" clId="{2BA6F94F-59B6-4AA6-9DB6-4A8227DBE37E}" dt="2023-04-03T05:03:51.140" v="2764" actId="47"/>
-        <pc:sldMkLst>
-          <pc:docMk/>
-          <pc:sldMk cId="3546485175" sldId="269"/>
-        </pc:sldMkLst>
-      </pc:sldChg>
-      <pc:sldChg chg="addSp delSp modSp add mod ord">
-        <pc:chgData name="Scruel Tao" userId="5ea5c98d59b44d4b" providerId="LiveId" clId="{2BA6F94F-59B6-4AA6-9DB6-4A8227DBE37E}" dt="2023-04-06T03:12:53.496" v="6269" actId="1076"/>
-        <pc:sldMkLst>
-          <pc:docMk/>
-          <pc:sldMk cId="192831406" sldId="270"/>
-        </pc:sldMkLst>
-        <pc:spChg chg="mod">
-          <ac:chgData name="Scruel Tao" userId="5ea5c98d59b44d4b" providerId="LiveId" clId="{2BA6F94F-59B6-4AA6-9DB6-4A8227DBE37E}" dt="2023-04-06T01:59:06.037" v="3423" actId="20577"/>
-          <ac:spMkLst>
-            <pc:docMk/>
-            <pc:sldMk cId="192831406" sldId="270"/>
-            <ac:spMk id="2" creationId="{ABA783DF-49A6-7EF1-661E-C574E2C2F386}"/>
-          </ac:spMkLst>
-        </pc:spChg>
-        <pc:spChg chg="mod">
-          <ac:chgData name="Scruel Tao" userId="5ea5c98d59b44d4b" providerId="LiveId" clId="{2BA6F94F-59B6-4AA6-9DB6-4A8227DBE37E}" dt="2023-04-03T04:55:36.354" v="2500" actId="20577"/>
-          <ac:spMkLst>
-            <pc:docMk/>
-            <pc:sldMk cId="192831406" sldId="270"/>
-            <ac:spMk id="5" creationId="{334FF01F-2A65-44F6-34F9-69AC934A31D7}"/>
-          </ac:spMkLst>
-        </pc:spChg>
-        <pc:spChg chg="add del mod">
-          <ac:chgData name="Scruel Tao" userId="5ea5c98d59b44d4b" providerId="LiveId" clId="{2BA6F94F-59B6-4AA6-9DB6-4A8227DBE37E}" dt="2023-04-03T04:49:26.325" v="2108"/>
-          <ac:spMkLst>
-            <pc:docMk/>
-            <pc:sldMk cId="192831406" sldId="270"/>
-            <ac:spMk id="6" creationId="{4825B1F8-4B63-9130-AF5C-D8B58F7AE6AF}"/>
-          </ac:spMkLst>
-        </pc:spChg>
-        <pc:spChg chg="add del mod">
-          <ac:chgData name="Scruel Tao" userId="5ea5c98d59b44d4b" providerId="LiveId" clId="{2BA6F94F-59B6-4AA6-9DB6-4A8227DBE37E}" dt="2023-04-03T04:55:48.392" v="2504"/>
-          <ac:spMkLst>
-            <pc:docMk/>
-            <pc:sldMk cId="192831406" sldId="270"/>
-            <ac:spMk id="13" creationId="{BFF52406-2E49-3B9D-2A6D-2A5EDD1B1D0D}"/>
-          </ac:spMkLst>
-        </pc:spChg>
-        <pc:spChg chg="add mod">
-          <ac:chgData name="Scruel Tao" userId="5ea5c98d59b44d4b" providerId="LiveId" clId="{2BA6F94F-59B6-4AA6-9DB6-4A8227DBE37E}" dt="2023-04-06T03:12:53.496" v="6269" actId="1076"/>
-          <ac:spMkLst>
-            <pc:docMk/>
-            <pc:sldMk cId="192831406" sldId="270"/>
-            <ac:spMk id="14" creationId="{BF2C039C-7D70-5BA8-10BF-AC65C1C472C2}"/>
-          </ac:spMkLst>
-        </pc:spChg>
-        <pc:picChg chg="del">
-          <ac:chgData name="Scruel Tao" userId="5ea5c98d59b44d4b" providerId="LiveId" clId="{2BA6F94F-59B6-4AA6-9DB6-4A8227DBE37E}" dt="2023-04-03T04:46:04.237" v="2072" actId="21"/>
-          <ac:picMkLst>
-            <pc:docMk/>
-            <pc:sldMk cId="192831406" sldId="270"/>
-            <ac:picMk id="4" creationId="{A511FBE8-0DD6-E630-8EF3-0C4EEA9CD752}"/>
-          </ac:picMkLst>
-        </pc:picChg>
-        <pc:picChg chg="del mod">
-          <ac:chgData name="Scruel Tao" userId="5ea5c98d59b44d4b" providerId="LiveId" clId="{2BA6F94F-59B6-4AA6-9DB6-4A8227DBE37E}" dt="2023-04-03T04:49:25.552" v="2107" actId="21"/>
-          <ac:picMkLst>
-            <pc:docMk/>
-            <pc:sldMk cId="192831406" sldId="270"/>
-            <ac:picMk id="7" creationId="{DD04D8AF-8509-73F1-4E2C-416ED822D93C}"/>
-          </ac:picMkLst>
-        </pc:picChg>
-        <pc:picChg chg="add mod">
-          <ac:chgData name="Scruel Tao" userId="5ea5c98d59b44d4b" providerId="LiveId" clId="{2BA6F94F-59B6-4AA6-9DB6-4A8227DBE37E}" dt="2023-04-03T04:56:24.305" v="2563" actId="1076"/>
-          <ac:picMkLst>
-            <pc:docMk/>
-            <pc:sldMk cId="192831406" sldId="270"/>
-            <ac:picMk id="8" creationId="{9FEE71E3-5A5A-BDD3-0177-666AE0953528}"/>
-          </ac:picMkLst>
-        </pc:picChg>
-        <pc:picChg chg="add mod">
-          <ac:chgData name="Scruel Tao" userId="5ea5c98d59b44d4b" providerId="LiveId" clId="{2BA6F94F-59B6-4AA6-9DB6-4A8227DBE37E}" dt="2023-04-03T04:57:09.828" v="2614" actId="1076"/>
-          <ac:picMkLst>
-            <pc:docMk/>
-            <pc:sldMk cId="192831406" sldId="270"/>
-            <ac:picMk id="10" creationId="{ED7D2C24-3911-466C-3E76-669FC1671250}"/>
-          </ac:picMkLst>
-        </pc:picChg>
-        <pc:picChg chg="add mod">
-          <ac:chgData name="Scruel Tao" userId="5ea5c98d59b44d4b" providerId="LiveId" clId="{2BA6F94F-59B6-4AA6-9DB6-4A8227DBE37E}" dt="2023-04-03T04:55:39.683" v="2501" actId="1076"/>
-          <ac:picMkLst>
-            <pc:docMk/>
-            <pc:sldMk cId="192831406" sldId="270"/>
-            <ac:picMk id="12" creationId="{A8B42638-E2EC-8913-3326-65DFC6BFA414}"/>
-          </ac:picMkLst>
-        </pc:picChg>
-      </pc:sldChg>
-      <pc:sldChg chg="addSp delSp modSp add mod modTransition delAnim modAnim">
-        <pc:chgData name="Scruel Tao" userId="5ea5c98d59b44d4b" providerId="LiveId" clId="{2BA6F94F-59B6-4AA6-9DB6-4A8227DBE37E}" dt="2023-04-06T02:37:35.540" v="4103" actId="20577"/>
-        <pc:sldMkLst>
-          <pc:docMk/>
-          <pc:sldMk cId="555885545" sldId="271"/>
-        </pc:sldMkLst>
-        <pc:spChg chg="mod">
-          <ac:chgData name="Scruel Tao" userId="5ea5c98d59b44d4b" providerId="LiveId" clId="{2BA6F94F-59B6-4AA6-9DB6-4A8227DBE37E}" dt="2023-04-06T02:37:35.540" v="4103" actId="20577"/>
-          <ac:spMkLst>
-            <pc:docMk/>
-            <pc:sldMk cId="555885545" sldId="271"/>
-            <ac:spMk id="2" creationId="{ABA783DF-49A6-7EF1-661E-C574E2C2F386}"/>
-          </ac:spMkLst>
-        </pc:spChg>
-        <pc:spChg chg="mod">
-          <ac:chgData name="Scruel Tao" userId="5ea5c98d59b44d4b" providerId="LiveId" clId="{2BA6F94F-59B6-4AA6-9DB6-4A8227DBE37E}" dt="2023-04-06T02:37:10.496" v="4102" actId="20577"/>
-          <ac:spMkLst>
-            <pc:docMk/>
-            <pc:sldMk cId="555885545" sldId="271"/>
-            <ac:spMk id="5" creationId="{334FF01F-2A65-44F6-34F9-69AC934A31D7}"/>
-          </ac:spMkLst>
-        </pc:spChg>
-        <pc:spChg chg="del">
-          <ac:chgData name="Scruel Tao" userId="5ea5c98d59b44d4b" providerId="LiveId" clId="{2BA6F94F-59B6-4AA6-9DB6-4A8227DBE37E}" dt="2023-04-03T05:12:20.396" v="3109"/>
-          <ac:spMkLst>
-            <pc:docMk/>
-            <pc:sldMk cId="555885545" sldId="271"/>
-            <ac:spMk id="12" creationId="{17AECC1C-6944-9F68-770A-0455E86B2492}"/>
-          </ac:spMkLst>
-        </pc:spChg>
-        <pc:picChg chg="add mod">
-          <ac:chgData name="Scruel Tao" userId="5ea5c98d59b44d4b" providerId="LiveId" clId="{2BA6F94F-59B6-4AA6-9DB6-4A8227DBE37E}" dt="2023-04-03T05:12:24.482" v="3111" actId="1076"/>
-          <ac:picMkLst>
-            <pc:docMk/>
-            <pc:sldMk cId="555885545" sldId="271"/>
-            <ac:picMk id="3" creationId="{E9C9C4B6-9E80-13FC-3C11-56455F818828}"/>
-          </ac:picMkLst>
-        </pc:picChg>
-        <pc:picChg chg="add del mod">
-          <ac:chgData name="Scruel Tao" userId="5ea5c98d59b44d4b" providerId="LiveId" clId="{2BA6F94F-59B6-4AA6-9DB6-4A8227DBE37E}" dt="2023-04-06T02:23:46.442" v="3975" actId="478"/>
-          <ac:picMkLst>
-            <pc:docMk/>
-            <pc:sldMk cId="555885545" sldId="271"/>
-            <ac:picMk id="6" creationId="{946FBC4D-967C-E0DD-4B99-AFE37DE456FC}"/>
-          </ac:picMkLst>
-        </pc:picChg>
-        <pc:picChg chg="add del mod">
-          <ac:chgData name="Scruel Tao" userId="5ea5c98d59b44d4b" providerId="LiveId" clId="{2BA6F94F-59B6-4AA6-9DB6-4A8227DBE37E}" dt="2023-04-06T02:34:23.966" v="4014" actId="478"/>
-          <ac:picMkLst>
-            <pc:docMk/>
-            <pc:sldMk cId="555885545" sldId="271"/>
-            <ac:picMk id="8" creationId="{CBE0F782-9063-9A1B-F123-E3585C23F8D4}"/>
-          </ac:picMkLst>
-        </pc:picChg>
-        <pc:picChg chg="add mod ord">
-          <ac:chgData name="Scruel Tao" userId="5ea5c98d59b44d4b" providerId="LiveId" clId="{2BA6F94F-59B6-4AA6-9DB6-4A8227DBE37E}" dt="2023-04-06T02:34:21.109" v="4013" actId="171"/>
-          <ac:picMkLst>
-            <pc:docMk/>
-            <pc:sldMk cId="555885545" sldId="271"/>
-            <ac:picMk id="10" creationId="{AB9AA877-00A8-CAE0-AEB2-54C3CC706AB2}"/>
-          </ac:picMkLst>
-        </pc:picChg>
-        <pc:picChg chg="add del mod">
-          <ac:chgData name="Scruel Tao" userId="5ea5c98d59b44d4b" providerId="LiveId" clId="{2BA6F94F-59B6-4AA6-9DB6-4A8227DBE37E}" dt="2023-04-06T02:34:05.904" v="4011" actId="478"/>
-          <ac:picMkLst>
-            <pc:docMk/>
-            <pc:sldMk cId="555885545" sldId="271"/>
-            <ac:picMk id="12" creationId="{6B5B9BC3-94A6-21D9-46F9-DD8E61B43B92}"/>
-          </ac:picMkLst>
-        </pc:picChg>
-        <pc:picChg chg="add mod">
-          <ac:chgData name="Scruel Tao" userId="5ea5c98d59b44d4b" providerId="LiveId" clId="{2BA6F94F-59B6-4AA6-9DB6-4A8227DBE37E}" dt="2023-04-06T02:34:48.022" v="4029" actId="1076"/>
-          <ac:picMkLst>
-            <pc:docMk/>
-            <pc:sldMk cId="555885545" sldId="271"/>
-            <ac:picMk id="14" creationId="{6A16C4FE-00E6-5357-100A-B8710B34F596}"/>
-          </ac:picMkLst>
-        </pc:picChg>
-        <pc:picChg chg="add mod">
-          <ac:chgData name="Scruel Tao" userId="5ea5c98d59b44d4b" providerId="LiveId" clId="{2BA6F94F-59B6-4AA6-9DB6-4A8227DBE37E}" dt="2023-04-06T02:35:36.170" v="4034" actId="1076"/>
-          <ac:picMkLst>
-            <pc:docMk/>
-            <pc:sldMk cId="555885545" sldId="271"/>
-            <ac:picMk id="16" creationId="{11C754BB-74AE-32B2-031C-7FF20420B575}"/>
-          </ac:picMkLst>
-        </pc:picChg>
-      </pc:sldChg>
-      <pc:sldChg chg="addSp delSp modSp add mod modClrScheme modAnim chgLayout">
-        <pc:chgData name="Scruel Tao" userId="5ea5c98d59b44d4b" providerId="LiveId" clId="{2BA6F94F-59B6-4AA6-9DB6-4A8227DBE37E}" dt="2023-04-06T03:21:33.591" v="6322" actId="20577"/>
-        <pc:sldMkLst>
-          <pc:docMk/>
-          <pc:sldMk cId="1518949093" sldId="272"/>
-        </pc:sldMkLst>
-        <pc:spChg chg="mod ord">
-          <ac:chgData name="Scruel Tao" userId="5ea5c98d59b44d4b" providerId="LiveId" clId="{2BA6F94F-59B6-4AA6-9DB6-4A8227DBE37E}" dt="2023-04-06T02:46:26.755" v="4346" actId="700"/>
-          <ac:spMkLst>
-            <pc:docMk/>
-            <pc:sldMk cId="1518949093" sldId="272"/>
-            <ac:spMk id="2" creationId="{ABA783DF-49A6-7EF1-661E-C574E2C2F386}"/>
-          </ac:spMkLst>
-        </pc:spChg>
-        <pc:spChg chg="add mod ord">
-          <ac:chgData name="Scruel Tao" userId="5ea5c98d59b44d4b" providerId="LiveId" clId="{2BA6F94F-59B6-4AA6-9DB6-4A8227DBE37E}" dt="2023-04-06T03:21:33.591" v="6322" actId="20577"/>
-          <ac:spMkLst>
-            <pc:docMk/>
-            <pc:sldMk cId="1518949093" sldId="272"/>
-            <ac:spMk id="3" creationId="{939F03AE-10F4-D882-D99A-D5393469A114}"/>
-          </ac:spMkLst>
-        </pc:spChg>
-        <pc:spChg chg="add mod">
-          <ac:chgData name="Scruel Tao" userId="5ea5c98d59b44d4b" providerId="LiveId" clId="{2BA6F94F-59B6-4AA6-9DB6-4A8227DBE37E}" dt="2023-04-06T03:00:35.995" v="5800" actId="1076"/>
-          <ac:spMkLst>
-            <pc:docMk/>
-            <pc:sldMk cId="1518949093" sldId="272"/>
-            <ac:spMk id="4" creationId="{7F9F47DD-E49D-A929-FBF6-0571BAC29FB6}"/>
-          </ac:spMkLst>
-        </pc:spChg>
-        <pc:spChg chg="del mod ord">
-          <ac:chgData name="Scruel Tao" userId="5ea5c98d59b44d4b" providerId="LiveId" clId="{2BA6F94F-59B6-4AA6-9DB6-4A8227DBE37E}" dt="2023-04-06T02:46:26.755" v="4346" actId="700"/>
-          <ac:spMkLst>
-            <pc:docMk/>
-            <pc:sldMk cId="1518949093" sldId="272"/>
-            <ac:spMk id="5" creationId="{334FF01F-2A65-44F6-34F9-69AC934A31D7}"/>
-          </ac:spMkLst>
-        </pc:spChg>
-        <pc:spChg chg="add del mod">
-          <ac:chgData name="Scruel Tao" userId="5ea5c98d59b44d4b" providerId="LiveId" clId="{2BA6F94F-59B6-4AA6-9DB6-4A8227DBE37E}" dt="2023-04-06T02:46:26.755" v="4346" actId="700"/>
-          <ac:spMkLst>
-            <pc:docMk/>
-            <pc:sldMk cId="1518949093" sldId="272"/>
-            <ac:spMk id="7" creationId="{F35B7A8A-4930-2C62-CD2B-1E4E38AFABE3}"/>
-          </ac:spMkLst>
-        </pc:spChg>
-        <pc:spChg chg="del">
-          <ac:chgData name="Scruel Tao" userId="5ea5c98d59b44d4b" providerId="LiveId" clId="{2BA6F94F-59B6-4AA6-9DB6-4A8227DBE37E}" dt="2023-04-03T05:12:13.720" v="3106"/>
-          <ac:spMkLst>
-            <pc:docMk/>
-            <pc:sldMk cId="1518949093" sldId="272"/>
-            <ac:spMk id="12" creationId="{17AECC1C-6944-9F68-770A-0455E86B2492}"/>
-          </ac:spMkLst>
-        </pc:spChg>
-        <pc:picChg chg="add del mod">
-          <ac:chgData name="Scruel Tao" userId="5ea5c98d59b44d4b" providerId="LiveId" clId="{2BA6F94F-59B6-4AA6-9DB6-4A8227DBE37E}" dt="2023-04-03T05:12:18.430" v="3108" actId="21"/>
-          <ac:picMkLst>
-            <pc:docMk/>
-            <pc:sldMk cId="1518949093" sldId="272"/>
-            <ac:picMk id="4" creationId="{ED7E2725-EC32-D629-C663-EC55BC83D8AA}"/>
-          </ac:picMkLst>
-        </pc:picChg>
-      </pc:sldChg>
-      <pc:sldChg chg="addSp delSp modSp add mod modAnim">
-        <pc:chgData name="Scruel Tao" userId="5ea5c98d59b44d4b" providerId="LiveId" clId="{2BA6F94F-59B6-4AA6-9DB6-4A8227DBE37E}" dt="2023-04-06T03:22:01.021" v="6326" actId="20577"/>
-        <pc:sldMkLst>
-          <pc:docMk/>
-          <pc:sldMk cId="1301849154" sldId="273"/>
-        </pc:sldMkLst>
-        <pc:spChg chg="mod">
-          <ac:chgData name="Scruel Tao" userId="5ea5c98d59b44d4b" providerId="LiveId" clId="{2BA6F94F-59B6-4AA6-9DB6-4A8227DBE37E}" dt="2023-04-06T02:00:22.559" v="3502" actId="20577"/>
-          <ac:spMkLst>
-            <pc:docMk/>
-            <pc:sldMk cId="1301849154" sldId="273"/>
-            <ac:spMk id="2" creationId="{ABA783DF-49A6-7EF1-661E-C574E2C2F386}"/>
-          </ac:spMkLst>
-        </pc:spChg>
-        <pc:spChg chg="mod ord">
-          <ac:chgData name="Scruel Tao" userId="5ea5c98d59b44d4b" providerId="LiveId" clId="{2BA6F94F-59B6-4AA6-9DB6-4A8227DBE37E}" dt="2023-04-06T03:22:01.021" v="6326" actId="20577"/>
-          <ac:spMkLst>
-            <pc:docMk/>
-            <pc:sldMk cId="1301849154" sldId="273"/>
-            <ac:spMk id="5" creationId="{334FF01F-2A65-44F6-34F9-69AC934A31D7}"/>
-          </ac:spMkLst>
-        </pc:spChg>
-        <pc:spChg chg="add del">
-          <ac:chgData name="Scruel Tao" userId="5ea5c98d59b44d4b" providerId="LiveId" clId="{2BA6F94F-59B6-4AA6-9DB6-4A8227DBE37E}" dt="2023-04-06T03:03:08.342" v="5816" actId="22"/>
-          <ac:spMkLst>
-            <pc:docMk/>
-            <pc:sldMk cId="1301849154" sldId="273"/>
-            <ac:spMk id="9" creationId="{2D63CFCC-FD4C-6E5B-C31C-1FACE6548087}"/>
-          </ac:spMkLst>
-        </pc:spChg>
-        <pc:spChg chg="del">
-          <ac:chgData name="Scruel Tao" userId="5ea5c98d59b44d4b" providerId="LiveId" clId="{2BA6F94F-59B6-4AA6-9DB6-4A8227DBE37E}" dt="2023-04-06T02:59:42.163" v="5772"/>
-          <ac:spMkLst>
-            <pc:docMk/>
-            <pc:sldMk cId="1301849154" sldId="273"/>
-            <ac:spMk id="12" creationId="{17AECC1C-6944-9F68-770A-0455E86B2492}"/>
-          </ac:spMkLst>
-        </pc:spChg>
-        <pc:picChg chg="add mod">
-          <ac:chgData name="Scruel Tao" userId="5ea5c98d59b44d4b" providerId="LiveId" clId="{2BA6F94F-59B6-4AA6-9DB6-4A8227DBE37E}" dt="2023-04-06T03:00:08.355" v="5783" actId="14100"/>
-          <ac:picMkLst>
-            <pc:docMk/>
-            <pc:sldMk cId="1301849154" sldId="273"/>
-            <ac:picMk id="4" creationId="{0A002240-4414-DA2D-96E9-81195475F4D9}"/>
-          </ac:picMkLst>
-        </pc:picChg>
-        <pc:picChg chg="add mod">
-          <ac:chgData name="Scruel Tao" userId="5ea5c98d59b44d4b" providerId="LiveId" clId="{2BA6F94F-59B6-4AA6-9DB6-4A8227DBE37E}" dt="2023-04-06T03:01:55.942" v="5807" actId="1076"/>
-          <ac:picMkLst>
-            <pc:docMk/>
-            <pc:sldMk cId="1301849154" sldId="273"/>
-            <ac:picMk id="7" creationId="{039AB04D-EA90-8BDD-A9C6-599C7C25DC63}"/>
-          </ac:picMkLst>
-        </pc:picChg>
-        <pc:picChg chg="add mod">
-          <ac:chgData name="Scruel Tao" userId="5ea5c98d59b44d4b" providerId="LiveId" clId="{2BA6F94F-59B6-4AA6-9DB6-4A8227DBE37E}" dt="2023-04-06T03:03:35.262" v="5826" actId="1076"/>
-          <ac:picMkLst>
-            <pc:docMk/>
-            <pc:sldMk cId="1301849154" sldId="273"/>
-            <ac:picMk id="11" creationId="{F56CF5C9-083E-9020-8D45-F23AB3CF38CE}"/>
-          </ac:picMkLst>
-        </pc:picChg>
-      </pc:sldChg>
-      <pc:sldChg chg="addSp delSp modSp add mod modClrScheme modAnim chgLayout">
-        <pc:chgData name="Scruel Tao" userId="5ea5c98d59b44d4b" providerId="LiveId" clId="{2BA6F94F-59B6-4AA6-9DB6-4A8227DBE37E}" dt="2023-04-06T03:08:04.347" v="6177" actId="20577"/>
-        <pc:sldMkLst>
-          <pc:docMk/>
-          <pc:sldMk cId="2878673110" sldId="274"/>
-        </pc:sldMkLst>
-        <pc:spChg chg="mod ord">
-          <ac:chgData name="Scruel Tao" userId="5ea5c98d59b44d4b" providerId="LiveId" clId="{2BA6F94F-59B6-4AA6-9DB6-4A8227DBE37E}" dt="2023-04-06T03:06:24.832" v="6026" actId="20577"/>
-          <ac:spMkLst>
-            <pc:docMk/>
-            <pc:sldMk cId="2878673110" sldId="274"/>
-            <ac:spMk id="2" creationId="{ABA783DF-49A6-7EF1-661E-C574E2C2F386}"/>
-          </ac:spMkLst>
-        </pc:spChg>
-        <pc:spChg chg="add mod ord">
-          <ac:chgData name="Scruel Tao" userId="5ea5c98d59b44d4b" providerId="LiveId" clId="{2BA6F94F-59B6-4AA6-9DB6-4A8227DBE37E}" dt="2023-04-06T03:08:04.347" v="6177" actId="20577"/>
-          <ac:spMkLst>
-            <pc:docMk/>
-            <pc:sldMk cId="2878673110" sldId="274"/>
-            <ac:spMk id="3" creationId="{9E0BA8B8-92DA-1AC9-79B9-A552D184BB54}"/>
-          </ac:spMkLst>
-        </pc:spChg>
-        <pc:spChg chg="del mod ord">
-          <ac:chgData name="Scruel Tao" userId="5ea5c98d59b44d4b" providerId="LiveId" clId="{2BA6F94F-59B6-4AA6-9DB6-4A8227DBE37E}" dt="2023-04-03T05:14:57.549" v="3272" actId="700"/>
-          <ac:spMkLst>
-            <pc:docMk/>
-            <pc:sldMk cId="2878673110" sldId="274"/>
-            <ac:spMk id="5" creationId="{334FF01F-2A65-44F6-34F9-69AC934A31D7}"/>
-          </ac:spMkLst>
-        </pc:spChg>
-        <pc:spChg chg="del">
-          <ac:chgData name="Scruel Tao" userId="5ea5c98d59b44d4b" providerId="LiveId" clId="{2BA6F94F-59B6-4AA6-9DB6-4A8227DBE37E}" dt="2023-04-03T05:14:57.549" v="3272" actId="700"/>
-          <ac:spMkLst>
-            <pc:docMk/>
-            <pc:sldMk cId="2878673110" sldId="274"/>
-            <ac:spMk id="12" creationId="{17AECC1C-6944-9F68-770A-0455E86B2492}"/>
-          </ac:spMkLst>
-        </pc:spChg>
-      </pc:sldChg>
-      <pc:sldChg chg="addSp delSp modSp add mod delAnim modAnim">
-        <pc:chgData name="Scruel Tao" userId="5ea5c98d59b44d4b" providerId="LiveId" clId="{2BA6F94F-59B6-4AA6-9DB6-4A8227DBE37E}" dt="2023-04-06T03:11:42.112" v="6223" actId="20577"/>
-        <pc:sldMkLst>
-          <pc:docMk/>
-          <pc:sldMk cId="1525970791" sldId="275"/>
-        </pc:sldMkLst>
-        <pc:spChg chg="mod">
-          <ac:chgData name="Scruel Tao" userId="5ea5c98d59b44d4b" providerId="LiveId" clId="{2BA6F94F-59B6-4AA6-9DB6-4A8227DBE37E}" dt="2023-04-06T02:37:55.606" v="4130" actId="20577"/>
-          <ac:spMkLst>
-            <pc:docMk/>
-            <pc:sldMk cId="1525970791" sldId="275"/>
-            <ac:spMk id="2" creationId="{ABA783DF-49A6-7EF1-661E-C574E2C2F386}"/>
-          </ac:spMkLst>
-        </pc:spChg>
-        <pc:spChg chg="add mod">
-          <ac:chgData name="Scruel Tao" userId="5ea5c98d59b44d4b" providerId="LiveId" clId="{2BA6F94F-59B6-4AA6-9DB6-4A8227DBE37E}" dt="2023-04-06T02:40:44.115" v="4288" actId="1076"/>
-          <ac:spMkLst>
-            <pc:docMk/>
-            <pc:sldMk cId="1525970791" sldId="275"/>
-            <ac:spMk id="3" creationId="{758FEE91-E006-78B4-7371-44F05CE1873F}"/>
-          </ac:spMkLst>
-        </pc:spChg>
-        <pc:spChg chg="mod">
-          <ac:chgData name="Scruel Tao" userId="5ea5c98d59b44d4b" providerId="LiveId" clId="{2BA6F94F-59B6-4AA6-9DB6-4A8227DBE37E}" dt="2023-04-06T03:11:42.112" v="6223" actId="20577"/>
-          <ac:spMkLst>
-            <pc:docMk/>
-            <pc:sldMk cId="1525970791" sldId="275"/>
-            <ac:spMk id="5" creationId="{334FF01F-2A65-44F6-34F9-69AC934A31D7}"/>
-          </ac:spMkLst>
-        </pc:spChg>
-        <pc:spChg chg="add del mod">
-          <ac:chgData name="Scruel Tao" userId="5ea5c98d59b44d4b" providerId="LiveId" clId="{2BA6F94F-59B6-4AA6-9DB6-4A8227DBE37E}" dt="2023-04-06T02:41:11.484" v="4301"/>
-          <ac:spMkLst>
-            <pc:docMk/>
-            <pc:sldMk cId="1525970791" sldId="275"/>
-            <ac:spMk id="6" creationId="{FE71521E-2CC0-4A61-AAED-50B969DD3FB2}"/>
-          </ac:spMkLst>
-        </pc:spChg>
-        <pc:spChg chg="add del mod">
-          <ac:chgData name="Scruel Tao" userId="5ea5c98d59b44d4b" providerId="LiveId" clId="{2BA6F94F-59B6-4AA6-9DB6-4A8227DBE37E}" dt="2023-04-06T02:41:49.801" v="4308"/>
-          <ac:spMkLst>
-            <pc:docMk/>
-            <pc:sldMk cId="1525970791" sldId="275"/>
-            <ac:spMk id="11" creationId="{E7566BCF-DD27-2A40-5FAC-846D590C6664}"/>
-          </ac:spMkLst>
-        </pc:spChg>
-        <pc:picChg chg="del">
-          <ac:chgData name="Scruel Tao" userId="5ea5c98d59b44d4b" providerId="LiveId" clId="{2BA6F94F-59B6-4AA6-9DB6-4A8227DBE37E}" dt="2023-04-03T05:13:19.543" v="3163" actId="21"/>
-          <ac:picMkLst>
-            <pc:docMk/>
-            <pc:sldMk cId="1525970791" sldId="275"/>
-            <ac:picMk id="3" creationId="{E9C9C4B6-9E80-13FC-3C11-56455F818828}"/>
-          </ac:picMkLst>
-        </pc:picChg>
-        <pc:picChg chg="add del mod">
-          <ac:chgData name="Scruel Tao" userId="5ea5c98d59b44d4b" providerId="LiveId" clId="{2BA6F94F-59B6-4AA6-9DB6-4A8227DBE37E}" dt="2023-04-06T02:41:10.728" v="4300"/>
-          <ac:picMkLst>
-            <pc:docMk/>
-            <pc:sldMk cId="1525970791" sldId="275"/>
-            <ac:picMk id="7" creationId="{72753DEC-DD0C-C274-F404-F5EB4CD1C448}"/>
-          </ac:picMkLst>
-        </pc:picChg>
-        <pc:picChg chg="add del mod">
-          <ac:chgData name="Scruel Tao" userId="5ea5c98d59b44d4b" providerId="LiveId" clId="{2BA6F94F-59B6-4AA6-9DB6-4A8227DBE37E}" dt="2023-04-06T02:41:48.798" v="4307" actId="478"/>
-          <ac:picMkLst>
-            <pc:docMk/>
-            <pc:sldMk cId="1525970791" sldId="275"/>
-            <ac:picMk id="9" creationId="{956D46E1-CA10-6110-3721-527FB106B816}"/>
-          </ac:picMkLst>
-        </pc:picChg>
-        <pc:picChg chg="add mod">
-          <ac:chgData name="Scruel Tao" userId="5ea5c98d59b44d4b" providerId="LiveId" clId="{2BA6F94F-59B6-4AA6-9DB6-4A8227DBE37E}" dt="2023-04-06T02:41:56.060" v="4311" actId="14100"/>
-          <ac:picMkLst>
-            <pc:docMk/>
-            <pc:sldMk cId="1525970791" sldId="275"/>
-            <ac:picMk id="13" creationId="{28E0336C-E8D0-EA88-BA1F-58180AAA10B2}"/>
-          </ac:picMkLst>
-        </pc:picChg>
-        <pc:picChg chg="add mod">
-          <ac:chgData name="Scruel Tao" userId="5ea5c98d59b44d4b" providerId="LiveId" clId="{2BA6F94F-59B6-4AA6-9DB6-4A8227DBE37E}" dt="2023-04-06T02:43:15.541" v="4323" actId="1076"/>
-          <ac:picMkLst>
-            <pc:docMk/>
-            <pc:sldMk cId="1525970791" sldId="275"/>
-            <ac:picMk id="15" creationId="{688D0B3B-ED19-D752-7801-4EA7CCF93CF1}"/>
-          </ac:picMkLst>
-        </pc:picChg>
-        <pc:picChg chg="add del mod">
-          <ac:chgData name="Scruel Tao" userId="5ea5c98d59b44d4b" providerId="LiveId" clId="{2BA6F94F-59B6-4AA6-9DB6-4A8227DBE37E}" dt="2023-04-06T02:45:44.597" v="4337" actId="478"/>
-          <ac:picMkLst>
-            <pc:docMk/>
-            <pc:sldMk cId="1525970791" sldId="275"/>
-            <ac:picMk id="17" creationId="{A0899730-319B-2A2E-DBC8-BEBF8655AA69}"/>
-          </ac:picMkLst>
-        </pc:picChg>
-        <pc:picChg chg="add mod">
-          <ac:chgData name="Scruel Tao" userId="5ea5c98d59b44d4b" providerId="LiveId" clId="{2BA6F94F-59B6-4AA6-9DB6-4A8227DBE37E}" dt="2023-04-06T02:45:54.296" v="4342" actId="1076"/>
-          <ac:picMkLst>
-            <pc:docMk/>
-            <pc:sldMk cId="1525970791" sldId="275"/>
-            <ac:picMk id="19" creationId="{EA4C9E56-4F35-33EF-251B-533EFC0DABBF}"/>
-          </ac:picMkLst>
-        </pc:picChg>
-      </pc:sldChg>
-      <pc:sldChg chg="modSp add del mod">
-        <pc:chgData name="Scruel Tao" userId="5ea5c98d59b44d4b" providerId="LiveId" clId="{2BA6F94F-59B6-4AA6-9DB6-4A8227DBE37E}" dt="2023-04-06T02:37:57.733" v="4131" actId="47"/>
-        <pc:sldMkLst>
-          <pc:docMk/>
-          <pc:sldMk cId="1084643022" sldId="276"/>
-        </pc:sldMkLst>
-        <pc:spChg chg="mod">
-          <ac:chgData name="Scruel Tao" userId="5ea5c98d59b44d4b" providerId="LiveId" clId="{2BA6F94F-59B6-4AA6-9DB6-4A8227DBE37E}" dt="2023-04-06T01:59:57.563" v="3451" actId="20577"/>
-          <ac:spMkLst>
-            <pc:docMk/>
-            <pc:sldMk cId="1084643022" sldId="276"/>
-            <ac:spMk id="2" creationId="{ABA783DF-49A6-7EF1-661E-C574E2C2F386}"/>
-          </ac:spMkLst>
-        </pc:spChg>
-      </pc:sldChg>
-      <pc:sldMasterChg chg="modSldLayout">
-        <pc:chgData name="Scruel Tao" userId="5ea5c98d59b44d4b" providerId="LiveId" clId="{2BA6F94F-59B6-4AA6-9DB6-4A8227DBE37E}" dt="2023-04-03T03:34:53.033" v="335" actId="1076"/>
-        <pc:sldMasterMkLst>
-          <pc:docMk/>
-          <pc:sldMasterMk cId="1766057859" sldId="2147483648"/>
-        </pc:sldMasterMkLst>
-        <pc:sldLayoutChg chg="delSp modSp mod">
-          <pc:chgData name="Scruel Tao" userId="5ea5c98d59b44d4b" providerId="LiveId" clId="{2BA6F94F-59B6-4AA6-9DB6-4A8227DBE37E}" dt="2023-04-03T03:34:53.033" v="335" actId="1076"/>
-          <pc:sldLayoutMkLst>
-            <pc:docMk/>
-            <pc:sldMasterMk cId="1766057859" sldId="2147483648"/>
-            <pc:sldLayoutMk cId="1337634028" sldId="2147483660"/>
-          </pc:sldLayoutMkLst>
-          <pc:spChg chg="del mod">
-            <ac:chgData name="Scruel Tao" userId="5ea5c98d59b44d4b" providerId="LiveId" clId="{2BA6F94F-59B6-4AA6-9DB6-4A8227DBE37E}" dt="2023-04-03T03:27:47.594" v="278" actId="478"/>
-            <ac:spMkLst>
-              <pc:docMk/>
-              <pc:sldMasterMk cId="1766057859" sldId="2147483648"/>
-              <pc:sldLayoutMk cId="1337634028" sldId="2147483660"/>
-              <ac:spMk id="19468" creationId="{418CE5A5-515B-CEAB-D160-CBAFEBF4837F}"/>
-            </ac:spMkLst>
-          </pc:spChg>
-          <pc:picChg chg="del">
-            <ac:chgData name="Scruel Tao" userId="5ea5c98d59b44d4b" providerId="LiveId" clId="{2BA6F94F-59B6-4AA6-9DB6-4A8227DBE37E}" dt="2023-04-03T03:26:11.336" v="269" actId="21"/>
-            <ac:picMkLst>
-              <pc:docMk/>
-              <pc:sldMasterMk cId="1766057859" sldId="2147483648"/>
-              <pc:sldLayoutMk cId="1337634028" sldId="2147483660"/>
-              <ac:picMk id="19481" creationId="{02568321-E4E6-1B3D-8017-A3451A7203B9}"/>
-            </ac:picMkLst>
-          </pc:picChg>
-          <pc:picChg chg="mod">
-            <ac:chgData name="Scruel Tao" userId="5ea5c98d59b44d4b" providerId="LiveId" clId="{2BA6F94F-59B6-4AA6-9DB6-4A8227DBE37E}" dt="2023-04-03T03:34:53.033" v="335" actId="1076"/>
-            <ac:picMkLst>
-              <pc:docMk/>
-              <pc:sldMasterMk cId="1766057859" sldId="2147483648"/>
-              <pc:sldLayoutMk cId="1337634028" sldId="2147483660"/>
-              <ac:picMk id="19482" creationId="{8F2B9C9A-7CA4-5723-784E-DBADCF09186B}"/>
-            </ac:picMkLst>
-          </pc:picChg>
-        </pc:sldLayoutChg>
-      </pc:sldMasterChg>
-    </pc:docChg>
-  </pc:docChgLst>
 </pc:chgInfo>
 </file>
 
@@ -2943,7 +2950,7 @@
           <a:p>
             <a:fld id="{AC7E1972-C479-4420-A687-8FB83BA90DEB}" type="datetimeFigureOut">
               <a:rPr lang="zh-CN" altLang="en-US" smtClean="0"/>
-              <a:t>2023/6/2</a:t>
+              <a:t>2025/6/5 Thu</a:t>
             </a:fld>
             <a:endParaRPr lang="zh-CN" altLang="en-US"/>
           </a:p>
@@ -3120,7 +3127,7 @@
           <a:p>
             <a:fld id="{89B7AB8D-BCC0-43C6-B24C-055A25DB558F}" type="datetimeFigureOut">
               <a:rPr lang="zh-CN" altLang="en-US" smtClean="0"/>
-              <a:t>2023/6/2</a:t>
+              <a:t>2025/6/5 Thu</a:t>
             </a:fld>
             <a:endParaRPr lang="zh-CN" altLang="en-US"/>
           </a:p>
@@ -3452,12 +3459,18 @@
 </p:notes>
 </file>
 
-<file path=ppt/notesSlides/notesSlide2.xml><?xml version="1.0" encoding="utf-8"?>
+<file path=ppt/notesSlides/notesSlide10.xml><?xml version="1.0" encoding="utf-8"?>
 <p:notes xmlns:a="http://schemas.openxmlformats.org/drawingml/2006/main" xmlns:r="http://schemas.openxmlformats.org/officeDocument/2006/relationships" xmlns:p="http://schemas.openxmlformats.org/presentationml/2006/main">
   <p:cSld>
     <p:spTree>
       <p:nvGrpSpPr>
-        <p:cNvPr id="1" name=""/>
+        <p:cNvPr id="1" name="">
+          <a:extLst>
+            <a:ext uri="{FF2B5EF4-FFF2-40B4-BE49-F238E27FC236}">
+              <a16:creationId xmlns:a16="http://schemas.microsoft.com/office/drawing/2014/main" id="{E2B9D530-6D3E-C0E3-8482-D718E8907470}"/>
+            </a:ext>
+          </a:extLst>
+        </p:cNvPr>
         <p:cNvGrpSpPr/>
         <p:nvPr/>
       </p:nvGrpSpPr>
@@ -3471,7 +3484,13 @@
       </p:grpSpPr>
       <p:sp>
         <p:nvSpPr>
-          <p:cNvPr id="2" name="幻灯片图像占位符 1"/>
+          <p:cNvPr id="2" name="幻灯片图像占位符 1">
+            <a:extLst>
+              <a:ext uri="{FF2B5EF4-FFF2-40B4-BE49-F238E27FC236}">
+                <a16:creationId xmlns:a16="http://schemas.microsoft.com/office/drawing/2014/main" id="{F49D5DA9-B76B-0E99-CB75-C5DDD5C66C0C}"/>
+              </a:ext>
+            </a:extLst>
+          </p:cNvPr>
           <p:cNvSpPr>
             <a:spLocks noGrp="1" noRot="1" noChangeAspect="1"/>
           </p:cNvSpPr>
@@ -3483,7 +3502,13 @@
       </p:sp>
       <p:sp>
         <p:nvSpPr>
-          <p:cNvPr id="3" name="备注占位符 2"/>
+          <p:cNvPr id="3" name="备注占位符 2">
+            <a:extLst>
+              <a:ext uri="{FF2B5EF4-FFF2-40B4-BE49-F238E27FC236}">
+                <a16:creationId xmlns:a16="http://schemas.microsoft.com/office/drawing/2014/main" id="{2DC09436-CCC6-3DB1-7929-4546E26ABBF2}"/>
+              </a:ext>
+            </a:extLst>
+          </p:cNvPr>
           <p:cNvSpPr>
             <a:spLocks noGrp="1"/>
           </p:cNvSpPr>
@@ -3502,7 +3527,338 @@
       </p:sp>
       <p:sp>
         <p:nvSpPr>
-          <p:cNvPr id="4" name="灯片编号占位符 3"/>
+          <p:cNvPr id="4" name="灯片编号占位符 3">
+            <a:extLst>
+              <a:ext uri="{FF2B5EF4-FFF2-40B4-BE49-F238E27FC236}">
+                <a16:creationId xmlns:a16="http://schemas.microsoft.com/office/drawing/2014/main" id="{1B043BAA-62EA-5F0B-237F-A1FE29B25EFB}"/>
+              </a:ext>
+            </a:extLst>
+          </p:cNvPr>
+          <p:cNvSpPr>
+            <a:spLocks noGrp="1"/>
+          </p:cNvSpPr>
+          <p:nvPr>
+            <p:ph type="sldNum" sz="quarter" idx="5"/>
+          </p:nvPr>
+        </p:nvSpPr>
+        <p:spPr/>
+        <p:txBody>
+          <a:bodyPr/>
+          <a:lstStyle/>
+          <a:p>
+            <a:fld id="{9901CBA2-7C9E-4AD6-B258-A0DB055BB3AF}" type="slidenum">
+              <a:rPr lang="zh-CN" altLang="en-US" smtClean="0"/>
+              <a:t>12</a:t>
+            </a:fld>
+            <a:endParaRPr lang="zh-CN" altLang="en-US"/>
+          </a:p>
+        </p:txBody>
+      </p:sp>
+    </p:spTree>
+    <p:extLst>
+      <p:ext uri="{BB962C8B-B14F-4D97-AF65-F5344CB8AC3E}">
+        <p14:creationId xmlns:p14="http://schemas.microsoft.com/office/powerpoint/2010/main" val="3110640154"/>
+      </p:ext>
+    </p:extLst>
+  </p:cSld>
+  <p:clrMapOvr>
+    <a:masterClrMapping/>
+  </p:clrMapOvr>
+</p:notes>
+</file>
+
+<file path=ppt/notesSlides/notesSlide11.xml><?xml version="1.0" encoding="utf-8"?>
+<p:notes xmlns:a="http://schemas.openxmlformats.org/drawingml/2006/main" xmlns:r="http://schemas.openxmlformats.org/officeDocument/2006/relationships" xmlns:p="http://schemas.openxmlformats.org/presentationml/2006/main">
+  <p:cSld>
+    <p:spTree>
+      <p:nvGrpSpPr>
+        <p:cNvPr id="1" name="">
+          <a:extLst>
+            <a:ext uri="{FF2B5EF4-FFF2-40B4-BE49-F238E27FC236}">
+              <a16:creationId xmlns:a16="http://schemas.microsoft.com/office/drawing/2014/main" id="{81B1C8B1-0660-D221-3E9D-D35D6CDBC1FB}"/>
+            </a:ext>
+          </a:extLst>
+        </p:cNvPr>
+        <p:cNvGrpSpPr/>
+        <p:nvPr/>
+      </p:nvGrpSpPr>
+      <p:grpSpPr>
+        <a:xfrm>
+          <a:off x="0" y="0"/>
+          <a:ext cx="0" cy="0"/>
+          <a:chOff x="0" y="0"/>
+          <a:chExt cx="0" cy="0"/>
+        </a:xfrm>
+      </p:grpSpPr>
+      <p:sp>
+        <p:nvSpPr>
+          <p:cNvPr id="2" name="幻灯片图像占位符 1">
+            <a:extLst>
+              <a:ext uri="{FF2B5EF4-FFF2-40B4-BE49-F238E27FC236}">
+                <a16:creationId xmlns:a16="http://schemas.microsoft.com/office/drawing/2014/main" id="{99EA3140-E18A-E408-6017-5FB94ED094EE}"/>
+              </a:ext>
+            </a:extLst>
+          </p:cNvPr>
+          <p:cNvSpPr>
+            <a:spLocks noGrp="1" noRot="1" noChangeAspect="1"/>
+          </p:cNvSpPr>
+          <p:nvPr>
+            <p:ph type="sldImg"/>
+          </p:nvPr>
+        </p:nvSpPr>
+        <p:spPr/>
+      </p:sp>
+      <p:sp>
+        <p:nvSpPr>
+          <p:cNvPr id="3" name="备注占位符 2">
+            <a:extLst>
+              <a:ext uri="{FF2B5EF4-FFF2-40B4-BE49-F238E27FC236}">
+                <a16:creationId xmlns:a16="http://schemas.microsoft.com/office/drawing/2014/main" id="{AD7DA390-FDFE-C32F-2BF3-EE7CF73D825A}"/>
+              </a:ext>
+            </a:extLst>
+          </p:cNvPr>
+          <p:cNvSpPr>
+            <a:spLocks noGrp="1"/>
+          </p:cNvSpPr>
+          <p:nvPr>
+            <p:ph type="body" idx="1"/>
+          </p:nvPr>
+        </p:nvSpPr>
+        <p:spPr/>
+        <p:txBody>
+          <a:bodyPr/>
+          <a:lstStyle/>
+          <a:p>
+            <a:endParaRPr lang="zh-CN" altLang="en-US" dirty="0"/>
+          </a:p>
+        </p:txBody>
+      </p:sp>
+      <p:sp>
+        <p:nvSpPr>
+          <p:cNvPr id="4" name="灯片编号占位符 3">
+            <a:extLst>
+              <a:ext uri="{FF2B5EF4-FFF2-40B4-BE49-F238E27FC236}">
+                <a16:creationId xmlns:a16="http://schemas.microsoft.com/office/drawing/2014/main" id="{736E3FB7-79B5-3AF3-64C9-3254F5ABB015}"/>
+              </a:ext>
+            </a:extLst>
+          </p:cNvPr>
+          <p:cNvSpPr>
+            <a:spLocks noGrp="1"/>
+          </p:cNvSpPr>
+          <p:nvPr>
+            <p:ph type="sldNum" sz="quarter" idx="5"/>
+          </p:nvPr>
+        </p:nvSpPr>
+        <p:spPr/>
+        <p:txBody>
+          <a:bodyPr/>
+          <a:lstStyle/>
+          <a:p>
+            <a:fld id="{9901CBA2-7C9E-4AD6-B258-A0DB055BB3AF}" type="slidenum">
+              <a:rPr lang="zh-CN" altLang="en-US" smtClean="0"/>
+              <a:t>13</a:t>
+            </a:fld>
+            <a:endParaRPr lang="zh-CN" altLang="en-US"/>
+          </a:p>
+        </p:txBody>
+      </p:sp>
+    </p:spTree>
+    <p:extLst>
+      <p:ext uri="{BB962C8B-B14F-4D97-AF65-F5344CB8AC3E}">
+        <p14:creationId xmlns:p14="http://schemas.microsoft.com/office/powerpoint/2010/main" val="169466812"/>
+      </p:ext>
+    </p:extLst>
+  </p:cSld>
+  <p:clrMapOvr>
+    <a:masterClrMapping/>
+  </p:clrMapOvr>
+</p:notes>
+</file>
+
+<file path=ppt/notesSlides/notesSlide12.xml><?xml version="1.0" encoding="utf-8"?>
+<p:notes xmlns:a="http://schemas.openxmlformats.org/drawingml/2006/main" xmlns:r="http://schemas.openxmlformats.org/officeDocument/2006/relationships" xmlns:p="http://schemas.openxmlformats.org/presentationml/2006/main">
+  <p:cSld>
+    <p:spTree>
+      <p:nvGrpSpPr>
+        <p:cNvPr id="1" name="">
+          <a:extLst>
+            <a:ext uri="{FF2B5EF4-FFF2-40B4-BE49-F238E27FC236}">
+              <a16:creationId xmlns:a16="http://schemas.microsoft.com/office/drawing/2014/main" id="{0DD1C44F-E8DC-F690-0AD4-EFD5B8AFE01A}"/>
+            </a:ext>
+          </a:extLst>
+        </p:cNvPr>
+        <p:cNvGrpSpPr/>
+        <p:nvPr/>
+      </p:nvGrpSpPr>
+      <p:grpSpPr>
+        <a:xfrm>
+          <a:off x="0" y="0"/>
+          <a:ext cx="0" cy="0"/>
+          <a:chOff x="0" y="0"/>
+          <a:chExt cx="0" cy="0"/>
+        </a:xfrm>
+      </p:grpSpPr>
+      <p:sp>
+        <p:nvSpPr>
+          <p:cNvPr id="2" name="幻灯片图像占位符 1">
+            <a:extLst>
+              <a:ext uri="{FF2B5EF4-FFF2-40B4-BE49-F238E27FC236}">
+                <a16:creationId xmlns:a16="http://schemas.microsoft.com/office/drawing/2014/main" id="{70FE8689-1DDB-16AE-4737-B33EB821816D}"/>
+              </a:ext>
+            </a:extLst>
+          </p:cNvPr>
+          <p:cNvSpPr>
+            <a:spLocks noGrp="1" noRot="1" noChangeAspect="1"/>
+          </p:cNvSpPr>
+          <p:nvPr>
+            <p:ph type="sldImg"/>
+          </p:nvPr>
+        </p:nvSpPr>
+        <p:spPr/>
+      </p:sp>
+      <p:sp>
+        <p:nvSpPr>
+          <p:cNvPr id="3" name="备注占位符 2">
+            <a:extLst>
+              <a:ext uri="{FF2B5EF4-FFF2-40B4-BE49-F238E27FC236}">
+                <a16:creationId xmlns:a16="http://schemas.microsoft.com/office/drawing/2014/main" id="{5B7BB879-BA4D-1620-7A3D-3F1ABE9B2562}"/>
+              </a:ext>
+            </a:extLst>
+          </p:cNvPr>
+          <p:cNvSpPr>
+            <a:spLocks noGrp="1"/>
+          </p:cNvSpPr>
+          <p:nvPr>
+            <p:ph type="body" idx="1"/>
+          </p:nvPr>
+        </p:nvSpPr>
+        <p:spPr/>
+        <p:txBody>
+          <a:bodyPr/>
+          <a:lstStyle/>
+          <a:p>
+            <a:endParaRPr lang="zh-CN" altLang="en-US" dirty="0"/>
+          </a:p>
+        </p:txBody>
+      </p:sp>
+      <p:sp>
+        <p:nvSpPr>
+          <p:cNvPr id="4" name="灯片编号占位符 3">
+            <a:extLst>
+              <a:ext uri="{FF2B5EF4-FFF2-40B4-BE49-F238E27FC236}">
+                <a16:creationId xmlns:a16="http://schemas.microsoft.com/office/drawing/2014/main" id="{A31FD52E-AEA1-2A57-3479-B4F0B07BBCE1}"/>
+              </a:ext>
+            </a:extLst>
+          </p:cNvPr>
+          <p:cNvSpPr>
+            <a:spLocks noGrp="1"/>
+          </p:cNvSpPr>
+          <p:nvPr>
+            <p:ph type="sldNum" sz="quarter" idx="5"/>
+          </p:nvPr>
+        </p:nvSpPr>
+        <p:spPr/>
+        <p:txBody>
+          <a:bodyPr/>
+          <a:lstStyle/>
+          <a:p>
+            <a:fld id="{9901CBA2-7C9E-4AD6-B258-A0DB055BB3AF}" type="slidenum">
+              <a:rPr lang="zh-CN" altLang="en-US" smtClean="0"/>
+              <a:t>14</a:t>
+            </a:fld>
+            <a:endParaRPr lang="zh-CN" altLang="en-US"/>
+          </a:p>
+        </p:txBody>
+      </p:sp>
+    </p:spTree>
+    <p:extLst>
+      <p:ext uri="{BB962C8B-B14F-4D97-AF65-F5344CB8AC3E}">
+        <p14:creationId xmlns:p14="http://schemas.microsoft.com/office/powerpoint/2010/main" val="170023774"/>
+      </p:ext>
+    </p:extLst>
+  </p:cSld>
+  <p:clrMapOvr>
+    <a:masterClrMapping/>
+  </p:clrMapOvr>
+</p:notes>
+</file>
+
+<file path=ppt/notesSlides/notesSlide2.xml><?xml version="1.0" encoding="utf-8"?>
+<p:notes xmlns:a="http://schemas.openxmlformats.org/drawingml/2006/main" xmlns:r="http://schemas.openxmlformats.org/officeDocument/2006/relationships" xmlns:p="http://schemas.openxmlformats.org/presentationml/2006/main">
+  <p:cSld>
+    <p:spTree>
+      <p:nvGrpSpPr>
+        <p:cNvPr id="1" name="">
+          <a:extLst>
+            <a:ext uri="{FF2B5EF4-FFF2-40B4-BE49-F238E27FC236}">
+              <a16:creationId xmlns:a16="http://schemas.microsoft.com/office/drawing/2014/main" id="{396E52BF-65DE-4A8D-43E3-60F262F3D995}"/>
+            </a:ext>
+          </a:extLst>
+        </p:cNvPr>
+        <p:cNvGrpSpPr/>
+        <p:nvPr/>
+      </p:nvGrpSpPr>
+      <p:grpSpPr>
+        <a:xfrm>
+          <a:off x="0" y="0"/>
+          <a:ext cx="0" cy="0"/>
+          <a:chOff x="0" y="0"/>
+          <a:chExt cx="0" cy="0"/>
+        </a:xfrm>
+      </p:grpSpPr>
+      <p:sp>
+        <p:nvSpPr>
+          <p:cNvPr id="2" name="幻灯片图像占位符 1">
+            <a:extLst>
+              <a:ext uri="{FF2B5EF4-FFF2-40B4-BE49-F238E27FC236}">
+                <a16:creationId xmlns:a16="http://schemas.microsoft.com/office/drawing/2014/main" id="{DBF2D4D1-EF47-041D-02A2-9F43E8B7BF86}"/>
+              </a:ext>
+            </a:extLst>
+          </p:cNvPr>
+          <p:cNvSpPr>
+            <a:spLocks noGrp="1" noRot="1" noChangeAspect="1"/>
+          </p:cNvSpPr>
+          <p:nvPr>
+            <p:ph type="sldImg"/>
+          </p:nvPr>
+        </p:nvSpPr>
+        <p:spPr/>
+      </p:sp>
+      <p:sp>
+        <p:nvSpPr>
+          <p:cNvPr id="3" name="备注占位符 2">
+            <a:extLst>
+              <a:ext uri="{FF2B5EF4-FFF2-40B4-BE49-F238E27FC236}">
+                <a16:creationId xmlns:a16="http://schemas.microsoft.com/office/drawing/2014/main" id="{F0E25D96-A006-1941-38DF-F60FF748A3C6}"/>
+              </a:ext>
+            </a:extLst>
+          </p:cNvPr>
+          <p:cNvSpPr>
+            <a:spLocks noGrp="1"/>
+          </p:cNvSpPr>
+          <p:nvPr>
+            <p:ph type="body" idx="1"/>
+          </p:nvPr>
+        </p:nvSpPr>
+        <p:spPr/>
+        <p:txBody>
+          <a:bodyPr/>
+          <a:lstStyle/>
+          <a:p>
+            <a:pPr algn="l"/>
+            <a:endParaRPr lang="zh-CN" altLang="en-US" dirty="0"/>
+          </a:p>
+        </p:txBody>
+      </p:sp>
+      <p:sp>
+        <p:nvSpPr>
+          <p:cNvPr id="4" name="灯片编号占位符 3">
+            <a:extLst>
+              <a:ext uri="{FF2B5EF4-FFF2-40B4-BE49-F238E27FC236}">
+                <a16:creationId xmlns:a16="http://schemas.microsoft.com/office/drawing/2014/main" id="{E2C64302-D5D8-0F92-638A-374F403126F0}"/>
+              </a:ext>
+            </a:extLst>
+          </p:cNvPr>
           <p:cNvSpPr>
             <a:spLocks noGrp="1"/>
           </p:cNvSpPr>
@@ -3526,7 +3882,7 @@
     </p:spTree>
     <p:extLst>
       <p:ext uri="{BB962C8B-B14F-4D97-AF65-F5344CB8AC3E}">
-        <p14:creationId xmlns:p14="http://schemas.microsoft.com/office/powerpoint/2010/main" val="1134763098"/>
+        <p14:creationId xmlns:p14="http://schemas.microsoft.com/office/powerpoint/2010/main" val="3194338905"/>
       </p:ext>
     </p:extLst>
   </p:cSld>
@@ -3541,7 +3897,13 @@
   <p:cSld>
     <p:spTree>
       <p:nvGrpSpPr>
-        <p:cNvPr id="1" name=""/>
+        <p:cNvPr id="1" name="">
+          <a:extLst>
+            <a:ext uri="{FF2B5EF4-FFF2-40B4-BE49-F238E27FC236}">
+              <a16:creationId xmlns:a16="http://schemas.microsoft.com/office/drawing/2014/main" id="{2B931876-4FFD-926A-AFDB-7FAB196BE068}"/>
+            </a:ext>
+          </a:extLst>
+        </p:cNvPr>
         <p:cNvGrpSpPr/>
         <p:nvPr/>
       </p:nvGrpSpPr>
@@ -3555,7 +3917,13 @@
       </p:grpSpPr>
       <p:sp>
         <p:nvSpPr>
-          <p:cNvPr id="2" name="幻灯片图像占位符 1"/>
+          <p:cNvPr id="2" name="幻灯片图像占位符 1">
+            <a:extLst>
+              <a:ext uri="{FF2B5EF4-FFF2-40B4-BE49-F238E27FC236}">
+                <a16:creationId xmlns:a16="http://schemas.microsoft.com/office/drawing/2014/main" id="{58F4E52D-B545-80E5-9338-57A6B0A0B577}"/>
+              </a:ext>
+            </a:extLst>
+          </p:cNvPr>
           <p:cNvSpPr>
             <a:spLocks noGrp="1" noRot="1" noChangeAspect="1"/>
           </p:cNvSpPr>
@@ -3567,7 +3935,13 @@
       </p:sp>
       <p:sp>
         <p:nvSpPr>
-          <p:cNvPr id="3" name="备注占位符 2"/>
+          <p:cNvPr id="3" name="备注占位符 2">
+            <a:extLst>
+              <a:ext uri="{FF2B5EF4-FFF2-40B4-BE49-F238E27FC236}">
+                <a16:creationId xmlns:a16="http://schemas.microsoft.com/office/drawing/2014/main" id="{4877C50E-19B7-30C2-72AA-523245E5CAAB}"/>
+              </a:ext>
+            </a:extLst>
+          </p:cNvPr>
           <p:cNvSpPr>
             <a:spLocks noGrp="1"/>
           </p:cNvSpPr>
@@ -3586,7 +3960,13 @@
       </p:sp>
       <p:sp>
         <p:nvSpPr>
-          <p:cNvPr id="4" name="灯片编号占位符 3"/>
+          <p:cNvPr id="4" name="灯片编号占位符 3">
+            <a:extLst>
+              <a:ext uri="{FF2B5EF4-FFF2-40B4-BE49-F238E27FC236}">
+                <a16:creationId xmlns:a16="http://schemas.microsoft.com/office/drawing/2014/main" id="{D0AA581D-6BA9-F168-3A86-73C856B396D7}"/>
+              </a:ext>
+            </a:extLst>
+          </p:cNvPr>
           <p:cNvSpPr>
             <a:spLocks noGrp="1"/>
           </p:cNvSpPr>
@@ -3610,7 +3990,7 @@
     </p:spTree>
     <p:extLst>
       <p:ext uri="{BB962C8B-B14F-4D97-AF65-F5344CB8AC3E}">
-        <p14:creationId xmlns:p14="http://schemas.microsoft.com/office/powerpoint/2010/main" val="2055232938"/>
+        <p14:creationId xmlns:p14="http://schemas.microsoft.com/office/powerpoint/2010/main" val="2923554288"/>
       </p:ext>
     </p:extLst>
   </p:cSld>
@@ -3625,7 +4005,13 @@
   <p:cSld>
     <p:spTree>
       <p:nvGrpSpPr>
-        <p:cNvPr id="1" name=""/>
+        <p:cNvPr id="1" name="">
+          <a:extLst>
+            <a:ext uri="{FF2B5EF4-FFF2-40B4-BE49-F238E27FC236}">
+              <a16:creationId xmlns:a16="http://schemas.microsoft.com/office/drawing/2014/main" id="{D4FB39A4-9624-CFC6-3116-ED80EAC98B7C}"/>
+            </a:ext>
+          </a:extLst>
+        </p:cNvPr>
         <p:cNvGrpSpPr/>
         <p:nvPr/>
       </p:nvGrpSpPr>
@@ -3639,7 +4025,13 @@
       </p:grpSpPr>
       <p:sp>
         <p:nvSpPr>
-          <p:cNvPr id="2" name="幻灯片图像占位符 1"/>
+          <p:cNvPr id="2" name="幻灯片图像占位符 1">
+            <a:extLst>
+              <a:ext uri="{FF2B5EF4-FFF2-40B4-BE49-F238E27FC236}">
+                <a16:creationId xmlns:a16="http://schemas.microsoft.com/office/drawing/2014/main" id="{1D598229-8546-4EFA-7D45-BF8FC7C4EAFC}"/>
+              </a:ext>
+            </a:extLst>
+          </p:cNvPr>
           <p:cNvSpPr>
             <a:spLocks noGrp="1" noRot="1" noChangeAspect="1"/>
           </p:cNvSpPr>
@@ -3651,7 +4043,13 @@
       </p:sp>
       <p:sp>
         <p:nvSpPr>
-          <p:cNvPr id="3" name="备注占位符 2"/>
+          <p:cNvPr id="3" name="备注占位符 2">
+            <a:extLst>
+              <a:ext uri="{FF2B5EF4-FFF2-40B4-BE49-F238E27FC236}">
+                <a16:creationId xmlns:a16="http://schemas.microsoft.com/office/drawing/2014/main" id="{EF5422CB-7BB6-4E95-0C6B-966325668A5C}"/>
+              </a:ext>
+            </a:extLst>
+          </p:cNvPr>
           <p:cNvSpPr>
             <a:spLocks noGrp="1"/>
           </p:cNvSpPr>
@@ -3670,7 +4068,13 @@
       </p:sp>
       <p:sp>
         <p:nvSpPr>
-          <p:cNvPr id="4" name="灯片编号占位符 3"/>
+          <p:cNvPr id="4" name="灯片编号占位符 3">
+            <a:extLst>
+              <a:ext uri="{FF2B5EF4-FFF2-40B4-BE49-F238E27FC236}">
+                <a16:creationId xmlns:a16="http://schemas.microsoft.com/office/drawing/2014/main" id="{5DB47836-1241-18EE-4814-D34D8BB28EDF}"/>
+              </a:ext>
+            </a:extLst>
+          </p:cNvPr>
           <p:cNvSpPr>
             <a:spLocks noGrp="1"/>
           </p:cNvSpPr>
@@ -3694,7 +4098,7 @@
     </p:spTree>
     <p:extLst>
       <p:ext uri="{BB962C8B-B14F-4D97-AF65-F5344CB8AC3E}">
-        <p14:creationId xmlns:p14="http://schemas.microsoft.com/office/powerpoint/2010/main" val="2181787116"/>
+        <p14:creationId xmlns:p14="http://schemas.microsoft.com/office/powerpoint/2010/main" val="1417178139"/>
       </p:ext>
     </p:extLst>
   </p:cSld>
@@ -3709,7 +4113,13 @@
   <p:cSld>
     <p:spTree>
       <p:nvGrpSpPr>
-        <p:cNvPr id="1" name=""/>
+        <p:cNvPr id="1" name="">
+          <a:extLst>
+            <a:ext uri="{FF2B5EF4-FFF2-40B4-BE49-F238E27FC236}">
+              <a16:creationId xmlns:a16="http://schemas.microsoft.com/office/drawing/2014/main" id="{28895C36-F4D9-C8A9-F2B6-66405154A163}"/>
+            </a:ext>
+          </a:extLst>
+        </p:cNvPr>
         <p:cNvGrpSpPr/>
         <p:nvPr/>
       </p:nvGrpSpPr>
@@ -3723,7 +4133,13 @@
       </p:grpSpPr>
       <p:sp>
         <p:nvSpPr>
-          <p:cNvPr id="2" name="幻灯片图像占位符 1"/>
+          <p:cNvPr id="2" name="幻灯片图像占位符 1">
+            <a:extLst>
+              <a:ext uri="{FF2B5EF4-FFF2-40B4-BE49-F238E27FC236}">
+                <a16:creationId xmlns:a16="http://schemas.microsoft.com/office/drawing/2014/main" id="{8E731431-F09D-F4FF-90E7-1EB6AF6686E7}"/>
+              </a:ext>
+            </a:extLst>
+          </p:cNvPr>
           <p:cNvSpPr>
             <a:spLocks noGrp="1" noRot="1" noChangeAspect="1"/>
           </p:cNvSpPr>
@@ -3735,7 +4151,13 @@
       </p:sp>
       <p:sp>
         <p:nvSpPr>
-          <p:cNvPr id="3" name="备注占位符 2"/>
+          <p:cNvPr id="3" name="备注占位符 2">
+            <a:extLst>
+              <a:ext uri="{FF2B5EF4-FFF2-40B4-BE49-F238E27FC236}">
+                <a16:creationId xmlns:a16="http://schemas.microsoft.com/office/drawing/2014/main" id="{E4B7D554-5AD8-A47E-8FC2-E5DB1B94631D}"/>
+              </a:ext>
+            </a:extLst>
+          </p:cNvPr>
           <p:cNvSpPr>
             <a:spLocks noGrp="1"/>
           </p:cNvSpPr>
@@ -3748,13 +4170,127 @@
           <a:bodyPr/>
           <a:lstStyle/>
           <a:p>
-            <a:endParaRPr lang="en-US" altLang="zh-CN" dirty="0"/>
-          </a:p>
-        </p:txBody>
-      </p:sp>
-      <p:sp>
-        <p:nvSpPr>
-          <p:cNvPr id="4" name="灯片编号占位符 3"/>
+            <a:endParaRPr lang="zh-CN" altLang="en-US" dirty="0"/>
+          </a:p>
+        </p:txBody>
+      </p:sp>
+      <p:sp>
+        <p:nvSpPr>
+          <p:cNvPr id="4" name="灯片编号占位符 3">
+            <a:extLst>
+              <a:ext uri="{FF2B5EF4-FFF2-40B4-BE49-F238E27FC236}">
+                <a16:creationId xmlns:a16="http://schemas.microsoft.com/office/drawing/2014/main" id="{5F9CE39E-BF77-5A24-F50D-C630B8442752}"/>
+              </a:ext>
+            </a:extLst>
+          </p:cNvPr>
+          <p:cNvSpPr>
+            <a:spLocks noGrp="1"/>
+          </p:cNvSpPr>
+          <p:nvPr>
+            <p:ph type="sldNum" sz="quarter" idx="5"/>
+          </p:nvPr>
+        </p:nvSpPr>
+        <p:spPr/>
+        <p:txBody>
+          <a:bodyPr/>
+          <a:lstStyle/>
+          <a:p>
+            <a:fld id="{9901CBA2-7C9E-4AD6-B258-A0DB055BB3AF}" type="slidenum">
+              <a:rPr lang="zh-CN" altLang="en-US" smtClean="0"/>
+              <a:t>7</a:t>
+            </a:fld>
+            <a:endParaRPr lang="zh-CN" altLang="en-US"/>
+          </a:p>
+        </p:txBody>
+      </p:sp>
+    </p:spTree>
+    <p:extLst>
+      <p:ext uri="{BB962C8B-B14F-4D97-AF65-F5344CB8AC3E}">
+        <p14:creationId xmlns:p14="http://schemas.microsoft.com/office/powerpoint/2010/main" val="1074422233"/>
+      </p:ext>
+    </p:extLst>
+  </p:cSld>
+  <p:clrMapOvr>
+    <a:masterClrMapping/>
+  </p:clrMapOvr>
+</p:notes>
+</file>
+
+<file path=ppt/notesSlides/notesSlide6.xml><?xml version="1.0" encoding="utf-8"?>
+<p:notes xmlns:a="http://schemas.openxmlformats.org/drawingml/2006/main" xmlns:r="http://schemas.openxmlformats.org/officeDocument/2006/relationships" xmlns:p="http://schemas.openxmlformats.org/presentationml/2006/main">
+  <p:cSld>
+    <p:spTree>
+      <p:nvGrpSpPr>
+        <p:cNvPr id="1" name="">
+          <a:extLst>
+            <a:ext uri="{FF2B5EF4-FFF2-40B4-BE49-F238E27FC236}">
+              <a16:creationId xmlns:a16="http://schemas.microsoft.com/office/drawing/2014/main" id="{6C74B808-962E-5E42-59A0-719CDBE949B3}"/>
+            </a:ext>
+          </a:extLst>
+        </p:cNvPr>
+        <p:cNvGrpSpPr/>
+        <p:nvPr/>
+      </p:nvGrpSpPr>
+      <p:grpSpPr>
+        <a:xfrm>
+          <a:off x="0" y="0"/>
+          <a:ext cx="0" cy="0"/>
+          <a:chOff x="0" y="0"/>
+          <a:chExt cx="0" cy="0"/>
+        </a:xfrm>
+      </p:grpSpPr>
+      <p:sp>
+        <p:nvSpPr>
+          <p:cNvPr id="2" name="幻灯片图像占位符 1">
+            <a:extLst>
+              <a:ext uri="{FF2B5EF4-FFF2-40B4-BE49-F238E27FC236}">
+                <a16:creationId xmlns:a16="http://schemas.microsoft.com/office/drawing/2014/main" id="{40BD5853-DEC8-CA32-12B3-094F86A801FE}"/>
+              </a:ext>
+            </a:extLst>
+          </p:cNvPr>
+          <p:cNvSpPr>
+            <a:spLocks noGrp="1" noRot="1" noChangeAspect="1"/>
+          </p:cNvSpPr>
+          <p:nvPr>
+            <p:ph type="sldImg"/>
+          </p:nvPr>
+        </p:nvSpPr>
+        <p:spPr/>
+      </p:sp>
+      <p:sp>
+        <p:nvSpPr>
+          <p:cNvPr id="3" name="备注占位符 2">
+            <a:extLst>
+              <a:ext uri="{FF2B5EF4-FFF2-40B4-BE49-F238E27FC236}">
+                <a16:creationId xmlns:a16="http://schemas.microsoft.com/office/drawing/2014/main" id="{9F020C2B-FE84-7CA8-E408-35201E0A291D}"/>
+              </a:ext>
+            </a:extLst>
+          </p:cNvPr>
+          <p:cNvSpPr>
+            <a:spLocks noGrp="1"/>
+          </p:cNvSpPr>
+          <p:nvPr>
+            <p:ph type="body" idx="1"/>
+          </p:nvPr>
+        </p:nvSpPr>
+        <p:spPr/>
+        <p:txBody>
+          <a:bodyPr/>
+          <a:lstStyle/>
+          <a:p>
+            <a:endParaRPr lang="zh-CN" altLang="en-US" dirty="0"/>
+          </a:p>
+        </p:txBody>
+      </p:sp>
+      <p:sp>
+        <p:nvSpPr>
+          <p:cNvPr id="4" name="灯片编号占位符 3">
+            <a:extLst>
+              <a:ext uri="{FF2B5EF4-FFF2-40B4-BE49-F238E27FC236}">
+                <a16:creationId xmlns:a16="http://schemas.microsoft.com/office/drawing/2014/main" id="{D6A2D373-DF96-1833-2BD8-1CC8836BA20B}"/>
+              </a:ext>
+            </a:extLst>
+          </p:cNvPr>
           <p:cNvSpPr>
             <a:spLocks noGrp="1"/>
           </p:cNvSpPr>
@@ -3778,7 +4314,331 @@
     </p:spTree>
     <p:extLst>
       <p:ext uri="{BB962C8B-B14F-4D97-AF65-F5344CB8AC3E}">
-        <p14:creationId xmlns:p14="http://schemas.microsoft.com/office/powerpoint/2010/main" val="1632987213"/>
+        <p14:creationId xmlns:p14="http://schemas.microsoft.com/office/powerpoint/2010/main" val="611193824"/>
+      </p:ext>
+    </p:extLst>
+  </p:cSld>
+  <p:clrMapOvr>
+    <a:masterClrMapping/>
+  </p:clrMapOvr>
+</p:notes>
+</file>
+
+<file path=ppt/notesSlides/notesSlide7.xml><?xml version="1.0" encoding="utf-8"?>
+<p:notes xmlns:a="http://schemas.openxmlformats.org/drawingml/2006/main" xmlns:r="http://schemas.openxmlformats.org/officeDocument/2006/relationships" xmlns:p="http://schemas.openxmlformats.org/presentationml/2006/main">
+  <p:cSld>
+    <p:spTree>
+      <p:nvGrpSpPr>
+        <p:cNvPr id="1" name="">
+          <a:extLst>
+            <a:ext uri="{FF2B5EF4-FFF2-40B4-BE49-F238E27FC236}">
+              <a16:creationId xmlns:a16="http://schemas.microsoft.com/office/drawing/2014/main" id="{A04E7813-DB58-6E26-3352-140DFDDC5A69}"/>
+            </a:ext>
+          </a:extLst>
+        </p:cNvPr>
+        <p:cNvGrpSpPr/>
+        <p:nvPr/>
+      </p:nvGrpSpPr>
+      <p:grpSpPr>
+        <a:xfrm>
+          <a:off x="0" y="0"/>
+          <a:ext cx="0" cy="0"/>
+          <a:chOff x="0" y="0"/>
+          <a:chExt cx="0" cy="0"/>
+        </a:xfrm>
+      </p:grpSpPr>
+      <p:sp>
+        <p:nvSpPr>
+          <p:cNvPr id="2" name="幻灯片图像占位符 1">
+            <a:extLst>
+              <a:ext uri="{FF2B5EF4-FFF2-40B4-BE49-F238E27FC236}">
+                <a16:creationId xmlns:a16="http://schemas.microsoft.com/office/drawing/2014/main" id="{A205EC9F-D8CC-01F7-F796-412A795EDB5E}"/>
+              </a:ext>
+            </a:extLst>
+          </p:cNvPr>
+          <p:cNvSpPr>
+            <a:spLocks noGrp="1" noRot="1" noChangeAspect="1"/>
+          </p:cNvSpPr>
+          <p:nvPr>
+            <p:ph type="sldImg"/>
+          </p:nvPr>
+        </p:nvSpPr>
+        <p:spPr/>
+      </p:sp>
+      <p:sp>
+        <p:nvSpPr>
+          <p:cNvPr id="3" name="备注占位符 2">
+            <a:extLst>
+              <a:ext uri="{FF2B5EF4-FFF2-40B4-BE49-F238E27FC236}">
+                <a16:creationId xmlns:a16="http://schemas.microsoft.com/office/drawing/2014/main" id="{B5FD58E5-4993-81F3-8AEB-D224A705C73D}"/>
+              </a:ext>
+            </a:extLst>
+          </p:cNvPr>
+          <p:cNvSpPr>
+            <a:spLocks noGrp="1"/>
+          </p:cNvSpPr>
+          <p:nvPr>
+            <p:ph type="body" idx="1"/>
+          </p:nvPr>
+        </p:nvSpPr>
+        <p:spPr/>
+        <p:txBody>
+          <a:bodyPr/>
+          <a:lstStyle/>
+          <a:p>
+            <a:endParaRPr lang="zh-CN" altLang="en-US" dirty="0"/>
+          </a:p>
+        </p:txBody>
+      </p:sp>
+      <p:sp>
+        <p:nvSpPr>
+          <p:cNvPr id="4" name="灯片编号占位符 3">
+            <a:extLst>
+              <a:ext uri="{FF2B5EF4-FFF2-40B4-BE49-F238E27FC236}">
+                <a16:creationId xmlns:a16="http://schemas.microsoft.com/office/drawing/2014/main" id="{30F6F269-5C18-E973-4028-18B3E63FB802}"/>
+              </a:ext>
+            </a:extLst>
+          </p:cNvPr>
+          <p:cNvSpPr>
+            <a:spLocks noGrp="1"/>
+          </p:cNvSpPr>
+          <p:nvPr>
+            <p:ph type="sldNum" sz="quarter" idx="5"/>
+          </p:nvPr>
+        </p:nvSpPr>
+        <p:spPr/>
+        <p:txBody>
+          <a:bodyPr/>
+          <a:lstStyle/>
+          <a:p>
+            <a:fld id="{9901CBA2-7C9E-4AD6-B258-A0DB055BB3AF}" type="slidenum">
+              <a:rPr lang="zh-CN" altLang="en-US" smtClean="0"/>
+              <a:t>9</a:t>
+            </a:fld>
+            <a:endParaRPr lang="zh-CN" altLang="en-US"/>
+          </a:p>
+        </p:txBody>
+      </p:sp>
+    </p:spTree>
+    <p:extLst>
+      <p:ext uri="{BB962C8B-B14F-4D97-AF65-F5344CB8AC3E}">
+        <p14:creationId xmlns:p14="http://schemas.microsoft.com/office/powerpoint/2010/main" val="3733383654"/>
+      </p:ext>
+    </p:extLst>
+  </p:cSld>
+  <p:clrMapOvr>
+    <a:masterClrMapping/>
+  </p:clrMapOvr>
+</p:notes>
+</file>
+
+<file path=ppt/notesSlides/notesSlide8.xml><?xml version="1.0" encoding="utf-8"?>
+<p:notes xmlns:a="http://schemas.openxmlformats.org/drawingml/2006/main" xmlns:r="http://schemas.openxmlformats.org/officeDocument/2006/relationships" xmlns:p="http://schemas.openxmlformats.org/presentationml/2006/main">
+  <p:cSld>
+    <p:spTree>
+      <p:nvGrpSpPr>
+        <p:cNvPr id="1" name="">
+          <a:extLst>
+            <a:ext uri="{FF2B5EF4-FFF2-40B4-BE49-F238E27FC236}">
+              <a16:creationId xmlns:a16="http://schemas.microsoft.com/office/drawing/2014/main" id="{7A9CAF49-7A35-C3E8-A130-CF5FD5BED057}"/>
+            </a:ext>
+          </a:extLst>
+        </p:cNvPr>
+        <p:cNvGrpSpPr/>
+        <p:nvPr/>
+      </p:nvGrpSpPr>
+      <p:grpSpPr>
+        <a:xfrm>
+          <a:off x="0" y="0"/>
+          <a:ext cx="0" cy="0"/>
+          <a:chOff x="0" y="0"/>
+          <a:chExt cx="0" cy="0"/>
+        </a:xfrm>
+      </p:grpSpPr>
+      <p:sp>
+        <p:nvSpPr>
+          <p:cNvPr id="2" name="幻灯片图像占位符 1">
+            <a:extLst>
+              <a:ext uri="{FF2B5EF4-FFF2-40B4-BE49-F238E27FC236}">
+                <a16:creationId xmlns:a16="http://schemas.microsoft.com/office/drawing/2014/main" id="{48684F72-B112-14F4-25A0-3A7C0EDB9067}"/>
+              </a:ext>
+            </a:extLst>
+          </p:cNvPr>
+          <p:cNvSpPr>
+            <a:spLocks noGrp="1" noRot="1" noChangeAspect="1"/>
+          </p:cNvSpPr>
+          <p:nvPr>
+            <p:ph type="sldImg"/>
+          </p:nvPr>
+        </p:nvSpPr>
+        <p:spPr/>
+      </p:sp>
+      <p:sp>
+        <p:nvSpPr>
+          <p:cNvPr id="3" name="备注占位符 2">
+            <a:extLst>
+              <a:ext uri="{FF2B5EF4-FFF2-40B4-BE49-F238E27FC236}">
+                <a16:creationId xmlns:a16="http://schemas.microsoft.com/office/drawing/2014/main" id="{12A3B09B-C6A4-6504-D86B-8D2936E4407B}"/>
+              </a:ext>
+            </a:extLst>
+          </p:cNvPr>
+          <p:cNvSpPr>
+            <a:spLocks noGrp="1"/>
+          </p:cNvSpPr>
+          <p:nvPr>
+            <p:ph type="body" idx="1"/>
+          </p:nvPr>
+        </p:nvSpPr>
+        <p:spPr/>
+        <p:txBody>
+          <a:bodyPr/>
+          <a:lstStyle/>
+          <a:p>
+            <a:endParaRPr lang="zh-CN" altLang="en-US" dirty="0"/>
+          </a:p>
+        </p:txBody>
+      </p:sp>
+      <p:sp>
+        <p:nvSpPr>
+          <p:cNvPr id="4" name="灯片编号占位符 3">
+            <a:extLst>
+              <a:ext uri="{FF2B5EF4-FFF2-40B4-BE49-F238E27FC236}">
+                <a16:creationId xmlns:a16="http://schemas.microsoft.com/office/drawing/2014/main" id="{DDE6AEE4-3161-6B4E-C4A1-C3B749365314}"/>
+              </a:ext>
+            </a:extLst>
+          </p:cNvPr>
+          <p:cNvSpPr>
+            <a:spLocks noGrp="1"/>
+          </p:cNvSpPr>
+          <p:nvPr>
+            <p:ph type="sldNum" sz="quarter" idx="5"/>
+          </p:nvPr>
+        </p:nvSpPr>
+        <p:spPr/>
+        <p:txBody>
+          <a:bodyPr/>
+          <a:lstStyle/>
+          <a:p>
+            <a:fld id="{9901CBA2-7C9E-4AD6-B258-A0DB055BB3AF}" type="slidenum">
+              <a:rPr lang="zh-CN" altLang="en-US" smtClean="0"/>
+              <a:t>10</a:t>
+            </a:fld>
+            <a:endParaRPr lang="zh-CN" altLang="en-US"/>
+          </a:p>
+        </p:txBody>
+      </p:sp>
+    </p:spTree>
+    <p:extLst>
+      <p:ext uri="{BB962C8B-B14F-4D97-AF65-F5344CB8AC3E}">
+        <p14:creationId xmlns:p14="http://schemas.microsoft.com/office/powerpoint/2010/main" val="256355901"/>
+      </p:ext>
+    </p:extLst>
+  </p:cSld>
+  <p:clrMapOvr>
+    <a:masterClrMapping/>
+  </p:clrMapOvr>
+</p:notes>
+</file>
+
+<file path=ppt/notesSlides/notesSlide9.xml><?xml version="1.0" encoding="utf-8"?>
+<p:notes xmlns:a="http://schemas.openxmlformats.org/drawingml/2006/main" xmlns:r="http://schemas.openxmlformats.org/officeDocument/2006/relationships" xmlns:p="http://schemas.openxmlformats.org/presentationml/2006/main">
+  <p:cSld>
+    <p:spTree>
+      <p:nvGrpSpPr>
+        <p:cNvPr id="1" name="">
+          <a:extLst>
+            <a:ext uri="{FF2B5EF4-FFF2-40B4-BE49-F238E27FC236}">
+              <a16:creationId xmlns:a16="http://schemas.microsoft.com/office/drawing/2014/main" id="{1E2C95F5-9C75-10A0-C80D-F69AC6E23BCF}"/>
+            </a:ext>
+          </a:extLst>
+        </p:cNvPr>
+        <p:cNvGrpSpPr/>
+        <p:nvPr/>
+      </p:nvGrpSpPr>
+      <p:grpSpPr>
+        <a:xfrm>
+          <a:off x="0" y="0"/>
+          <a:ext cx="0" cy="0"/>
+          <a:chOff x="0" y="0"/>
+          <a:chExt cx="0" cy="0"/>
+        </a:xfrm>
+      </p:grpSpPr>
+      <p:sp>
+        <p:nvSpPr>
+          <p:cNvPr id="2" name="幻灯片图像占位符 1">
+            <a:extLst>
+              <a:ext uri="{FF2B5EF4-FFF2-40B4-BE49-F238E27FC236}">
+                <a16:creationId xmlns:a16="http://schemas.microsoft.com/office/drawing/2014/main" id="{CA1959E4-A3E7-7152-96C9-14584DF41231}"/>
+              </a:ext>
+            </a:extLst>
+          </p:cNvPr>
+          <p:cNvSpPr>
+            <a:spLocks noGrp="1" noRot="1" noChangeAspect="1"/>
+          </p:cNvSpPr>
+          <p:nvPr>
+            <p:ph type="sldImg"/>
+          </p:nvPr>
+        </p:nvSpPr>
+        <p:spPr/>
+      </p:sp>
+      <p:sp>
+        <p:nvSpPr>
+          <p:cNvPr id="3" name="备注占位符 2">
+            <a:extLst>
+              <a:ext uri="{FF2B5EF4-FFF2-40B4-BE49-F238E27FC236}">
+                <a16:creationId xmlns:a16="http://schemas.microsoft.com/office/drawing/2014/main" id="{D9BEC62D-ED3D-C34A-4FAF-1826FDE096E3}"/>
+              </a:ext>
+            </a:extLst>
+          </p:cNvPr>
+          <p:cNvSpPr>
+            <a:spLocks noGrp="1"/>
+          </p:cNvSpPr>
+          <p:nvPr>
+            <p:ph type="body" idx="1"/>
+          </p:nvPr>
+        </p:nvSpPr>
+        <p:spPr/>
+        <p:txBody>
+          <a:bodyPr/>
+          <a:lstStyle/>
+          <a:p>
+            <a:endParaRPr lang="zh-CN" altLang="en-US" dirty="0"/>
+          </a:p>
+        </p:txBody>
+      </p:sp>
+      <p:sp>
+        <p:nvSpPr>
+          <p:cNvPr id="4" name="灯片编号占位符 3">
+            <a:extLst>
+              <a:ext uri="{FF2B5EF4-FFF2-40B4-BE49-F238E27FC236}">
+                <a16:creationId xmlns:a16="http://schemas.microsoft.com/office/drawing/2014/main" id="{4737F0F3-0DB6-0BF6-C8F5-C1A7A8D53EF0}"/>
+              </a:ext>
+            </a:extLst>
+          </p:cNvPr>
+          <p:cNvSpPr>
+            <a:spLocks noGrp="1"/>
+          </p:cNvSpPr>
+          <p:nvPr>
+            <p:ph type="sldNum" sz="quarter" idx="5"/>
+          </p:nvPr>
+        </p:nvSpPr>
+        <p:spPr/>
+        <p:txBody>
+          <a:bodyPr/>
+          <a:lstStyle/>
+          <a:p>
+            <a:fld id="{9901CBA2-7C9E-4AD6-B258-A0DB055BB3AF}" type="slidenum">
+              <a:rPr lang="zh-CN" altLang="en-US" smtClean="0"/>
+              <a:t>11</a:t>
+            </a:fld>
+            <a:endParaRPr lang="zh-CN" altLang="en-US"/>
+          </a:p>
+        </p:txBody>
+      </p:sp>
+    </p:spTree>
+    <p:extLst>
+      <p:ext uri="{BB962C8B-B14F-4D97-AF65-F5344CB8AC3E}">
+        <p14:creationId xmlns:p14="http://schemas.microsoft.com/office/powerpoint/2010/main" val="1716434240"/>
       </p:ext>
     </p:extLst>
   </p:cSld>
@@ -3935,7 +4795,7 @@
           <a:p>
             <a:fld id="{F721228B-0167-4061-A906-8575043315EE}" type="datetimeFigureOut">
               <a:rPr lang="zh-CN" altLang="en-US" smtClean="0"/>
-              <a:t>2023/6/2</a:t>
+              <a:t>2025/6/5 Thu</a:t>
             </a:fld>
             <a:endParaRPr lang="zh-CN" altLang="en-US"/>
           </a:p>
@@ -4133,7 +4993,7 @@
           <a:p>
             <a:fld id="{F721228B-0167-4061-A906-8575043315EE}" type="datetimeFigureOut">
               <a:rPr lang="zh-CN" altLang="en-US" smtClean="0"/>
-              <a:t>2023/6/2</a:t>
+              <a:t>2025/6/5 Thu</a:t>
             </a:fld>
             <a:endParaRPr lang="zh-CN" altLang="en-US"/>
           </a:p>
@@ -4341,7 +5201,7 @@
           <a:p>
             <a:fld id="{F721228B-0167-4061-A906-8575043315EE}" type="datetimeFigureOut">
               <a:rPr lang="zh-CN" altLang="en-US" smtClean="0"/>
-              <a:t>2023/6/2</a:t>
+              <a:t>2025/6/5 Thu</a:t>
             </a:fld>
             <a:endParaRPr lang="zh-CN" altLang="en-US"/>
           </a:p>
@@ -4815,7 +5675,7 @@
           <a:p>
             <a:fld id="{F721228B-0167-4061-A906-8575043315EE}" type="datetimeFigureOut">
               <a:rPr lang="zh-CN" altLang="en-US" smtClean="0"/>
-              <a:t>2023/6/2</a:t>
+              <a:t>2025/6/5 Thu</a:t>
             </a:fld>
             <a:endParaRPr lang="zh-CN" altLang="en-US"/>
           </a:p>
@@ -5139,7 +5999,7 @@
           <a:p>
             <a:fld id="{F721228B-0167-4061-A906-8575043315EE}" type="datetimeFigureOut">
               <a:rPr lang="zh-CN" altLang="en-US" smtClean="0"/>
-              <a:t>2023/6/2</a:t>
+              <a:t>2025/6/5 Thu</a:t>
             </a:fld>
             <a:endParaRPr lang="zh-CN" altLang="en-US"/>
           </a:p>
@@ -5485,7 +6345,7 @@
           <a:p>
             <a:fld id="{F721228B-0167-4061-A906-8575043315EE}" type="datetimeFigureOut">
               <a:rPr lang="zh-CN" altLang="en-US" smtClean="0"/>
-              <a:t>2023/6/2</a:t>
+              <a:t>2025/6/5 Thu</a:t>
             </a:fld>
             <a:endParaRPr lang="zh-CN" altLang="en-US"/>
           </a:p>
@@ -5946,7 +6806,7 @@
           <a:p>
             <a:fld id="{F721228B-0167-4061-A906-8575043315EE}" type="datetimeFigureOut">
               <a:rPr lang="zh-CN" altLang="en-US" smtClean="0"/>
-              <a:t>2023/6/2</a:t>
+              <a:t>2025/6/5 Thu</a:t>
             </a:fld>
             <a:endParaRPr lang="zh-CN" altLang="en-US"/>
           </a:p>
@@ -6087,7 +6947,7 @@
           <a:p>
             <a:fld id="{F721228B-0167-4061-A906-8575043315EE}" type="datetimeFigureOut">
               <a:rPr lang="zh-CN" altLang="en-US" smtClean="0"/>
-              <a:t>2023/6/2</a:t>
+              <a:t>2025/6/5 Thu</a:t>
             </a:fld>
             <a:endParaRPr lang="zh-CN" altLang="en-US"/>
           </a:p>
@@ -6200,7 +7060,7 @@
           <a:p>
             <a:fld id="{F721228B-0167-4061-A906-8575043315EE}" type="datetimeFigureOut">
               <a:rPr lang="zh-CN" altLang="en-US" smtClean="0"/>
-              <a:t>2023/6/2</a:t>
+              <a:t>2025/6/5 Thu</a:t>
             </a:fld>
             <a:endParaRPr lang="zh-CN" altLang="en-US"/>
           </a:p>
@@ -6511,7 +7371,7 @@
           <a:p>
             <a:fld id="{F721228B-0167-4061-A906-8575043315EE}" type="datetimeFigureOut">
               <a:rPr lang="zh-CN" altLang="en-US" smtClean="0"/>
-              <a:t>2023/6/2</a:t>
+              <a:t>2025/6/5 Thu</a:t>
             </a:fld>
             <a:endParaRPr lang="zh-CN" altLang="en-US"/>
           </a:p>
@@ -6799,7 +7659,7 @@
           <a:p>
             <a:fld id="{F721228B-0167-4061-A906-8575043315EE}" type="datetimeFigureOut">
               <a:rPr lang="zh-CN" altLang="en-US" smtClean="0"/>
-              <a:t>2023/6/2</a:t>
+              <a:t>2025/6/5 Thu</a:t>
             </a:fld>
             <a:endParaRPr lang="zh-CN" altLang="en-US"/>
           </a:p>
@@ -7040,7 +7900,7 @@
           <a:p>
             <a:fld id="{F721228B-0167-4061-A906-8575043315EE}" type="datetimeFigureOut">
               <a:rPr lang="zh-CN" altLang="en-US" smtClean="0"/>
-              <a:t>2023/6/2</a:t>
+              <a:t>2025/6/5 Thu</a:t>
             </a:fld>
             <a:endParaRPr lang="zh-CN" altLang="en-US"/>
           </a:p>
@@ -7812,6 +8672,693 @@
 </p:sld>
 </file>
 
+<file path=ppt/slides/slide10.xml><?xml version="1.0" encoding="utf-8"?>
+<p:sld xmlns:a="http://schemas.openxmlformats.org/drawingml/2006/main" xmlns:r="http://schemas.openxmlformats.org/officeDocument/2006/relationships" xmlns:p="http://schemas.openxmlformats.org/presentationml/2006/main">
+  <p:cSld>
+    <p:spTree>
+      <p:nvGrpSpPr>
+        <p:cNvPr id="1" name="">
+          <a:extLst>
+            <a:ext uri="{FF2B5EF4-FFF2-40B4-BE49-F238E27FC236}">
+              <a16:creationId xmlns:a16="http://schemas.microsoft.com/office/drawing/2014/main" id="{490A9970-6A1C-9F0E-27DC-DDBC1C20DDF8}"/>
+            </a:ext>
+          </a:extLst>
+        </p:cNvPr>
+        <p:cNvGrpSpPr/>
+        <p:nvPr/>
+      </p:nvGrpSpPr>
+      <p:grpSpPr>
+        <a:xfrm>
+          <a:off x="0" y="0"/>
+          <a:ext cx="0" cy="0"/>
+          <a:chOff x="0" y="0"/>
+          <a:chExt cx="0" cy="0"/>
+        </a:xfrm>
+      </p:grpSpPr>
+      <p:pic>
+        <p:nvPicPr>
+          <p:cNvPr id="4" name="内容占位符 3">
+            <a:extLst>
+              <a:ext uri="{FF2B5EF4-FFF2-40B4-BE49-F238E27FC236}">
+                <a16:creationId xmlns:a16="http://schemas.microsoft.com/office/drawing/2014/main" id="{94238914-A764-25C6-9388-0947BB72842E}"/>
+              </a:ext>
+            </a:extLst>
+          </p:cNvPr>
+          <p:cNvPicPr>
+            <a:picLocks noGrp="1" noChangeAspect="1"/>
+          </p:cNvPicPr>
+          <p:nvPr>
+            <p:ph idx="1"/>
+          </p:nvPr>
+        </p:nvPicPr>
+        <p:blipFill>
+          <a:blip r:embed="rId3"/>
+          <a:stretch>
+            <a:fillRect/>
+          </a:stretch>
+        </p:blipFill>
+        <p:spPr>
+          <a:xfrm>
+            <a:off x="3230342" y="1890713"/>
+            <a:ext cx="5731315" cy="4351337"/>
+          </a:xfrm>
+        </p:spPr>
+      </p:pic>
+      <p:sp>
+        <p:nvSpPr>
+          <p:cNvPr id="5" name="标题 4">
+            <a:extLst>
+              <a:ext uri="{FF2B5EF4-FFF2-40B4-BE49-F238E27FC236}">
+                <a16:creationId xmlns:a16="http://schemas.microsoft.com/office/drawing/2014/main" id="{76F989C9-4F39-133F-49AF-DAB0317A15AC}"/>
+              </a:ext>
+            </a:extLst>
+          </p:cNvPr>
+          <p:cNvSpPr>
+            <a:spLocks noGrp="1"/>
+          </p:cNvSpPr>
+          <p:nvPr>
+            <p:ph type="title"/>
+          </p:nvPr>
+        </p:nvSpPr>
+        <p:spPr/>
+        <p:txBody>
+          <a:bodyPr/>
+          <a:lstStyle/>
+          <a:p>
+            <a:r>
+              <a:rPr lang="en-US" altLang="zh-CN" dirty="0"/>
+              <a:t>14.3 </a:t>
+            </a:r>
+            <a:r>
+              <a:rPr lang="zh-CN" altLang="en-US" dirty="0"/>
+              <a:t>记分</a:t>
+            </a:r>
+          </a:p>
+        </p:txBody>
+      </p:sp>
+    </p:spTree>
+    <p:extLst>
+      <p:ext uri="{BB962C8B-B14F-4D97-AF65-F5344CB8AC3E}">
+        <p14:creationId xmlns:p14="http://schemas.microsoft.com/office/powerpoint/2010/main" val="1115464719"/>
+      </p:ext>
+    </p:extLst>
+  </p:cSld>
+  <p:clrMapOvr>
+    <a:masterClrMapping/>
+  </p:clrMapOvr>
+</p:sld>
+</file>
+
+<file path=ppt/slides/slide11.xml><?xml version="1.0" encoding="utf-8"?>
+<p:sld xmlns:a="http://schemas.openxmlformats.org/drawingml/2006/main" xmlns:r="http://schemas.openxmlformats.org/officeDocument/2006/relationships" xmlns:p="http://schemas.openxmlformats.org/presentationml/2006/main">
+  <p:cSld>
+    <p:spTree>
+      <p:nvGrpSpPr>
+        <p:cNvPr id="1" name="">
+          <a:extLst>
+            <a:ext uri="{FF2B5EF4-FFF2-40B4-BE49-F238E27FC236}">
+              <a16:creationId xmlns:a16="http://schemas.microsoft.com/office/drawing/2014/main" id="{116B9B5B-F09C-5A71-C779-74400E6460E8}"/>
+            </a:ext>
+          </a:extLst>
+        </p:cNvPr>
+        <p:cNvGrpSpPr/>
+        <p:nvPr/>
+      </p:nvGrpSpPr>
+      <p:grpSpPr>
+        <a:xfrm>
+          <a:off x="0" y="0"/>
+          <a:ext cx="0" cy="0"/>
+          <a:chOff x="0" y="0"/>
+          <a:chExt cx="0" cy="0"/>
+        </a:xfrm>
+      </p:grpSpPr>
+      <p:sp>
+        <p:nvSpPr>
+          <p:cNvPr id="3" name="内容占位符 2">
+            <a:extLst>
+              <a:ext uri="{FF2B5EF4-FFF2-40B4-BE49-F238E27FC236}">
+                <a16:creationId xmlns:a16="http://schemas.microsoft.com/office/drawing/2014/main" id="{AA07CF4C-7C75-8B7B-9566-9F0EF043BA4C}"/>
+              </a:ext>
+            </a:extLst>
+          </p:cNvPr>
+          <p:cNvSpPr>
+            <a:spLocks noGrp="1"/>
+          </p:cNvSpPr>
+          <p:nvPr>
+            <p:ph idx="1"/>
+          </p:nvPr>
+        </p:nvSpPr>
+        <p:spPr/>
+        <p:txBody>
+          <a:bodyPr>
+            <a:normAutofit/>
+          </a:bodyPr>
+          <a:lstStyle/>
+          <a:p>
+            <a:pPr marL="0" indent="0">
+              <a:buNone/>
+            </a:pPr>
+            <a:r>
+              <a:rPr lang="zh-CN" altLang="en-US" dirty="0"/>
+              <a:t>我们可以继续优化用户体验，例如，常见的心理学小伎俩，给得分加个零，即为 </a:t>
+            </a:r>
+            <a:r>
+              <a:rPr lang="en-US" altLang="zh-CN" dirty="0"/>
+              <a:t>10 </a:t>
+            </a:r>
+            <a:r>
+              <a:rPr lang="zh-CN" altLang="en-US" dirty="0"/>
+              <a:t>的整数倍，并且将逗号用作千位分隔符。</a:t>
+            </a:r>
+            <a:endParaRPr lang="en-US" altLang="zh-CN" dirty="0"/>
+          </a:p>
+          <a:p>
+            <a:pPr marL="0" indent="0">
+              <a:buNone/>
+            </a:pPr>
+            <a:r>
+              <a:rPr lang="zh-CN" altLang="en-US" dirty="0"/>
+              <a:t>相关的代码可见原书</a:t>
+            </a:r>
+            <a:r>
+              <a:rPr lang="en-US" altLang="zh-CN" dirty="0"/>
+              <a:t> 14.3.7 </a:t>
+            </a:r>
+            <a:r>
+              <a:rPr lang="zh-CN" altLang="en-US" dirty="0"/>
+              <a:t>小节。</a:t>
+            </a:r>
+            <a:endParaRPr lang="en-US" altLang="zh-CN" dirty="0"/>
+          </a:p>
+        </p:txBody>
+      </p:sp>
+      <p:sp>
+        <p:nvSpPr>
+          <p:cNvPr id="5" name="标题 4">
+            <a:extLst>
+              <a:ext uri="{FF2B5EF4-FFF2-40B4-BE49-F238E27FC236}">
+                <a16:creationId xmlns:a16="http://schemas.microsoft.com/office/drawing/2014/main" id="{88BF575E-5E8B-D774-365D-937F969296D0}"/>
+              </a:ext>
+            </a:extLst>
+          </p:cNvPr>
+          <p:cNvSpPr>
+            <a:spLocks noGrp="1"/>
+          </p:cNvSpPr>
+          <p:nvPr>
+            <p:ph type="title"/>
+          </p:nvPr>
+        </p:nvSpPr>
+        <p:spPr/>
+        <p:txBody>
+          <a:bodyPr/>
+          <a:lstStyle/>
+          <a:p>
+            <a:r>
+              <a:rPr lang="en-US" altLang="zh-CN" dirty="0"/>
+              <a:t>14.3 </a:t>
+            </a:r>
+            <a:r>
+              <a:rPr lang="zh-CN" altLang="en-US" dirty="0"/>
+              <a:t>记分</a:t>
+            </a:r>
+          </a:p>
+        </p:txBody>
+      </p:sp>
+    </p:spTree>
+    <p:extLst>
+      <p:ext uri="{BB962C8B-B14F-4D97-AF65-F5344CB8AC3E}">
+        <p14:creationId xmlns:p14="http://schemas.microsoft.com/office/powerpoint/2010/main" val="3607671301"/>
+      </p:ext>
+    </p:extLst>
+  </p:cSld>
+  <p:clrMapOvr>
+    <a:masterClrMapping/>
+  </p:clrMapOvr>
+</p:sld>
+</file>
+
+<file path=ppt/slides/slide12.xml><?xml version="1.0" encoding="utf-8"?>
+<p:sld xmlns:a="http://schemas.openxmlformats.org/drawingml/2006/main" xmlns:r="http://schemas.openxmlformats.org/officeDocument/2006/relationships" xmlns:p="http://schemas.openxmlformats.org/presentationml/2006/main">
+  <p:cSld>
+    <p:spTree>
+      <p:nvGrpSpPr>
+        <p:cNvPr id="1" name="">
+          <a:extLst>
+            <a:ext uri="{FF2B5EF4-FFF2-40B4-BE49-F238E27FC236}">
+              <a16:creationId xmlns:a16="http://schemas.microsoft.com/office/drawing/2014/main" id="{D33B52C2-6DA8-9B4D-DA9E-1B3DF54F1A15}"/>
+            </a:ext>
+          </a:extLst>
+        </p:cNvPr>
+        <p:cNvGrpSpPr/>
+        <p:nvPr/>
+      </p:nvGrpSpPr>
+      <p:grpSpPr>
+        <a:xfrm>
+          <a:off x="0" y="0"/>
+          <a:ext cx="0" cy="0"/>
+          <a:chOff x="0" y="0"/>
+          <a:chExt cx="0" cy="0"/>
+        </a:xfrm>
+      </p:grpSpPr>
+      <p:pic>
+        <p:nvPicPr>
+          <p:cNvPr id="6" name="内容占位符 5">
+            <a:extLst>
+              <a:ext uri="{FF2B5EF4-FFF2-40B4-BE49-F238E27FC236}">
+                <a16:creationId xmlns:a16="http://schemas.microsoft.com/office/drawing/2014/main" id="{A995B0A2-A521-22D2-41E5-9EC3DA2A94D1}"/>
+              </a:ext>
+            </a:extLst>
+          </p:cNvPr>
+          <p:cNvPicPr>
+            <a:picLocks noGrp="1" noChangeAspect="1"/>
+          </p:cNvPicPr>
+          <p:nvPr>
+            <p:ph idx="1"/>
+          </p:nvPr>
+        </p:nvPicPr>
+        <p:blipFill>
+          <a:blip r:embed="rId3"/>
+          <a:stretch>
+            <a:fillRect/>
+          </a:stretch>
+        </p:blipFill>
+        <p:spPr>
+          <a:xfrm>
+            <a:off x="3245728" y="1890713"/>
+            <a:ext cx="5700544" cy="4351337"/>
+          </a:xfrm>
+        </p:spPr>
+      </p:pic>
+      <p:sp>
+        <p:nvSpPr>
+          <p:cNvPr id="5" name="标题 4">
+            <a:extLst>
+              <a:ext uri="{FF2B5EF4-FFF2-40B4-BE49-F238E27FC236}">
+                <a16:creationId xmlns:a16="http://schemas.microsoft.com/office/drawing/2014/main" id="{D5F86484-5F28-FCB0-0D90-CAD85102C0D2}"/>
+              </a:ext>
+            </a:extLst>
+          </p:cNvPr>
+          <p:cNvSpPr>
+            <a:spLocks noGrp="1"/>
+          </p:cNvSpPr>
+          <p:nvPr>
+            <p:ph type="title"/>
+          </p:nvPr>
+        </p:nvSpPr>
+        <p:spPr/>
+        <p:txBody>
+          <a:bodyPr/>
+          <a:lstStyle/>
+          <a:p>
+            <a:r>
+              <a:rPr lang="en-US" altLang="zh-CN" dirty="0"/>
+              <a:t>14.3 </a:t>
+            </a:r>
+            <a:r>
+              <a:rPr lang="zh-CN" altLang="en-US" dirty="0"/>
+              <a:t>记分</a:t>
+            </a:r>
+          </a:p>
+        </p:txBody>
+      </p:sp>
+    </p:spTree>
+    <p:extLst>
+      <p:ext uri="{BB962C8B-B14F-4D97-AF65-F5344CB8AC3E}">
+        <p14:creationId xmlns:p14="http://schemas.microsoft.com/office/powerpoint/2010/main" val="3012702616"/>
+      </p:ext>
+    </p:extLst>
+  </p:cSld>
+  <p:clrMapOvr>
+    <a:masterClrMapping/>
+  </p:clrMapOvr>
+</p:sld>
+</file>
+
+<file path=ppt/slides/slide13.xml><?xml version="1.0" encoding="utf-8"?>
+<p:sld xmlns:a="http://schemas.openxmlformats.org/drawingml/2006/main" xmlns:r="http://schemas.openxmlformats.org/officeDocument/2006/relationships" xmlns:p="http://schemas.openxmlformats.org/presentationml/2006/main">
+  <p:cSld>
+    <p:spTree>
+      <p:nvGrpSpPr>
+        <p:cNvPr id="1" name="">
+          <a:extLst>
+            <a:ext uri="{FF2B5EF4-FFF2-40B4-BE49-F238E27FC236}">
+              <a16:creationId xmlns:a16="http://schemas.microsoft.com/office/drawing/2014/main" id="{62F31CA0-A350-B184-E0DD-4852479C38EF}"/>
+            </a:ext>
+          </a:extLst>
+        </p:cNvPr>
+        <p:cNvGrpSpPr/>
+        <p:nvPr/>
+      </p:nvGrpSpPr>
+      <p:grpSpPr>
+        <a:xfrm>
+          <a:off x="0" y="0"/>
+          <a:ext cx="0" cy="0"/>
+          <a:chOff x="0" y="0"/>
+          <a:chExt cx="0" cy="0"/>
+        </a:xfrm>
+      </p:grpSpPr>
+      <p:sp>
+        <p:nvSpPr>
+          <p:cNvPr id="3" name="内容占位符 2">
+            <a:extLst>
+              <a:ext uri="{FF2B5EF4-FFF2-40B4-BE49-F238E27FC236}">
+                <a16:creationId xmlns:a16="http://schemas.microsoft.com/office/drawing/2014/main" id="{0C73BC73-518B-3A0A-0707-4FD90CE4A9CA}"/>
+              </a:ext>
+            </a:extLst>
+          </p:cNvPr>
+          <p:cNvSpPr>
+            <a:spLocks noGrp="1"/>
+          </p:cNvSpPr>
+          <p:nvPr>
+            <p:ph idx="1"/>
+          </p:nvPr>
+        </p:nvSpPr>
+        <p:spPr/>
+        <p:txBody>
+          <a:bodyPr>
+            <a:normAutofit/>
+          </a:bodyPr>
+          <a:lstStyle/>
+          <a:p>
+            <a:pPr marL="0" indent="0">
+              <a:buNone/>
+            </a:pPr>
+            <a:r>
+              <a:rPr lang="zh-CN" altLang="en-US" dirty="0"/>
+              <a:t>接着继续迭代，让我们给游戏面板上加上</a:t>
+            </a:r>
+            <a:r>
+              <a:rPr lang="zh-CN" altLang="en-US" u="sng" dirty="0"/>
+              <a:t>最高分、等级及剩余飞船数</a:t>
+            </a:r>
+            <a:r>
+              <a:rPr lang="zh-CN" altLang="en-US" dirty="0"/>
+              <a:t>。</a:t>
+            </a:r>
+            <a:endParaRPr lang="en-US" altLang="zh-CN" dirty="0"/>
+          </a:p>
+          <a:p>
+            <a:pPr marL="0" indent="0">
+              <a:buNone/>
+            </a:pPr>
+            <a:r>
+              <a:rPr lang="zh-CN" altLang="en-US" dirty="0"/>
+              <a:t>相关的代码可见原书</a:t>
+            </a:r>
+            <a:r>
+              <a:rPr lang="en-US" altLang="zh-CN" dirty="0"/>
+              <a:t> 14.3.8~14.3.10 </a:t>
+            </a:r>
+            <a:r>
+              <a:rPr lang="zh-CN" altLang="en-US" dirty="0"/>
+              <a:t>小节。</a:t>
+            </a:r>
+            <a:endParaRPr lang="en-US" altLang="zh-CN" dirty="0"/>
+          </a:p>
+        </p:txBody>
+      </p:sp>
+      <p:sp>
+        <p:nvSpPr>
+          <p:cNvPr id="5" name="标题 4">
+            <a:extLst>
+              <a:ext uri="{FF2B5EF4-FFF2-40B4-BE49-F238E27FC236}">
+                <a16:creationId xmlns:a16="http://schemas.microsoft.com/office/drawing/2014/main" id="{88C24438-62C0-E9B2-5D9D-7155FC0FC49F}"/>
+              </a:ext>
+            </a:extLst>
+          </p:cNvPr>
+          <p:cNvSpPr>
+            <a:spLocks noGrp="1"/>
+          </p:cNvSpPr>
+          <p:nvPr>
+            <p:ph type="title"/>
+          </p:nvPr>
+        </p:nvSpPr>
+        <p:spPr/>
+        <p:txBody>
+          <a:bodyPr/>
+          <a:lstStyle/>
+          <a:p>
+            <a:r>
+              <a:rPr lang="en-US" altLang="zh-CN" dirty="0"/>
+              <a:t>14.3 </a:t>
+            </a:r>
+            <a:r>
+              <a:rPr lang="zh-CN" altLang="en-US" dirty="0"/>
+              <a:t>记分</a:t>
+            </a:r>
+          </a:p>
+        </p:txBody>
+      </p:sp>
+    </p:spTree>
+    <p:extLst>
+      <p:ext uri="{BB962C8B-B14F-4D97-AF65-F5344CB8AC3E}">
+        <p14:creationId xmlns:p14="http://schemas.microsoft.com/office/powerpoint/2010/main" val="2453132659"/>
+      </p:ext>
+    </p:extLst>
+  </p:cSld>
+  <p:clrMapOvr>
+    <a:masterClrMapping/>
+  </p:clrMapOvr>
+</p:sld>
+</file>
+
+<file path=ppt/slides/slide14.xml><?xml version="1.0" encoding="utf-8"?>
+<p:sld xmlns:a="http://schemas.openxmlformats.org/drawingml/2006/main" xmlns:r="http://schemas.openxmlformats.org/officeDocument/2006/relationships" xmlns:p="http://schemas.openxmlformats.org/presentationml/2006/main">
+  <p:cSld>
+    <p:spTree>
+      <p:nvGrpSpPr>
+        <p:cNvPr id="1" name="">
+          <a:extLst>
+            <a:ext uri="{FF2B5EF4-FFF2-40B4-BE49-F238E27FC236}">
+              <a16:creationId xmlns:a16="http://schemas.microsoft.com/office/drawing/2014/main" id="{F79F67CC-1B2B-7E74-4F27-85505E42E72D}"/>
+            </a:ext>
+          </a:extLst>
+        </p:cNvPr>
+        <p:cNvGrpSpPr/>
+        <p:nvPr/>
+      </p:nvGrpSpPr>
+      <p:grpSpPr>
+        <a:xfrm>
+          <a:off x="0" y="0"/>
+          <a:ext cx="0" cy="0"/>
+          <a:chOff x="0" y="0"/>
+          <a:chExt cx="0" cy="0"/>
+        </a:xfrm>
+      </p:grpSpPr>
+      <p:sp>
+        <p:nvSpPr>
+          <p:cNvPr id="5" name="标题 4">
+            <a:extLst>
+              <a:ext uri="{FF2B5EF4-FFF2-40B4-BE49-F238E27FC236}">
+                <a16:creationId xmlns:a16="http://schemas.microsoft.com/office/drawing/2014/main" id="{8FD9CCBF-2677-0F69-D131-0463EB7F6AEB}"/>
+              </a:ext>
+            </a:extLst>
+          </p:cNvPr>
+          <p:cNvSpPr>
+            <a:spLocks noGrp="1"/>
+          </p:cNvSpPr>
+          <p:nvPr>
+            <p:ph type="title"/>
+          </p:nvPr>
+        </p:nvSpPr>
+        <p:spPr/>
+        <p:txBody>
+          <a:bodyPr/>
+          <a:lstStyle/>
+          <a:p>
+            <a:r>
+              <a:rPr lang="en-US" altLang="zh-CN" dirty="0"/>
+              <a:t>14.3 </a:t>
+            </a:r>
+            <a:r>
+              <a:rPr lang="zh-CN" altLang="en-US" dirty="0"/>
+              <a:t>记分</a:t>
+            </a:r>
+          </a:p>
+        </p:txBody>
+      </p:sp>
+      <p:pic>
+        <p:nvPicPr>
+          <p:cNvPr id="7" name="内容占位符 6">
+            <a:extLst>
+              <a:ext uri="{FF2B5EF4-FFF2-40B4-BE49-F238E27FC236}">
+                <a16:creationId xmlns:a16="http://schemas.microsoft.com/office/drawing/2014/main" id="{6154E274-2B4C-67BC-2EA5-87CD53B7F680}"/>
+              </a:ext>
+            </a:extLst>
+          </p:cNvPr>
+          <p:cNvPicPr>
+            <a:picLocks noGrp="1" noChangeAspect="1"/>
+          </p:cNvPicPr>
+          <p:nvPr>
+            <p:ph idx="1"/>
+          </p:nvPr>
+        </p:nvPicPr>
+        <p:blipFill>
+          <a:blip r:embed="rId3"/>
+          <a:stretch>
+            <a:fillRect/>
+          </a:stretch>
+        </p:blipFill>
+        <p:spPr>
+          <a:xfrm>
+            <a:off x="3262097" y="1890713"/>
+            <a:ext cx="5667805" cy="4351337"/>
+          </a:xfrm>
+        </p:spPr>
+      </p:pic>
+    </p:spTree>
+    <p:extLst>
+      <p:ext uri="{BB962C8B-B14F-4D97-AF65-F5344CB8AC3E}">
+        <p14:creationId xmlns:p14="http://schemas.microsoft.com/office/powerpoint/2010/main" val="78099281"/>
+      </p:ext>
+    </p:extLst>
+  </p:cSld>
+  <p:clrMapOvr>
+    <a:masterClrMapping/>
+  </p:clrMapOvr>
+</p:sld>
+</file>
+
+<file path=ppt/slides/slide15.xml><?xml version="1.0" encoding="utf-8"?>
+<p:sld xmlns:a="http://schemas.openxmlformats.org/drawingml/2006/main" xmlns:r="http://schemas.openxmlformats.org/officeDocument/2006/relationships" xmlns:p="http://schemas.openxmlformats.org/presentationml/2006/main">
+  <p:cSld>
+    <p:spTree>
+      <p:nvGrpSpPr>
+        <p:cNvPr id="1" name=""/>
+        <p:cNvGrpSpPr/>
+        <p:nvPr/>
+      </p:nvGrpSpPr>
+      <p:grpSpPr>
+        <a:xfrm>
+          <a:off x="0" y="0"/>
+          <a:ext cx="0" cy="0"/>
+          <a:chOff x="0" y="0"/>
+          <a:chExt cx="0" cy="0"/>
+        </a:xfrm>
+      </p:grpSpPr>
+      <p:sp>
+        <p:nvSpPr>
+          <p:cNvPr id="2" name="标题 1">
+            <a:extLst>
+              <a:ext uri="{FF2B5EF4-FFF2-40B4-BE49-F238E27FC236}">
+                <a16:creationId xmlns:a16="http://schemas.microsoft.com/office/drawing/2014/main" id="{1CBF67D3-549D-0623-7687-618F66C7933B}"/>
+              </a:ext>
+            </a:extLst>
+          </p:cNvPr>
+          <p:cNvSpPr>
+            <a:spLocks noGrp="1"/>
+          </p:cNvSpPr>
+          <p:nvPr>
+            <p:ph type="title"/>
+          </p:nvPr>
+        </p:nvSpPr>
+        <p:spPr/>
+        <p:txBody>
+          <a:bodyPr>
+            <a:normAutofit/>
+          </a:bodyPr>
+          <a:lstStyle/>
+          <a:p>
+            <a:r>
+              <a:rPr lang="en-US" altLang="zh-CN" dirty="0"/>
+              <a:t>14.4 </a:t>
+            </a:r>
+            <a:r>
+              <a:rPr lang="zh-CN" altLang="en-US"/>
+              <a:t>小结</a:t>
+            </a:r>
+            <a:endParaRPr lang="en-US" altLang="zh-CN" dirty="0"/>
+          </a:p>
+        </p:txBody>
+      </p:sp>
+      <p:sp>
+        <p:nvSpPr>
+          <p:cNvPr id="5" name="内容占位符 4">
+            <a:extLst>
+              <a:ext uri="{FF2B5EF4-FFF2-40B4-BE49-F238E27FC236}">
+                <a16:creationId xmlns:a16="http://schemas.microsoft.com/office/drawing/2014/main" id="{27E734E7-DC50-2043-E0F4-ADDF97100AAB}"/>
+              </a:ext>
+            </a:extLst>
+          </p:cNvPr>
+          <p:cNvSpPr>
+            <a:spLocks noGrp="1"/>
+          </p:cNvSpPr>
+          <p:nvPr>
+            <p:ph idx="1"/>
+          </p:nvPr>
+        </p:nvSpPr>
+        <p:spPr/>
+        <p:txBody>
+          <a:bodyPr>
+            <a:normAutofit/>
+          </a:bodyPr>
+          <a:lstStyle/>
+          <a:p>
+            <a:pPr>
+              <a:lnSpc>
+                <a:spcPct val="100000"/>
+              </a:lnSpc>
+            </a:pPr>
+            <a:r>
+              <a:rPr lang="zh-CN" altLang="en-US" dirty="0"/>
+              <a:t>在本章中，你学习了如何创建用于开始新游戏的 </a:t>
+            </a:r>
+            <a:r>
+              <a:rPr lang="en-US" altLang="zh-CN" dirty="0"/>
+              <a:t>Play </a:t>
+            </a:r>
+            <a:r>
+              <a:rPr lang="zh-CN" altLang="en-US" dirty="0"/>
+              <a:t>按钮，如何检测鼠标事件，以及如何在游戏处于活动状态时隐藏鼠标。</a:t>
+            </a:r>
+            <a:endParaRPr lang="en-US" altLang="zh-CN" dirty="0"/>
+          </a:p>
+          <a:p>
+            <a:pPr>
+              <a:lnSpc>
+                <a:spcPct val="100000"/>
+              </a:lnSpc>
+            </a:pPr>
+            <a:r>
+              <a:rPr lang="zh-CN" altLang="en-US" dirty="0"/>
+              <a:t>你可以利用学到的知识在游戏中创建其他按钮，如显示游戏玩法的 </a:t>
+            </a:r>
+            <a:r>
+              <a:rPr lang="en-US" altLang="zh-CN" dirty="0"/>
+              <a:t>Help </a:t>
+            </a:r>
+            <a:r>
+              <a:rPr lang="zh-CN" altLang="en-US" dirty="0"/>
+              <a:t>按钮。</a:t>
+            </a:r>
+            <a:endParaRPr lang="en-US" altLang="zh-CN" dirty="0"/>
+          </a:p>
+          <a:p>
+            <a:pPr>
+              <a:lnSpc>
+                <a:spcPct val="100000"/>
+              </a:lnSpc>
+            </a:pPr>
+            <a:r>
+              <a:rPr lang="zh-CN" altLang="en-US" dirty="0"/>
+              <a:t>你还学习了如何随游戏的进行调整节奏，如何实现记分系统，以及如何以文本和非文本方式显示信息。</a:t>
+            </a:r>
+          </a:p>
+        </p:txBody>
+      </p:sp>
+    </p:spTree>
+    <p:extLst>
+      <p:ext uri="{BB962C8B-B14F-4D97-AF65-F5344CB8AC3E}">
+        <p14:creationId xmlns:p14="http://schemas.microsoft.com/office/powerpoint/2010/main" val="364430658"/>
+      </p:ext>
+    </p:extLst>
+  </p:cSld>
+  <p:clrMapOvr>
+    <a:masterClrMapping/>
+  </p:clrMapOvr>
+</p:sld>
+</file>
+
 <file path=ppt/slides/slide2.xml><?xml version="1.0" encoding="utf-8"?>
 <p:sld xmlns:a="http://schemas.openxmlformats.org/drawingml/2006/main" xmlns:r="http://schemas.openxmlformats.org/officeDocument/2006/relationships" xmlns:p="http://schemas.openxmlformats.org/presentationml/2006/main">
   <p:cSld>
@@ -8186,7 +9733,13 @@
   <p:cSld>
     <p:spTree>
       <p:nvGrpSpPr>
-        <p:cNvPr id="1" name=""/>
+        <p:cNvPr id="1" name="">
+          <a:extLst>
+            <a:ext uri="{FF2B5EF4-FFF2-40B4-BE49-F238E27FC236}">
+              <a16:creationId xmlns:a16="http://schemas.microsoft.com/office/drawing/2014/main" id="{436AECEA-9356-6CCF-CC09-B68D3313FB15}"/>
+            </a:ext>
+          </a:extLst>
+        </p:cNvPr>
         <p:cNvGrpSpPr/>
         <p:nvPr/>
       </p:nvGrpSpPr>
@@ -8203,7 +9756,7 @@
           <p:cNvPr id="2" name="标题 1">
             <a:extLst>
               <a:ext uri="{FF2B5EF4-FFF2-40B4-BE49-F238E27FC236}">
-                <a16:creationId xmlns:a16="http://schemas.microsoft.com/office/drawing/2014/main" id="{BAD162F0-2175-84E9-2387-55F669162449}"/>
+                <a16:creationId xmlns:a16="http://schemas.microsoft.com/office/drawing/2014/main" id="{2E0DCD36-C960-26A5-1269-902C177BAB84}"/>
               </a:ext>
             </a:extLst>
           </p:cNvPr>
@@ -8230,14 +9783,8 @@
               <a:t>添加 </a:t>
             </a:r>
             <a:r>
-              <a:rPr lang="en-US" altLang="zh-CN" dirty="0">
-                <a:latin typeface="+mj-lt"/>
-              </a:rPr>
-              <a:t>Play</a:t>
-            </a:r>
-            <a:r>
               <a:rPr lang="en-US" altLang="zh-CN" dirty="0"/>
-              <a:t> </a:t>
+              <a:t>Play </a:t>
             </a:r>
             <a:r>
               <a:rPr lang="zh-CN" altLang="en-US" dirty="0"/>
@@ -8252,15 +9799,15 @@
           <p:cNvPr id="3" name="内容占位符 2">
             <a:extLst>
               <a:ext uri="{FF2B5EF4-FFF2-40B4-BE49-F238E27FC236}">
-                <a16:creationId xmlns:a16="http://schemas.microsoft.com/office/drawing/2014/main" id="{0E2FC508-1AFD-A957-52F2-FA1DEF2A9D27}"/>
-              </a:ext>
-            </a:extLst>
-          </p:cNvPr>
-          <p:cNvSpPr>
-            <a:spLocks noGrp="1"/>
-          </p:cNvSpPr>
-          <p:nvPr>
-            <p:ph sz="half" idx="1"/>
+                <a16:creationId xmlns:a16="http://schemas.microsoft.com/office/drawing/2014/main" id="{258D4B1A-4FD8-7A89-31EC-BC94B090FDBB}"/>
+              </a:ext>
+            </a:extLst>
+          </p:cNvPr>
+          <p:cNvSpPr>
+            <a:spLocks noGrp="1"/>
+          </p:cNvSpPr>
+          <p:nvPr>
+            <p:ph idx="1"/>
           </p:nvPr>
         </p:nvSpPr>
         <p:spPr/>
@@ -8270,788 +9817,35 @@
           </a:bodyPr>
           <a:lstStyle/>
           <a:p>
-            <a:endParaRPr lang="zh-CN" altLang="en-US" dirty="0"/>
-          </a:p>
-        </p:txBody>
-      </p:sp>
-      <p:sp>
-        <p:nvSpPr>
-          <p:cNvPr id="7" name="文本框 6">
-            <a:extLst>
-              <a:ext uri="{FF2B5EF4-FFF2-40B4-BE49-F238E27FC236}">
-                <a16:creationId xmlns:a16="http://schemas.microsoft.com/office/drawing/2014/main" id="{12C899D8-51C5-D9B7-A323-E6EFE4AB5C33}"/>
-              </a:ext>
-            </a:extLst>
-          </p:cNvPr>
-          <p:cNvSpPr txBox="1"/>
-          <p:nvPr/>
-        </p:nvSpPr>
-        <p:spPr>
-          <a:xfrm>
-            <a:off x="5994400" y="1904003"/>
-            <a:ext cx="6115050" cy="2308324"/>
-          </a:xfrm>
-          <a:prstGeom prst="rect">
-            <a:avLst/>
-          </a:prstGeom>
-          <a:noFill/>
-          <a:ln>
-            <a:solidFill>
-              <a:schemeClr val="bg2"/>
-            </a:solidFill>
-          </a:ln>
-        </p:spPr>
-        <p:txBody>
-          <a:bodyPr wrap="square">
-            <a:spAutoFit/>
-          </a:bodyPr>
-          <a:lstStyle/>
-          <a:p>
-            <a:r>
-              <a:rPr lang="en-US" altLang="zh-CN" sz="2400" b="1" dirty="0">
-                <a:solidFill>
-                  <a:srgbClr val="0200BD"/>
-                </a:solidFill>
-                <a:effectLst/>
-                <a:latin typeface="Consolas" panose="020B0609020204030204" pitchFamily="49" charset="0"/>
-              </a:rPr>
-              <a:t>print</a:t>
-            </a:r>
-            <a:r>
-              <a:rPr lang="en-US" altLang="zh-CN" sz="2400" b="1" dirty="0">
-                <a:solidFill>
-                  <a:srgbClr val="3F9101"/>
-                </a:solidFill>
-                <a:effectLst/>
-                <a:latin typeface="Consolas" panose="020B0609020204030204" pitchFamily="49" charset="0"/>
-              </a:rPr>
-              <a:t>(</a:t>
-            </a:r>
-            <a:r>
-              <a:rPr lang="en-US" altLang="zh-CN" sz="2400" b="1" dirty="0">
-                <a:solidFill>
-                  <a:srgbClr val="2E6446"/>
-                </a:solidFill>
-                <a:effectLst/>
-                <a:latin typeface="Consolas" panose="020B0609020204030204" pitchFamily="49" charset="0"/>
-              </a:rPr>
-              <a:t>1</a:t>
-            </a:r>
-            <a:r>
-              <a:rPr lang="en-US" altLang="zh-CN" sz="2400" b="1" dirty="0">
-                <a:solidFill>
-                  <a:srgbClr val="63A35C"/>
-                </a:solidFill>
-                <a:effectLst/>
-                <a:latin typeface="Consolas" panose="020B0609020204030204" pitchFamily="49" charset="0"/>
-              </a:rPr>
-              <a:t>, </a:t>
-            </a:r>
-            <a:r>
-              <a:rPr lang="en-US" altLang="zh-CN" sz="2400" b="1" dirty="0">
-                <a:solidFill>
-                  <a:srgbClr val="2E6446"/>
-                </a:solidFill>
-                <a:effectLst/>
-                <a:latin typeface="Consolas" panose="020B0609020204030204" pitchFamily="49" charset="0"/>
-              </a:rPr>
-              <a:t>1_000_000</a:t>
-            </a:r>
-            <a:r>
-              <a:rPr lang="en-US" altLang="zh-CN" sz="2400" b="1" dirty="0">
-                <a:solidFill>
-                  <a:srgbClr val="63A35C"/>
-                </a:solidFill>
-                <a:effectLst/>
-                <a:latin typeface="Consolas" panose="020B0609020204030204" pitchFamily="49" charset="0"/>
-              </a:rPr>
-              <a:t>, </a:t>
-            </a:r>
-            <a:r>
-              <a:rPr lang="en-US" altLang="zh-CN" sz="2400" b="1" dirty="0">
-                <a:solidFill>
-                  <a:srgbClr val="2E6446"/>
-                </a:solidFill>
-                <a:effectLst/>
-                <a:latin typeface="Consolas" panose="020B0609020204030204" pitchFamily="49" charset="0"/>
-              </a:rPr>
-              <a:t>1.5</a:t>
-            </a:r>
-            <a:r>
-              <a:rPr lang="en-US" altLang="zh-CN" sz="2400" b="1" dirty="0">
-                <a:solidFill>
-                  <a:srgbClr val="3F9101"/>
-                </a:solidFill>
-                <a:effectLst/>
-                <a:latin typeface="Consolas" panose="020B0609020204030204" pitchFamily="49" charset="0"/>
-              </a:rPr>
-              <a:t>)</a:t>
-            </a:r>
-          </a:p>
-          <a:p>
-            <a:r>
-              <a:rPr lang="en-US" altLang="zh-CN" sz="2400" b="1" dirty="0">
-                <a:solidFill>
-                  <a:srgbClr val="0200BD"/>
-                </a:solidFill>
-                <a:effectLst/>
-                <a:latin typeface="Consolas" panose="020B0609020204030204" pitchFamily="49" charset="0"/>
-              </a:rPr>
-              <a:t>print</a:t>
-            </a:r>
-            <a:r>
-              <a:rPr lang="en-US" altLang="zh-CN" sz="2400" b="1" dirty="0">
-                <a:solidFill>
-                  <a:srgbClr val="3F9101"/>
-                </a:solidFill>
-                <a:effectLst/>
-                <a:latin typeface="Consolas" panose="020B0609020204030204" pitchFamily="49" charset="0"/>
-              </a:rPr>
-              <a:t>(</a:t>
-            </a:r>
-            <a:r>
-              <a:rPr lang="en-US" altLang="zh-CN" sz="2400" b="1" dirty="0">
-                <a:solidFill>
-                  <a:srgbClr val="9E58A3"/>
-                </a:solidFill>
-                <a:effectLst/>
-                <a:latin typeface="Consolas" panose="020B0609020204030204" pitchFamily="49" charset="0"/>
-              </a:rPr>
-              <a:t>True</a:t>
-            </a:r>
-            <a:r>
-              <a:rPr lang="en-US" altLang="zh-CN" sz="2400" b="1" dirty="0">
-                <a:solidFill>
-                  <a:srgbClr val="63A35C"/>
-                </a:solidFill>
-                <a:effectLst/>
-                <a:latin typeface="Consolas" panose="020B0609020204030204" pitchFamily="49" charset="0"/>
-              </a:rPr>
-              <a:t>, </a:t>
-            </a:r>
-            <a:r>
-              <a:rPr lang="en-US" altLang="zh-CN" sz="2400" b="1" dirty="0">
-                <a:solidFill>
-                  <a:srgbClr val="9E58A3"/>
-                </a:solidFill>
-                <a:effectLst/>
-                <a:latin typeface="Consolas" panose="020B0609020204030204" pitchFamily="49" charset="0"/>
-              </a:rPr>
-              <a:t>False</a:t>
-            </a:r>
-            <a:r>
-              <a:rPr lang="en-US" altLang="zh-CN" sz="2400" b="1" dirty="0">
-                <a:solidFill>
-                  <a:srgbClr val="3F9101"/>
-                </a:solidFill>
-                <a:effectLst/>
-                <a:latin typeface="Consolas" panose="020B0609020204030204" pitchFamily="49" charset="0"/>
-              </a:rPr>
-              <a:t>)  </a:t>
-            </a:r>
-            <a:r>
-              <a:rPr lang="en-US" altLang="zh-CN" sz="2400" b="1" dirty="0">
-                <a:solidFill>
-                  <a:srgbClr val="A05830"/>
-                </a:solidFill>
-                <a:effectLst/>
-                <a:latin typeface="Consolas" panose="020B0609020204030204" pitchFamily="49" charset="0"/>
-              </a:rPr>
-              <a:t># </a:t>
-            </a:r>
-            <a:r>
-              <a:rPr lang="zh-CN" altLang="en-US" sz="2400" b="1" dirty="0">
-                <a:solidFill>
-                  <a:srgbClr val="A05830"/>
-                </a:solidFill>
-                <a:effectLst/>
-                <a:latin typeface="宋体" panose="02010600030101010101" pitchFamily="2" charset="-122"/>
-                <a:ea typeface="宋体" panose="02010600030101010101" pitchFamily="2" charset="-122"/>
-              </a:rPr>
-              <a:t>布尔值</a:t>
-            </a:r>
-            <a:endParaRPr lang="en-US" altLang="zh-CN" sz="2400" b="1" dirty="0">
-              <a:solidFill>
-                <a:srgbClr val="A05830"/>
-              </a:solidFill>
-              <a:effectLst/>
-              <a:latin typeface="宋体" panose="02010600030101010101" pitchFamily="2" charset="-122"/>
-              <a:ea typeface="宋体" panose="02010600030101010101" pitchFamily="2" charset="-122"/>
-            </a:endParaRPr>
-          </a:p>
-          <a:p>
-            <a:r>
-              <a:rPr lang="en-US" altLang="zh-CN" sz="2400" b="1" dirty="0">
-                <a:solidFill>
-                  <a:srgbClr val="0200BD"/>
-                </a:solidFill>
-                <a:effectLst/>
-                <a:latin typeface="Consolas" panose="020B0609020204030204" pitchFamily="49" charset="0"/>
-              </a:rPr>
-              <a:t>print</a:t>
-            </a:r>
-            <a:r>
-              <a:rPr lang="en-US" altLang="zh-CN" sz="2400" b="1" dirty="0">
-                <a:solidFill>
-                  <a:srgbClr val="3F9101"/>
-                </a:solidFill>
-                <a:effectLst/>
-                <a:latin typeface="Consolas" panose="020B0609020204030204" pitchFamily="49" charset="0"/>
-              </a:rPr>
-              <a:t>(</a:t>
-            </a:r>
-            <a:r>
-              <a:rPr lang="en-US" altLang="zh-CN" sz="2400" b="1" dirty="0">
-                <a:solidFill>
-                  <a:srgbClr val="2E6446"/>
-                </a:solidFill>
-                <a:effectLst/>
-                <a:latin typeface="Consolas" panose="020B0609020204030204" pitchFamily="49" charset="0"/>
-              </a:rPr>
-              <a:t>1 </a:t>
-            </a:r>
-            <a:r>
-              <a:rPr lang="en-US" altLang="zh-CN" sz="2400" b="1" dirty="0">
-                <a:solidFill>
-                  <a:srgbClr val="A71D5D"/>
-                </a:solidFill>
-                <a:effectLst/>
-                <a:latin typeface="Consolas" panose="020B0609020204030204" pitchFamily="49" charset="0"/>
-              </a:rPr>
-              <a:t>+ </a:t>
-            </a:r>
-            <a:r>
-              <a:rPr lang="en-US" altLang="zh-CN" sz="2400" b="1" dirty="0">
-                <a:solidFill>
-                  <a:srgbClr val="2E6446"/>
-                </a:solidFill>
-                <a:effectLst/>
-                <a:latin typeface="Consolas" panose="020B0609020204030204" pitchFamily="49" charset="0"/>
-              </a:rPr>
-              <a:t>1</a:t>
-            </a:r>
-            <a:r>
-              <a:rPr lang="en-US" altLang="zh-CN" sz="2400" b="1" dirty="0">
-                <a:solidFill>
-                  <a:srgbClr val="63A35C"/>
-                </a:solidFill>
-                <a:effectLst/>
-                <a:latin typeface="Consolas" panose="020B0609020204030204" pitchFamily="49" charset="0"/>
-              </a:rPr>
-              <a:t>, </a:t>
-            </a:r>
-            <a:r>
-              <a:rPr lang="en-US" altLang="zh-CN" sz="2400" b="1" dirty="0">
-                <a:solidFill>
-                  <a:srgbClr val="2E6446"/>
-                </a:solidFill>
-                <a:effectLst/>
-                <a:latin typeface="Consolas" panose="020B0609020204030204" pitchFamily="49" charset="0"/>
-              </a:rPr>
-              <a:t>1.0 </a:t>
-            </a:r>
-            <a:r>
-              <a:rPr lang="en-US" altLang="zh-CN" sz="2400" b="1" dirty="0">
-                <a:solidFill>
-                  <a:srgbClr val="A71D5D"/>
-                </a:solidFill>
-                <a:effectLst/>
-                <a:latin typeface="Consolas" panose="020B0609020204030204" pitchFamily="49" charset="0"/>
-              </a:rPr>
-              <a:t>+ </a:t>
-            </a:r>
-            <a:r>
-              <a:rPr lang="en-US" altLang="zh-CN" sz="2400" b="1" dirty="0">
-                <a:solidFill>
-                  <a:srgbClr val="2E6446"/>
-                </a:solidFill>
-                <a:effectLst/>
-                <a:latin typeface="Consolas" panose="020B0609020204030204" pitchFamily="49" charset="0"/>
-              </a:rPr>
-              <a:t>1.0</a:t>
-            </a:r>
-            <a:r>
-              <a:rPr lang="en-US" altLang="zh-CN" sz="2400" b="1" dirty="0">
-                <a:solidFill>
-                  <a:srgbClr val="63A35C"/>
-                </a:solidFill>
-                <a:effectLst/>
-                <a:latin typeface="Consolas" panose="020B0609020204030204" pitchFamily="49" charset="0"/>
-              </a:rPr>
-              <a:t>, </a:t>
-            </a:r>
-            <a:r>
-              <a:rPr lang="en-US" altLang="zh-CN" sz="2400" b="1" dirty="0">
-                <a:solidFill>
-                  <a:srgbClr val="2E6446"/>
-                </a:solidFill>
-                <a:effectLst/>
-                <a:latin typeface="Consolas" panose="020B0609020204030204" pitchFamily="49" charset="0"/>
-              </a:rPr>
-              <a:t>1 </a:t>
-            </a:r>
-            <a:r>
-              <a:rPr lang="en-US" altLang="zh-CN" sz="2400" b="1" dirty="0">
-                <a:solidFill>
-                  <a:srgbClr val="A71D5D"/>
-                </a:solidFill>
-                <a:effectLst/>
-                <a:latin typeface="Consolas" panose="020B0609020204030204" pitchFamily="49" charset="0"/>
-              </a:rPr>
-              <a:t>+ </a:t>
-            </a:r>
-            <a:r>
-              <a:rPr lang="en-US" altLang="zh-CN" sz="2400" b="1" dirty="0">
-                <a:solidFill>
-                  <a:srgbClr val="2E6446"/>
-                </a:solidFill>
-                <a:effectLst/>
-                <a:latin typeface="Consolas" panose="020B0609020204030204" pitchFamily="49" charset="0"/>
-              </a:rPr>
-              <a:t>1.0</a:t>
-            </a:r>
-            <a:r>
-              <a:rPr lang="en-US" altLang="zh-CN" sz="2400" b="1" dirty="0">
-                <a:solidFill>
-                  <a:srgbClr val="3F9101"/>
-                </a:solidFill>
-                <a:effectLst/>
-                <a:latin typeface="Consolas" panose="020B0609020204030204" pitchFamily="49" charset="0"/>
-              </a:rPr>
-              <a:t>)</a:t>
-            </a:r>
-          </a:p>
-          <a:p>
-            <a:r>
-              <a:rPr lang="en-US" altLang="zh-CN" sz="2400" b="1" dirty="0">
-                <a:solidFill>
-                  <a:srgbClr val="A05830"/>
-                </a:solidFill>
-                <a:effectLst/>
-                <a:latin typeface="Consolas" panose="020B0609020204030204" pitchFamily="49" charset="0"/>
-              </a:rPr>
-              <a:t># </a:t>
-            </a:r>
-            <a:r>
-              <a:rPr lang="zh-CN" altLang="en-US" sz="2400" b="1" dirty="0">
-                <a:solidFill>
-                  <a:srgbClr val="A05830"/>
-                </a:solidFill>
-                <a:effectLst/>
-                <a:latin typeface="宋体" panose="02010600030101010101" pitchFamily="2" charset="-122"/>
-                <a:ea typeface="宋体" panose="02010600030101010101" pitchFamily="2" charset="-122"/>
-              </a:rPr>
-              <a:t>乘方、除法、整除法（向下取整）和求模</a:t>
-            </a:r>
-            <a:br>
-              <a:rPr lang="zh-CN" altLang="en-US" sz="2400" b="1" dirty="0">
-                <a:solidFill>
-                  <a:srgbClr val="A05830"/>
-                </a:solidFill>
-                <a:effectLst/>
-                <a:latin typeface="宋体" panose="02010600030101010101" pitchFamily="2" charset="-122"/>
-                <a:ea typeface="宋体" panose="02010600030101010101" pitchFamily="2" charset="-122"/>
-              </a:rPr>
-            </a:br>
-            <a:r>
-              <a:rPr lang="en-US" altLang="zh-CN" sz="2400" b="1" dirty="0">
-                <a:solidFill>
-                  <a:srgbClr val="0200BD"/>
-                </a:solidFill>
-                <a:effectLst/>
-                <a:latin typeface="Consolas" panose="020B0609020204030204" pitchFamily="49" charset="0"/>
-              </a:rPr>
-              <a:t>print</a:t>
-            </a:r>
-            <a:r>
-              <a:rPr lang="en-US" altLang="zh-CN" sz="2400" b="1" dirty="0">
-                <a:solidFill>
-                  <a:srgbClr val="3F9101"/>
-                </a:solidFill>
-                <a:effectLst/>
-                <a:latin typeface="Consolas" panose="020B0609020204030204" pitchFamily="49" charset="0"/>
-              </a:rPr>
-              <a:t>(</a:t>
-            </a:r>
-            <a:r>
-              <a:rPr lang="en-US" altLang="zh-CN" sz="2400" b="1" dirty="0">
-                <a:solidFill>
-                  <a:srgbClr val="2E6446"/>
-                </a:solidFill>
-                <a:effectLst/>
-                <a:latin typeface="Consolas" panose="020B0609020204030204" pitchFamily="49" charset="0"/>
-              </a:rPr>
-              <a:t>3 </a:t>
-            </a:r>
-            <a:r>
-              <a:rPr lang="en-US" altLang="zh-CN" sz="2400" b="1" dirty="0">
-                <a:solidFill>
-                  <a:srgbClr val="A71D5D"/>
-                </a:solidFill>
-                <a:effectLst/>
-                <a:latin typeface="Consolas" panose="020B0609020204030204" pitchFamily="49" charset="0"/>
-              </a:rPr>
-              <a:t>** </a:t>
-            </a:r>
-            <a:r>
-              <a:rPr lang="en-US" altLang="zh-CN" sz="2400" b="1" dirty="0">
-                <a:solidFill>
-                  <a:srgbClr val="2E6446"/>
-                </a:solidFill>
-                <a:effectLst/>
-                <a:latin typeface="Consolas" panose="020B0609020204030204" pitchFamily="49" charset="0"/>
-              </a:rPr>
-              <a:t>2</a:t>
-            </a:r>
-            <a:r>
-              <a:rPr lang="en-US" altLang="zh-CN" sz="2400" b="1" dirty="0">
-                <a:solidFill>
-                  <a:srgbClr val="63A35C"/>
-                </a:solidFill>
-                <a:effectLst/>
-                <a:latin typeface="Consolas" panose="020B0609020204030204" pitchFamily="49" charset="0"/>
-              </a:rPr>
-              <a:t>, </a:t>
-            </a:r>
-            <a:r>
-              <a:rPr lang="en-US" altLang="zh-CN" sz="2400" b="1" dirty="0">
-                <a:solidFill>
-                  <a:srgbClr val="2E6446"/>
-                </a:solidFill>
-                <a:effectLst/>
-                <a:latin typeface="Consolas" panose="020B0609020204030204" pitchFamily="49" charset="0"/>
-              </a:rPr>
-              <a:t>3 </a:t>
-            </a:r>
-            <a:r>
-              <a:rPr lang="en-US" altLang="zh-CN" sz="2400" b="1" dirty="0">
-                <a:solidFill>
-                  <a:srgbClr val="A71D5D"/>
-                </a:solidFill>
-                <a:effectLst/>
-                <a:latin typeface="Consolas" panose="020B0609020204030204" pitchFamily="49" charset="0"/>
-              </a:rPr>
-              <a:t>/ </a:t>
-            </a:r>
-            <a:r>
-              <a:rPr lang="en-US" altLang="zh-CN" sz="2400" b="1" dirty="0">
-                <a:solidFill>
-                  <a:srgbClr val="2E6446"/>
-                </a:solidFill>
-                <a:effectLst/>
-                <a:latin typeface="Consolas" panose="020B0609020204030204" pitchFamily="49" charset="0"/>
-              </a:rPr>
-              <a:t>2</a:t>
-            </a:r>
-            <a:r>
-              <a:rPr lang="en-US" altLang="zh-CN" sz="2400" b="1" dirty="0">
-                <a:solidFill>
-                  <a:srgbClr val="63A35C"/>
-                </a:solidFill>
-                <a:effectLst/>
-                <a:latin typeface="Consolas" panose="020B0609020204030204" pitchFamily="49" charset="0"/>
-              </a:rPr>
-              <a:t>, </a:t>
-            </a:r>
-            <a:r>
-              <a:rPr lang="en-US" altLang="zh-CN" sz="2400" b="1" dirty="0">
-                <a:solidFill>
-                  <a:srgbClr val="2E6446"/>
-                </a:solidFill>
-                <a:effectLst/>
-                <a:latin typeface="Consolas" panose="020B0609020204030204" pitchFamily="49" charset="0"/>
-              </a:rPr>
-              <a:t>3 </a:t>
-            </a:r>
-            <a:r>
-              <a:rPr lang="en-US" altLang="zh-CN" sz="2400" b="1" dirty="0">
-                <a:solidFill>
-                  <a:srgbClr val="A71D5D"/>
-                </a:solidFill>
-                <a:effectLst/>
-                <a:latin typeface="Consolas" panose="020B0609020204030204" pitchFamily="49" charset="0"/>
-              </a:rPr>
-              <a:t>// </a:t>
-            </a:r>
-            <a:r>
-              <a:rPr lang="en-US" altLang="zh-CN" sz="2400" b="1" dirty="0">
-                <a:solidFill>
-                  <a:srgbClr val="2E6446"/>
-                </a:solidFill>
-                <a:effectLst/>
-                <a:latin typeface="Consolas" panose="020B0609020204030204" pitchFamily="49" charset="0"/>
-              </a:rPr>
-              <a:t>2</a:t>
-            </a:r>
-            <a:r>
-              <a:rPr lang="en-US" altLang="zh-CN" sz="2400" b="1" dirty="0">
-                <a:solidFill>
-                  <a:srgbClr val="63A35C"/>
-                </a:solidFill>
-                <a:effectLst/>
-                <a:latin typeface="Consolas" panose="020B0609020204030204" pitchFamily="49" charset="0"/>
-              </a:rPr>
-              <a:t>, </a:t>
-            </a:r>
-            <a:r>
-              <a:rPr lang="en-US" altLang="zh-CN" sz="2400" b="1" dirty="0">
-                <a:solidFill>
-                  <a:srgbClr val="2E6446"/>
-                </a:solidFill>
-                <a:effectLst/>
-                <a:latin typeface="Consolas" panose="020B0609020204030204" pitchFamily="49" charset="0"/>
-              </a:rPr>
-              <a:t>5 </a:t>
-            </a:r>
-            <a:r>
-              <a:rPr lang="en-US" altLang="zh-CN" sz="2400" b="1" dirty="0">
-                <a:solidFill>
-                  <a:srgbClr val="A71D5D"/>
-                </a:solidFill>
-                <a:effectLst/>
-                <a:latin typeface="Consolas" panose="020B0609020204030204" pitchFamily="49" charset="0"/>
-              </a:rPr>
-              <a:t>% </a:t>
-            </a:r>
-            <a:r>
-              <a:rPr lang="en-US" altLang="zh-CN" sz="2400" b="1" dirty="0">
-                <a:solidFill>
-                  <a:srgbClr val="2E6446"/>
-                </a:solidFill>
-                <a:effectLst/>
-                <a:latin typeface="Consolas" panose="020B0609020204030204" pitchFamily="49" charset="0"/>
-              </a:rPr>
-              <a:t>2</a:t>
-            </a:r>
-            <a:r>
-              <a:rPr lang="en-US" altLang="zh-CN" sz="2400" b="1" dirty="0">
-                <a:solidFill>
-                  <a:srgbClr val="3F9101"/>
-                </a:solidFill>
-                <a:effectLst/>
-                <a:latin typeface="Consolas" panose="020B0609020204030204" pitchFamily="49" charset="0"/>
-              </a:rPr>
-              <a:t>)</a:t>
-            </a:r>
-            <a:br>
-              <a:rPr lang="en-US" altLang="zh-CN" sz="2400" b="1" dirty="0">
-                <a:solidFill>
-                  <a:srgbClr val="3F9101"/>
-                </a:solidFill>
-                <a:effectLst/>
-                <a:latin typeface="Consolas" panose="020B0609020204030204" pitchFamily="49" charset="0"/>
-              </a:rPr>
-            </a:br>
-            <a:endParaRPr lang="en-US" altLang="zh-CN" sz="2400" b="1" dirty="0">
-              <a:solidFill>
-                <a:srgbClr val="333333"/>
-              </a:solidFill>
-              <a:effectLst/>
-              <a:latin typeface="Consolas" panose="020B0609020204030204" pitchFamily="49" charset="0"/>
-            </a:endParaRPr>
-          </a:p>
-        </p:txBody>
-      </p:sp>
-      <p:sp>
-        <p:nvSpPr>
-          <p:cNvPr id="5" name="文本框 4">
-            <a:extLst>
-              <a:ext uri="{FF2B5EF4-FFF2-40B4-BE49-F238E27FC236}">
-                <a16:creationId xmlns:a16="http://schemas.microsoft.com/office/drawing/2014/main" id="{B7A8CE03-6A77-60EC-056E-D7A0019640A3}"/>
-              </a:ext>
-            </a:extLst>
-          </p:cNvPr>
-          <p:cNvSpPr txBox="1"/>
-          <p:nvPr/>
-        </p:nvSpPr>
-        <p:spPr>
-          <a:xfrm>
-            <a:off x="7356476" y="4412579"/>
-            <a:ext cx="3390898" cy="1938992"/>
-          </a:xfrm>
-          <a:prstGeom prst="rect">
-            <a:avLst/>
-          </a:prstGeom>
-          <a:noFill/>
-          <a:ln>
-            <a:solidFill>
-              <a:schemeClr val="bg2"/>
-            </a:solidFill>
-          </a:ln>
-        </p:spPr>
-        <p:txBody>
-          <a:bodyPr wrap="square">
-            <a:spAutoFit/>
-          </a:bodyPr>
-          <a:lstStyle/>
-          <a:p>
-            <a:r>
-              <a:rPr lang="zh-CN" altLang="en-US" sz="2400" b="1" dirty="0">
-                <a:solidFill>
-                  <a:srgbClr val="333333"/>
-                </a:solidFill>
-                <a:highlight>
-                  <a:srgbClr val="C0C0C0"/>
-                </a:highlight>
-                <a:latin typeface="Consolas" panose="020B0609020204030204" pitchFamily="49" charset="0"/>
-              </a:rPr>
-              <a:t>运行结果</a:t>
-            </a:r>
-            <a:endParaRPr lang="en-US" altLang="zh-CN" sz="2400" b="1" dirty="0">
-              <a:solidFill>
-                <a:srgbClr val="333333"/>
-              </a:solidFill>
-              <a:highlight>
-                <a:srgbClr val="C0C0C0"/>
-              </a:highlight>
-              <a:latin typeface="Consolas" panose="020B0609020204030204" pitchFamily="49" charset="0"/>
-            </a:endParaRPr>
-          </a:p>
-          <a:p>
-            <a:r>
-              <a:rPr lang="da-DK" altLang="zh-CN" sz="2400" dirty="0">
-                <a:solidFill>
-                  <a:srgbClr val="333333"/>
-                </a:solidFill>
-                <a:effectLst/>
-                <a:latin typeface="Consolas" panose="020B0609020204030204" pitchFamily="49" charset="0"/>
-              </a:rPr>
-              <a:t>1 1000000 1.5</a:t>
-            </a:r>
-          </a:p>
-          <a:p>
-            <a:r>
-              <a:rPr lang="da-DK" altLang="zh-CN" sz="2400" dirty="0">
-                <a:solidFill>
-                  <a:srgbClr val="333333"/>
-                </a:solidFill>
-                <a:effectLst/>
-                <a:latin typeface="Consolas" panose="020B0609020204030204" pitchFamily="49" charset="0"/>
-              </a:rPr>
-              <a:t>True False</a:t>
-            </a:r>
-          </a:p>
-          <a:p>
-            <a:r>
-              <a:rPr lang="da-DK" altLang="zh-CN" sz="2400" dirty="0">
-                <a:solidFill>
-                  <a:srgbClr val="333333"/>
-                </a:solidFill>
-                <a:effectLst/>
-                <a:latin typeface="Consolas" panose="020B0609020204030204" pitchFamily="49" charset="0"/>
-              </a:rPr>
-              <a:t>2 2.0 2.0</a:t>
-            </a:r>
-          </a:p>
-          <a:p>
-            <a:r>
-              <a:rPr lang="da-DK" altLang="zh-CN" sz="2400" dirty="0">
-                <a:solidFill>
-                  <a:srgbClr val="333333"/>
-                </a:solidFill>
-                <a:effectLst/>
-                <a:latin typeface="Consolas" panose="020B0609020204030204" pitchFamily="49" charset="0"/>
-              </a:rPr>
-              <a:t>9 1.5 1 1</a:t>
-            </a:r>
-            <a:endParaRPr lang="pl-PL" altLang="zh-CN" sz="2400" dirty="0">
-              <a:solidFill>
-                <a:srgbClr val="333333"/>
-              </a:solidFill>
-              <a:effectLst/>
-              <a:latin typeface="Consolas" panose="020B0609020204030204" pitchFamily="49" charset="0"/>
-            </a:endParaRPr>
+            <a:pPr marL="0" indent="0">
+              <a:buNone/>
+            </a:pPr>
+            <a:endParaRPr lang="en-US" altLang="zh-CN" sz="2400" u="sng" dirty="0"/>
           </a:p>
         </p:txBody>
       </p:sp>
     </p:spTree>
     <p:extLst>
       <p:ext uri="{BB962C8B-B14F-4D97-AF65-F5344CB8AC3E}">
-        <p14:creationId xmlns:p14="http://schemas.microsoft.com/office/powerpoint/2010/main" val="1500820250"/>
+        <p14:creationId xmlns:p14="http://schemas.microsoft.com/office/powerpoint/2010/main" val="3425609953"/>
       </p:ext>
     </p:extLst>
   </p:cSld>
   <p:clrMapOvr>
     <a:masterClrMapping/>
   </p:clrMapOvr>
-  <p:timing>
-    <p:tnLst>
-      <p:par>
-        <p:cTn id="1" dur="indefinite" restart="never" nodeType="tmRoot">
-          <p:childTnLst>
-            <p:seq concurrent="1" nextAc="seek">
-              <p:cTn id="2" dur="indefinite" nodeType="mainSeq">
-                <p:childTnLst>
-                  <p:par>
-                    <p:cTn id="3" fill="hold">
-                      <p:stCondLst>
-                        <p:cond delay="indefinite"/>
-                      </p:stCondLst>
-                      <p:childTnLst>
-                        <p:par>
-                          <p:cTn id="4" fill="hold">
-                            <p:stCondLst>
-                              <p:cond delay="0"/>
-                            </p:stCondLst>
-                            <p:childTnLst>
-                              <p:par>
-                                <p:cTn id="5" presetID="1" presetClass="entr" presetSubtype="0" fill="hold" grpId="0" nodeType="clickEffect">
-                                  <p:stCondLst>
-                                    <p:cond delay="0"/>
-                                  </p:stCondLst>
-                                  <p:childTnLst>
-                                    <p:set>
-                                      <p:cBhvr>
-                                        <p:cTn id="6" dur="1" fill="hold">
-                                          <p:stCondLst>
-                                            <p:cond delay="0"/>
-                                          </p:stCondLst>
-                                        </p:cTn>
-                                        <p:tgtEl>
-                                          <p:spTgt spid="5"/>
-                                        </p:tgtEl>
-                                        <p:attrNameLst>
-                                          <p:attrName>style.visibility</p:attrName>
-                                        </p:attrNameLst>
-                                      </p:cBhvr>
-                                      <p:to>
-                                        <p:strVal val="visible"/>
-                                      </p:to>
-                                    </p:set>
-                                  </p:childTnLst>
-                                </p:cTn>
-                              </p:par>
-                            </p:childTnLst>
-                          </p:cTn>
-                        </p:par>
-                      </p:childTnLst>
-                    </p:cTn>
-                  </p:par>
-                </p:childTnLst>
-              </p:cTn>
-              <p:prevCondLst>
-                <p:cond evt="onPrev" delay="0">
-                  <p:tgtEl>
-                    <p:sldTgt/>
-                  </p:tgtEl>
-                </p:cond>
-              </p:prevCondLst>
-              <p:nextCondLst>
-                <p:cond evt="onNext" delay="0">
-                  <p:tgtEl>
-                    <p:sldTgt/>
-                  </p:tgtEl>
-                </p:cond>
-              </p:nextCondLst>
-            </p:seq>
-          </p:childTnLst>
-        </p:cTn>
-      </p:par>
-    </p:tnLst>
-    <p:bldLst>
-      <p:bldP spid="5" grpId="0" animBg="1"/>
-    </p:bldLst>
-  </p:timing>
+  <mc:AlternateContent xmlns:mc="http://schemas.openxmlformats.org/markup-compatibility/2006" xmlns:p14="http://schemas.microsoft.com/office/powerpoint/2010/main">
+    <mc:Choice Requires="p14">
+      <p:transition spd="med" p14:dur="700">
+        <p:fade/>
+      </p:transition>
+    </mc:Choice>
+    <mc:Fallback xmlns="">
+      <p:transition spd="med">
+        <p:fade/>
+      </p:transition>
+    </mc:Fallback>
+  </mc:AlternateContent>
 </p:sld>
 </file>
 
@@ -9060,7 +9854,13 @@
   <p:cSld>
     <p:spTree>
       <p:nvGrpSpPr>
-        <p:cNvPr id="1" name=""/>
+        <p:cNvPr id="1" name="">
+          <a:extLst>
+            <a:ext uri="{FF2B5EF4-FFF2-40B4-BE49-F238E27FC236}">
+              <a16:creationId xmlns:a16="http://schemas.microsoft.com/office/drawing/2014/main" id="{D327440E-9FE8-A1CB-71C1-97BFEDEE2E75}"/>
+            </a:ext>
+          </a:extLst>
+        </p:cNvPr>
         <p:cNvGrpSpPr/>
         <p:nvPr/>
       </p:nvGrpSpPr>
@@ -9074,18 +9874,18 @@
       </p:grpSpPr>
       <p:sp>
         <p:nvSpPr>
-          <p:cNvPr id="2" name="标题 1">
-            <a:extLst>
-              <a:ext uri="{FF2B5EF4-FFF2-40B4-BE49-F238E27FC236}">
-                <a16:creationId xmlns:a16="http://schemas.microsoft.com/office/drawing/2014/main" id="{BAD162F0-2175-84E9-2387-55F669162449}"/>
-              </a:ext>
-            </a:extLst>
-          </p:cNvPr>
-          <p:cNvSpPr>
-            <a:spLocks noGrp="1"/>
-          </p:cNvSpPr>
-          <p:nvPr>
-            <p:ph type="title"/>
+          <p:cNvPr id="3" name="内容占位符 2">
+            <a:extLst>
+              <a:ext uri="{FF2B5EF4-FFF2-40B4-BE49-F238E27FC236}">
+                <a16:creationId xmlns:a16="http://schemas.microsoft.com/office/drawing/2014/main" id="{D9146D30-7D45-F120-11E8-AC0D25CE1E9A}"/>
+              </a:ext>
+            </a:extLst>
+          </p:cNvPr>
+          <p:cNvSpPr>
+            <a:spLocks noGrp="1"/>
+          </p:cNvSpPr>
+          <p:nvPr>
+            <p:ph idx="1"/>
           </p:nvPr>
         </p:nvSpPr>
         <p:spPr/>
@@ -9095,823 +9895,105 @@
           </a:bodyPr>
           <a:lstStyle/>
           <a:p>
+            <a:pPr marL="0" indent="0">
+              <a:buNone/>
+            </a:pPr>
+            <a:r>
+              <a:rPr lang="zh-CN" altLang="en-US" dirty="0"/>
+              <a:t>本节将添加一个 </a:t>
+            </a:r>
             <a:r>
               <a:rPr lang="en-US" altLang="zh-CN" dirty="0"/>
-              <a:t>14.2 </a:t>
+              <a:t>Play </a:t>
             </a:r>
             <a:r>
               <a:rPr lang="zh-CN" altLang="en-US" dirty="0"/>
-              <a:t>提高难度</a:t>
+              <a:t>按钮，它在游戏开始前出现，并在游戏结束后再次出现，让玩家能够开始新游戏。</a:t>
             </a:r>
             <a:endParaRPr lang="en-US" altLang="zh-CN" dirty="0"/>
           </a:p>
-        </p:txBody>
-      </p:sp>
-      <p:sp>
-        <p:nvSpPr>
-          <p:cNvPr id="3" name="内容占位符 2">
-            <a:extLst>
-              <a:ext uri="{FF2B5EF4-FFF2-40B4-BE49-F238E27FC236}">
-                <a16:creationId xmlns:a16="http://schemas.microsoft.com/office/drawing/2014/main" id="{0E2FC508-1AFD-A957-52F2-FA1DEF2A9D27}"/>
-              </a:ext>
-            </a:extLst>
-          </p:cNvPr>
-          <p:cNvSpPr>
-            <a:spLocks noGrp="1"/>
-          </p:cNvSpPr>
-          <p:nvPr>
-            <p:ph sz="half" idx="1"/>
+          <a:p>
+            <a:pPr marL="0" indent="0">
+              <a:buNone/>
+            </a:pPr>
+            <a:endParaRPr lang="en-US" altLang="zh-CN" sz="2400" u="sng" dirty="0"/>
+          </a:p>
+          <a:p>
+            <a:pPr marL="0" indent="0">
+              <a:buNone/>
+            </a:pPr>
+            <a:r>
+              <a:rPr lang="zh-CN" altLang="en-US" dirty="0"/>
+              <a:t>相关的代码可见原书</a:t>
+            </a:r>
+            <a:r>
+              <a:rPr lang="en-US" altLang="zh-CN" dirty="0"/>
+              <a:t> 14.1.1~14.1.6 </a:t>
+            </a:r>
+            <a:r>
+              <a:rPr lang="zh-CN" altLang="en-US" dirty="0"/>
+              <a:t>小节。</a:t>
+            </a:r>
+            <a:endParaRPr lang="en-US" altLang="zh-CN" dirty="0"/>
+          </a:p>
+          <a:p>
+            <a:pPr marL="0" indent="0">
+              <a:buNone/>
+            </a:pPr>
+            <a:endParaRPr lang="en-US" altLang="zh-CN" dirty="0"/>
+          </a:p>
+        </p:txBody>
+      </p:sp>
+      <p:sp>
+        <p:nvSpPr>
+          <p:cNvPr id="5" name="标题 4">
+            <a:extLst>
+              <a:ext uri="{FF2B5EF4-FFF2-40B4-BE49-F238E27FC236}">
+                <a16:creationId xmlns:a16="http://schemas.microsoft.com/office/drawing/2014/main" id="{A00A4FEA-9421-97E2-9CFE-47E08F40F4C9}"/>
+              </a:ext>
+            </a:extLst>
+          </p:cNvPr>
+          <p:cNvSpPr>
+            <a:spLocks noGrp="1"/>
+          </p:cNvSpPr>
+          <p:nvPr>
+            <p:ph type="title"/>
           </p:nvPr>
         </p:nvSpPr>
         <p:spPr/>
         <p:txBody>
-          <a:bodyPr>
-            <a:normAutofit/>
-          </a:bodyPr>
+          <a:bodyPr/>
           <a:lstStyle/>
           <a:p>
-            <a:endParaRPr lang="zh-CN" altLang="en-US" dirty="0"/>
-          </a:p>
-        </p:txBody>
-      </p:sp>
-      <p:sp>
-        <p:nvSpPr>
-          <p:cNvPr id="7" name="文本框 6">
-            <a:extLst>
-              <a:ext uri="{FF2B5EF4-FFF2-40B4-BE49-F238E27FC236}">
-                <a16:creationId xmlns:a16="http://schemas.microsoft.com/office/drawing/2014/main" id="{12C899D8-51C5-D9B7-A323-E6EFE4AB5C33}"/>
-              </a:ext>
-            </a:extLst>
-          </p:cNvPr>
-          <p:cNvSpPr txBox="1"/>
-          <p:nvPr/>
-        </p:nvSpPr>
-        <p:spPr>
-          <a:xfrm>
-            <a:off x="5994400" y="1904003"/>
-            <a:ext cx="6115050" cy="2308324"/>
-          </a:xfrm>
-          <a:prstGeom prst="rect">
-            <a:avLst/>
-          </a:prstGeom>
-          <a:noFill/>
-          <a:ln>
-            <a:solidFill>
-              <a:schemeClr val="bg2"/>
-            </a:solidFill>
-          </a:ln>
-        </p:spPr>
-        <p:txBody>
-          <a:bodyPr wrap="square">
-            <a:spAutoFit/>
-          </a:bodyPr>
-          <a:lstStyle/>
-          <a:p>
-            <a:r>
-              <a:rPr lang="en-US" altLang="zh-CN" sz="2400" b="1" dirty="0">
-                <a:solidFill>
-                  <a:srgbClr val="0200BD"/>
-                </a:solidFill>
-                <a:effectLst/>
-                <a:latin typeface="Consolas" panose="020B0609020204030204" pitchFamily="49" charset="0"/>
-              </a:rPr>
-              <a:t>print</a:t>
-            </a:r>
-            <a:r>
-              <a:rPr lang="en-US" altLang="zh-CN" sz="2400" b="1" dirty="0">
-                <a:solidFill>
-                  <a:srgbClr val="3F9101"/>
-                </a:solidFill>
-                <a:effectLst/>
-                <a:latin typeface="Consolas" panose="020B0609020204030204" pitchFamily="49" charset="0"/>
-              </a:rPr>
-              <a:t>(</a:t>
-            </a:r>
-            <a:r>
-              <a:rPr lang="en-US" altLang="zh-CN" sz="2400" b="1" dirty="0">
-                <a:solidFill>
-                  <a:srgbClr val="2E6446"/>
-                </a:solidFill>
-                <a:effectLst/>
-                <a:latin typeface="Consolas" panose="020B0609020204030204" pitchFamily="49" charset="0"/>
-              </a:rPr>
-              <a:t>1</a:t>
-            </a:r>
-            <a:r>
-              <a:rPr lang="en-US" altLang="zh-CN" sz="2400" b="1" dirty="0">
-                <a:solidFill>
-                  <a:srgbClr val="63A35C"/>
-                </a:solidFill>
-                <a:effectLst/>
-                <a:latin typeface="Consolas" panose="020B0609020204030204" pitchFamily="49" charset="0"/>
-              </a:rPr>
-              <a:t>, </a:t>
-            </a:r>
-            <a:r>
-              <a:rPr lang="en-US" altLang="zh-CN" sz="2400" b="1" dirty="0">
-                <a:solidFill>
-                  <a:srgbClr val="2E6446"/>
-                </a:solidFill>
-                <a:effectLst/>
-                <a:latin typeface="Consolas" panose="020B0609020204030204" pitchFamily="49" charset="0"/>
-              </a:rPr>
-              <a:t>1_000_000</a:t>
-            </a:r>
-            <a:r>
-              <a:rPr lang="en-US" altLang="zh-CN" sz="2400" b="1" dirty="0">
-                <a:solidFill>
-                  <a:srgbClr val="63A35C"/>
-                </a:solidFill>
-                <a:effectLst/>
-                <a:latin typeface="Consolas" panose="020B0609020204030204" pitchFamily="49" charset="0"/>
-              </a:rPr>
-              <a:t>, </a:t>
-            </a:r>
-            <a:r>
-              <a:rPr lang="en-US" altLang="zh-CN" sz="2400" b="1" dirty="0">
-                <a:solidFill>
-                  <a:srgbClr val="2E6446"/>
-                </a:solidFill>
-                <a:effectLst/>
-                <a:latin typeface="Consolas" panose="020B0609020204030204" pitchFamily="49" charset="0"/>
-              </a:rPr>
-              <a:t>1.5</a:t>
-            </a:r>
-            <a:r>
-              <a:rPr lang="en-US" altLang="zh-CN" sz="2400" b="1" dirty="0">
-                <a:solidFill>
-                  <a:srgbClr val="3F9101"/>
-                </a:solidFill>
-                <a:effectLst/>
-                <a:latin typeface="Consolas" panose="020B0609020204030204" pitchFamily="49" charset="0"/>
-              </a:rPr>
-              <a:t>)</a:t>
-            </a:r>
-          </a:p>
-          <a:p>
-            <a:r>
-              <a:rPr lang="en-US" altLang="zh-CN" sz="2400" b="1" dirty="0">
-                <a:solidFill>
-                  <a:srgbClr val="0200BD"/>
-                </a:solidFill>
-                <a:effectLst/>
-                <a:latin typeface="Consolas" panose="020B0609020204030204" pitchFamily="49" charset="0"/>
-              </a:rPr>
-              <a:t>print</a:t>
-            </a:r>
-            <a:r>
-              <a:rPr lang="en-US" altLang="zh-CN" sz="2400" b="1" dirty="0">
-                <a:solidFill>
-                  <a:srgbClr val="3F9101"/>
-                </a:solidFill>
-                <a:effectLst/>
-                <a:latin typeface="Consolas" panose="020B0609020204030204" pitchFamily="49" charset="0"/>
-              </a:rPr>
-              <a:t>(</a:t>
-            </a:r>
-            <a:r>
-              <a:rPr lang="en-US" altLang="zh-CN" sz="2400" b="1" dirty="0">
-                <a:solidFill>
-                  <a:srgbClr val="9E58A3"/>
-                </a:solidFill>
-                <a:effectLst/>
-                <a:latin typeface="Consolas" panose="020B0609020204030204" pitchFamily="49" charset="0"/>
-              </a:rPr>
-              <a:t>True</a:t>
-            </a:r>
-            <a:r>
-              <a:rPr lang="en-US" altLang="zh-CN" sz="2400" b="1" dirty="0">
-                <a:solidFill>
-                  <a:srgbClr val="63A35C"/>
-                </a:solidFill>
-                <a:effectLst/>
-                <a:latin typeface="Consolas" panose="020B0609020204030204" pitchFamily="49" charset="0"/>
-              </a:rPr>
-              <a:t>, </a:t>
-            </a:r>
-            <a:r>
-              <a:rPr lang="en-US" altLang="zh-CN" sz="2400" b="1" dirty="0">
-                <a:solidFill>
-                  <a:srgbClr val="9E58A3"/>
-                </a:solidFill>
-                <a:effectLst/>
-                <a:latin typeface="Consolas" panose="020B0609020204030204" pitchFamily="49" charset="0"/>
-              </a:rPr>
-              <a:t>False</a:t>
-            </a:r>
-            <a:r>
-              <a:rPr lang="en-US" altLang="zh-CN" sz="2400" b="1" dirty="0">
-                <a:solidFill>
-                  <a:srgbClr val="3F9101"/>
-                </a:solidFill>
-                <a:effectLst/>
-                <a:latin typeface="Consolas" panose="020B0609020204030204" pitchFamily="49" charset="0"/>
-              </a:rPr>
-              <a:t>)  </a:t>
-            </a:r>
-            <a:r>
-              <a:rPr lang="en-US" altLang="zh-CN" sz="2400" b="1" dirty="0">
-                <a:solidFill>
-                  <a:srgbClr val="A05830"/>
-                </a:solidFill>
-                <a:effectLst/>
-                <a:latin typeface="Consolas" panose="020B0609020204030204" pitchFamily="49" charset="0"/>
-              </a:rPr>
-              <a:t># </a:t>
-            </a:r>
-            <a:r>
-              <a:rPr lang="zh-CN" altLang="en-US" sz="2400" b="1" dirty="0">
-                <a:solidFill>
-                  <a:srgbClr val="A05830"/>
-                </a:solidFill>
-                <a:effectLst/>
-                <a:latin typeface="宋体" panose="02010600030101010101" pitchFamily="2" charset="-122"/>
-                <a:ea typeface="宋体" panose="02010600030101010101" pitchFamily="2" charset="-122"/>
-              </a:rPr>
-              <a:t>布尔值</a:t>
-            </a:r>
-            <a:endParaRPr lang="en-US" altLang="zh-CN" sz="2400" b="1" dirty="0">
-              <a:solidFill>
-                <a:srgbClr val="A05830"/>
-              </a:solidFill>
-              <a:effectLst/>
-              <a:latin typeface="宋体" panose="02010600030101010101" pitchFamily="2" charset="-122"/>
-              <a:ea typeface="宋体" panose="02010600030101010101" pitchFamily="2" charset="-122"/>
-            </a:endParaRPr>
-          </a:p>
-          <a:p>
-            <a:r>
-              <a:rPr lang="en-US" altLang="zh-CN" sz="2400" b="1" dirty="0">
-                <a:solidFill>
-                  <a:srgbClr val="0200BD"/>
-                </a:solidFill>
-                <a:effectLst/>
-                <a:latin typeface="Consolas" panose="020B0609020204030204" pitchFamily="49" charset="0"/>
-              </a:rPr>
-              <a:t>print</a:t>
-            </a:r>
-            <a:r>
-              <a:rPr lang="en-US" altLang="zh-CN" sz="2400" b="1" dirty="0">
-                <a:solidFill>
-                  <a:srgbClr val="3F9101"/>
-                </a:solidFill>
-                <a:effectLst/>
-                <a:latin typeface="Consolas" panose="020B0609020204030204" pitchFamily="49" charset="0"/>
-              </a:rPr>
-              <a:t>(</a:t>
-            </a:r>
-            <a:r>
-              <a:rPr lang="en-US" altLang="zh-CN" sz="2400" b="1" dirty="0">
-                <a:solidFill>
-                  <a:srgbClr val="2E6446"/>
-                </a:solidFill>
-                <a:effectLst/>
-                <a:latin typeface="Consolas" panose="020B0609020204030204" pitchFamily="49" charset="0"/>
-              </a:rPr>
-              <a:t>1 </a:t>
-            </a:r>
-            <a:r>
-              <a:rPr lang="en-US" altLang="zh-CN" sz="2400" b="1" dirty="0">
-                <a:solidFill>
-                  <a:srgbClr val="A71D5D"/>
-                </a:solidFill>
-                <a:effectLst/>
-                <a:latin typeface="Consolas" panose="020B0609020204030204" pitchFamily="49" charset="0"/>
-              </a:rPr>
-              <a:t>+ </a:t>
-            </a:r>
-            <a:r>
-              <a:rPr lang="en-US" altLang="zh-CN" sz="2400" b="1" dirty="0">
-                <a:solidFill>
-                  <a:srgbClr val="2E6446"/>
-                </a:solidFill>
-                <a:effectLst/>
-                <a:latin typeface="Consolas" panose="020B0609020204030204" pitchFamily="49" charset="0"/>
-              </a:rPr>
-              <a:t>1</a:t>
-            </a:r>
-            <a:r>
-              <a:rPr lang="en-US" altLang="zh-CN" sz="2400" b="1" dirty="0">
-                <a:solidFill>
-                  <a:srgbClr val="63A35C"/>
-                </a:solidFill>
-                <a:effectLst/>
-                <a:latin typeface="Consolas" panose="020B0609020204030204" pitchFamily="49" charset="0"/>
-              </a:rPr>
-              <a:t>, </a:t>
-            </a:r>
-            <a:r>
-              <a:rPr lang="en-US" altLang="zh-CN" sz="2400" b="1" dirty="0">
-                <a:solidFill>
-                  <a:srgbClr val="2E6446"/>
-                </a:solidFill>
-                <a:effectLst/>
-                <a:latin typeface="Consolas" panose="020B0609020204030204" pitchFamily="49" charset="0"/>
-              </a:rPr>
-              <a:t>1.0 </a:t>
-            </a:r>
-            <a:r>
-              <a:rPr lang="en-US" altLang="zh-CN" sz="2400" b="1" dirty="0">
-                <a:solidFill>
-                  <a:srgbClr val="A71D5D"/>
-                </a:solidFill>
-                <a:effectLst/>
-                <a:latin typeface="Consolas" panose="020B0609020204030204" pitchFamily="49" charset="0"/>
-              </a:rPr>
-              <a:t>+ </a:t>
-            </a:r>
-            <a:r>
-              <a:rPr lang="en-US" altLang="zh-CN" sz="2400" b="1" dirty="0">
-                <a:solidFill>
-                  <a:srgbClr val="2E6446"/>
-                </a:solidFill>
-                <a:effectLst/>
-                <a:latin typeface="Consolas" panose="020B0609020204030204" pitchFamily="49" charset="0"/>
-              </a:rPr>
-              <a:t>1.0</a:t>
-            </a:r>
-            <a:r>
-              <a:rPr lang="en-US" altLang="zh-CN" sz="2400" b="1" dirty="0">
-                <a:solidFill>
-                  <a:srgbClr val="63A35C"/>
-                </a:solidFill>
-                <a:effectLst/>
-                <a:latin typeface="Consolas" panose="020B0609020204030204" pitchFamily="49" charset="0"/>
-              </a:rPr>
-              <a:t>, </a:t>
-            </a:r>
-            <a:r>
-              <a:rPr lang="en-US" altLang="zh-CN" sz="2400" b="1" dirty="0">
-                <a:solidFill>
-                  <a:srgbClr val="2E6446"/>
-                </a:solidFill>
-                <a:effectLst/>
-                <a:latin typeface="Consolas" panose="020B0609020204030204" pitchFamily="49" charset="0"/>
-              </a:rPr>
-              <a:t>1 </a:t>
-            </a:r>
-            <a:r>
-              <a:rPr lang="en-US" altLang="zh-CN" sz="2400" b="1" dirty="0">
-                <a:solidFill>
-                  <a:srgbClr val="A71D5D"/>
-                </a:solidFill>
-                <a:effectLst/>
-                <a:latin typeface="Consolas" panose="020B0609020204030204" pitchFamily="49" charset="0"/>
-              </a:rPr>
-              <a:t>+ </a:t>
-            </a:r>
-            <a:r>
-              <a:rPr lang="en-US" altLang="zh-CN" sz="2400" b="1" dirty="0">
-                <a:solidFill>
-                  <a:srgbClr val="2E6446"/>
-                </a:solidFill>
-                <a:effectLst/>
-                <a:latin typeface="Consolas" panose="020B0609020204030204" pitchFamily="49" charset="0"/>
-              </a:rPr>
-              <a:t>1.0</a:t>
-            </a:r>
-            <a:r>
-              <a:rPr lang="en-US" altLang="zh-CN" sz="2400" b="1" dirty="0">
-                <a:solidFill>
-                  <a:srgbClr val="3F9101"/>
-                </a:solidFill>
-                <a:effectLst/>
-                <a:latin typeface="Consolas" panose="020B0609020204030204" pitchFamily="49" charset="0"/>
-              </a:rPr>
-              <a:t>)</a:t>
-            </a:r>
-          </a:p>
-          <a:p>
-            <a:r>
-              <a:rPr lang="en-US" altLang="zh-CN" sz="2400" b="1" dirty="0">
-                <a:solidFill>
-                  <a:srgbClr val="A05830"/>
-                </a:solidFill>
-                <a:effectLst/>
-                <a:latin typeface="Consolas" panose="020B0609020204030204" pitchFamily="49" charset="0"/>
-              </a:rPr>
-              <a:t># </a:t>
-            </a:r>
-            <a:r>
-              <a:rPr lang="zh-CN" altLang="en-US" sz="2400" b="1" dirty="0">
-                <a:solidFill>
-                  <a:srgbClr val="A05830"/>
-                </a:solidFill>
-                <a:effectLst/>
-                <a:latin typeface="宋体" panose="02010600030101010101" pitchFamily="2" charset="-122"/>
-                <a:ea typeface="宋体" panose="02010600030101010101" pitchFamily="2" charset="-122"/>
-              </a:rPr>
-              <a:t>乘方、除法、整除法（向下取整）和求模</a:t>
-            </a:r>
-            <a:br>
-              <a:rPr lang="zh-CN" altLang="en-US" sz="2400" b="1" dirty="0">
-                <a:solidFill>
-                  <a:srgbClr val="A05830"/>
-                </a:solidFill>
-                <a:effectLst/>
-                <a:latin typeface="宋体" panose="02010600030101010101" pitchFamily="2" charset="-122"/>
-                <a:ea typeface="宋体" panose="02010600030101010101" pitchFamily="2" charset="-122"/>
-              </a:rPr>
-            </a:br>
-            <a:r>
-              <a:rPr lang="en-US" altLang="zh-CN" sz="2400" b="1" dirty="0">
-                <a:solidFill>
-                  <a:srgbClr val="0200BD"/>
-                </a:solidFill>
-                <a:effectLst/>
-                <a:latin typeface="Consolas" panose="020B0609020204030204" pitchFamily="49" charset="0"/>
-              </a:rPr>
-              <a:t>print</a:t>
-            </a:r>
-            <a:r>
-              <a:rPr lang="en-US" altLang="zh-CN" sz="2400" b="1" dirty="0">
-                <a:solidFill>
-                  <a:srgbClr val="3F9101"/>
-                </a:solidFill>
-                <a:effectLst/>
-                <a:latin typeface="Consolas" panose="020B0609020204030204" pitchFamily="49" charset="0"/>
-              </a:rPr>
-              <a:t>(</a:t>
-            </a:r>
-            <a:r>
-              <a:rPr lang="en-US" altLang="zh-CN" sz="2400" b="1" dirty="0">
-                <a:solidFill>
-                  <a:srgbClr val="2E6446"/>
-                </a:solidFill>
-                <a:effectLst/>
-                <a:latin typeface="Consolas" panose="020B0609020204030204" pitchFamily="49" charset="0"/>
-              </a:rPr>
-              <a:t>3 </a:t>
-            </a:r>
-            <a:r>
-              <a:rPr lang="en-US" altLang="zh-CN" sz="2400" b="1" dirty="0">
-                <a:solidFill>
-                  <a:srgbClr val="A71D5D"/>
-                </a:solidFill>
-                <a:effectLst/>
-                <a:latin typeface="Consolas" panose="020B0609020204030204" pitchFamily="49" charset="0"/>
-              </a:rPr>
-              <a:t>** </a:t>
-            </a:r>
-            <a:r>
-              <a:rPr lang="en-US" altLang="zh-CN" sz="2400" b="1" dirty="0">
-                <a:solidFill>
-                  <a:srgbClr val="2E6446"/>
-                </a:solidFill>
-                <a:effectLst/>
-                <a:latin typeface="Consolas" panose="020B0609020204030204" pitchFamily="49" charset="0"/>
-              </a:rPr>
-              <a:t>2</a:t>
-            </a:r>
-            <a:r>
-              <a:rPr lang="en-US" altLang="zh-CN" sz="2400" b="1" dirty="0">
-                <a:solidFill>
-                  <a:srgbClr val="63A35C"/>
-                </a:solidFill>
-                <a:effectLst/>
-                <a:latin typeface="Consolas" panose="020B0609020204030204" pitchFamily="49" charset="0"/>
-              </a:rPr>
-              <a:t>, </a:t>
-            </a:r>
-            <a:r>
-              <a:rPr lang="en-US" altLang="zh-CN" sz="2400" b="1" dirty="0">
-                <a:solidFill>
-                  <a:srgbClr val="2E6446"/>
-                </a:solidFill>
-                <a:effectLst/>
-                <a:latin typeface="Consolas" panose="020B0609020204030204" pitchFamily="49" charset="0"/>
-              </a:rPr>
-              <a:t>3 </a:t>
-            </a:r>
-            <a:r>
-              <a:rPr lang="en-US" altLang="zh-CN" sz="2400" b="1" dirty="0">
-                <a:solidFill>
-                  <a:srgbClr val="A71D5D"/>
-                </a:solidFill>
-                <a:effectLst/>
-                <a:latin typeface="Consolas" panose="020B0609020204030204" pitchFamily="49" charset="0"/>
-              </a:rPr>
-              <a:t>/ </a:t>
-            </a:r>
-            <a:r>
-              <a:rPr lang="en-US" altLang="zh-CN" sz="2400" b="1" dirty="0">
-                <a:solidFill>
-                  <a:srgbClr val="2E6446"/>
-                </a:solidFill>
-                <a:effectLst/>
-                <a:latin typeface="Consolas" panose="020B0609020204030204" pitchFamily="49" charset="0"/>
-              </a:rPr>
-              <a:t>2</a:t>
-            </a:r>
-            <a:r>
-              <a:rPr lang="en-US" altLang="zh-CN" sz="2400" b="1" dirty="0">
-                <a:solidFill>
-                  <a:srgbClr val="63A35C"/>
-                </a:solidFill>
-                <a:effectLst/>
-                <a:latin typeface="Consolas" panose="020B0609020204030204" pitchFamily="49" charset="0"/>
-              </a:rPr>
-              <a:t>, </a:t>
-            </a:r>
-            <a:r>
-              <a:rPr lang="en-US" altLang="zh-CN" sz="2400" b="1" dirty="0">
-                <a:solidFill>
-                  <a:srgbClr val="2E6446"/>
-                </a:solidFill>
-                <a:effectLst/>
-                <a:latin typeface="Consolas" panose="020B0609020204030204" pitchFamily="49" charset="0"/>
-              </a:rPr>
-              <a:t>3 </a:t>
-            </a:r>
-            <a:r>
-              <a:rPr lang="en-US" altLang="zh-CN" sz="2400" b="1" dirty="0">
-                <a:solidFill>
-                  <a:srgbClr val="A71D5D"/>
-                </a:solidFill>
-                <a:effectLst/>
-                <a:latin typeface="Consolas" panose="020B0609020204030204" pitchFamily="49" charset="0"/>
-              </a:rPr>
-              <a:t>// </a:t>
-            </a:r>
-            <a:r>
-              <a:rPr lang="en-US" altLang="zh-CN" sz="2400" b="1" dirty="0">
-                <a:solidFill>
-                  <a:srgbClr val="2E6446"/>
-                </a:solidFill>
-                <a:effectLst/>
-                <a:latin typeface="Consolas" panose="020B0609020204030204" pitchFamily="49" charset="0"/>
-              </a:rPr>
-              <a:t>2</a:t>
-            </a:r>
-            <a:r>
-              <a:rPr lang="en-US" altLang="zh-CN" sz="2400" b="1" dirty="0">
-                <a:solidFill>
-                  <a:srgbClr val="63A35C"/>
-                </a:solidFill>
-                <a:effectLst/>
-                <a:latin typeface="Consolas" panose="020B0609020204030204" pitchFamily="49" charset="0"/>
-              </a:rPr>
-              <a:t>, </a:t>
-            </a:r>
-            <a:r>
-              <a:rPr lang="en-US" altLang="zh-CN" sz="2400" b="1" dirty="0">
-                <a:solidFill>
-                  <a:srgbClr val="2E6446"/>
-                </a:solidFill>
-                <a:effectLst/>
-                <a:latin typeface="Consolas" panose="020B0609020204030204" pitchFamily="49" charset="0"/>
-              </a:rPr>
-              <a:t>5 </a:t>
-            </a:r>
-            <a:r>
-              <a:rPr lang="en-US" altLang="zh-CN" sz="2400" b="1" dirty="0">
-                <a:solidFill>
-                  <a:srgbClr val="A71D5D"/>
-                </a:solidFill>
-                <a:effectLst/>
-                <a:latin typeface="Consolas" panose="020B0609020204030204" pitchFamily="49" charset="0"/>
-              </a:rPr>
-              <a:t>% </a:t>
-            </a:r>
-            <a:r>
-              <a:rPr lang="en-US" altLang="zh-CN" sz="2400" b="1" dirty="0">
-                <a:solidFill>
-                  <a:srgbClr val="2E6446"/>
-                </a:solidFill>
-                <a:effectLst/>
-                <a:latin typeface="Consolas" panose="020B0609020204030204" pitchFamily="49" charset="0"/>
-              </a:rPr>
-              <a:t>2</a:t>
-            </a:r>
-            <a:r>
-              <a:rPr lang="en-US" altLang="zh-CN" sz="2400" b="1" dirty="0">
-                <a:solidFill>
-                  <a:srgbClr val="3F9101"/>
-                </a:solidFill>
-                <a:effectLst/>
-                <a:latin typeface="Consolas" panose="020B0609020204030204" pitchFamily="49" charset="0"/>
-              </a:rPr>
-              <a:t>)</a:t>
-            </a:r>
-            <a:br>
-              <a:rPr lang="en-US" altLang="zh-CN" sz="2400" b="1" dirty="0">
-                <a:solidFill>
-                  <a:srgbClr val="3F9101"/>
-                </a:solidFill>
-                <a:effectLst/>
-                <a:latin typeface="Consolas" panose="020B0609020204030204" pitchFamily="49" charset="0"/>
-              </a:rPr>
-            </a:br>
-            <a:endParaRPr lang="en-US" altLang="zh-CN" sz="2400" b="1" dirty="0">
-              <a:solidFill>
-                <a:srgbClr val="333333"/>
-              </a:solidFill>
-              <a:effectLst/>
-              <a:latin typeface="Consolas" panose="020B0609020204030204" pitchFamily="49" charset="0"/>
-            </a:endParaRPr>
-          </a:p>
-        </p:txBody>
-      </p:sp>
-      <p:sp>
-        <p:nvSpPr>
-          <p:cNvPr id="5" name="文本框 4">
-            <a:extLst>
-              <a:ext uri="{FF2B5EF4-FFF2-40B4-BE49-F238E27FC236}">
-                <a16:creationId xmlns:a16="http://schemas.microsoft.com/office/drawing/2014/main" id="{B7A8CE03-6A77-60EC-056E-D7A0019640A3}"/>
-              </a:ext>
-            </a:extLst>
-          </p:cNvPr>
-          <p:cNvSpPr txBox="1"/>
-          <p:nvPr/>
-        </p:nvSpPr>
-        <p:spPr>
-          <a:xfrm>
-            <a:off x="7356476" y="4412579"/>
-            <a:ext cx="3390898" cy="1938992"/>
-          </a:xfrm>
-          <a:prstGeom prst="rect">
-            <a:avLst/>
-          </a:prstGeom>
-          <a:noFill/>
-          <a:ln>
-            <a:solidFill>
-              <a:schemeClr val="bg2"/>
-            </a:solidFill>
-          </a:ln>
-        </p:spPr>
-        <p:txBody>
-          <a:bodyPr wrap="square">
-            <a:spAutoFit/>
-          </a:bodyPr>
-          <a:lstStyle/>
-          <a:p>
-            <a:r>
-              <a:rPr lang="zh-CN" altLang="en-US" sz="2400" b="1" dirty="0">
-                <a:solidFill>
-                  <a:srgbClr val="333333"/>
-                </a:solidFill>
-                <a:highlight>
-                  <a:srgbClr val="C0C0C0"/>
-                </a:highlight>
-                <a:latin typeface="Consolas" panose="020B0609020204030204" pitchFamily="49" charset="0"/>
-              </a:rPr>
-              <a:t>运行结果</a:t>
-            </a:r>
-            <a:endParaRPr lang="en-US" altLang="zh-CN" sz="2400" b="1" dirty="0">
-              <a:solidFill>
-                <a:srgbClr val="333333"/>
-              </a:solidFill>
-              <a:highlight>
-                <a:srgbClr val="C0C0C0"/>
-              </a:highlight>
-              <a:latin typeface="Consolas" panose="020B0609020204030204" pitchFamily="49" charset="0"/>
-            </a:endParaRPr>
-          </a:p>
-          <a:p>
-            <a:r>
-              <a:rPr lang="da-DK" altLang="zh-CN" sz="2400" dirty="0">
-                <a:solidFill>
-                  <a:srgbClr val="333333"/>
-                </a:solidFill>
-                <a:effectLst/>
-                <a:latin typeface="Consolas" panose="020B0609020204030204" pitchFamily="49" charset="0"/>
-              </a:rPr>
-              <a:t>1 1000000 1.5</a:t>
-            </a:r>
-          </a:p>
-          <a:p>
-            <a:r>
-              <a:rPr lang="da-DK" altLang="zh-CN" sz="2400" dirty="0">
-                <a:solidFill>
-                  <a:srgbClr val="333333"/>
-                </a:solidFill>
-                <a:effectLst/>
-                <a:latin typeface="Consolas" panose="020B0609020204030204" pitchFamily="49" charset="0"/>
-              </a:rPr>
-              <a:t>True False</a:t>
-            </a:r>
-          </a:p>
-          <a:p>
-            <a:r>
-              <a:rPr lang="da-DK" altLang="zh-CN" sz="2400" dirty="0">
-                <a:solidFill>
-                  <a:srgbClr val="333333"/>
-                </a:solidFill>
-                <a:effectLst/>
-                <a:latin typeface="Consolas" panose="020B0609020204030204" pitchFamily="49" charset="0"/>
-              </a:rPr>
-              <a:t>2 2.0 2.0</a:t>
-            </a:r>
-          </a:p>
-          <a:p>
-            <a:r>
-              <a:rPr lang="da-DK" altLang="zh-CN" sz="2400" dirty="0">
-                <a:solidFill>
-                  <a:srgbClr val="333333"/>
-                </a:solidFill>
-                <a:effectLst/>
-                <a:latin typeface="Consolas" panose="020B0609020204030204" pitchFamily="49" charset="0"/>
-              </a:rPr>
-              <a:t>9 1.5 1 1</a:t>
-            </a:r>
-            <a:endParaRPr lang="pl-PL" altLang="zh-CN" sz="2400" dirty="0">
-              <a:solidFill>
-                <a:srgbClr val="333333"/>
-              </a:solidFill>
-              <a:effectLst/>
-              <a:latin typeface="Consolas" panose="020B0609020204030204" pitchFamily="49" charset="0"/>
-            </a:endParaRPr>
+            <a:r>
+              <a:rPr lang="en-US" altLang="zh-CN" dirty="0"/>
+              <a:t>14.1 </a:t>
+            </a:r>
+            <a:r>
+              <a:rPr lang="zh-CN" altLang="en-US" dirty="0"/>
+              <a:t>添加 </a:t>
+            </a:r>
+            <a:r>
+              <a:rPr lang="en-US" altLang="zh-CN" dirty="0"/>
+              <a:t>Play </a:t>
+            </a:r>
+            <a:r>
+              <a:rPr lang="zh-CN" altLang="en-US" dirty="0"/>
+              <a:t>按钮</a:t>
+            </a:r>
           </a:p>
         </p:txBody>
       </p:sp>
     </p:spTree>
     <p:extLst>
       <p:ext uri="{BB962C8B-B14F-4D97-AF65-F5344CB8AC3E}">
-        <p14:creationId xmlns:p14="http://schemas.microsoft.com/office/powerpoint/2010/main" val="3519437269"/>
+        <p14:creationId xmlns:p14="http://schemas.microsoft.com/office/powerpoint/2010/main" val="1760109837"/>
       </p:ext>
     </p:extLst>
   </p:cSld>
   <p:clrMapOvr>
     <a:masterClrMapping/>
   </p:clrMapOvr>
-  <p:timing>
-    <p:tnLst>
-      <p:par>
-        <p:cTn id="1" dur="indefinite" restart="never" nodeType="tmRoot">
-          <p:childTnLst>
-            <p:seq concurrent="1" nextAc="seek">
-              <p:cTn id="2" dur="indefinite" nodeType="mainSeq">
-                <p:childTnLst>
-                  <p:par>
-                    <p:cTn id="3" fill="hold">
-                      <p:stCondLst>
-                        <p:cond delay="indefinite"/>
-                      </p:stCondLst>
-                      <p:childTnLst>
-                        <p:par>
-                          <p:cTn id="4" fill="hold">
-                            <p:stCondLst>
-                              <p:cond delay="0"/>
-                            </p:stCondLst>
-                            <p:childTnLst>
-                              <p:par>
-                                <p:cTn id="5" presetID="1" presetClass="entr" presetSubtype="0" fill="hold" grpId="0" nodeType="clickEffect">
-                                  <p:stCondLst>
-                                    <p:cond delay="0"/>
-                                  </p:stCondLst>
-                                  <p:childTnLst>
-                                    <p:set>
-                                      <p:cBhvr>
-                                        <p:cTn id="6" dur="1" fill="hold">
-                                          <p:stCondLst>
-                                            <p:cond delay="0"/>
-                                          </p:stCondLst>
-                                        </p:cTn>
-                                        <p:tgtEl>
-                                          <p:spTgt spid="5"/>
-                                        </p:tgtEl>
-                                        <p:attrNameLst>
-                                          <p:attrName>style.visibility</p:attrName>
-                                        </p:attrNameLst>
-                                      </p:cBhvr>
-                                      <p:to>
-                                        <p:strVal val="visible"/>
-                                      </p:to>
-                                    </p:set>
-                                  </p:childTnLst>
-                                </p:cTn>
-                              </p:par>
-                            </p:childTnLst>
-                          </p:cTn>
-                        </p:par>
-                      </p:childTnLst>
-                    </p:cTn>
-                  </p:par>
-                </p:childTnLst>
-              </p:cTn>
-              <p:prevCondLst>
-                <p:cond evt="onPrev" delay="0">
-                  <p:tgtEl>
-                    <p:sldTgt/>
-                  </p:tgtEl>
-                </p:cond>
-              </p:prevCondLst>
-              <p:nextCondLst>
-                <p:cond evt="onNext" delay="0">
-                  <p:tgtEl>
-                    <p:sldTgt/>
-                  </p:tgtEl>
-                </p:cond>
-              </p:nextCondLst>
-            </p:seq>
-          </p:childTnLst>
-        </p:cTn>
-      </p:par>
-    </p:tnLst>
-    <p:bldLst>
-      <p:bldP spid="5" grpId="0" animBg="1"/>
-    </p:bldLst>
-  </p:timing>
 </p:sld>
 </file>
 
@@ -9920,7 +10002,13 @@
   <p:cSld>
     <p:spTree>
       <p:nvGrpSpPr>
-        <p:cNvPr id="1" name=""/>
+        <p:cNvPr id="1" name="">
+          <a:extLst>
+            <a:ext uri="{FF2B5EF4-FFF2-40B4-BE49-F238E27FC236}">
+              <a16:creationId xmlns:a16="http://schemas.microsoft.com/office/drawing/2014/main" id="{70109793-5E08-849F-3C45-50E9A9405867}"/>
+            </a:ext>
+          </a:extLst>
+        </p:cNvPr>
         <p:cNvGrpSpPr/>
         <p:nvPr/>
       </p:nvGrpSpPr>
@@ -9932,846 +10020,85 @@
           <a:chExt cx="0" cy="0"/>
         </a:xfrm>
       </p:grpSpPr>
-      <p:sp>
-        <p:nvSpPr>
-          <p:cNvPr id="2" name="标题 1">
-            <a:extLst>
-              <a:ext uri="{FF2B5EF4-FFF2-40B4-BE49-F238E27FC236}">
-                <a16:creationId xmlns:a16="http://schemas.microsoft.com/office/drawing/2014/main" id="{BAD162F0-2175-84E9-2387-55F669162449}"/>
-              </a:ext>
-            </a:extLst>
-          </p:cNvPr>
-          <p:cNvSpPr>
-            <a:spLocks noGrp="1"/>
-          </p:cNvSpPr>
-          <p:nvPr>
-            <p:ph type="title"/>
-          </p:nvPr>
-        </p:nvSpPr>
-        <p:spPr/>
-        <p:txBody>
-          <a:bodyPr>
-            <a:normAutofit/>
-          </a:bodyPr>
-          <a:lstStyle/>
-          <a:p>
-            <a:r>
-              <a:rPr lang="en-US" altLang="zh-CN" dirty="0"/>
-              <a:t>14.3 </a:t>
-            </a:r>
-            <a:r>
-              <a:rPr lang="zh-CN" altLang="en-US"/>
-              <a:t>记分</a:t>
-            </a:r>
-            <a:endParaRPr lang="en-US" altLang="zh-CN" dirty="0"/>
-          </a:p>
-        </p:txBody>
-      </p:sp>
-      <p:sp>
-        <p:nvSpPr>
-          <p:cNvPr id="3" name="内容占位符 2">
-            <a:extLst>
-              <a:ext uri="{FF2B5EF4-FFF2-40B4-BE49-F238E27FC236}">
-                <a16:creationId xmlns:a16="http://schemas.microsoft.com/office/drawing/2014/main" id="{0E2FC508-1AFD-A957-52F2-FA1DEF2A9D27}"/>
-              </a:ext>
-            </a:extLst>
-          </p:cNvPr>
-          <p:cNvSpPr>
-            <a:spLocks noGrp="1"/>
-          </p:cNvSpPr>
-          <p:nvPr>
-            <p:ph sz="half" idx="1"/>
-          </p:nvPr>
-        </p:nvSpPr>
-        <p:spPr/>
-        <p:txBody>
-          <a:bodyPr>
-            <a:normAutofit/>
-          </a:bodyPr>
-          <a:lstStyle/>
-          <a:p>
-            <a:endParaRPr lang="zh-CN" altLang="en-US" dirty="0"/>
-          </a:p>
-        </p:txBody>
-      </p:sp>
-      <p:sp>
-        <p:nvSpPr>
-          <p:cNvPr id="7" name="文本框 6">
-            <a:extLst>
-              <a:ext uri="{FF2B5EF4-FFF2-40B4-BE49-F238E27FC236}">
-                <a16:creationId xmlns:a16="http://schemas.microsoft.com/office/drawing/2014/main" id="{12C899D8-51C5-D9B7-A323-E6EFE4AB5C33}"/>
-              </a:ext>
-            </a:extLst>
-          </p:cNvPr>
-          <p:cNvSpPr txBox="1"/>
-          <p:nvPr/>
-        </p:nvSpPr>
+      <p:pic>
+        <p:nvPicPr>
+          <p:cNvPr id="4" name="内容占位符 3">
+            <a:extLst>
+              <a:ext uri="{FF2B5EF4-FFF2-40B4-BE49-F238E27FC236}">
+                <a16:creationId xmlns:a16="http://schemas.microsoft.com/office/drawing/2014/main" id="{0C13CB9A-6CC6-96DF-43DA-3F4161352187}"/>
+              </a:ext>
+            </a:extLst>
+          </p:cNvPr>
+          <p:cNvPicPr>
+            <a:picLocks noGrp="1" noChangeAspect="1"/>
+          </p:cNvPicPr>
+          <p:nvPr>
+            <p:ph idx="1"/>
+          </p:nvPr>
+        </p:nvPicPr>
+        <p:blipFill>
+          <a:blip r:embed="rId3"/>
+          <a:stretch>
+            <a:fillRect/>
+          </a:stretch>
+        </p:blipFill>
         <p:spPr>
           <a:xfrm>
-            <a:off x="5994400" y="1904003"/>
-            <a:ext cx="6115050" cy="2308324"/>
+            <a:off x="3188330" y="1890713"/>
+            <a:ext cx="5815339" cy="4351337"/>
           </a:xfrm>
-          <a:prstGeom prst="rect">
-            <a:avLst/>
-          </a:prstGeom>
-          <a:noFill/>
-          <a:ln>
-            <a:solidFill>
-              <a:schemeClr val="bg2"/>
-            </a:solidFill>
-          </a:ln>
         </p:spPr>
-        <p:txBody>
-          <a:bodyPr wrap="square">
-            <a:spAutoFit/>
-          </a:bodyPr>
+      </p:pic>
+      <p:sp>
+        <p:nvSpPr>
+          <p:cNvPr id="5" name="标题 4">
+            <a:extLst>
+              <a:ext uri="{FF2B5EF4-FFF2-40B4-BE49-F238E27FC236}">
+                <a16:creationId xmlns:a16="http://schemas.microsoft.com/office/drawing/2014/main" id="{63916F74-E475-C807-CD57-F095D560095C}"/>
+              </a:ext>
+            </a:extLst>
+          </p:cNvPr>
+          <p:cNvSpPr>
+            <a:spLocks noGrp="1"/>
+          </p:cNvSpPr>
+          <p:nvPr>
+            <p:ph type="title"/>
+          </p:nvPr>
+        </p:nvSpPr>
+        <p:spPr/>
+        <p:txBody>
+          <a:bodyPr/>
           <a:lstStyle/>
           <a:p>
             <a:r>
-              <a:rPr lang="en-US" altLang="zh-CN" sz="2400" b="1" dirty="0">
-                <a:solidFill>
-                  <a:srgbClr val="0200BD"/>
-                </a:solidFill>
-                <a:effectLst/>
-                <a:latin typeface="Consolas" panose="020B0609020204030204" pitchFamily="49" charset="0"/>
-              </a:rPr>
-              <a:t>print</a:t>
-            </a:r>
-            <a:r>
-              <a:rPr lang="en-US" altLang="zh-CN" sz="2400" b="1" dirty="0">
-                <a:solidFill>
-                  <a:srgbClr val="3F9101"/>
-                </a:solidFill>
-                <a:effectLst/>
-                <a:latin typeface="Consolas" panose="020B0609020204030204" pitchFamily="49" charset="0"/>
-              </a:rPr>
-              <a:t>(</a:t>
-            </a:r>
-            <a:r>
-              <a:rPr lang="en-US" altLang="zh-CN" sz="2400" b="1" dirty="0">
-                <a:solidFill>
-                  <a:srgbClr val="2E6446"/>
-                </a:solidFill>
-                <a:effectLst/>
-                <a:latin typeface="Consolas" panose="020B0609020204030204" pitchFamily="49" charset="0"/>
-              </a:rPr>
-              <a:t>1</a:t>
-            </a:r>
-            <a:r>
-              <a:rPr lang="en-US" altLang="zh-CN" sz="2400" b="1" dirty="0">
-                <a:solidFill>
-                  <a:srgbClr val="63A35C"/>
-                </a:solidFill>
-                <a:effectLst/>
-                <a:latin typeface="Consolas" panose="020B0609020204030204" pitchFamily="49" charset="0"/>
-              </a:rPr>
-              <a:t>, </a:t>
-            </a:r>
-            <a:r>
-              <a:rPr lang="en-US" altLang="zh-CN" sz="2400" b="1" dirty="0">
-                <a:solidFill>
-                  <a:srgbClr val="2E6446"/>
-                </a:solidFill>
-                <a:effectLst/>
-                <a:latin typeface="Consolas" panose="020B0609020204030204" pitchFamily="49" charset="0"/>
-              </a:rPr>
-              <a:t>1_000_000</a:t>
-            </a:r>
-            <a:r>
-              <a:rPr lang="en-US" altLang="zh-CN" sz="2400" b="1" dirty="0">
-                <a:solidFill>
-                  <a:srgbClr val="63A35C"/>
-                </a:solidFill>
-                <a:effectLst/>
-                <a:latin typeface="Consolas" panose="020B0609020204030204" pitchFamily="49" charset="0"/>
-              </a:rPr>
-              <a:t>, </a:t>
-            </a:r>
-            <a:r>
-              <a:rPr lang="en-US" altLang="zh-CN" sz="2400" b="1" dirty="0">
-                <a:solidFill>
-                  <a:srgbClr val="2E6446"/>
-                </a:solidFill>
-                <a:effectLst/>
-                <a:latin typeface="Consolas" panose="020B0609020204030204" pitchFamily="49" charset="0"/>
-              </a:rPr>
-              <a:t>1.5</a:t>
-            </a:r>
-            <a:r>
-              <a:rPr lang="en-US" altLang="zh-CN" sz="2400" b="1" dirty="0">
-                <a:solidFill>
-                  <a:srgbClr val="3F9101"/>
-                </a:solidFill>
-                <a:effectLst/>
-                <a:latin typeface="Consolas" panose="020B0609020204030204" pitchFamily="49" charset="0"/>
-              </a:rPr>
-              <a:t>)</a:t>
-            </a:r>
-          </a:p>
-          <a:p>
-            <a:r>
-              <a:rPr lang="en-US" altLang="zh-CN" sz="2400" b="1" dirty="0">
-                <a:solidFill>
-                  <a:srgbClr val="0200BD"/>
-                </a:solidFill>
-                <a:effectLst/>
-                <a:latin typeface="Consolas" panose="020B0609020204030204" pitchFamily="49" charset="0"/>
-              </a:rPr>
-              <a:t>print</a:t>
-            </a:r>
-            <a:r>
-              <a:rPr lang="en-US" altLang="zh-CN" sz="2400" b="1" dirty="0">
-                <a:solidFill>
-                  <a:srgbClr val="3F9101"/>
-                </a:solidFill>
-                <a:effectLst/>
-                <a:latin typeface="Consolas" panose="020B0609020204030204" pitchFamily="49" charset="0"/>
-              </a:rPr>
-              <a:t>(</a:t>
-            </a:r>
-            <a:r>
-              <a:rPr lang="en-US" altLang="zh-CN" sz="2400" b="1" dirty="0">
-                <a:solidFill>
-                  <a:srgbClr val="9E58A3"/>
-                </a:solidFill>
-                <a:effectLst/>
-                <a:latin typeface="Consolas" panose="020B0609020204030204" pitchFamily="49" charset="0"/>
-              </a:rPr>
-              <a:t>True</a:t>
-            </a:r>
-            <a:r>
-              <a:rPr lang="en-US" altLang="zh-CN" sz="2400" b="1" dirty="0">
-                <a:solidFill>
-                  <a:srgbClr val="63A35C"/>
-                </a:solidFill>
-                <a:effectLst/>
-                <a:latin typeface="Consolas" panose="020B0609020204030204" pitchFamily="49" charset="0"/>
-              </a:rPr>
-              <a:t>, </a:t>
-            </a:r>
-            <a:r>
-              <a:rPr lang="en-US" altLang="zh-CN" sz="2400" b="1" dirty="0">
-                <a:solidFill>
-                  <a:srgbClr val="9E58A3"/>
-                </a:solidFill>
-                <a:effectLst/>
-                <a:latin typeface="Consolas" panose="020B0609020204030204" pitchFamily="49" charset="0"/>
-              </a:rPr>
-              <a:t>False</a:t>
-            </a:r>
-            <a:r>
-              <a:rPr lang="en-US" altLang="zh-CN" sz="2400" b="1" dirty="0">
-                <a:solidFill>
-                  <a:srgbClr val="3F9101"/>
-                </a:solidFill>
-                <a:effectLst/>
-                <a:latin typeface="Consolas" panose="020B0609020204030204" pitchFamily="49" charset="0"/>
-              </a:rPr>
-              <a:t>)  </a:t>
-            </a:r>
-            <a:r>
-              <a:rPr lang="en-US" altLang="zh-CN" sz="2400" b="1" dirty="0">
-                <a:solidFill>
-                  <a:srgbClr val="A05830"/>
-                </a:solidFill>
-                <a:effectLst/>
-                <a:latin typeface="Consolas" panose="020B0609020204030204" pitchFamily="49" charset="0"/>
-              </a:rPr>
-              <a:t># </a:t>
-            </a:r>
-            <a:r>
-              <a:rPr lang="zh-CN" altLang="en-US" sz="2400" b="1" dirty="0">
-                <a:solidFill>
-                  <a:srgbClr val="A05830"/>
-                </a:solidFill>
-                <a:effectLst/>
-                <a:latin typeface="宋体" panose="02010600030101010101" pitchFamily="2" charset="-122"/>
-                <a:ea typeface="宋体" panose="02010600030101010101" pitchFamily="2" charset="-122"/>
-              </a:rPr>
-              <a:t>布尔值</a:t>
-            </a:r>
-            <a:endParaRPr lang="en-US" altLang="zh-CN" sz="2400" b="1" dirty="0">
-              <a:solidFill>
-                <a:srgbClr val="A05830"/>
-              </a:solidFill>
-              <a:effectLst/>
-              <a:latin typeface="宋体" panose="02010600030101010101" pitchFamily="2" charset="-122"/>
-              <a:ea typeface="宋体" panose="02010600030101010101" pitchFamily="2" charset="-122"/>
-            </a:endParaRPr>
-          </a:p>
-          <a:p>
-            <a:r>
-              <a:rPr lang="en-US" altLang="zh-CN" sz="2400" b="1" dirty="0">
-                <a:solidFill>
-                  <a:srgbClr val="0200BD"/>
-                </a:solidFill>
-                <a:effectLst/>
-                <a:latin typeface="Consolas" panose="020B0609020204030204" pitchFamily="49" charset="0"/>
-              </a:rPr>
-              <a:t>print</a:t>
-            </a:r>
-            <a:r>
-              <a:rPr lang="en-US" altLang="zh-CN" sz="2400" b="1" dirty="0">
-                <a:solidFill>
-                  <a:srgbClr val="3F9101"/>
-                </a:solidFill>
-                <a:effectLst/>
-                <a:latin typeface="Consolas" panose="020B0609020204030204" pitchFamily="49" charset="0"/>
-              </a:rPr>
-              <a:t>(</a:t>
-            </a:r>
-            <a:r>
-              <a:rPr lang="en-US" altLang="zh-CN" sz="2400" b="1" dirty="0">
-                <a:solidFill>
-                  <a:srgbClr val="2E6446"/>
-                </a:solidFill>
-                <a:effectLst/>
-                <a:latin typeface="Consolas" panose="020B0609020204030204" pitchFamily="49" charset="0"/>
-              </a:rPr>
-              <a:t>1 </a:t>
-            </a:r>
-            <a:r>
-              <a:rPr lang="en-US" altLang="zh-CN" sz="2400" b="1" dirty="0">
-                <a:solidFill>
-                  <a:srgbClr val="A71D5D"/>
-                </a:solidFill>
-                <a:effectLst/>
-                <a:latin typeface="Consolas" panose="020B0609020204030204" pitchFamily="49" charset="0"/>
-              </a:rPr>
-              <a:t>+ </a:t>
-            </a:r>
-            <a:r>
-              <a:rPr lang="en-US" altLang="zh-CN" sz="2400" b="1" dirty="0">
-                <a:solidFill>
-                  <a:srgbClr val="2E6446"/>
-                </a:solidFill>
-                <a:effectLst/>
-                <a:latin typeface="Consolas" panose="020B0609020204030204" pitchFamily="49" charset="0"/>
-              </a:rPr>
-              <a:t>1</a:t>
-            </a:r>
-            <a:r>
-              <a:rPr lang="en-US" altLang="zh-CN" sz="2400" b="1" dirty="0">
-                <a:solidFill>
-                  <a:srgbClr val="63A35C"/>
-                </a:solidFill>
-                <a:effectLst/>
-                <a:latin typeface="Consolas" panose="020B0609020204030204" pitchFamily="49" charset="0"/>
-              </a:rPr>
-              <a:t>, </a:t>
-            </a:r>
-            <a:r>
-              <a:rPr lang="en-US" altLang="zh-CN" sz="2400" b="1" dirty="0">
-                <a:solidFill>
-                  <a:srgbClr val="2E6446"/>
-                </a:solidFill>
-                <a:effectLst/>
-                <a:latin typeface="Consolas" panose="020B0609020204030204" pitchFamily="49" charset="0"/>
-              </a:rPr>
-              <a:t>1.0 </a:t>
-            </a:r>
-            <a:r>
-              <a:rPr lang="en-US" altLang="zh-CN" sz="2400" b="1" dirty="0">
-                <a:solidFill>
-                  <a:srgbClr val="A71D5D"/>
-                </a:solidFill>
-                <a:effectLst/>
-                <a:latin typeface="Consolas" panose="020B0609020204030204" pitchFamily="49" charset="0"/>
-              </a:rPr>
-              <a:t>+ </a:t>
-            </a:r>
-            <a:r>
-              <a:rPr lang="en-US" altLang="zh-CN" sz="2400" b="1" dirty="0">
-                <a:solidFill>
-                  <a:srgbClr val="2E6446"/>
-                </a:solidFill>
-                <a:effectLst/>
-                <a:latin typeface="Consolas" panose="020B0609020204030204" pitchFamily="49" charset="0"/>
-              </a:rPr>
-              <a:t>1.0</a:t>
-            </a:r>
-            <a:r>
-              <a:rPr lang="en-US" altLang="zh-CN" sz="2400" b="1" dirty="0">
-                <a:solidFill>
-                  <a:srgbClr val="63A35C"/>
-                </a:solidFill>
-                <a:effectLst/>
-                <a:latin typeface="Consolas" panose="020B0609020204030204" pitchFamily="49" charset="0"/>
-              </a:rPr>
-              <a:t>, </a:t>
-            </a:r>
-            <a:r>
-              <a:rPr lang="en-US" altLang="zh-CN" sz="2400" b="1" dirty="0">
-                <a:solidFill>
-                  <a:srgbClr val="2E6446"/>
-                </a:solidFill>
-                <a:effectLst/>
-                <a:latin typeface="Consolas" panose="020B0609020204030204" pitchFamily="49" charset="0"/>
-              </a:rPr>
-              <a:t>1 </a:t>
-            </a:r>
-            <a:r>
-              <a:rPr lang="en-US" altLang="zh-CN" sz="2400" b="1" dirty="0">
-                <a:solidFill>
-                  <a:srgbClr val="A71D5D"/>
-                </a:solidFill>
-                <a:effectLst/>
-                <a:latin typeface="Consolas" panose="020B0609020204030204" pitchFamily="49" charset="0"/>
-              </a:rPr>
-              <a:t>+ </a:t>
-            </a:r>
-            <a:r>
-              <a:rPr lang="en-US" altLang="zh-CN" sz="2400" b="1" dirty="0">
-                <a:solidFill>
-                  <a:srgbClr val="2E6446"/>
-                </a:solidFill>
-                <a:effectLst/>
-                <a:latin typeface="Consolas" panose="020B0609020204030204" pitchFamily="49" charset="0"/>
-              </a:rPr>
-              <a:t>1.0</a:t>
-            </a:r>
-            <a:r>
-              <a:rPr lang="en-US" altLang="zh-CN" sz="2400" b="1" dirty="0">
-                <a:solidFill>
-                  <a:srgbClr val="3F9101"/>
-                </a:solidFill>
-                <a:effectLst/>
-                <a:latin typeface="Consolas" panose="020B0609020204030204" pitchFamily="49" charset="0"/>
-              </a:rPr>
-              <a:t>)</a:t>
-            </a:r>
-          </a:p>
-          <a:p>
-            <a:r>
-              <a:rPr lang="en-US" altLang="zh-CN" sz="2400" b="1" dirty="0">
-                <a:solidFill>
-                  <a:srgbClr val="A05830"/>
-                </a:solidFill>
-                <a:effectLst/>
-                <a:latin typeface="Consolas" panose="020B0609020204030204" pitchFamily="49" charset="0"/>
-              </a:rPr>
-              <a:t># </a:t>
-            </a:r>
-            <a:r>
-              <a:rPr lang="zh-CN" altLang="en-US" sz="2400" b="1" dirty="0">
-                <a:solidFill>
-                  <a:srgbClr val="A05830"/>
-                </a:solidFill>
-                <a:effectLst/>
-                <a:latin typeface="宋体" panose="02010600030101010101" pitchFamily="2" charset="-122"/>
-                <a:ea typeface="宋体" panose="02010600030101010101" pitchFamily="2" charset="-122"/>
-              </a:rPr>
-              <a:t>乘方、除法、整除法（向下取整）和求模</a:t>
-            </a:r>
-            <a:br>
-              <a:rPr lang="zh-CN" altLang="en-US" sz="2400" b="1" dirty="0">
-                <a:solidFill>
-                  <a:srgbClr val="A05830"/>
-                </a:solidFill>
-                <a:effectLst/>
-                <a:latin typeface="宋体" panose="02010600030101010101" pitchFamily="2" charset="-122"/>
-                <a:ea typeface="宋体" panose="02010600030101010101" pitchFamily="2" charset="-122"/>
-              </a:rPr>
-            </a:br>
-            <a:r>
-              <a:rPr lang="en-US" altLang="zh-CN" sz="2400" b="1" dirty="0">
-                <a:solidFill>
-                  <a:srgbClr val="0200BD"/>
-                </a:solidFill>
-                <a:effectLst/>
-                <a:latin typeface="Consolas" panose="020B0609020204030204" pitchFamily="49" charset="0"/>
-              </a:rPr>
-              <a:t>print</a:t>
-            </a:r>
-            <a:r>
-              <a:rPr lang="en-US" altLang="zh-CN" sz="2400" b="1" dirty="0">
-                <a:solidFill>
-                  <a:srgbClr val="3F9101"/>
-                </a:solidFill>
-                <a:effectLst/>
-                <a:latin typeface="Consolas" panose="020B0609020204030204" pitchFamily="49" charset="0"/>
-              </a:rPr>
-              <a:t>(</a:t>
-            </a:r>
-            <a:r>
-              <a:rPr lang="en-US" altLang="zh-CN" sz="2400" b="1" dirty="0">
-                <a:solidFill>
-                  <a:srgbClr val="2E6446"/>
-                </a:solidFill>
-                <a:effectLst/>
-                <a:latin typeface="Consolas" panose="020B0609020204030204" pitchFamily="49" charset="0"/>
-              </a:rPr>
-              <a:t>3 </a:t>
-            </a:r>
-            <a:r>
-              <a:rPr lang="en-US" altLang="zh-CN" sz="2400" b="1" dirty="0">
-                <a:solidFill>
-                  <a:srgbClr val="A71D5D"/>
-                </a:solidFill>
-                <a:effectLst/>
-                <a:latin typeface="Consolas" panose="020B0609020204030204" pitchFamily="49" charset="0"/>
-              </a:rPr>
-              <a:t>** </a:t>
-            </a:r>
-            <a:r>
-              <a:rPr lang="en-US" altLang="zh-CN" sz="2400" b="1" dirty="0">
-                <a:solidFill>
-                  <a:srgbClr val="2E6446"/>
-                </a:solidFill>
-                <a:effectLst/>
-                <a:latin typeface="Consolas" panose="020B0609020204030204" pitchFamily="49" charset="0"/>
-              </a:rPr>
-              <a:t>2</a:t>
-            </a:r>
-            <a:r>
-              <a:rPr lang="en-US" altLang="zh-CN" sz="2400" b="1" dirty="0">
-                <a:solidFill>
-                  <a:srgbClr val="63A35C"/>
-                </a:solidFill>
-                <a:effectLst/>
-                <a:latin typeface="Consolas" panose="020B0609020204030204" pitchFamily="49" charset="0"/>
-              </a:rPr>
-              <a:t>, </a:t>
-            </a:r>
-            <a:r>
-              <a:rPr lang="en-US" altLang="zh-CN" sz="2400" b="1" dirty="0">
-                <a:solidFill>
-                  <a:srgbClr val="2E6446"/>
-                </a:solidFill>
-                <a:effectLst/>
-                <a:latin typeface="Consolas" panose="020B0609020204030204" pitchFamily="49" charset="0"/>
-              </a:rPr>
-              <a:t>3 </a:t>
-            </a:r>
-            <a:r>
-              <a:rPr lang="en-US" altLang="zh-CN" sz="2400" b="1" dirty="0">
-                <a:solidFill>
-                  <a:srgbClr val="A71D5D"/>
-                </a:solidFill>
-                <a:effectLst/>
-                <a:latin typeface="Consolas" panose="020B0609020204030204" pitchFamily="49" charset="0"/>
-              </a:rPr>
-              <a:t>/ </a:t>
-            </a:r>
-            <a:r>
-              <a:rPr lang="en-US" altLang="zh-CN" sz="2400" b="1" dirty="0">
-                <a:solidFill>
-                  <a:srgbClr val="2E6446"/>
-                </a:solidFill>
-                <a:effectLst/>
-                <a:latin typeface="Consolas" panose="020B0609020204030204" pitchFamily="49" charset="0"/>
-              </a:rPr>
-              <a:t>2</a:t>
-            </a:r>
-            <a:r>
-              <a:rPr lang="en-US" altLang="zh-CN" sz="2400" b="1" dirty="0">
-                <a:solidFill>
-                  <a:srgbClr val="63A35C"/>
-                </a:solidFill>
-                <a:effectLst/>
-                <a:latin typeface="Consolas" panose="020B0609020204030204" pitchFamily="49" charset="0"/>
-              </a:rPr>
-              <a:t>, </a:t>
-            </a:r>
-            <a:r>
-              <a:rPr lang="en-US" altLang="zh-CN" sz="2400" b="1" dirty="0">
-                <a:solidFill>
-                  <a:srgbClr val="2E6446"/>
-                </a:solidFill>
-                <a:effectLst/>
-                <a:latin typeface="Consolas" panose="020B0609020204030204" pitchFamily="49" charset="0"/>
-              </a:rPr>
-              <a:t>3 </a:t>
-            </a:r>
-            <a:r>
-              <a:rPr lang="en-US" altLang="zh-CN" sz="2400" b="1" dirty="0">
-                <a:solidFill>
-                  <a:srgbClr val="A71D5D"/>
-                </a:solidFill>
-                <a:effectLst/>
-                <a:latin typeface="Consolas" panose="020B0609020204030204" pitchFamily="49" charset="0"/>
-              </a:rPr>
-              <a:t>// </a:t>
-            </a:r>
-            <a:r>
-              <a:rPr lang="en-US" altLang="zh-CN" sz="2400" b="1" dirty="0">
-                <a:solidFill>
-                  <a:srgbClr val="2E6446"/>
-                </a:solidFill>
-                <a:effectLst/>
-                <a:latin typeface="Consolas" panose="020B0609020204030204" pitchFamily="49" charset="0"/>
-              </a:rPr>
-              <a:t>2</a:t>
-            </a:r>
-            <a:r>
-              <a:rPr lang="en-US" altLang="zh-CN" sz="2400" b="1" dirty="0">
-                <a:solidFill>
-                  <a:srgbClr val="63A35C"/>
-                </a:solidFill>
-                <a:effectLst/>
-                <a:latin typeface="Consolas" panose="020B0609020204030204" pitchFamily="49" charset="0"/>
-              </a:rPr>
-              <a:t>, </a:t>
-            </a:r>
-            <a:r>
-              <a:rPr lang="en-US" altLang="zh-CN" sz="2400" b="1" dirty="0">
-                <a:solidFill>
-                  <a:srgbClr val="2E6446"/>
-                </a:solidFill>
-                <a:effectLst/>
-                <a:latin typeface="Consolas" panose="020B0609020204030204" pitchFamily="49" charset="0"/>
-              </a:rPr>
-              <a:t>5 </a:t>
-            </a:r>
-            <a:r>
-              <a:rPr lang="en-US" altLang="zh-CN" sz="2400" b="1" dirty="0">
-                <a:solidFill>
-                  <a:srgbClr val="A71D5D"/>
-                </a:solidFill>
-                <a:effectLst/>
-                <a:latin typeface="Consolas" panose="020B0609020204030204" pitchFamily="49" charset="0"/>
-              </a:rPr>
-              <a:t>% </a:t>
-            </a:r>
-            <a:r>
-              <a:rPr lang="en-US" altLang="zh-CN" sz="2400" b="1" dirty="0">
-                <a:solidFill>
-                  <a:srgbClr val="2E6446"/>
-                </a:solidFill>
-                <a:effectLst/>
-                <a:latin typeface="Consolas" panose="020B0609020204030204" pitchFamily="49" charset="0"/>
-              </a:rPr>
-              <a:t>2</a:t>
-            </a:r>
-            <a:r>
-              <a:rPr lang="en-US" altLang="zh-CN" sz="2400" b="1" dirty="0">
-                <a:solidFill>
-                  <a:srgbClr val="3F9101"/>
-                </a:solidFill>
-                <a:effectLst/>
-                <a:latin typeface="Consolas" panose="020B0609020204030204" pitchFamily="49" charset="0"/>
-              </a:rPr>
-              <a:t>)</a:t>
-            </a:r>
-            <a:br>
-              <a:rPr lang="en-US" altLang="zh-CN" sz="2400" b="1" dirty="0">
-                <a:solidFill>
-                  <a:srgbClr val="3F9101"/>
-                </a:solidFill>
-                <a:effectLst/>
-                <a:latin typeface="Consolas" panose="020B0609020204030204" pitchFamily="49" charset="0"/>
-              </a:rPr>
-            </a:br>
-            <a:endParaRPr lang="en-US" altLang="zh-CN" sz="2400" b="1" dirty="0">
-              <a:solidFill>
-                <a:srgbClr val="333333"/>
-              </a:solidFill>
-              <a:effectLst/>
-              <a:latin typeface="Consolas" panose="020B0609020204030204" pitchFamily="49" charset="0"/>
-            </a:endParaRPr>
-          </a:p>
-        </p:txBody>
-      </p:sp>
-      <p:sp>
-        <p:nvSpPr>
-          <p:cNvPr id="5" name="文本框 4">
-            <a:extLst>
-              <a:ext uri="{FF2B5EF4-FFF2-40B4-BE49-F238E27FC236}">
-                <a16:creationId xmlns:a16="http://schemas.microsoft.com/office/drawing/2014/main" id="{B7A8CE03-6A77-60EC-056E-D7A0019640A3}"/>
-              </a:ext>
-            </a:extLst>
-          </p:cNvPr>
-          <p:cNvSpPr txBox="1"/>
-          <p:nvPr/>
-        </p:nvSpPr>
-        <p:spPr>
-          <a:xfrm>
-            <a:off x="7356476" y="4412579"/>
-            <a:ext cx="3390898" cy="1938992"/>
-          </a:xfrm>
-          <a:prstGeom prst="rect">
-            <a:avLst/>
-          </a:prstGeom>
-          <a:noFill/>
-          <a:ln>
-            <a:solidFill>
-              <a:schemeClr val="bg2"/>
-            </a:solidFill>
-          </a:ln>
-        </p:spPr>
-        <p:txBody>
-          <a:bodyPr wrap="square">
-            <a:spAutoFit/>
-          </a:bodyPr>
-          <a:lstStyle/>
-          <a:p>
-            <a:r>
-              <a:rPr lang="zh-CN" altLang="en-US" sz="2400" b="1" dirty="0">
-                <a:solidFill>
-                  <a:srgbClr val="333333"/>
-                </a:solidFill>
-                <a:highlight>
-                  <a:srgbClr val="C0C0C0"/>
-                </a:highlight>
-                <a:latin typeface="Consolas" panose="020B0609020204030204" pitchFamily="49" charset="0"/>
-              </a:rPr>
-              <a:t>运行结果</a:t>
-            </a:r>
-            <a:endParaRPr lang="en-US" altLang="zh-CN" sz="2400" b="1" dirty="0">
-              <a:solidFill>
-                <a:srgbClr val="333333"/>
-              </a:solidFill>
-              <a:highlight>
-                <a:srgbClr val="C0C0C0"/>
-              </a:highlight>
-              <a:latin typeface="Consolas" panose="020B0609020204030204" pitchFamily="49" charset="0"/>
-            </a:endParaRPr>
-          </a:p>
-          <a:p>
-            <a:r>
-              <a:rPr lang="da-DK" altLang="zh-CN" sz="2400" dirty="0">
-                <a:solidFill>
-                  <a:srgbClr val="333333"/>
-                </a:solidFill>
-                <a:effectLst/>
-                <a:latin typeface="Consolas" panose="020B0609020204030204" pitchFamily="49" charset="0"/>
-              </a:rPr>
-              <a:t>1 1000000 1.5</a:t>
-            </a:r>
-          </a:p>
-          <a:p>
-            <a:r>
-              <a:rPr lang="da-DK" altLang="zh-CN" sz="2400" dirty="0">
-                <a:solidFill>
-                  <a:srgbClr val="333333"/>
-                </a:solidFill>
-                <a:effectLst/>
-                <a:latin typeface="Consolas" panose="020B0609020204030204" pitchFamily="49" charset="0"/>
-              </a:rPr>
-              <a:t>True False</a:t>
-            </a:r>
-          </a:p>
-          <a:p>
-            <a:r>
-              <a:rPr lang="da-DK" altLang="zh-CN" sz="2400" dirty="0">
-                <a:solidFill>
-                  <a:srgbClr val="333333"/>
-                </a:solidFill>
-                <a:effectLst/>
-                <a:latin typeface="Consolas" panose="020B0609020204030204" pitchFamily="49" charset="0"/>
-              </a:rPr>
-              <a:t>2 2.0 2.0</a:t>
-            </a:r>
-          </a:p>
-          <a:p>
-            <a:r>
-              <a:rPr lang="da-DK" altLang="zh-CN" sz="2400" dirty="0">
-                <a:solidFill>
-                  <a:srgbClr val="333333"/>
-                </a:solidFill>
-                <a:effectLst/>
-                <a:latin typeface="Consolas" panose="020B0609020204030204" pitchFamily="49" charset="0"/>
-              </a:rPr>
-              <a:t>9 1.5 1 1</a:t>
-            </a:r>
-            <a:endParaRPr lang="pl-PL" altLang="zh-CN" sz="2400" dirty="0">
-              <a:solidFill>
-                <a:srgbClr val="333333"/>
-              </a:solidFill>
-              <a:effectLst/>
-              <a:latin typeface="Consolas" panose="020B0609020204030204" pitchFamily="49" charset="0"/>
-            </a:endParaRPr>
+              <a:rPr lang="en-US" altLang="zh-CN" dirty="0"/>
+              <a:t>14.1 </a:t>
+            </a:r>
+            <a:r>
+              <a:rPr lang="zh-CN" altLang="en-US" dirty="0"/>
+              <a:t>添加 </a:t>
+            </a:r>
+            <a:r>
+              <a:rPr lang="en-US" altLang="zh-CN" dirty="0"/>
+              <a:t>Play </a:t>
+            </a:r>
+            <a:r>
+              <a:rPr lang="zh-CN" altLang="en-US" dirty="0"/>
+              <a:t>按钮</a:t>
+            </a:r>
           </a:p>
         </p:txBody>
       </p:sp>
     </p:spTree>
     <p:extLst>
       <p:ext uri="{BB962C8B-B14F-4D97-AF65-F5344CB8AC3E}">
-        <p14:creationId xmlns:p14="http://schemas.microsoft.com/office/powerpoint/2010/main" val="4158855655"/>
+        <p14:creationId xmlns:p14="http://schemas.microsoft.com/office/powerpoint/2010/main" val="2004895866"/>
       </p:ext>
     </p:extLst>
   </p:cSld>
   <p:clrMapOvr>
     <a:masterClrMapping/>
   </p:clrMapOvr>
-  <p:timing>
-    <p:tnLst>
-      <p:par>
-        <p:cTn id="1" dur="indefinite" restart="never" nodeType="tmRoot">
-          <p:childTnLst>
-            <p:seq concurrent="1" nextAc="seek">
-              <p:cTn id="2" dur="indefinite" nodeType="mainSeq">
-                <p:childTnLst>
-                  <p:par>
-                    <p:cTn id="3" fill="hold">
-                      <p:stCondLst>
-                        <p:cond delay="indefinite"/>
-                      </p:stCondLst>
-                      <p:childTnLst>
-                        <p:par>
-                          <p:cTn id="4" fill="hold">
-                            <p:stCondLst>
-                              <p:cond delay="0"/>
-                            </p:stCondLst>
-                            <p:childTnLst>
-                              <p:par>
-                                <p:cTn id="5" presetID="1" presetClass="entr" presetSubtype="0" fill="hold" grpId="0" nodeType="clickEffect">
-                                  <p:stCondLst>
-                                    <p:cond delay="0"/>
-                                  </p:stCondLst>
-                                  <p:childTnLst>
-                                    <p:set>
-                                      <p:cBhvr>
-                                        <p:cTn id="6" dur="1" fill="hold">
-                                          <p:stCondLst>
-                                            <p:cond delay="0"/>
-                                          </p:stCondLst>
-                                        </p:cTn>
-                                        <p:tgtEl>
-                                          <p:spTgt spid="5"/>
-                                        </p:tgtEl>
-                                        <p:attrNameLst>
-                                          <p:attrName>style.visibility</p:attrName>
-                                        </p:attrNameLst>
-                                      </p:cBhvr>
-                                      <p:to>
-                                        <p:strVal val="visible"/>
-                                      </p:to>
-                                    </p:set>
-                                  </p:childTnLst>
-                                </p:cTn>
-                              </p:par>
-                            </p:childTnLst>
-                          </p:cTn>
-                        </p:par>
-                      </p:childTnLst>
-                    </p:cTn>
-                  </p:par>
-                </p:childTnLst>
-              </p:cTn>
-              <p:prevCondLst>
-                <p:cond evt="onPrev" delay="0">
-                  <p:tgtEl>
-                    <p:sldTgt/>
-                  </p:tgtEl>
-                </p:cond>
-              </p:prevCondLst>
-              <p:nextCondLst>
-                <p:cond evt="onNext" delay="0">
-                  <p:tgtEl>
-                    <p:sldTgt/>
-                  </p:tgtEl>
-                </p:cond>
-              </p:nextCondLst>
-            </p:seq>
-          </p:childTnLst>
-        </p:cTn>
-      </p:par>
-    </p:tnLst>
-    <p:bldLst>
-      <p:bldP spid="5" grpId="0" animBg="1"/>
-    </p:bldLst>
-  </p:timing>
 </p:sld>
 </file>
 
@@ -10780,7 +10107,13 @@
   <p:cSld>
     <p:spTree>
       <p:nvGrpSpPr>
-        <p:cNvPr id="1" name=""/>
+        <p:cNvPr id="1" name="">
+          <a:extLst>
+            <a:ext uri="{FF2B5EF4-FFF2-40B4-BE49-F238E27FC236}">
+              <a16:creationId xmlns:a16="http://schemas.microsoft.com/office/drawing/2014/main" id="{A7059BAA-56D6-A7CC-7E8C-22FA51F0F68E}"/>
+            </a:ext>
+          </a:extLst>
+        </p:cNvPr>
         <p:cNvGrpSpPr/>
         <p:nvPr/>
       </p:nvGrpSpPr>
@@ -10794,18 +10127,18 @@
       </p:grpSpPr>
       <p:sp>
         <p:nvSpPr>
-          <p:cNvPr id="2" name="标题 1">
-            <a:extLst>
-              <a:ext uri="{FF2B5EF4-FFF2-40B4-BE49-F238E27FC236}">
-                <a16:creationId xmlns:a16="http://schemas.microsoft.com/office/drawing/2014/main" id="{1CBF67D3-549D-0623-7687-618F66C7933B}"/>
-              </a:ext>
-            </a:extLst>
-          </p:cNvPr>
-          <p:cNvSpPr>
-            <a:spLocks noGrp="1"/>
-          </p:cNvSpPr>
-          <p:nvPr>
-            <p:ph type="title"/>
+          <p:cNvPr id="3" name="内容占位符 2">
+            <a:extLst>
+              <a:ext uri="{FF2B5EF4-FFF2-40B4-BE49-F238E27FC236}">
+                <a16:creationId xmlns:a16="http://schemas.microsoft.com/office/drawing/2014/main" id="{C77C9216-7A31-5FD6-4D06-ABB4FAD16E8E}"/>
+              </a:ext>
+            </a:extLst>
+          </p:cNvPr>
+          <p:cNvSpPr>
+            <a:spLocks noGrp="1"/>
+          </p:cNvSpPr>
+          <p:nvPr>
+            <p:ph idx="1"/>
           </p:nvPr>
         </p:nvSpPr>
         <p:spPr/>
@@ -10815,64 +10148,111 @@
           </a:bodyPr>
           <a:lstStyle/>
           <a:p>
+            <a:pPr marL="0" indent="0">
+              <a:buNone/>
+            </a:pPr>
+            <a:r>
+              <a:rPr lang="zh-CN" altLang="en-US" dirty="0"/>
+              <a:t>为了实现这一小小的功能，我们将在 </a:t>
+            </a:r>
             <a:r>
               <a:rPr lang="en-US" altLang="zh-CN" dirty="0"/>
-              <a:t>14.4 </a:t>
-            </a:r>
-            <a:r>
-              <a:rPr lang="zh-CN" altLang="en-US"/>
-              <a:t>小结</a:t>
+              <a:t>14.1.1 </a:t>
+            </a:r>
+            <a:r>
+              <a:rPr lang="zh-CN" altLang="en-US" dirty="0"/>
+              <a:t>中创建 </a:t>
+            </a:r>
+            <a:r>
+              <a:rPr lang="en-US" altLang="zh-CN" dirty="0"/>
+              <a:t>Button </a:t>
+            </a:r>
+            <a:r>
+              <a:rPr lang="zh-CN" altLang="en-US" dirty="0"/>
+              <a:t>类，并在 </a:t>
+            </a:r>
+            <a:r>
+              <a:rPr lang="en-US" altLang="zh-CN" dirty="0"/>
+              <a:t>14.1.2 </a:t>
+            </a:r>
+            <a:r>
+              <a:rPr lang="zh-CN" altLang="en-US" dirty="0"/>
+              <a:t>中将其绘制到屏幕中去。然后再 </a:t>
+            </a:r>
+            <a:r>
+              <a:rPr lang="en-US" altLang="zh-CN" dirty="0"/>
+              <a:t>14.1.3~14.1.4 </a:t>
+            </a:r>
+            <a:r>
+              <a:rPr lang="zh-CN" altLang="en-US" dirty="0"/>
+              <a:t>中为其赋予“开始游戏”的功能，最后在 </a:t>
+            </a:r>
+            <a:r>
+              <a:rPr lang="en-US" altLang="zh-CN" dirty="0"/>
+              <a:t>14.1.5 </a:t>
+            </a:r>
+            <a:r>
+              <a:rPr lang="zh-CN" altLang="en-US" dirty="0"/>
+              <a:t>中防止误触隐藏按钮。</a:t>
             </a:r>
             <a:endParaRPr lang="en-US" altLang="zh-CN" dirty="0"/>
           </a:p>
-        </p:txBody>
-      </p:sp>
-      <p:sp>
-        <p:nvSpPr>
-          <p:cNvPr id="5" name="内容占位符 4">
-            <a:extLst>
-              <a:ext uri="{FF2B5EF4-FFF2-40B4-BE49-F238E27FC236}">
-                <a16:creationId xmlns:a16="http://schemas.microsoft.com/office/drawing/2014/main" id="{27E734E7-DC50-2043-E0F4-ADDF97100AAB}"/>
-              </a:ext>
-            </a:extLst>
-          </p:cNvPr>
-          <p:cNvSpPr>
-            <a:spLocks noGrp="1"/>
-          </p:cNvSpPr>
-          <p:nvPr>
-            <p:ph idx="1"/>
+          <a:p>
+            <a:pPr marL="0" indent="0">
+              <a:buNone/>
+            </a:pPr>
+            <a:r>
+              <a:rPr lang="zh-CN" altLang="en-US" dirty="0"/>
+              <a:t>为了游戏用户的体验，我们也将在游戏开始后，通过 </a:t>
+            </a:r>
+            <a:r>
+              <a:rPr lang="en-US" altLang="zh-CN" dirty="0"/>
+              <a:t>14.1.6 </a:t>
+            </a:r>
+            <a:r>
+              <a:rPr lang="zh-CN" altLang="en-US" dirty="0"/>
+              <a:t>中的代码，隐藏游戏过程中不必要展示的鼠标。</a:t>
+            </a:r>
+            <a:endParaRPr lang="en-US" altLang="zh-CN" dirty="0"/>
+          </a:p>
+        </p:txBody>
+      </p:sp>
+      <p:sp>
+        <p:nvSpPr>
+          <p:cNvPr id="5" name="标题 4">
+            <a:extLst>
+              <a:ext uri="{FF2B5EF4-FFF2-40B4-BE49-F238E27FC236}">
+                <a16:creationId xmlns:a16="http://schemas.microsoft.com/office/drawing/2014/main" id="{B83108ED-7462-5DBD-6129-06CEC2129CE5}"/>
+              </a:ext>
+            </a:extLst>
+          </p:cNvPr>
+          <p:cNvSpPr>
+            <a:spLocks noGrp="1"/>
+          </p:cNvSpPr>
+          <p:nvPr>
+            <p:ph type="title"/>
           </p:nvPr>
         </p:nvSpPr>
         <p:spPr/>
         <p:txBody>
-          <a:bodyPr>
-            <a:normAutofit/>
-          </a:bodyPr>
+          <a:bodyPr/>
           <a:lstStyle/>
           <a:p>
-            <a:pPr>
-              <a:lnSpc>
-                <a:spcPct val="100000"/>
-              </a:lnSpc>
-            </a:pPr>
+            <a:r>
+              <a:rPr lang="en-US" altLang="zh-CN" dirty="0"/>
+              <a:t>14.1 </a:t>
+            </a:r>
             <a:r>
               <a:rPr lang="zh-CN" altLang="en-US" dirty="0"/>
-              <a:t>学习了</a:t>
-            </a:r>
-            <a:endParaRPr lang="en-US" altLang="zh-CN" dirty="0"/>
-          </a:p>
-          <a:p>
-            <a:pPr>
-              <a:lnSpc>
-                <a:spcPct val="100000"/>
-              </a:lnSpc>
-            </a:pPr>
-            <a:endParaRPr lang="en-US" altLang="zh-CN" dirty="0"/>
-          </a:p>
-          <a:p>
+              <a:t>添加 </a:t>
+            </a:r>
+            <a:r>
+              <a:rPr lang="en-US" altLang="zh-CN" dirty="0"/>
+              <a:t>Play </a:t>
+            </a:r>
             <a:r>
               <a:rPr lang="zh-CN" altLang="en-US" dirty="0"/>
-              <a:t>在下一章中，我们将学习</a:t>
+              <a:t>按钮</a:t>
             </a:r>
           </a:p>
         </p:txBody>
@@ -10880,7 +10260,7 @@
     </p:spTree>
     <p:extLst>
       <p:ext uri="{BB962C8B-B14F-4D97-AF65-F5344CB8AC3E}">
-        <p14:creationId xmlns:p14="http://schemas.microsoft.com/office/powerpoint/2010/main" val="364430658"/>
+        <p14:creationId xmlns:p14="http://schemas.microsoft.com/office/powerpoint/2010/main" val="2763770719"/>
       </p:ext>
     </p:extLst>
   </p:cSld>
@@ -10895,7 +10275,13 @@
   <p:cSld>
     <p:spTree>
       <p:nvGrpSpPr>
-        <p:cNvPr id="1" name=""/>
+        <p:cNvPr id="1" name="">
+          <a:extLst>
+            <a:ext uri="{FF2B5EF4-FFF2-40B4-BE49-F238E27FC236}">
+              <a16:creationId xmlns:a16="http://schemas.microsoft.com/office/drawing/2014/main" id="{5DBBB164-AD36-ACA8-40D4-9E7CF375AD5F}"/>
+            </a:ext>
+          </a:extLst>
+        </p:cNvPr>
         <p:cNvGrpSpPr/>
         <p:nvPr/>
       </p:nvGrpSpPr>
@@ -10909,46 +10295,10 @@
       </p:grpSpPr>
       <p:sp>
         <p:nvSpPr>
-          <p:cNvPr id="2" name="标题 1">
-            <a:extLst>
-              <a:ext uri="{FF2B5EF4-FFF2-40B4-BE49-F238E27FC236}">
-                <a16:creationId xmlns:a16="http://schemas.microsoft.com/office/drawing/2014/main" id="{ABA783DF-49A6-7EF1-661E-C574E2C2F386}"/>
-              </a:ext>
-            </a:extLst>
-          </p:cNvPr>
-          <p:cNvSpPr>
-            <a:spLocks noGrp="1"/>
-          </p:cNvSpPr>
-          <p:nvPr>
-            <p:ph type="title"/>
-          </p:nvPr>
-        </p:nvSpPr>
-        <p:spPr/>
-        <p:txBody>
-          <a:bodyPr/>
-          <a:lstStyle/>
-          <a:p>
-            <a:r>
-              <a:rPr lang="zh-CN" altLang="en-US" dirty="0">
-                <a:effectLst>
-                  <a:outerShdw blurRad="38100" dist="38100" dir="2700000" algn="tl">
-                    <a:srgbClr val="000000">
-                      <a:alpha val="43137"/>
-                    </a:srgbClr>
-                  </a:outerShdw>
-                </a:effectLst>
-              </a:rPr>
-              <a:t>课后拓展</a:t>
-            </a:r>
-          </a:p>
-        </p:txBody>
-      </p:sp>
-      <p:sp>
-        <p:nvSpPr>
           <p:cNvPr id="3" name="内容占位符 2">
             <a:extLst>
               <a:ext uri="{FF2B5EF4-FFF2-40B4-BE49-F238E27FC236}">
-                <a16:creationId xmlns:a16="http://schemas.microsoft.com/office/drawing/2014/main" id="{9E0BA8B8-92DA-1AC9-79B9-A552D184BB54}"/>
+                <a16:creationId xmlns:a16="http://schemas.microsoft.com/office/drawing/2014/main" id="{55EB455D-1A83-9178-4893-8FFCC058A05A}"/>
               </a:ext>
             </a:extLst>
           </p:cNvPr>
@@ -10966,12 +10316,33 @@
           </a:bodyPr>
           <a:lstStyle/>
           <a:p>
-            <a:r>
-              <a:rPr lang="en-US" altLang="zh-CN" dirty="0"/>
-              <a:t>1</a:t>
-            </a:r>
-          </a:p>
-          <a:p>
+            <a:pPr marL="0" indent="0">
+              <a:buNone/>
+            </a:pPr>
+            <a:r>
+              <a:rPr lang="zh-CN" altLang="en-US" dirty="0"/>
+              <a:t>当前，整群外星人被全部击落后，玩家将提高一个等级，但游戏的难度不变。</a:t>
+            </a:r>
+            <a:endParaRPr lang="en-US" altLang="zh-CN" dirty="0"/>
+          </a:p>
+          <a:p>
+            <a:pPr marL="0" indent="0">
+              <a:buNone/>
+            </a:pPr>
+            <a:r>
+              <a:rPr lang="zh-CN" altLang="en-US" dirty="0"/>
+              <a:t>下面来增加一点儿趣味性：</a:t>
+            </a:r>
+            <a:endParaRPr lang="en-US" altLang="zh-CN" dirty="0"/>
+          </a:p>
+          <a:p>
+            <a:pPr marL="0" indent="0">
+              <a:buNone/>
+            </a:pPr>
+            <a:r>
+              <a:rPr lang="zh-CN" altLang="en-US" dirty="0"/>
+              <a:t>每当玩家将屏幕上的外星人全部击落后，都加快游戏的节奏，让游戏玩起来更难。</a:t>
+            </a:r>
             <a:endParaRPr lang="en-US" altLang="zh-CN" dirty="0"/>
           </a:p>
           <a:p>
@@ -10985,23 +10356,55 @@
               <a:buNone/>
             </a:pPr>
             <a:r>
-              <a:rPr lang="zh-CN" altLang="en-US" dirty="0">
-                <a:highlight>
-                  <a:srgbClr val="C0C0C0"/>
-                </a:highlight>
-              </a:rPr>
-              <a:t>可选拓展</a:t>
-            </a:r>
-            <a:endParaRPr lang="en-US" altLang="zh-CN" dirty="0">
-              <a:highlight>
-                <a:srgbClr val="C0C0C0"/>
-              </a:highlight>
-            </a:endParaRPr>
-          </a:p>
-          <a:p>
+              <a:rPr lang="zh-CN" altLang="en-US" dirty="0"/>
+              <a:t>相关的代码可见原书</a:t>
+            </a:r>
             <a:r>
               <a:rPr lang="en-US" altLang="zh-CN" dirty="0"/>
-              <a:t>1</a:t>
+              <a:t> 14.2.1~14.2.2 </a:t>
+            </a:r>
+            <a:r>
+              <a:rPr lang="zh-CN" altLang="en-US" dirty="0"/>
+              <a:t>小节。</a:t>
+            </a:r>
+            <a:endParaRPr lang="en-US" altLang="zh-CN" dirty="0"/>
+          </a:p>
+          <a:p>
+            <a:pPr marL="0" indent="0">
+              <a:buNone/>
+            </a:pPr>
+            <a:endParaRPr lang="en-US" altLang="zh-CN" dirty="0"/>
+          </a:p>
+        </p:txBody>
+      </p:sp>
+      <p:sp>
+        <p:nvSpPr>
+          <p:cNvPr id="5" name="标题 4">
+            <a:extLst>
+              <a:ext uri="{FF2B5EF4-FFF2-40B4-BE49-F238E27FC236}">
+                <a16:creationId xmlns:a16="http://schemas.microsoft.com/office/drawing/2014/main" id="{7DCDF039-3122-5944-3308-4A6D9773DC41}"/>
+              </a:ext>
+            </a:extLst>
+          </p:cNvPr>
+          <p:cNvSpPr>
+            <a:spLocks noGrp="1"/>
+          </p:cNvSpPr>
+          <p:nvPr>
+            <p:ph type="title"/>
+          </p:nvPr>
+        </p:nvSpPr>
+        <p:spPr/>
+        <p:txBody>
+          <a:bodyPr/>
+          <a:lstStyle/>
+          <a:p>
+            <a:r>
+              <a:rPr lang="en-US" altLang="zh-CN" dirty="0"/>
+              <a:t>14.2 </a:t>
+            </a:r>
+            <a:r>
+              <a:rPr lang="zh-CN" altLang="en-US" dirty="0"/>
+              <a:t>提高难度</a:t>
             </a:r>
           </a:p>
         </p:txBody>
@@ -11009,126 +10412,169 @@
     </p:spTree>
     <p:extLst>
       <p:ext uri="{BB962C8B-B14F-4D97-AF65-F5344CB8AC3E}">
-        <p14:creationId xmlns:p14="http://schemas.microsoft.com/office/powerpoint/2010/main" val="3892637029"/>
+        <p14:creationId xmlns:p14="http://schemas.microsoft.com/office/powerpoint/2010/main" val="1903888858"/>
       </p:ext>
     </p:extLst>
   </p:cSld>
   <p:clrMapOvr>
     <a:masterClrMapping/>
   </p:clrMapOvr>
-  <p:timing>
-    <p:tnLst>
-      <p:par>
-        <p:cTn id="1" dur="indefinite" restart="never" nodeType="tmRoot">
-          <p:childTnLst>
-            <p:seq concurrent="1" nextAc="seek">
-              <p:cTn id="2" dur="indefinite" nodeType="mainSeq">
-                <p:childTnLst>
-                  <p:par>
-                    <p:cTn id="3" fill="hold">
-                      <p:stCondLst>
-                        <p:cond delay="indefinite"/>
-                      </p:stCondLst>
-                      <p:childTnLst>
-                        <p:par>
-                          <p:cTn id="4" fill="hold">
-                            <p:stCondLst>
-                              <p:cond delay="0"/>
-                            </p:stCondLst>
-                            <p:childTnLst>
-                              <p:par>
-                                <p:cTn id="5" presetID="1" presetClass="entr" presetSubtype="0" fill="hold" grpId="0" nodeType="clickEffect">
-                                  <p:stCondLst>
-                                    <p:cond delay="0"/>
-                                  </p:stCondLst>
-                                  <p:childTnLst>
-                                    <p:set>
-                                      <p:cBhvr>
-                                        <p:cTn id="6" dur="1" fill="hold">
-                                          <p:stCondLst>
-                                            <p:cond delay="0"/>
-                                          </p:stCondLst>
-                                        </p:cTn>
-                                        <p:tgtEl>
-                                          <p:spTgt spid="3">
-                                            <p:txEl>
-                                              <p:pRg st="3" end="3"/>
-                                            </p:txEl>
-                                          </p:spTgt>
-                                        </p:tgtEl>
-                                        <p:attrNameLst>
-                                          <p:attrName>style.visibility</p:attrName>
-                                        </p:attrNameLst>
-                                      </p:cBhvr>
-                                      <p:to>
-                                        <p:strVal val="visible"/>
-                                      </p:to>
-                                    </p:set>
-                                  </p:childTnLst>
-                                </p:cTn>
-                              </p:par>
-                              <p:par>
-                                <p:cTn id="7" presetID="1" presetClass="entr" presetSubtype="0" fill="hold" grpId="0" nodeType="withEffect">
-                                  <p:stCondLst>
-                                    <p:cond delay="0"/>
-                                  </p:stCondLst>
-                                  <p:childTnLst>
-                                    <p:set>
-                                      <p:cBhvr>
-                                        <p:cTn id="8" dur="1" fill="hold">
-                                          <p:stCondLst>
-                                            <p:cond delay="0"/>
-                                          </p:stCondLst>
-                                        </p:cTn>
-                                        <p:tgtEl>
-                                          <p:spTgt spid="3">
-                                            <p:txEl>
-                                              <p:pRg st="4" end="4"/>
-                                            </p:txEl>
-                                          </p:spTgt>
-                                        </p:tgtEl>
-                                        <p:attrNameLst>
-                                          <p:attrName>style.visibility</p:attrName>
-                                        </p:attrNameLst>
-                                      </p:cBhvr>
-                                      <p:to>
-                                        <p:strVal val="visible"/>
-                                      </p:to>
-                                    </p:set>
-                                  </p:childTnLst>
-                                </p:cTn>
-                              </p:par>
-                            </p:childTnLst>
-                          </p:cTn>
-                        </p:par>
-                      </p:childTnLst>
-                    </p:cTn>
-                  </p:par>
-                </p:childTnLst>
-              </p:cTn>
-              <p:prevCondLst>
-                <p:cond evt="onPrev" delay="0">
-                  <p:tgtEl>
-                    <p:sldTgt/>
-                  </p:tgtEl>
-                </p:cond>
-              </p:prevCondLst>
-              <p:nextCondLst>
-                <p:cond evt="onNext" delay="0">
-                  <p:tgtEl>
-                    <p:sldTgt/>
-                  </p:tgtEl>
-                </p:cond>
-              </p:nextCondLst>
-            </p:seq>
-          </p:childTnLst>
-        </p:cTn>
-      </p:par>
-    </p:tnLst>
-    <p:bldLst>
-      <p:bldP spid="3" grpId="0" uiExpand="1" build="p"/>
-    </p:bldLst>
-  </p:timing>
+</p:sld>
+</file>
+
+<file path=ppt/slides/slide9.xml><?xml version="1.0" encoding="utf-8"?>
+<p:sld xmlns:a="http://schemas.openxmlformats.org/drawingml/2006/main" xmlns:r="http://schemas.openxmlformats.org/officeDocument/2006/relationships" xmlns:p="http://schemas.openxmlformats.org/presentationml/2006/main">
+  <p:cSld>
+    <p:spTree>
+      <p:nvGrpSpPr>
+        <p:cNvPr id="1" name="">
+          <a:extLst>
+            <a:ext uri="{FF2B5EF4-FFF2-40B4-BE49-F238E27FC236}">
+              <a16:creationId xmlns:a16="http://schemas.microsoft.com/office/drawing/2014/main" id="{5CFAA46B-731A-AD55-7871-4539D067F4BD}"/>
+            </a:ext>
+          </a:extLst>
+        </p:cNvPr>
+        <p:cNvGrpSpPr/>
+        <p:nvPr/>
+      </p:nvGrpSpPr>
+      <p:grpSpPr>
+        <a:xfrm>
+          <a:off x="0" y="0"/>
+          <a:ext cx="0" cy="0"/>
+          <a:chOff x="0" y="0"/>
+          <a:chExt cx="0" cy="0"/>
+        </a:xfrm>
+      </p:grpSpPr>
+      <p:sp>
+        <p:nvSpPr>
+          <p:cNvPr id="3" name="内容占位符 2">
+            <a:extLst>
+              <a:ext uri="{FF2B5EF4-FFF2-40B4-BE49-F238E27FC236}">
+                <a16:creationId xmlns:a16="http://schemas.microsoft.com/office/drawing/2014/main" id="{8E4773DB-B928-88DD-BDF2-0D5345D908FC}"/>
+              </a:ext>
+            </a:extLst>
+          </p:cNvPr>
+          <p:cNvSpPr>
+            <a:spLocks noGrp="1"/>
+          </p:cNvSpPr>
+          <p:nvPr>
+            <p:ph idx="1"/>
+          </p:nvPr>
+        </p:nvSpPr>
+        <p:spPr/>
+        <p:txBody>
+          <a:bodyPr>
+            <a:normAutofit/>
+          </a:bodyPr>
+          <a:lstStyle/>
+          <a:p>
+            <a:pPr marL="0" indent="0">
+              <a:buNone/>
+            </a:pPr>
+            <a:r>
+              <a:rPr lang="zh-CN" altLang="en-US" dirty="0"/>
+              <a:t>下面来实现记分系统，以实时地跟踪玩家的得分，并显示最高分、等级和余下的飞船数。 </a:t>
+            </a:r>
+            <a:endParaRPr lang="en-US" altLang="zh-CN" dirty="0"/>
+          </a:p>
+          <a:p>
+            <a:pPr marL="0" indent="0">
+              <a:buNone/>
+            </a:pPr>
+            <a:r>
+              <a:rPr lang="zh-CN" altLang="en-US" dirty="0"/>
+              <a:t>得分是游戏的一项统计信息，因此我们需要在 </a:t>
+            </a:r>
+            <a:r>
+              <a:rPr lang="en-US" altLang="zh-CN" dirty="0" err="1"/>
+              <a:t>GameStats</a:t>
+            </a:r>
+            <a:r>
+              <a:rPr lang="en-US" altLang="zh-CN" dirty="0"/>
+              <a:t> </a:t>
+            </a:r>
+            <a:r>
+              <a:rPr lang="zh-CN" altLang="en-US" dirty="0"/>
+              <a:t>中添加一个 </a:t>
+            </a:r>
+            <a:r>
+              <a:rPr lang="en-US" altLang="zh-CN" dirty="0"/>
+              <a:t>score </a:t>
+            </a:r>
+            <a:r>
+              <a:rPr lang="zh-CN" altLang="en-US" dirty="0"/>
+              <a:t>属性，这个变量属性表示分数。</a:t>
+            </a:r>
+            <a:endParaRPr lang="en-US" altLang="zh-CN" dirty="0"/>
+          </a:p>
+          <a:p>
+            <a:pPr marL="0" indent="0">
+              <a:buNone/>
+            </a:pPr>
+            <a:endParaRPr lang="en-US" altLang="zh-CN" dirty="0"/>
+          </a:p>
+          <a:p>
+            <a:pPr marL="0" indent="0">
+              <a:buNone/>
+            </a:pPr>
+            <a:r>
+              <a:rPr lang="zh-CN" altLang="en-US" dirty="0"/>
+              <a:t>相关的代码可见原书</a:t>
+            </a:r>
+            <a:r>
+              <a:rPr lang="en-US" altLang="zh-CN" dirty="0"/>
+              <a:t> 14.3.1~14.3.6 </a:t>
+            </a:r>
+            <a:r>
+              <a:rPr lang="zh-CN" altLang="en-US" dirty="0"/>
+              <a:t>小节。</a:t>
+            </a:r>
+            <a:endParaRPr lang="en-US" altLang="zh-CN" dirty="0"/>
+          </a:p>
+        </p:txBody>
+      </p:sp>
+      <p:sp>
+        <p:nvSpPr>
+          <p:cNvPr id="5" name="标题 4">
+            <a:extLst>
+              <a:ext uri="{FF2B5EF4-FFF2-40B4-BE49-F238E27FC236}">
+                <a16:creationId xmlns:a16="http://schemas.microsoft.com/office/drawing/2014/main" id="{E2004E6B-14CA-8175-277A-862FC57473FB}"/>
+              </a:ext>
+            </a:extLst>
+          </p:cNvPr>
+          <p:cNvSpPr>
+            <a:spLocks noGrp="1"/>
+          </p:cNvSpPr>
+          <p:nvPr>
+            <p:ph type="title"/>
+          </p:nvPr>
+        </p:nvSpPr>
+        <p:spPr/>
+        <p:txBody>
+          <a:bodyPr/>
+          <a:lstStyle/>
+          <a:p>
+            <a:r>
+              <a:rPr lang="en-US" altLang="zh-CN" dirty="0"/>
+              <a:t>14.3 </a:t>
+            </a:r>
+            <a:r>
+              <a:rPr lang="zh-CN" altLang="en-US" dirty="0"/>
+              <a:t>记分</a:t>
+            </a:r>
+          </a:p>
+        </p:txBody>
+      </p:sp>
+    </p:spTree>
+    <p:extLst>
+      <p:ext uri="{BB962C8B-B14F-4D97-AF65-F5344CB8AC3E}">
+        <p14:creationId xmlns:p14="http://schemas.microsoft.com/office/powerpoint/2010/main" val="3144610641"/>
+      </p:ext>
+    </p:extLst>
+  </p:cSld>
+  <p:clrMapOvr>
+    <a:masterClrMapping/>
+  </p:clrMapOvr>
 </p:sld>
 </file>
 

--- a/PPT/chapter14.pptx
+++ b/PPT/chapter14.pptx
@@ -2,7 +2,7 @@
 <file path=ppt/presentation.xml><?xml version="1.0" encoding="utf-8"?>
 <p:presentation xmlns:a="http://schemas.openxmlformats.org/drawingml/2006/main" xmlns:r="http://schemas.openxmlformats.org/officeDocument/2006/relationships" xmlns:p="http://schemas.openxmlformats.org/presentationml/2006/main" saveSubsetFonts="1">
   <p:sldMasterIdLst>
-    <p:sldMasterId id="2147483648" r:id="rId1"/>
+    <p:sldMasterId id="2147483661" r:id="rId1"/>
   </p:sldMasterIdLst>
   <p:notesMasterIdLst>
     <p:notesMasterId r:id="rId17"/>
@@ -11,7 +11,7 @@
     <p:handoutMasterId r:id="rId18"/>
   </p:handoutMasterIdLst>
   <p:sldIdLst>
-    <p:sldId id="260" r:id="rId2"/>
+    <p:sldId id="368" r:id="rId2"/>
     <p:sldId id="366" r:id="rId3"/>
     <p:sldId id="257" r:id="rId4"/>
     <p:sldId id="370" r:id="rId5"/>
@@ -197,1132 +197,6 @@
     </pc:docChg>
   </pc:docChgLst>
   <pc:docChgLst>
-    <pc:chgData name="Scruel Tao" userId="5ea5c98d59b44d4b" providerId="LiveId" clId="{2BA6F94F-59B6-4AA6-9DB6-4A8227DBE37E}"/>
-    <pc:docChg chg="undo redo custSel addSld delSld modSld sldOrd modMainMaster">
-      <pc:chgData name="Scruel Tao" userId="5ea5c98d59b44d4b" providerId="LiveId" clId="{2BA6F94F-59B6-4AA6-9DB6-4A8227DBE37E}" dt="2023-04-06T03:22:01.021" v="6326" actId="20577"/>
-      <pc:docMkLst>
-        <pc:docMk/>
-      </pc:docMkLst>
-      <pc:sldChg chg="del">
-        <pc:chgData name="Scruel Tao" userId="5ea5c98d59b44d4b" providerId="LiveId" clId="{2BA6F94F-59B6-4AA6-9DB6-4A8227DBE37E}" dt="2023-04-03T03:24:06.255" v="207" actId="47"/>
-        <pc:sldMkLst>
-          <pc:docMk/>
-          <pc:sldMk cId="1900326474" sldId="256"/>
-        </pc:sldMkLst>
-      </pc:sldChg>
-      <pc:sldChg chg="modSp mod">
-        <pc:chgData name="Scruel Tao" userId="5ea5c98d59b44d4b" providerId="LiveId" clId="{2BA6F94F-59B6-4AA6-9DB6-4A8227DBE37E}" dt="2023-04-06T03:06:34.065" v="6045" actId="20577"/>
-        <pc:sldMkLst>
-          <pc:docMk/>
-          <pc:sldMk cId="1112998187" sldId="257"/>
-        </pc:sldMkLst>
-        <pc:spChg chg="mod">
-          <ac:chgData name="Scruel Tao" userId="5ea5c98d59b44d4b" providerId="LiveId" clId="{2BA6F94F-59B6-4AA6-9DB6-4A8227DBE37E}" dt="2023-04-06T01:53:20.359" v="3276"/>
-          <ac:spMkLst>
-            <pc:docMk/>
-            <pc:sldMk cId="1112998187" sldId="257"/>
-            <ac:spMk id="2" creationId="{1422DFF6-0952-1023-64E3-97184D36BE3F}"/>
-          </ac:spMkLst>
-        </pc:spChg>
-        <pc:spChg chg="mod">
-          <ac:chgData name="Scruel Tao" userId="5ea5c98d59b44d4b" providerId="LiveId" clId="{2BA6F94F-59B6-4AA6-9DB6-4A8227DBE37E}" dt="2023-04-06T03:06:34.065" v="6045" actId="20577"/>
-          <ac:spMkLst>
-            <pc:docMk/>
-            <pc:sldMk cId="1112998187" sldId="257"/>
-            <ac:spMk id="3" creationId="{AC7759D9-0BB4-08ED-8476-24F7D903D6DE}"/>
-          </ac:spMkLst>
-        </pc:spChg>
-      </pc:sldChg>
-      <pc:sldChg chg="addSp delSp modSp mod modClrScheme chgLayout">
-        <pc:chgData name="Scruel Tao" userId="5ea5c98d59b44d4b" providerId="LiveId" clId="{2BA6F94F-59B6-4AA6-9DB6-4A8227DBE37E}" dt="2023-04-03T05:03:22.628" v="2756"/>
-        <pc:sldMkLst>
-          <pc:docMk/>
-          <pc:sldMk cId="3636494425" sldId="258"/>
-        </pc:sldMkLst>
-        <pc:spChg chg="mod ord">
-          <ac:chgData name="Scruel Tao" userId="5ea5c98d59b44d4b" providerId="LiveId" clId="{2BA6F94F-59B6-4AA6-9DB6-4A8227DBE37E}" dt="2023-04-03T05:03:22.628" v="2756"/>
-          <ac:spMkLst>
-            <pc:docMk/>
-            <pc:sldMk cId="3636494425" sldId="258"/>
-            <ac:spMk id="2" creationId="{ABA783DF-49A6-7EF1-661E-C574E2C2F386}"/>
-          </ac:spMkLst>
-        </pc:spChg>
-        <pc:spChg chg="mod ord">
-          <ac:chgData name="Scruel Tao" userId="5ea5c98d59b44d4b" providerId="LiveId" clId="{2BA6F94F-59B6-4AA6-9DB6-4A8227DBE37E}" dt="2023-04-03T03:46:29.252" v="641" actId="20577"/>
-          <ac:spMkLst>
-            <pc:docMk/>
-            <pc:sldMk cId="3636494425" sldId="258"/>
-            <ac:spMk id="3" creationId="{4C14948B-081B-0FED-AF72-DA2CFEC85EB0}"/>
-          </ac:spMkLst>
-        </pc:spChg>
-        <pc:spChg chg="add del mod ord">
-          <ac:chgData name="Scruel Tao" userId="5ea5c98d59b44d4b" providerId="LiveId" clId="{2BA6F94F-59B6-4AA6-9DB6-4A8227DBE37E}" dt="2023-04-03T03:44:53.662" v="491" actId="700"/>
-          <ac:spMkLst>
-            <pc:docMk/>
-            <pc:sldMk cId="3636494425" sldId="258"/>
-            <ac:spMk id="6" creationId="{F56D7D0D-9A8C-4EF8-27F2-E32848F94E27}"/>
-          </ac:spMkLst>
-        </pc:spChg>
-        <pc:spChg chg="add del mod ord">
-          <ac:chgData name="Scruel Tao" userId="5ea5c98d59b44d4b" providerId="LiveId" clId="{2BA6F94F-59B6-4AA6-9DB6-4A8227DBE37E}" dt="2023-04-03T03:47:53.866" v="642" actId="478"/>
-          <ac:spMkLst>
-            <pc:docMk/>
-            <pc:sldMk cId="3636494425" sldId="258"/>
-            <ac:spMk id="7" creationId="{34E14114-55C2-509B-E32D-4974A828AFB6}"/>
-          </ac:spMkLst>
-        </pc:spChg>
-        <pc:picChg chg="add mod">
-          <ac:chgData name="Scruel Tao" userId="5ea5c98d59b44d4b" providerId="LiveId" clId="{2BA6F94F-59B6-4AA6-9DB6-4A8227DBE37E}" dt="2023-04-03T03:45:05.643" v="494" actId="1076"/>
-          <ac:picMkLst>
-            <pc:docMk/>
-            <pc:sldMk cId="3636494425" sldId="258"/>
-            <ac:picMk id="5" creationId="{C5E50AA4-F82C-6E14-E269-5451494306AE}"/>
-          </ac:picMkLst>
-        </pc:picChg>
-      </pc:sldChg>
-      <pc:sldChg chg="addSp delSp modSp add mod modClrScheme chgLayout">
-        <pc:chgData name="Scruel Tao" userId="5ea5c98d59b44d4b" providerId="LiveId" clId="{2BA6F94F-59B6-4AA6-9DB6-4A8227DBE37E}" dt="2023-04-06T01:58:50.310" v="3415" actId="20577"/>
-        <pc:sldMkLst>
-          <pc:docMk/>
-          <pc:sldMk cId="1199684676" sldId="259"/>
-        </pc:sldMkLst>
-        <pc:spChg chg="mod ord">
-          <ac:chgData name="Scruel Tao" userId="5ea5c98d59b44d4b" providerId="LiveId" clId="{2BA6F94F-59B6-4AA6-9DB6-4A8227DBE37E}" dt="2023-04-06T01:58:50.310" v="3415" actId="20577"/>
-          <ac:spMkLst>
-            <pc:docMk/>
-            <pc:sldMk cId="1199684676" sldId="259"/>
-            <ac:spMk id="2" creationId="{ABA783DF-49A6-7EF1-661E-C574E2C2F386}"/>
-          </ac:spMkLst>
-        </pc:spChg>
-        <pc:spChg chg="del">
-          <ac:chgData name="Scruel Tao" userId="5ea5c98d59b44d4b" providerId="LiveId" clId="{2BA6F94F-59B6-4AA6-9DB6-4A8227DBE37E}" dt="2023-04-03T03:35:16.150" v="336"/>
-          <ac:spMkLst>
-            <pc:docMk/>
-            <pc:sldMk cId="1199684676" sldId="259"/>
-            <ac:spMk id="3" creationId="{4C14948B-081B-0FED-AF72-DA2CFEC85EB0}"/>
-          </ac:spMkLst>
-        </pc:spChg>
-        <pc:spChg chg="add del mod">
-          <ac:chgData name="Scruel Tao" userId="5ea5c98d59b44d4b" providerId="LiveId" clId="{2BA6F94F-59B6-4AA6-9DB6-4A8227DBE37E}" dt="2023-04-03T03:35:26.887" v="338"/>
-          <ac:spMkLst>
-            <pc:docMk/>
-            <pc:sldMk cId="1199684676" sldId="259"/>
-            <ac:spMk id="6" creationId="{99A6C97A-27D9-096E-3F01-65FA7A6B5674}"/>
-          </ac:spMkLst>
-        </pc:spChg>
-        <pc:spChg chg="add del mod">
-          <ac:chgData name="Scruel Tao" userId="5ea5c98d59b44d4b" providerId="LiveId" clId="{2BA6F94F-59B6-4AA6-9DB6-4A8227DBE37E}" dt="2023-04-03T03:35:46.159" v="342"/>
-          <ac:spMkLst>
-            <pc:docMk/>
-            <pc:sldMk cId="1199684676" sldId="259"/>
-            <ac:spMk id="9" creationId="{EA4CD5A2-8483-D61D-CBA0-AB48D8A07DC9}"/>
-          </ac:spMkLst>
-        </pc:spChg>
-        <pc:spChg chg="add mod ord">
-          <ac:chgData name="Scruel Tao" userId="5ea5c98d59b44d4b" providerId="LiveId" clId="{2BA6F94F-59B6-4AA6-9DB6-4A8227DBE37E}" dt="2023-04-06T01:54:00.591" v="3312" actId="20577"/>
-          <ac:spMkLst>
-            <pc:docMk/>
-            <pc:sldMk cId="1199684676" sldId="259"/>
-            <ac:spMk id="12" creationId="{17AECC1C-6944-9F68-770A-0455E86B2492}"/>
-          </ac:spMkLst>
-        </pc:spChg>
-        <pc:picChg chg="add del mod">
-          <ac:chgData name="Scruel Tao" userId="5ea5c98d59b44d4b" providerId="LiveId" clId="{2BA6F94F-59B6-4AA6-9DB6-4A8227DBE37E}" dt="2023-04-03T03:35:18.823" v="337" actId="478"/>
-          <ac:picMkLst>
-            <pc:docMk/>
-            <pc:sldMk cId="1199684676" sldId="259"/>
-            <ac:picMk id="4" creationId="{5CD98794-78EF-B400-A554-F39AC55576BD}"/>
-          </ac:picMkLst>
-        </pc:picChg>
-        <pc:picChg chg="add del mod">
-          <ac:chgData name="Scruel Tao" userId="5ea5c98d59b44d4b" providerId="LiveId" clId="{2BA6F94F-59B6-4AA6-9DB6-4A8227DBE37E}" dt="2023-04-03T03:35:35.326" v="341" actId="478"/>
-          <ac:picMkLst>
-            <pc:docMk/>
-            <pc:sldMk cId="1199684676" sldId="259"/>
-            <ac:picMk id="7" creationId="{F8FEA747-E9DF-6A17-2CB8-1B41D931CB90}"/>
-          </ac:picMkLst>
-        </pc:picChg>
-        <pc:picChg chg="add mod ord">
-          <ac:chgData name="Scruel Tao" userId="5ea5c98d59b44d4b" providerId="LiveId" clId="{2BA6F94F-59B6-4AA6-9DB6-4A8227DBE37E}" dt="2023-04-06T01:54:10.825" v="3315" actId="1076"/>
-          <ac:picMkLst>
-            <pc:docMk/>
-            <pc:sldMk cId="1199684676" sldId="259"/>
-            <ac:picMk id="11" creationId="{9D500740-D60E-EFBC-F3C9-43DA9B4672BC}"/>
-          </ac:picMkLst>
-        </pc:picChg>
-      </pc:sldChg>
-      <pc:sldChg chg="addSp delSp modSp add mod">
-        <pc:chgData name="Scruel Tao" userId="5ea5c98d59b44d4b" providerId="LiveId" clId="{2BA6F94F-59B6-4AA6-9DB6-4A8227DBE37E}" dt="2023-04-03T03:41:24.102" v="348" actId="1076"/>
-        <pc:sldMkLst>
-          <pc:docMk/>
-          <pc:sldMk cId="0" sldId="260"/>
-        </pc:sldMkLst>
-        <pc:spChg chg="mod">
-          <ac:chgData name="Scruel Tao" userId="5ea5c98d59b44d4b" providerId="LiveId" clId="{2BA6F94F-59B6-4AA6-9DB6-4A8227DBE37E}" dt="2023-04-03T03:33:34.644" v="330"/>
-          <ac:spMkLst>
-            <pc:docMk/>
-            <pc:sldMk cId="0" sldId="260"/>
-            <ac:spMk id="1227783" creationId="{F7B3941E-B689-22D6-F18C-358E4BAEDF5F}"/>
-          </ac:spMkLst>
-        </pc:spChg>
-        <pc:spChg chg="add del mod">
-          <ac:chgData name="Scruel Tao" userId="5ea5c98d59b44d4b" providerId="LiveId" clId="{2BA6F94F-59B6-4AA6-9DB6-4A8227DBE37E}" dt="2023-04-03T03:33:39.968" v="331" actId="1076"/>
-          <ac:spMkLst>
-            <pc:docMk/>
-            <pc:sldMk cId="0" sldId="260"/>
-            <ac:spMk id="1227786" creationId="{C3F4DD20-8FA3-3CB0-19B6-FE0240B92A34}"/>
-          </ac:spMkLst>
-        </pc:spChg>
-        <pc:picChg chg="add mod">
-          <ac:chgData name="Scruel Tao" userId="5ea5c98d59b44d4b" providerId="LiveId" clId="{2BA6F94F-59B6-4AA6-9DB6-4A8227DBE37E}" dt="2023-04-03T03:41:24.102" v="348" actId="1076"/>
-          <ac:picMkLst>
-            <pc:docMk/>
-            <pc:sldMk cId="0" sldId="260"/>
-            <ac:picMk id="4" creationId="{E03AF484-A892-E4D7-A8C4-A4C7AE20944E}"/>
-          </ac:picMkLst>
-        </pc:picChg>
-      </pc:sldChg>
-      <pc:sldChg chg="addSp delSp modSp add mod chgLayout">
-        <pc:chgData name="Scruel Tao" userId="5ea5c98d59b44d4b" providerId="LiveId" clId="{2BA6F94F-59B6-4AA6-9DB6-4A8227DBE37E}" dt="2023-04-06T01:59:00.026" v="3419" actId="20577"/>
-        <pc:sldMkLst>
-          <pc:docMk/>
-          <pc:sldMk cId="3351160539" sldId="261"/>
-        </pc:sldMkLst>
-        <pc:spChg chg="mod ord">
-          <ac:chgData name="Scruel Tao" userId="5ea5c98d59b44d4b" providerId="LiveId" clId="{2BA6F94F-59B6-4AA6-9DB6-4A8227DBE37E}" dt="2023-04-06T01:59:00.026" v="3419" actId="20577"/>
-          <ac:spMkLst>
-            <pc:docMk/>
-            <pc:sldMk cId="3351160539" sldId="261"/>
-            <ac:spMk id="2" creationId="{ABA783DF-49A6-7EF1-661E-C574E2C2F386}"/>
-          </ac:spMkLst>
-        </pc:spChg>
-        <pc:spChg chg="add del mod">
-          <ac:chgData name="Scruel Tao" userId="5ea5c98d59b44d4b" providerId="LiveId" clId="{2BA6F94F-59B6-4AA6-9DB6-4A8227DBE37E}" dt="2023-04-03T03:55:10.330" v="847" actId="700"/>
-          <ac:spMkLst>
-            <pc:docMk/>
-            <pc:sldMk cId="3351160539" sldId="261"/>
-            <ac:spMk id="4" creationId="{B3A734ED-5C82-D6A5-9DB3-B2DF9F846D94}"/>
-          </ac:spMkLst>
-        </pc:spChg>
-        <pc:spChg chg="add mod ord">
-          <ac:chgData name="Scruel Tao" userId="5ea5c98d59b44d4b" providerId="LiveId" clId="{2BA6F94F-59B6-4AA6-9DB6-4A8227DBE37E}" dt="2023-04-03T04:04:07.946" v="1365" actId="20577"/>
-          <ac:spMkLst>
-            <pc:docMk/>
-            <pc:sldMk cId="3351160539" sldId="261"/>
-            <ac:spMk id="5" creationId="{334FF01F-2A65-44F6-34F9-69AC934A31D7}"/>
-          </ac:spMkLst>
-        </pc:spChg>
-        <pc:spChg chg="add del mod">
-          <ac:chgData name="Scruel Tao" userId="5ea5c98d59b44d4b" providerId="LiveId" clId="{2BA6F94F-59B6-4AA6-9DB6-4A8227DBE37E}" dt="2023-04-03T03:59:25.344" v="1081"/>
-          <ac:spMkLst>
-            <pc:docMk/>
-            <pc:sldMk cId="3351160539" sldId="261"/>
-            <ac:spMk id="9" creationId="{C16084A3-CDE6-AAC4-2971-FD575FBF0A8B}"/>
-          </ac:spMkLst>
-        </pc:spChg>
-        <pc:spChg chg="del mod ord">
-          <ac:chgData name="Scruel Tao" userId="5ea5c98d59b44d4b" providerId="LiveId" clId="{2BA6F94F-59B6-4AA6-9DB6-4A8227DBE37E}" dt="2023-04-03T03:58:01.823" v="1015"/>
-          <ac:spMkLst>
-            <pc:docMk/>
-            <pc:sldMk cId="3351160539" sldId="261"/>
-            <ac:spMk id="12" creationId="{17AECC1C-6944-9F68-770A-0455E86B2492}"/>
-          </ac:spMkLst>
-        </pc:spChg>
-        <pc:spChg chg="add mod">
-          <ac:chgData name="Scruel Tao" userId="5ea5c98d59b44d4b" providerId="LiveId" clId="{2BA6F94F-59B6-4AA6-9DB6-4A8227DBE37E}" dt="2023-04-03T04:05:44.217" v="1475" actId="114"/>
-          <ac:spMkLst>
-            <pc:docMk/>
-            <pc:sldMk cId="3351160539" sldId="261"/>
-            <ac:spMk id="14" creationId="{670E3534-8F35-5B26-8418-171E013CEE09}"/>
-          </ac:spMkLst>
-        </pc:spChg>
-        <pc:picChg chg="add del mod">
-          <ac:chgData name="Scruel Tao" userId="5ea5c98d59b44d4b" providerId="LiveId" clId="{2BA6F94F-59B6-4AA6-9DB6-4A8227DBE37E}" dt="2023-04-03T03:59:24.519" v="1080" actId="478"/>
-          <ac:picMkLst>
-            <pc:docMk/>
-            <pc:sldMk cId="3351160539" sldId="261"/>
-            <ac:picMk id="7" creationId="{0FBFFB0C-E3DC-4B3B-8988-A0B34551F390}"/>
-          </ac:picMkLst>
-        </pc:picChg>
-        <pc:picChg chg="del">
-          <ac:chgData name="Scruel Tao" userId="5ea5c98d59b44d4b" providerId="LiveId" clId="{2BA6F94F-59B6-4AA6-9DB6-4A8227DBE37E}" dt="2023-04-03T03:53:43.786" v="845" actId="21"/>
-          <ac:picMkLst>
-            <pc:docMk/>
-            <pc:sldMk cId="3351160539" sldId="261"/>
-            <ac:picMk id="11" creationId="{9D500740-D60E-EFBC-F3C9-43DA9B4672BC}"/>
-          </ac:picMkLst>
-        </pc:picChg>
-        <pc:picChg chg="add mod">
-          <ac:chgData name="Scruel Tao" userId="5ea5c98d59b44d4b" providerId="LiveId" clId="{2BA6F94F-59B6-4AA6-9DB6-4A8227DBE37E}" dt="2023-04-03T04:05:27.689" v="1473" actId="1076"/>
-          <ac:picMkLst>
-            <pc:docMk/>
-            <pc:sldMk cId="3351160539" sldId="261"/>
-            <ac:picMk id="13" creationId="{7C633EC2-82A6-5F6A-D9A3-326C1E77FDA3}"/>
-          </ac:picMkLst>
-        </pc:picChg>
-      </pc:sldChg>
-      <pc:sldChg chg="addSp delSp modSp add mod">
-        <pc:chgData name="Scruel Tao" userId="5ea5c98d59b44d4b" providerId="LiveId" clId="{2BA6F94F-59B6-4AA6-9DB6-4A8227DBE37E}" dt="2023-04-06T03:20:40.633" v="6312" actId="20577"/>
-        <pc:sldMkLst>
-          <pc:docMk/>
-          <pc:sldMk cId="1122177192" sldId="262"/>
-        </pc:sldMkLst>
-        <pc:spChg chg="mod">
-          <ac:chgData name="Scruel Tao" userId="5ea5c98d59b44d4b" providerId="LiveId" clId="{2BA6F94F-59B6-4AA6-9DB6-4A8227DBE37E}" dt="2023-04-06T03:20:30.082" v="6290" actId="20577"/>
-          <ac:spMkLst>
-            <pc:docMk/>
-            <pc:sldMk cId="1122177192" sldId="262"/>
-            <ac:spMk id="2" creationId="{ABA783DF-49A6-7EF1-661E-C574E2C2F386}"/>
-          </ac:spMkLst>
-        </pc:spChg>
-        <pc:spChg chg="mod">
-          <ac:chgData name="Scruel Tao" userId="5ea5c98d59b44d4b" providerId="LiveId" clId="{2BA6F94F-59B6-4AA6-9DB6-4A8227DBE37E}" dt="2023-04-06T03:20:40.633" v="6312" actId="20577"/>
-          <ac:spMkLst>
-            <pc:docMk/>
-            <pc:sldMk cId="1122177192" sldId="262"/>
-            <ac:spMk id="5" creationId="{334FF01F-2A65-44F6-34F9-69AC934A31D7}"/>
-          </ac:spMkLst>
-        </pc:spChg>
-        <pc:spChg chg="del">
-          <ac:chgData name="Scruel Tao" userId="5ea5c98d59b44d4b" providerId="LiveId" clId="{2BA6F94F-59B6-4AA6-9DB6-4A8227DBE37E}" dt="2023-04-03T04:15:30.512" v="1555"/>
-          <ac:spMkLst>
-            <pc:docMk/>
-            <pc:sldMk cId="1122177192" sldId="262"/>
-            <ac:spMk id="12" creationId="{17AECC1C-6944-9F68-770A-0455E86B2492}"/>
-          </ac:spMkLst>
-        </pc:spChg>
-        <pc:picChg chg="add mod">
-          <ac:chgData name="Scruel Tao" userId="5ea5c98d59b44d4b" providerId="LiveId" clId="{2BA6F94F-59B6-4AA6-9DB6-4A8227DBE37E}" dt="2023-04-03T04:15:30.512" v="1555"/>
-          <ac:picMkLst>
-            <pc:docMk/>
-            <pc:sldMk cId="1122177192" sldId="262"/>
-            <ac:picMk id="4" creationId="{1025CE4E-D3BC-5184-15B8-313E85995FFB}"/>
-          </ac:picMkLst>
-        </pc:picChg>
-      </pc:sldChg>
-      <pc:sldChg chg="addSp delSp modSp add mod chgLayout">
-        <pc:chgData name="Scruel Tao" userId="5ea5c98d59b44d4b" providerId="LiveId" clId="{2BA6F94F-59B6-4AA6-9DB6-4A8227DBE37E}" dt="2023-04-06T01:59:30.132" v="3435" actId="20577"/>
-        <pc:sldMkLst>
-          <pc:docMk/>
-          <pc:sldMk cId="3745137309" sldId="263"/>
-        </pc:sldMkLst>
-        <pc:spChg chg="mod ord">
-          <ac:chgData name="Scruel Tao" userId="5ea5c98d59b44d4b" providerId="LiveId" clId="{2BA6F94F-59B6-4AA6-9DB6-4A8227DBE37E}" dt="2023-04-06T01:59:30.132" v="3435" actId="20577"/>
-          <ac:spMkLst>
-            <pc:docMk/>
-            <pc:sldMk cId="3745137309" sldId="263"/>
-            <ac:spMk id="2" creationId="{ABA783DF-49A6-7EF1-661E-C574E2C2F386}"/>
-          </ac:spMkLst>
-        </pc:spChg>
-        <pc:spChg chg="del">
-          <ac:chgData name="Scruel Tao" userId="5ea5c98d59b44d4b" providerId="LiveId" clId="{2BA6F94F-59B6-4AA6-9DB6-4A8227DBE37E}" dt="2023-04-03T04:18:57.963" v="1679"/>
-          <ac:spMkLst>
-            <pc:docMk/>
-            <pc:sldMk cId="3745137309" sldId="263"/>
-            <ac:spMk id="5" creationId="{334FF01F-2A65-44F6-34F9-69AC934A31D7}"/>
-          </ac:spMkLst>
-        </pc:spChg>
-        <pc:spChg chg="add del mod ord">
-          <ac:chgData name="Scruel Tao" userId="5ea5c98d59b44d4b" providerId="LiveId" clId="{2BA6F94F-59B6-4AA6-9DB6-4A8227DBE37E}" dt="2023-04-03T04:19:17.511" v="1685"/>
-          <ac:spMkLst>
-            <pc:docMk/>
-            <pc:sldMk cId="3745137309" sldId="263"/>
-            <ac:spMk id="6" creationId="{6B189840-C568-FCE7-C338-AC0FAD512F62}"/>
-          </ac:spMkLst>
-        </pc:spChg>
-        <pc:spChg chg="add mod">
-          <ac:chgData name="Scruel Tao" userId="5ea5c98d59b44d4b" providerId="LiveId" clId="{2BA6F94F-59B6-4AA6-9DB6-4A8227DBE37E}" dt="2023-04-03T04:24:42.121" v="1788" actId="1076"/>
-          <ac:spMkLst>
-            <pc:docMk/>
-            <pc:sldMk cId="3745137309" sldId="263"/>
-            <ac:spMk id="8" creationId="{4EC194EB-1593-CBF2-055D-77D4ADFC943F}"/>
-          </ac:spMkLst>
-        </pc:spChg>
-        <pc:spChg chg="del">
-          <ac:chgData name="Scruel Tao" userId="5ea5c98d59b44d4b" providerId="LiveId" clId="{2BA6F94F-59B6-4AA6-9DB6-4A8227DBE37E}" dt="2023-04-03T04:19:06.857" v="1681" actId="478"/>
-          <ac:spMkLst>
-            <pc:docMk/>
-            <pc:sldMk cId="3745137309" sldId="263"/>
-            <ac:spMk id="12" creationId="{17AECC1C-6944-9F68-770A-0455E86B2492}"/>
-          </ac:spMkLst>
-        </pc:spChg>
-        <pc:spChg chg="add del mod">
-          <ac:chgData name="Scruel Tao" userId="5ea5c98d59b44d4b" providerId="LiveId" clId="{2BA6F94F-59B6-4AA6-9DB6-4A8227DBE37E}" dt="2023-04-03T04:39:14.278" v="1794"/>
-          <ac:spMkLst>
-            <pc:docMk/>
-            <pc:sldMk cId="3745137309" sldId="263"/>
-            <ac:spMk id="13" creationId="{2B1E7E69-5ECD-2369-2087-012FACB0EF09}"/>
-          </ac:spMkLst>
-        </pc:spChg>
-        <pc:spChg chg="add mod">
-          <ac:chgData name="Scruel Tao" userId="5ea5c98d59b44d4b" providerId="LiveId" clId="{2BA6F94F-59B6-4AA6-9DB6-4A8227DBE37E}" dt="2023-04-03T04:43:54.118" v="2025" actId="1076"/>
-          <ac:spMkLst>
-            <pc:docMk/>
-            <pc:sldMk cId="3745137309" sldId="263"/>
-            <ac:spMk id="14" creationId="{7382B610-BA58-D421-667D-2CC58252E53B}"/>
-          </ac:spMkLst>
-        </pc:spChg>
-        <pc:spChg chg="add del mod">
-          <ac:chgData name="Scruel Tao" userId="5ea5c98d59b44d4b" providerId="LiveId" clId="{2BA6F94F-59B6-4AA6-9DB6-4A8227DBE37E}" dt="2023-04-03T04:41:30.895" v="1872"/>
-          <ac:spMkLst>
-            <pc:docMk/>
-            <pc:sldMk cId="3745137309" sldId="263"/>
-            <ac:spMk id="20" creationId="{3C1528B3-D941-8F6A-C2B1-9FE727504D1A}"/>
-          </ac:spMkLst>
-        </pc:spChg>
-        <pc:spChg chg="add mod">
-          <ac:chgData name="Scruel Tao" userId="5ea5c98d59b44d4b" providerId="LiveId" clId="{2BA6F94F-59B6-4AA6-9DB6-4A8227DBE37E}" dt="2023-04-03T04:43:48.923" v="2024" actId="113"/>
-          <ac:spMkLst>
-            <pc:docMk/>
-            <pc:sldMk cId="3745137309" sldId="263"/>
-            <ac:spMk id="22" creationId="{7B6674C0-F558-F52E-4B1A-A3B15762388C}"/>
-          </ac:spMkLst>
-        </pc:spChg>
-        <pc:picChg chg="add del mod ord">
-          <ac:chgData name="Scruel Tao" userId="5ea5c98d59b44d4b" providerId="LiveId" clId="{2BA6F94F-59B6-4AA6-9DB6-4A8227DBE37E}" dt="2023-04-03T04:19:16.103" v="1684" actId="21"/>
-          <ac:picMkLst>
-            <pc:docMk/>
-            <pc:sldMk cId="3745137309" sldId="263"/>
-            <ac:picMk id="4" creationId="{52AC7973-0B2B-7791-FC5B-6D95CBD8CBA1}"/>
-          </ac:picMkLst>
-        </pc:picChg>
-        <pc:picChg chg="add del mod">
-          <ac:chgData name="Scruel Tao" userId="5ea5c98d59b44d4b" providerId="LiveId" clId="{2BA6F94F-59B6-4AA6-9DB6-4A8227DBE37E}" dt="2023-04-03T04:41:22.605" v="1869" actId="478"/>
-          <ac:picMkLst>
-            <pc:docMk/>
-            <pc:sldMk cId="3745137309" sldId="263"/>
-            <ac:picMk id="9" creationId="{B07056AA-01D5-51E8-D408-F1980FDC4BC3}"/>
-          </ac:picMkLst>
-        </pc:picChg>
-        <pc:picChg chg="add del mod">
-          <ac:chgData name="Scruel Tao" userId="5ea5c98d59b44d4b" providerId="LiveId" clId="{2BA6F94F-59B6-4AA6-9DB6-4A8227DBE37E}" dt="2023-04-03T04:40:34.570" v="1864" actId="21"/>
-          <ac:picMkLst>
-            <pc:docMk/>
-            <pc:sldMk cId="3745137309" sldId="263"/>
-            <ac:picMk id="11" creationId="{F2971DA2-97CA-921D-0683-2575B93D11D9}"/>
-          </ac:picMkLst>
-        </pc:picChg>
-        <pc:picChg chg="add mod">
-          <ac:chgData name="Scruel Tao" userId="5ea5c98d59b44d4b" providerId="LiveId" clId="{2BA6F94F-59B6-4AA6-9DB6-4A8227DBE37E}" dt="2023-04-03T04:41:02.756" v="1866" actId="1076"/>
-          <ac:picMkLst>
-            <pc:docMk/>
-            <pc:sldMk cId="3745137309" sldId="263"/>
-            <ac:picMk id="16" creationId="{6DA1B3CC-2227-CCDD-B3BF-D5E87A89708B}"/>
-          </ac:picMkLst>
-        </pc:picChg>
-        <pc:picChg chg="add del mod">
-          <ac:chgData name="Scruel Tao" userId="5ea5c98d59b44d4b" providerId="LiveId" clId="{2BA6F94F-59B6-4AA6-9DB6-4A8227DBE37E}" dt="2023-04-03T04:41:29.949" v="1871" actId="21"/>
-          <ac:picMkLst>
-            <pc:docMk/>
-            <pc:sldMk cId="3745137309" sldId="263"/>
-            <ac:picMk id="18" creationId="{313CB848-6C20-4548-45B0-BFDAA30EA3A2}"/>
-          </ac:picMkLst>
-        </pc:picChg>
-        <pc:picChg chg="add mod">
-          <ac:chgData name="Scruel Tao" userId="5ea5c98d59b44d4b" providerId="LiveId" clId="{2BA6F94F-59B6-4AA6-9DB6-4A8227DBE37E}" dt="2023-04-03T04:43:33.350" v="2001" actId="1076"/>
-          <ac:picMkLst>
-            <pc:docMk/>
-            <pc:sldMk cId="3745137309" sldId="263"/>
-            <ac:picMk id="21" creationId="{87C92696-2285-C2FB-D306-11BA00515544}"/>
-          </ac:picMkLst>
-        </pc:picChg>
-      </pc:sldChg>
-      <pc:sldChg chg="addSp delSp modSp add mod ord">
-        <pc:chgData name="Scruel Tao" userId="5ea5c98d59b44d4b" providerId="LiveId" clId="{2BA6F94F-59B6-4AA6-9DB6-4A8227DBE37E}" dt="2023-04-06T01:59:23.291" v="3427" actId="20577"/>
-        <pc:sldMkLst>
-          <pc:docMk/>
-          <pc:sldMk cId="3725727672" sldId="264"/>
-        </pc:sldMkLst>
-        <pc:spChg chg="mod">
-          <ac:chgData name="Scruel Tao" userId="5ea5c98d59b44d4b" providerId="LiveId" clId="{2BA6F94F-59B6-4AA6-9DB6-4A8227DBE37E}" dt="2023-04-06T01:59:23.291" v="3427" actId="20577"/>
-          <ac:spMkLst>
-            <pc:docMk/>
-            <pc:sldMk cId="3725727672" sldId="264"/>
-            <ac:spMk id="2" creationId="{ABA783DF-49A6-7EF1-661E-C574E2C2F386}"/>
-          </ac:spMkLst>
-        </pc:spChg>
-        <pc:spChg chg="mod">
-          <ac:chgData name="Scruel Tao" userId="5ea5c98d59b44d4b" providerId="LiveId" clId="{2BA6F94F-59B6-4AA6-9DB6-4A8227DBE37E}" dt="2023-04-03T05:01:36.612" v="2644" actId="1076"/>
-          <ac:spMkLst>
-            <pc:docMk/>
-            <pc:sldMk cId="3725727672" sldId="264"/>
-            <ac:spMk id="5" creationId="{334FF01F-2A65-44F6-34F9-69AC934A31D7}"/>
-          </ac:spMkLst>
-        </pc:spChg>
-        <pc:spChg chg="add del mod">
-          <ac:chgData name="Scruel Tao" userId="5ea5c98d59b44d4b" providerId="LiveId" clId="{2BA6F94F-59B6-4AA6-9DB6-4A8227DBE37E}" dt="2023-04-03T05:00:26.370" v="2626"/>
-          <ac:spMkLst>
-            <pc:docMk/>
-            <pc:sldMk cId="3725727672" sldId="264"/>
-            <ac:spMk id="11" creationId="{E9210103-9DD3-6F29-C0C7-B18A6E419E73}"/>
-          </ac:spMkLst>
-        </pc:spChg>
-        <pc:spChg chg="del mod">
-          <ac:chgData name="Scruel Tao" userId="5ea5c98d59b44d4b" providerId="LiveId" clId="{2BA6F94F-59B6-4AA6-9DB6-4A8227DBE37E}" dt="2023-04-03T04:44:34.015" v="2029"/>
-          <ac:spMkLst>
-            <pc:docMk/>
-            <pc:sldMk cId="3725727672" sldId="264"/>
-            <ac:spMk id="12" creationId="{17AECC1C-6944-9F68-770A-0455E86B2492}"/>
-          </ac:spMkLst>
-        </pc:spChg>
-        <pc:spChg chg="add mod">
-          <ac:chgData name="Scruel Tao" userId="5ea5c98d59b44d4b" providerId="LiveId" clId="{2BA6F94F-59B6-4AA6-9DB6-4A8227DBE37E}" dt="2023-04-03T05:03:05.445" v="2754" actId="1076"/>
-          <ac:spMkLst>
-            <pc:docMk/>
-            <pc:sldMk cId="3725727672" sldId="264"/>
-            <ac:spMk id="15" creationId="{57CD949C-3C60-4F11-3188-DAAC2954E147}"/>
-          </ac:spMkLst>
-        </pc:spChg>
-        <pc:picChg chg="add del mod">
-          <ac:chgData name="Scruel Tao" userId="5ea5c98d59b44d4b" providerId="LiveId" clId="{2BA6F94F-59B6-4AA6-9DB6-4A8227DBE37E}" dt="2023-04-03T05:00:25.324" v="2625" actId="478"/>
-          <ac:picMkLst>
-            <pc:docMk/>
-            <pc:sldMk cId="3725727672" sldId="264"/>
-            <ac:picMk id="4" creationId="{A511FBE8-0DD6-E630-8EF3-0C4EEA9CD752}"/>
-          </ac:picMkLst>
-        </pc:picChg>
-        <pc:picChg chg="add del mod">
-          <ac:chgData name="Scruel Tao" userId="5ea5c98d59b44d4b" providerId="LiveId" clId="{2BA6F94F-59B6-4AA6-9DB6-4A8227DBE37E}" dt="2023-04-03T04:57:24.837" v="2616" actId="21"/>
-          <ac:picMkLst>
-            <pc:docMk/>
-            <pc:sldMk cId="3725727672" sldId="264"/>
-            <ac:picMk id="7" creationId="{DD04D8AF-8509-73F1-4E2C-416ED822D93C}"/>
-          </ac:picMkLst>
-        </pc:picChg>
-        <pc:picChg chg="add mod">
-          <ac:chgData name="Scruel Tao" userId="5ea5c98d59b44d4b" providerId="LiveId" clId="{2BA6F94F-59B6-4AA6-9DB6-4A8227DBE37E}" dt="2023-04-03T05:01:32.816" v="2643" actId="1076"/>
-          <ac:picMkLst>
-            <pc:docMk/>
-            <pc:sldMk cId="3725727672" sldId="264"/>
-            <ac:picMk id="9" creationId="{5508513D-8323-A6F7-C52C-5D05B49C07CC}"/>
-          </ac:picMkLst>
-        </pc:picChg>
-        <pc:picChg chg="add mod">
-          <ac:chgData name="Scruel Tao" userId="5ea5c98d59b44d4b" providerId="LiveId" clId="{2BA6F94F-59B6-4AA6-9DB6-4A8227DBE37E}" dt="2023-04-03T05:01:30.973" v="2642" actId="1076"/>
-          <ac:picMkLst>
-            <pc:docMk/>
-            <pc:sldMk cId="3725727672" sldId="264"/>
-            <ac:picMk id="14" creationId="{D5EB1BEF-B3CD-34F8-C19A-87E8C64345B3}"/>
-          </ac:picMkLst>
-        </pc:picChg>
-      </pc:sldChg>
-      <pc:sldChg chg="addSp delSp modSp add mod">
-        <pc:chgData name="Scruel Tao" userId="5ea5c98d59b44d4b" providerId="LiveId" clId="{2BA6F94F-59B6-4AA6-9DB6-4A8227DBE37E}" dt="2023-04-06T03:12:15.194" v="6242" actId="13926"/>
-        <pc:sldMkLst>
-          <pc:docMk/>
-          <pc:sldMk cId="3416507657" sldId="265"/>
-        </pc:sldMkLst>
-        <pc:spChg chg="mod">
-          <ac:chgData name="Scruel Tao" userId="5ea5c98d59b44d4b" providerId="LiveId" clId="{2BA6F94F-59B6-4AA6-9DB6-4A8227DBE37E}" dt="2023-04-06T01:59:38.903" v="3439" actId="20577"/>
-          <ac:spMkLst>
-            <pc:docMk/>
-            <pc:sldMk cId="3416507657" sldId="265"/>
-            <ac:spMk id="2" creationId="{ABA783DF-49A6-7EF1-661E-C574E2C2F386}"/>
-          </ac:spMkLst>
-        </pc:spChg>
-        <pc:spChg chg="add del mod">
-          <ac:chgData name="Scruel Tao" userId="5ea5c98d59b44d4b" providerId="LiveId" clId="{2BA6F94F-59B6-4AA6-9DB6-4A8227DBE37E}" dt="2023-04-06T03:12:15.194" v="6242" actId="13926"/>
-          <ac:spMkLst>
-            <pc:docMk/>
-            <pc:sldMk cId="3416507657" sldId="265"/>
-            <ac:spMk id="5" creationId="{334FF01F-2A65-44F6-34F9-69AC934A31D7}"/>
-          </ac:spMkLst>
-        </pc:spChg>
-        <pc:spChg chg="add del mod">
-          <ac:chgData name="Scruel Tao" userId="5ea5c98d59b44d4b" providerId="LiveId" clId="{2BA6F94F-59B6-4AA6-9DB6-4A8227DBE37E}" dt="2023-04-03T05:07:31.501" v="2932"/>
-          <ac:spMkLst>
-            <pc:docMk/>
-            <pc:sldMk cId="3416507657" sldId="265"/>
-            <ac:spMk id="9" creationId="{CCAFF9B5-8F81-F673-219D-9240B0194641}"/>
-          </ac:spMkLst>
-        </pc:spChg>
-        <pc:spChg chg="del">
-          <ac:chgData name="Scruel Tao" userId="5ea5c98d59b44d4b" providerId="LiveId" clId="{2BA6F94F-59B6-4AA6-9DB6-4A8227DBE37E}" dt="2023-04-03T05:06:16.950" v="2812"/>
-          <ac:spMkLst>
-            <pc:docMk/>
-            <pc:sldMk cId="3416507657" sldId="265"/>
-            <ac:spMk id="12" creationId="{17AECC1C-6944-9F68-770A-0455E86B2492}"/>
-          </ac:spMkLst>
-        </pc:spChg>
-        <pc:picChg chg="add del mod">
-          <ac:chgData name="Scruel Tao" userId="5ea5c98d59b44d4b" providerId="LiveId" clId="{2BA6F94F-59B6-4AA6-9DB6-4A8227DBE37E}" dt="2023-04-03T05:06:16.168" v="2811"/>
-          <ac:picMkLst>
-            <pc:docMk/>
-            <pc:sldMk cId="3416507657" sldId="265"/>
-            <ac:picMk id="4" creationId="{ABCDEA2C-CB97-DE24-E641-E77BFA3BF78D}"/>
-          </ac:picMkLst>
-        </pc:picChg>
-        <pc:picChg chg="add del mod">
-          <ac:chgData name="Scruel Tao" userId="5ea5c98d59b44d4b" providerId="LiveId" clId="{2BA6F94F-59B6-4AA6-9DB6-4A8227DBE37E}" dt="2023-04-03T05:07:30.490" v="2931" actId="478"/>
-          <ac:picMkLst>
-            <pc:docMk/>
-            <pc:sldMk cId="3416507657" sldId="265"/>
-            <ac:picMk id="7" creationId="{203C7841-531F-0781-7458-699E2A5C7CE7}"/>
-          </ac:picMkLst>
-        </pc:picChg>
-        <pc:picChg chg="add mod">
-          <ac:chgData name="Scruel Tao" userId="5ea5c98d59b44d4b" providerId="LiveId" clId="{2BA6F94F-59B6-4AA6-9DB6-4A8227DBE37E}" dt="2023-04-03T05:09:18.591" v="3012" actId="1076"/>
-          <ac:picMkLst>
-            <pc:docMk/>
-            <pc:sldMk cId="3416507657" sldId="265"/>
-            <ac:picMk id="11" creationId="{44AA24C5-508C-4D40-7E65-55D5627E4671}"/>
-          </ac:picMkLst>
-        </pc:picChg>
-      </pc:sldChg>
-      <pc:sldChg chg="add del">
-        <pc:chgData name="Scruel Tao" userId="5ea5c98d59b44d4b" providerId="LiveId" clId="{2BA6F94F-59B6-4AA6-9DB6-4A8227DBE37E}" dt="2023-04-03T05:03:50.426" v="2761" actId="47"/>
-        <pc:sldMkLst>
-          <pc:docMk/>
-          <pc:sldMk cId="3540231720" sldId="266"/>
-        </pc:sldMkLst>
-      </pc:sldChg>
-      <pc:sldChg chg="add del">
-        <pc:chgData name="Scruel Tao" userId="5ea5c98d59b44d4b" providerId="LiveId" clId="{2BA6F94F-59B6-4AA6-9DB6-4A8227DBE37E}" dt="2023-04-03T05:03:50.758" v="2762" actId="47"/>
-        <pc:sldMkLst>
-          <pc:docMk/>
-          <pc:sldMk cId="4025758886" sldId="267"/>
-        </pc:sldMkLst>
-      </pc:sldChg>
-      <pc:sldChg chg="add del">
-        <pc:chgData name="Scruel Tao" userId="5ea5c98d59b44d4b" providerId="LiveId" clId="{2BA6F94F-59B6-4AA6-9DB6-4A8227DBE37E}" dt="2023-04-03T05:03:50.967" v="2763" actId="47"/>
-        <pc:sldMkLst>
-          <pc:docMk/>
-          <pc:sldMk cId="3881832977" sldId="268"/>
-        </pc:sldMkLst>
-      </pc:sldChg>
-      <pc:sldChg chg="add del">
-        <pc:chgData name="Scruel Tao" userId="5ea5c98d59b44d4b" providerId="LiveId" clId="{2BA6F94F-59B6-4AA6-9DB6-4A8227DBE37E}" dt="2023-04-03T05:03:51.140" v="2764" actId="47"/>
-        <pc:sldMkLst>
-          <pc:docMk/>
-          <pc:sldMk cId="3546485175" sldId="269"/>
-        </pc:sldMkLst>
-      </pc:sldChg>
-      <pc:sldChg chg="addSp delSp modSp add mod ord">
-        <pc:chgData name="Scruel Tao" userId="5ea5c98d59b44d4b" providerId="LiveId" clId="{2BA6F94F-59B6-4AA6-9DB6-4A8227DBE37E}" dt="2023-04-06T03:12:53.496" v="6269" actId="1076"/>
-        <pc:sldMkLst>
-          <pc:docMk/>
-          <pc:sldMk cId="192831406" sldId="270"/>
-        </pc:sldMkLst>
-        <pc:spChg chg="mod">
-          <ac:chgData name="Scruel Tao" userId="5ea5c98d59b44d4b" providerId="LiveId" clId="{2BA6F94F-59B6-4AA6-9DB6-4A8227DBE37E}" dt="2023-04-06T01:59:06.037" v="3423" actId="20577"/>
-          <ac:spMkLst>
-            <pc:docMk/>
-            <pc:sldMk cId="192831406" sldId="270"/>
-            <ac:spMk id="2" creationId="{ABA783DF-49A6-7EF1-661E-C574E2C2F386}"/>
-          </ac:spMkLst>
-        </pc:spChg>
-        <pc:spChg chg="mod">
-          <ac:chgData name="Scruel Tao" userId="5ea5c98d59b44d4b" providerId="LiveId" clId="{2BA6F94F-59B6-4AA6-9DB6-4A8227DBE37E}" dt="2023-04-03T04:55:36.354" v="2500" actId="20577"/>
-          <ac:spMkLst>
-            <pc:docMk/>
-            <pc:sldMk cId="192831406" sldId="270"/>
-            <ac:spMk id="5" creationId="{334FF01F-2A65-44F6-34F9-69AC934A31D7}"/>
-          </ac:spMkLst>
-        </pc:spChg>
-        <pc:spChg chg="add del mod">
-          <ac:chgData name="Scruel Tao" userId="5ea5c98d59b44d4b" providerId="LiveId" clId="{2BA6F94F-59B6-4AA6-9DB6-4A8227DBE37E}" dt="2023-04-03T04:49:26.325" v="2108"/>
-          <ac:spMkLst>
-            <pc:docMk/>
-            <pc:sldMk cId="192831406" sldId="270"/>
-            <ac:spMk id="6" creationId="{4825B1F8-4B63-9130-AF5C-D8B58F7AE6AF}"/>
-          </ac:spMkLst>
-        </pc:spChg>
-        <pc:spChg chg="add del mod">
-          <ac:chgData name="Scruel Tao" userId="5ea5c98d59b44d4b" providerId="LiveId" clId="{2BA6F94F-59B6-4AA6-9DB6-4A8227DBE37E}" dt="2023-04-03T04:55:48.392" v="2504"/>
-          <ac:spMkLst>
-            <pc:docMk/>
-            <pc:sldMk cId="192831406" sldId="270"/>
-            <ac:spMk id="13" creationId="{BFF52406-2E49-3B9D-2A6D-2A5EDD1B1D0D}"/>
-          </ac:spMkLst>
-        </pc:spChg>
-        <pc:spChg chg="add mod">
-          <ac:chgData name="Scruel Tao" userId="5ea5c98d59b44d4b" providerId="LiveId" clId="{2BA6F94F-59B6-4AA6-9DB6-4A8227DBE37E}" dt="2023-04-06T03:12:53.496" v="6269" actId="1076"/>
-          <ac:spMkLst>
-            <pc:docMk/>
-            <pc:sldMk cId="192831406" sldId="270"/>
-            <ac:spMk id="14" creationId="{BF2C039C-7D70-5BA8-10BF-AC65C1C472C2}"/>
-          </ac:spMkLst>
-        </pc:spChg>
-        <pc:picChg chg="del">
-          <ac:chgData name="Scruel Tao" userId="5ea5c98d59b44d4b" providerId="LiveId" clId="{2BA6F94F-59B6-4AA6-9DB6-4A8227DBE37E}" dt="2023-04-03T04:46:04.237" v="2072" actId="21"/>
-          <ac:picMkLst>
-            <pc:docMk/>
-            <pc:sldMk cId="192831406" sldId="270"/>
-            <ac:picMk id="4" creationId="{A511FBE8-0DD6-E630-8EF3-0C4EEA9CD752}"/>
-          </ac:picMkLst>
-        </pc:picChg>
-        <pc:picChg chg="del mod">
-          <ac:chgData name="Scruel Tao" userId="5ea5c98d59b44d4b" providerId="LiveId" clId="{2BA6F94F-59B6-4AA6-9DB6-4A8227DBE37E}" dt="2023-04-03T04:49:25.552" v="2107" actId="21"/>
-          <ac:picMkLst>
-            <pc:docMk/>
-            <pc:sldMk cId="192831406" sldId="270"/>
-            <ac:picMk id="7" creationId="{DD04D8AF-8509-73F1-4E2C-416ED822D93C}"/>
-          </ac:picMkLst>
-        </pc:picChg>
-        <pc:picChg chg="add mod">
-          <ac:chgData name="Scruel Tao" userId="5ea5c98d59b44d4b" providerId="LiveId" clId="{2BA6F94F-59B6-4AA6-9DB6-4A8227DBE37E}" dt="2023-04-03T04:56:24.305" v="2563" actId="1076"/>
-          <ac:picMkLst>
-            <pc:docMk/>
-            <pc:sldMk cId="192831406" sldId="270"/>
-            <ac:picMk id="8" creationId="{9FEE71E3-5A5A-BDD3-0177-666AE0953528}"/>
-          </ac:picMkLst>
-        </pc:picChg>
-        <pc:picChg chg="add mod">
-          <ac:chgData name="Scruel Tao" userId="5ea5c98d59b44d4b" providerId="LiveId" clId="{2BA6F94F-59B6-4AA6-9DB6-4A8227DBE37E}" dt="2023-04-03T04:57:09.828" v="2614" actId="1076"/>
-          <ac:picMkLst>
-            <pc:docMk/>
-            <pc:sldMk cId="192831406" sldId="270"/>
-            <ac:picMk id="10" creationId="{ED7D2C24-3911-466C-3E76-669FC1671250}"/>
-          </ac:picMkLst>
-        </pc:picChg>
-        <pc:picChg chg="add mod">
-          <ac:chgData name="Scruel Tao" userId="5ea5c98d59b44d4b" providerId="LiveId" clId="{2BA6F94F-59B6-4AA6-9DB6-4A8227DBE37E}" dt="2023-04-03T04:55:39.683" v="2501" actId="1076"/>
-          <ac:picMkLst>
-            <pc:docMk/>
-            <pc:sldMk cId="192831406" sldId="270"/>
-            <ac:picMk id="12" creationId="{A8B42638-E2EC-8913-3326-65DFC6BFA414}"/>
-          </ac:picMkLst>
-        </pc:picChg>
-      </pc:sldChg>
-      <pc:sldChg chg="addSp delSp modSp add mod modTransition delAnim modAnim">
-        <pc:chgData name="Scruel Tao" userId="5ea5c98d59b44d4b" providerId="LiveId" clId="{2BA6F94F-59B6-4AA6-9DB6-4A8227DBE37E}" dt="2023-04-06T02:37:35.540" v="4103" actId="20577"/>
-        <pc:sldMkLst>
-          <pc:docMk/>
-          <pc:sldMk cId="555885545" sldId="271"/>
-        </pc:sldMkLst>
-        <pc:spChg chg="mod">
-          <ac:chgData name="Scruel Tao" userId="5ea5c98d59b44d4b" providerId="LiveId" clId="{2BA6F94F-59B6-4AA6-9DB6-4A8227DBE37E}" dt="2023-04-06T02:37:35.540" v="4103" actId="20577"/>
-          <ac:spMkLst>
-            <pc:docMk/>
-            <pc:sldMk cId="555885545" sldId="271"/>
-            <ac:spMk id="2" creationId="{ABA783DF-49A6-7EF1-661E-C574E2C2F386}"/>
-          </ac:spMkLst>
-        </pc:spChg>
-        <pc:spChg chg="mod">
-          <ac:chgData name="Scruel Tao" userId="5ea5c98d59b44d4b" providerId="LiveId" clId="{2BA6F94F-59B6-4AA6-9DB6-4A8227DBE37E}" dt="2023-04-06T02:37:10.496" v="4102" actId="20577"/>
-          <ac:spMkLst>
-            <pc:docMk/>
-            <pc:sldMk cId="555885545" sldId="271"/>
-            <ac:spMk id="5" creationId="{334FF01F-2A65-44F6-34F9-69AC934A31D7}"/>
-          </ac:spMkLst>
-        </pc:spChg>
-        <pc:spChg chg="del">
-          <ac:chgData name="Scruel Tao" userId="5ea5c98d59b44d4b" providerId="LiveId" clId="{2BA6F94F-59B6-4AA6-9DB6-4A8227DBE37E}" dt="2023-04-03T05:12:20.396" v="3109"/>
-          <ac:spMkLst>
-            <pc:docMk/>
-            <pc:sldMk cId="555885545" sldId="271"/>
-            <ac:spMk id="12" creationId="{17AECC1C-6944-9F68-770A-0455E86B2492}"/>
-          </ac:spMkLst>
-        </pc:spChg>
-        <pc:picChg chg="add mod">
-          <ac:chgData name="Scruel Tao" userId="5ea5c98d59b44d4b" providerId="LiveId" clId="{2BA6F94F-59B6-4AA6-9DB6-4A8227DBE37E}" dt="2023-04-03T05:12:24.482" v="3111" actId="1076"/>
-          <ac:picMkLst>
-            <pc:docMk/>
-            <pc:sldMk cId="555885545" sldId="271"/>
-            <ac:picMk id="3" creationId="{E9C9C4B6-9E80-13FC-3C11-56455F818828}"/>
-          </ac:picMkLst>
-        </pc:picChg>
-        <pc:picChg chg="add del mod">
-          <ac:chgData name="Scruel Tao" userId="5ea5c98d59b44d4b" providerId="LiveId" clId="{2BA6F94F-59B6-4AA6-9DB6-4A8227DBE37E}" dt="2023-04-06T02:23:46.442" v="3975" actId="478"/>
-          <ac:picMkLst>
-            <pc:docMk/>
-            <pc:sldMk cId="555885545" sldId="271"/>
-            <ac:picMk id="6" creationId="{946FBC4D-967C-E0DD-4B99-AFE37DE456FC}"/>
-          </ac:picMkLst>
-        </pc:picChg>
-        <pc:picChg chg="add del mod">
-          <ac:chgData name="Scruel Tao" userId="5ea5c98d59b44d4b" providerId="LiveId" clId="{2BA6F94F-59B6-4AA6-9DB6-4A8227DBE37E}" dt="2023-04-06T02:34:23.966" v="4014" actId="478"/>
-          <ac:picMkLst>
-            <pc:docMk/>
-            <pc:sldMk cId="555885545" sldId="271"/>
-            <ac:picMk id="8" creationId="{CBE0F782-9063-9A1B-F123-E3585C23F8D4}"/>
-          </ac:picMkLst>
-        </pc:picChg>
-        <pc:picChg chg="add mod ord">
-          <ac:chgData name="Scruel Tao" userId="5ea5c98d59b44d4b" providerId="LiveId" clId="{2BA6F94F-59B6-4AA6-9DB6-4A8227DBE37E}" dt="2023-04-06T02:34:21.109" v="4013" actId="171"/>
-          <ac:picMkLst>
-            <pc:docMk/>
-            <pc:sldMk cId="555885545" sldId="271"/>
-            <ac:picMk id="10" creationId="{AB9AA877-00A8-CAE0-AEB2-54C3CC706AB2}"/>
-          </ac:picMkLst>
-        </pc:picChg>
-        <pc:picChg chg="add del mod">
-          <ac:chgData name="Scruel Tao" userId="5ea5c98d59b44d4b" providerId="LiveId" clId="{2BA6F94F-59B6-4AA6-9DB6-4A8227DBE37E}" dt="2023-04-06T02:34:05.904" v="4011" actId="478"/>
-          <ac:picMkLst>
-            <pc:docMk/>
-            <pc:sldMk cId="555885545" sldId="271"/>
-            <ac:picMk id="12" creationId="{6B5B9BC3-94A6-21D9-46F9-DD8E61B43B92}"/>
-          </ac:picMkLst>
-        </pc:picChg>
-        <pc:picChg chg="add mod">
-          <ac:chgData name="Scruel Tao" userId="5ea5c98d59b44d4b" providerId="LiveId" clId="{2BA6F94F-59B6-4AA6-9DB6-4A8227DBE37E}" dt="2023-04-06T02:34:48.022" v="4029" actId="1076"/>
-          <ac:picMkLst>
-            <pc:docMk/>
-            <pc:sldMk cId="555885545" sldId="271"/>
-            <ac:picMk id="14" creationId="{6A16C4FE-00E6-5357-100A-B8710B34F596}"/>
-          </ac:picMkLst>
-        </pc:picChg>
-        <pc:picChg chg="add mod">
-          <ac:chgData name="Scruel Tao" userId="5ea5c98d59b44d4b" providerId="LiveId" clId="{2BA6F94F-59B6-4AA6-9DB6-4A8227DBE37E}" dt="2023-04-06T02:35:36.170" v="4034" actId="1076"/>
-          <ac:picMkLst>
-            <pc:docMk/>
-            <pc:sldMk cId="555885545" sldId="271"/>
-            <ac:picMk id="16" creationId="{11C754BB-74AE-32B2-031C-7FF20420B575}"/>
-          </ac:picMkLst>
-        </pc:picChg>
-      </pc:sldChg>
-      <pc:sldChg chg="addSp delSp modSp add mod modClrScheme modAnim chgLayout">
-        <pc:chgData name="Scruel Tao" userId="5ea5c98d59b44d4b" providerId="LiveId" clId="{2BA6F94F-59B6-4AA6-9DB6-4A8227DBE37E}" dt="2023-04-06T03:21:33.591" v="6322" actId="20577"/>
-        <pc:sldMkLst>
-          <pc:docMk/>
-          <pc:sldMk cId="1518949093" sldId="272"/>
-        </pc:sldMkLst>
-        <pc:spChg chg="mod ord">
-          <ac:chgData name="Scruel Tao" userId="5ea5c98d59b44d4b" providerId="LiveId" clId="{2BA6F94F-59B6-4AA6-9DB6-4A8227DBE37E}" dt="2023-04-06T02:46:26.755" v="4346" actId="700"/>
-          <ac:spMkLst>
-            <pc:docMk/>
-            <pc:sldMk cId="1518949093" sldId="272"/>
-            <ac:spMk id="2" creationId="{ABA783DF-49A6-7EF1-661E-C574E2C2F386}"/>
-          </ac:spMkLst>
-        </pc:spChg>
-        <pc:spChg chg="add mod ord">
-          <ac:chgData name="Scruel Tao" userId="5ea5c98d59b44d4b" providerId="LiveId" clId="{2BA6F94F-59B6-4AA6-9DB6-4A8227DBE37E}" dt="2023-04-06T03:21:33.591" v="6322" actId="20577"/>
-          <ac:spMkLst>
-            <pc:docMk/>
-            <pc:sldMk cId="1518949093" sldId="272"/>
-            <ac:spMk id="3" creationId="{939F03AE-10F4-D882-D99A-D5393469A114}"/>
-          </ac:spMkLst>
-        </pc:spChg>
-        <pc:spChg chg="add mod">
-          <ac:chgData name="Scruel Tao" userId="5ea5c98d59b44d4b" providerId="LiveId" clId="{2BA6F94F-59B6-4AA6-9DB6-4A8227DBE37E}" dt="2023-04-06T03:00:35.995" v="5800" actId="1076"/>
-          <ac:spMkLst>
-            <pc:docMk/>
-            <pc:sldMk cId="1518949093" sldId="272"/>
-            <ac:spMk id="4" creationId="{7F9F47DD-E49D-A929-FBF6-0571BAC29FB6}"/>
-          </ac:spMkLst>
-        </pc:spChg>
-        <pc:spChg chg="del mod ord">
-          <ac:chgData name="Scruel Tao" userId="5ea5c98d59b44d4b" providerId="LiveId" clId="{2BA6F94F-59B6-4AA6-9DB6-4A8227DBE37E}" dt="2023-04-06T02:46:26.755" v="4346" actId="700"/>
-          <ac:spMkLst>
-            <pc:docMk/>
-            <pc:sldMk cId="1518949093" sldId="272"/>
-            <ac:spMk id="5" creationId="{334FF01F-2A65-44F6-34F9-69AC934A31D7}"/>
-          </ac:spMkLst>
-        </pc:spChg>
-        <pc:spChg chg="add del mod">
-          <ac:chgData name="Scruel Tao" userId="5ea5c98d59b44d4b" providerId="LiveId" clId="{2BA6F94F-59B6-4AA6-9DB6-4A8227DBE37E}" dt="2023-04-06T02:46:26.755" v="4346" actId="700"/>
-          <ac:spMkLst>
-            <pc:docMk/>
-            <pc:sldMk cId="1518949093" sldId="272"/>
-            <ac:spMk id="7" creationId="{F35B7A8A-4930-2C62-CD2B-1E4E38AFABE3}"/>
-          </ac:spMkLst>
-        </pc:spChg>
-        <pc:spChg chg="del">
-          <ac:chgData name="Scruel Tao" userId="5ea5c98d59b44d4b" providerId="LiveId" clId="{2BA6F94F-59B6-4AA6-9DB6-4A8227DBE37E}" dt="2023-04-03T05:12:13.720" v="3106"/>
-          <ac:spMkLst>
-            <pc:docMk/>
-            <pc:sldMk cId="1518949093" sldId="272"/>
-            <ac:spMk id="12" creationId="{17AECC1C-6944-9F68-770A-0455E86B2492}"/>
-          </ac:spMkLst>
-        </pc:spChg>
-        <pc:picChg chg="add del mod">
-          <ac:chgData name="Scruel Tao" userId="5ea5c98d59b44d4b" providerId="LiveId" clId="{2BA6F94F-59B6-4AA6-9DB6-4A8227DBE37E}" dt="2023-04-03T05:12:18.430" v="3108" actId="21"/>
-          <ac:picMkLst>
-            <pc:docMk/>
-            <pc:sldMk cId="1518949093" sldId="272"/>
-            <ac:picMk id="4" creationId="{ED7E2725-EC32-D629-C663-EC55BC83D8AA}"/>
-          </ac:picMkLst>
-        </pc:picChg>
-      </pc:sldChg>
-      <pc:sldChg chg="addSp delSp modSp add mod modAnim">
-        <pc:chgData name="Scruel Tao" userId="5ea5c98d59b44d4b" providerId="LiveId" clId="{2BA6F94F-59B6-4AA6-9DB6-4A8227DBE37E}" dt="2023-04-06T03:22:01.021" v="6326" actId="20577"/>
-        <pc:sldMkLst>
-          <pc:docMk/>
-          <pc:sldMk cId="1301849154" sldId="273"/>
-        </pc:sldMkLst>
-        <pc:spChg chg="mod">
-          <ac:chgData name="Scruel Tao" userId="5ea5c98d59b44d4b" providerId="LiveId" clId="{2BA6F94F-59B6-4AA6-9DB6-4A8227DBE37E}" dt="2023-04-06T02:00:22.559" v="3502" actId="20577"/>
-          <ac:spMkLst>
-            <pc:docMk/>
-            <pc:sldMk cId="1301849154" sldId="273"/>
-            <ac:spMk id="2" creationId="{ABA783DF-49A6-7EF1-661E-C574E2C2F386}"/>
-          </ac:spMkLst>
-        </pc:spChg>
-        <pc:spChg chg="mod ord">
-          <ac:chgData name="Scruel Tao" userId="5ea5c98d59b44d4b" providerId="LiveId" clId="{2BA6F94F-59B6-4AA6-9DB6-4A8227DBE37E}" dt="2023-04-06T03:22:01.021" v="6326" actId="20577"/>
-          <ac:spMkLst>
-            <pc:docMk/>
-            <pc:sldMk cId="1301849154" sldId="273"/>
-            <ac:spMk id="5" creationId="{334FF01F-2A65-44F6-34F9-69AC934A31D7}"/>
-          </ac:spMkLst>
-        </pc:spChg>
-        <pc:spChg chg="add del">
-          <ac:chgData name="Scruel Tao" userId="5ea5c98d59b44d4b" providerId="LiveId" clId="{2BA6F94F-59B6-4AA6-9DB6-4A8227DBE37E}" dt="2023-04-06T03:03:08.342" v="5816" actId="22"/>
-          <ac:spMkLst>
-            <pc:docMk/>
-            <pc:sldMk cId="1301849154" sldId="273"/>
-            <ac:spMk id="9" creationId="{2D63CFCC-FD4C-6E5B-C31C-1FACE6548087}"/>
-          </ac:spMkLst>
-        </pc:spChg>
-        <pc:spChg chg="del">
-          <ac:chgData name="Scruel Tao" userId="5ea5c98d59b44d4b" providerId="LiveId" clId="{2BA6F94F-59B6-4AA6-9DB6-4A8227DBE37E}" dt="2023-04-06T02:59:42.163" v="5772"/>
-          <ac:spMkLst>
-            <pc:docMk/>
-            <pc:sldMk cId="1301849154" sldId="273"/>
-            <ac:spMk id="12" creationId="{17AECC1C-6944-9F68-770A-0455E86B2492}"/>
-          </ac:spMkLst>
-        </pc:spChg>
-        <pc:picChg chg="add mod">
-          <ac:chgData name="Scruel Tao" userId="5ea5c98d59b44d4b" providerId="LiveId" clId="{2BA6F94F-59B6-4AA6-9DB6-4A8227DBE37E}" dt="2023-04-06T03:00:08.355" v="5783" actId="14100"/>
-          <ac:picMkLst>
-            <pc:docMk/>
-            <pc:sldMk cId="1301849154" sldId="273"/>
-            <ac:picMk id="4" creationId="{0A002240-4414-DA2D-96E9-81195475F4D9}"/>
-          </ac:picMkLst>
-        </pc:picChg>
-        <pc:picChg chg="add mod">
-          <ac:chgData name="Scruel Tao" userId="5ea5c98d59b44d4b" providerId="LiveId" clId="{2BA6F94F-59B6-4AA6-9DB6-4A8227DBE37E}" dt="2023-04-06T03:01:55.942" v="5807" actId="1076"/>
-          <ac:picMkLst>
-            <pc:docMk/>
-            <pc:sldMk cId="1301849154" sldId="273"/>
-            <ac:picMk id="7" creationId="{039AB04D-EA90-8BDD-A9C6-599C7C25DC63}"/>
-          </ac:picMkLst>
-        </pc:picChg>
-        <pc:picChg chg="add mod">
-          <ac:chgData name="Scruel Tao" userId="5ea5c98d59b44d4b" providerId="LiveId" clId="{2BA6F94F-59B6-4AA6-9DB6-4A8227DBE37E}" dt="2023-04-06T03:03:35.262" v="5826" actId="1076"/>
-          <ac:picMkLst>
-            <pc:docMk/>
-            <pc:sldMk cId="1301849154" sldId="273"/>
-            <ac:picMk id="11" creationId="{F56CF5C9-083E-9020-8D45-F23AB3CF38CE}"/>
-          </ac:picMkLst>
-        </pc:picChg>
-      </pc:sldChg>
-      <pc:sldChg chg="addSp delSp modSp add mod modClrScheme modAnim chgLayout">
-        <pc:chgData name="Scruel Tao" userId="5ea5c98d59b44d4b" providerId="LiveId" clId="{2BA6F94F-59B6-4AA6-9DB6-4A8227DBE37E}" dt="2023-04-06T03:08:04.347" v="6177" actId="20577"/>
-        <pc:sldMkLst>
-          <pc:docMk/>
-          <pc:sldMk cId="2878673110" sldId="274"/>
-        </pc:sldMkLst>
-        <pc:spChg chg="mod ord">
-          <ac:chgData name="Scruel Tao" userId="5ea5c98d59b44d4b" providerId="LiveId" clId="{2BA6F94F-59B6-4AA6-9DB6-4A8227DBE37E}" dt="2023-04-06T03:06:24.832" v="6026" actId="20577"/>
-          <ac:spMkLst>
-            <pc:docMk/>
-            <pc:sldMk cId="2878673110" sldId="274"/>
-            <ac:spMk id="2" creationId="{ABA783DF-49A6-7EF1-661E-C574E2C2F386}"/>
-          </ac:spMkLst>
-        </pc:spChg>
-        <pc:spChg chg="add mod ord">
-          <ac:chgData name="Scruel Tao" userId="5ea5c98d59b44d4b" providerId="LiveId" clId="{2BA6F94F-59B6-4AA6-9DB6-4A8227DBE37E}" dt="2023-04-06T03:08:04.347" v="6177" actId="20577"/>
-          <ac:spMkLst>
-            <pc:docMk/>
-            <pc:sldMk cId="2878673110" sldId="274"/>
-            <ac:spMk id="3" creationId="{9E0BA8B8-92DA-1AC9-79B9-A552D184BB54}"/>
-          </ac:spMkLst>
-        </pc:spChg>
-        <pc:spChg chg="del mod ord">
-          <ac:chgData name="Scruel Tao" userId="5ea5c98d59b44d4b" providerId="LiveId" clId="{2BA6F94F-59B6-4AA6-9DB6-4A8227DBE37E}" dt="2023-04-03T05:14:57.549" v="3272" actId="700"/>
-          <ac:spMkLst>
-            <pc:docMk/>
-            <pc:sldMk cId="2878673110" sldId="274"/>
-            <ac:spMk id="5" creationId="{334FF01F-2A65-44F6-34F9-69AC934A31D7}"/>
-          </ac:spMkLst>
-        </pc:spChg>
-        <pc:spChg chg="del">
-          <ac:chgData name="Scruel Tao" userId="5ea5c98d59b44d4b" providerId="LiveId" clId="{2BA6F94F-59B6-4AA6-9DB6-4A8227DBE37E}" dt="2023-04-03T05:14:57.549" v="3272" actId="700"/>
-          <ac:spMkLst>
-            <pc:docMk/>
-            <pc:sldMk cId="2878673110" sldId="274"/>
-            <ac:spMk id="12" creationId="{17AECC1C-6944-9F68-770A-0455E86B2492}"/>
-          </ac:spMkLst>
-        </pc:spChg>
-      </pc:sldChg>
-      <pc:sldChg chg="addSp delSp modSp add mod delAnim modAnim">
-        <pc:chgData name="Scruel Tao" userId="5ea5c98d59b44d4b" providerId="LiveId" clId="{2BA6F94F-59B6-4AA6-9DB6-4A8227DBE37E}" dt="2023-04-06T03:11:42.112" v="6223" actId="20577"/>
-        <pc:sldMkLst>
-          <pc:docMk/>
-          <pc:sldMk cId="1525970791" sldId="275"/>
-        </pc:sldMkLst>
-        <pc:spChg chg="mod">
-          <ac:chgData name="Scruel Tao" userId="5ea5c98d59b44d4b" providerId="LiveId" clId="{2BA6F94F-59B6-4AA6-9DB6-4A8227DBE37E}" dt="2023-04-06T02:37:55.606" v="4130" actId="20577"/>
-          <ac:spMkLst>
-            <pc:docMk/>
-            <pc:sldMk cId="1525970791" sldId="275"/>
-            <ac:spMk id="2" creationId="{ABA783DF-49A6-7EF1-661E-C574E2C2F386}"/>
-          </ac:spMkLst>
-        </pc:spChg>
-        <pc:spChg chg="add mod">
-          <ac:chgData name="Scruel Tao" userId="5ea5c98d59b44d4b" providerId="LiveId" clId="{2BA6F94F-59B6-4AA6-9DB6-4A8227DBE37E}" dt="2023-04-06T02:40:44.115" v="4288" actId="1076"/>
-          <ac:spMkLst>
-            <pc:docMk/>
-            <pc:sldMk cId="1525970791" sldId="275"/>
-            <ac:spMk id="3" creationId="{758FEE91-E006-78B4-7371-44F05CE1873F}"/>
-          </ac:spMkLst>
-        </pc:spChg>
-        <pc:spChg chg="mod">
-          <ac:chgData name="Scruel Tao" userId="5ea5c98d59b44d4b" providerId="LiveId" clId="{2BA6F94F-59B6-4AA6-9DB6-4A8227DBE37E}" dt="2023-04-06T03:11:42.112" v="6223" actId="20577"/>
-          <ac:spMkLst>
-            <pc:docMk/>
-            <pc:sldMk cId="1525970791" sldId="275"/>
-            <ac:spMk id="5" creationId="{334FF01F-2A65-44F6-34F9-69AC934A31D7}"/>
-          </ac:spMkLst>
-        </pc:spChg>
-        <pc:spChg chg="add del mod">
-          <ac:chgData name="Scruel Tao" userId="5ea5c98d59b44d4b" providerId="LiveId" clId="{2BA6F94F-59B6-4AA6-9DB6-4A8227DBE37E}" dt="2023-04-06T02:41:11.484" v="4301"/>
-          <ac:spMkLst>
-            <pc:docMk/>
-            <pc:sldMk cId="1525970791" sldId="275"/>
-            <ac:spMk id="6" creationId="{FE71521E-2CC0-4A61-AAED-50B969DD3FB2}"/>
-          </ac:spMkLst>
-        </pc:spChg>
-        <pc:spChg chg="add del mod">
-          <ac:chgData name="Scruel Tao" userId="5ea5c98d59b44d4b" providerId="LiveId" clId="{2BA6F94F-59B6-4AA6-9DB6-4A8227DBE37E}" dt="2023-04-06T02:41:49.801" v="4308"/>
-          <ac:spMkLst>
-            <pc:docMk/>
-            <pc:sldMk cId="1525970791" sldId="275"/>
-            <ac:spMk id="11" creationId="{E7566BCF-DD27-2A40-5FAC-846D590C6664}"/>
-          </ac:spMkLst>
-        </pc:spChg>
-        <pc:picChg chg="del">
-          <ac:chgData name="Scruel Tao" userId="5ea5c98d59b44d4b" providerId="LiveId" clId="{2BA6F94F-59B6-4AA6-9DB6-4A8227DBE37E}" dt="2023-04-03T05:13:19.543" v="3163" actId="21"/>
-          <ac:picMkLst>
-            <pc:docMk/>
-            <pc:sldMk cId="1525970791" sldId="275"/>
-            <ac:picMk id="3" creationId="{E9C9C4B6-9E80-13FC-3C11-56455F818828}"/>
-          </ac:picMkLst>
-        </pc:picChg>
-        <pc:picChg chg="add del mod">
-          <ac:chgData name="Scruel Tao" userId="5ea5c98d59b44d4b" providerId="LiveId" clId="{2BA6F94F-59B6-4AA6-9DB6-4A8227DBE37E}" dt="2023-04-06T02:41:10.728" v="4300"/>
-          <ac:picMkLst>
-            <pc:docMk/>
-            <pc:sldMk cId="1525970791" sldId="275"/>
-            <ac:picMk id="7" creationId="{72753DEC-DD0C-C274-F404-F5EB4CD1C448}"/>
-          </ac:picMkLst>
-        </pc:picChg>
-        <pc:picChg chg="add del mod">
-          <ac:chgData name="Scruel Tao" userId="5ea5c98d59b44d4b" providerId="LiveId" clId="{2BA6F94F-59B6-4AA6-9DB6-4A8227DBE37E}" dt="2023-04-06T02:41:48.798" v="4307" actId="478"/>
-          <ac:picMkLst>
-            <pc:docMk/>
-            <pc:sldMk cId="1525970791" sldId="275"/>
-            <ac:picMk id="9" creationId="{956D46E1-CA10-6110-3721-527FB106B816}"/>
-          </ac:picMkLst>
-        </pc:picChg>
-        <pc:picChg chg="add mod">
-          <ac:chgData name="Scruel Tao" userId="5ea5c98d59b44d4b" providerId="LiveId" clId="{2BA6F94F-59B6-4AA6-9DB6-4A8227DBE37E}" dt="2023-04-06T02:41:56.060" v="4311" actId="14100"/>
-          <ac:picMkLst>
-            <pc:docMk/>
-            <pc:sldMk cId="1525970791" sldId="275"/>
-            <ac:picMk id="13" creationId="{28E0336C-E8D0-EA88-BA1F-58180AAA10B2}"/>
-          </ac:picMkLst>
-        </pc:picChg>
-        <pc:picChg chg="add mod">
-          <ac:chgData name="Scruel Tao" userId="5ea5c98d59b44d4b" providerId="LiveId" clId="{2BA6F94F-59B6-4AA6-9DB6-4A8227DBE37E}" dt="2023-04-06T02:43:15.541" v="4323" actId="1076"/>
-          <ac:picMkLst>
-            <pc:docMk/>
-            <pc:sldMk cId="1525970791" sldId="275"/>
-            <ac:picMk id="15" creationId="{688D0B3B-ED19-D752-7801-4EA7CCF93CF1}"/>
-          </ac:picMkLst>
-        </pc:picChg>
-        <pc:picChg chg="add del mod">
-          <ac:chgData name="Scruel Tao" userId="5ea5c98d59b44d4b" providerId="LiveId" clId="{2BA6F94F-59B6-4AA6-9DB6-4A8227DBE37E}" dt="2023-04-06T02:45:44.597" v="4337" actId="478"/>
-          <ac:picMkLst>
-            <pc:docMk/>
-            <pc:sldMk cId="1525970791" sldId="275"/>
-            <ac:picMk id="17" creationId="{A0899730-319B-2A2E-DBC8-BEBF8655AA69}"/>
-          </ac:picMkLst>
-        </pc:picChg>
-        <pc:picChg chg="add mod">
-          <ac:chgData name="Scruel Tao" userId="5ea5c98d59b44d4b" providerId="LiveId" clId="{2BA6F94F-59B6-4AA6-9DB6-4A8227DBE37E}" dt="2023-04-06T02:45:54.296" v="4342" actId="1076"/>
-          <ac:picMkLst>
-            <pc:docMk/>
-            <pc:sldMk cId="1525970791" sldId="275"/>
-            <ac:picMk id="19" creationId="{EA4C9E56-4F35-33EF-251B-533EFC0DABBF}"/>
-          </ac:picMkLst>
-        </pc:picChg>
-      </pc:sldChg>
-      <pc:sldChg chg="modSp add del mod">
-        <pc:chgData name="Scruel Tao" userId="5ea5c98d59b44d4b" providerId="LiveId" clId="{2BA6F94F-59B6-4AA6-9DB6-4A8227DBE37E}" dt="2023-04-06T02:37:57.733" v="4131" actId="47"/>
-        <pc:sldMkLst>
-          <pc:docMk/>
-          <pc:sldMk cId="1084643022" sldId="276"/>
-        </pc:sldMkLst>
-        <pc:spChg chg="mod">
-          <ac:chgData name="Scruel Tao" userId="5ea5c98d59b44d4b" providerId="LiveId" clId="{2BA6F94F-59B6-4AA6-9DB6-4A8227DBE37E}" dt="2023-04-06T01:59:57.563" v="3451" actId="20577"/>
-          <ac:spMkLst>
-            <pc:docMk/>
-            <pc:sldMk cId="1084643022" sldId="276"/>
-            <ac:spMk id="2" creationId="{ABA783DF-49A6-7EF1-661E-C574E2C2F386}"/>
-          </ac:spMkLst>
-        </pc:spChg>
-      </pc:sldChg>
-      <pc:sldMasterChg chg="modSldLayout">
-        <pc:chgData name="Scruel Tao" userId="5ea5c98d59b44d4b" providerId="LiveId" clId="{2BA6F94F-59B6-4AA6-9DB6-4A8227DBE37E}" dt="2023-04-03T03:34:53.033" v="335" actId="1076"/>
-        <pc:sldMasterMkLst>
-          <pc:docMk/>
-          <pc:sldMasterMk cId="1766057859" sldId="2147483648"/>
-        </pc:sldMasterMkLst>
-        <pc:sldLayoutChg chg="delSp modSp mod">
-          <pc:chgData name="Scruel Tao" userId="5ea5c98d59b44d4b" providerId="LiveId" clId="{2BA6F94F-59B6-4AA6-9DB6-4A8227DBE37E}" dt="2023-04-03T03:34:53.033" v="335" actId="1076"/>
-          <pc:sldLayoutMkLst>
-            <pc:docMk/>
-            <pc:sldMasterMk cId="1766057859" sldId="2147483648"/>
-            <pc:sldLayoutMk cId="1337634028" sldId="2147483660"/>
-          </pc:sldLayoutMkLst>
-          <pc:spChg chg="del mod">
-            <ac:chgData name="Scruel Tao" userId="5ea5c98d59b44d4b" providerId="LiveId" clId="{2BA6F94F-59B6-4AA6-9DB6-4A8227DBE37E}" dt="2023-04-03T03:27:47.594" v="278" actId="478"/>
-            <ac:spMkLst>
-              <pc:docMk/>
-              <pc:sldMasterMk cId="1766057859" sldId="2147483648"/>
-              <pc:sldLayoutMk cId="1337634028" sldId="2147483660"/>
-              <ac:spMk id="19468" creationId="{418CE5A5-515B-CEAB-D160-CBAFEBF4837F}"/>
-            </ac:spMkLst>
-          </pc:spChg>
-          <pc:picChg chg="del">
-            <ac:chgData name="Scruel Tao" userId="5ea5c98d59b44d4b" providerId="LiveId" clId="{2BA6F94F-59B6-4AA6-9DB6-4A8227DBE37E}" dt="2023-04-03T03:26:11.336" v="269" actId="21"/>
-            <ac:picMkLst>
-              <pc:docMk/>
-              <pc:sldMasterMk cId="1766057859" sldId="2147483648"/>
-              <pc:sldLayoutMk cId="1337634028" sldId="2147483660"/>
-              <ac:picMk id="19481" creationId="{02568321-E4E6-1B3D-8017-A3451A7203B9}"/>
-            </ac:picMkLst>
-          </pc:picChg>
-          <pc:picChg chg="mod">
-            <ac:chgData name="Scruel Tao" userId="5ea5c98d59b44d4b" providerId="LiveId" clId="{2BA6F94F-59B6-4AA6-9DB6-4A8227DBE37E}" dt="2023-04-03T03:34:53.033" v="335" actId="1076"/>
-            <ac:picMkLst>
-              <pc:docMk/>
-              <pc:sldMasterMk cId="1766057859" sldId="2147483648"/>
-              <pc:sldLayoutMk cId="1337634028" sldId="2147483660"/>
-              <ac:picMk id="19482" creationId="{8F2B9C9A-7CA4-5723-784E-DBADCF09186B}"/>
-            </ac:picMkLst>
-          </pc:picChg>
-        </pc:sldLayoutChg>
-      </pc:sldMasterChg>
-    </pc:docChg>
-  </pc:docChgLst>
-  <pc:docChgLst>
-    <pc:chgData name="Scruel Tao" userId="5ea5c98d59b44d4b" providerId="LiveId" clId="{8F62429A-6AAD-4E22-91E9-51710AB92828}"/>
-    <pc:docChg chg="modSld">
-      <pc:chgData name="Scruel Tao" userId="5ea5c98d59b44d4b" providerId="LiveId" clId="{8F62429A-6AAD-4E22-91E9-51710AB92828}" dt="2023-06-02T13:48:40.088" v="0" actId="20577"/>
-      <pc:docMkLst>
-        <pc:docMk/>
-      </pc:docMkLst>
-      <pc:sldChg chg="modSp mod">
-        <pc:chgData name="Scruel Tao" userId="5ea5c98d59b44d4b" providerId="LiveId" clId="{8F62429A-6AAD-4E22-91E9-51710AB92828}" dt="2023-06-02T13:48:40.088" v="0" actId="20577"/>
-        <pc:sldMkLst>
-          <pc:docMk/>
-          <pc:sldMk cId="0" sldId="260"/>
-        </pc:sldMkLst>
-        <pc:spChg chg="mod">
-          <ac:chgData name="Scruel Tao" userId="5ea5c98d59b44d4b" providerId="LiveId" clId="{8F62429A-6AAD-4E22-91E9-51710AB92828}" dt="2023-06-02T13:48:40.088" v="0" actId="20577"/>
-          <ac:spMkLst>
-            <pc:docMk/>
-            <pc:sldMk cId="0" sldId="260"/>
-            <ac:spMk id="1227783" creationId="{F7B3941E-B689-22D6-F18C-358E4BAEDF5F}"/>
-          </ac:spMkLst>
-        </pc:spChg>
-      </pc:sldChg>
-    </pc:docChg>
-  </pc:docChgLst>
-  <pc:docChgLst>
     <pc:chgData name="Scruel Tao" userId="5ea5c98d59b44d4b" providerId="LiveId" clId="{A52ED264-C864-416B-BFF4-46855FE833A0}"/>
     <pc:docChg chg="undo redo custSel addSld delSld modSld modMainMaster">
       <pc:chgData name="Scruel Tao" userId="5ea5c98d59b44d4b" providerId="LiveId" clId="{A52ED264-C864-416B-BFF4-46855FE833A0}" dt="2023-04-25T06:04:49.595" v="147" actId="47"/>
@@ -1510,6 +384,1132 @@
     </pc:docChg>
   </pc:docChgLst>
   <pc:docChgLst>
+    <pc:chgData name="Scruel Tao" userId="5ea5c98d59b44d4b" providerId="LiveId" clId="{8F62429A-6AAD-4E22-91E9-51710AB92828}"/>
+    <pc:docChg chg="modSld">
+      <pc:chgData name="Scruel Tao" userId="5ea5c98d59b44d4b" providerId="LiveId" clId="{8F62429A-6AAD-4E22-91E9-51710AB92828}" dt="2023-06-02T13:48:40.088" v="0" actId="20577"/>
+      <pc:docMkLst>
+        <pc:docMk/>
+      </pc:docMkLst>
+      <pc:sldChg chg="modSp mod">
+        <pc:chgData name="Scruel Tao" userId="5ea5c98d59b44d4b" providerId="LiveId" clId="{8F62429A-6AAD-4E22-91E9-51710AB92828}" dt="2023-06-02T13:48:40.088" v="0" actId="20577"/>
+        <pc:sldMkLst>
+          <pc:docMk/>
+          <pc:sldMk cId="0" sldId="260"/>
+        </pc:sldMkLst>
+        <pc:spChg chg="mod">
+          <ac:chgData name="Scruel Tao" userId="5ea5c98d59b44d4b" providerId="LiveId" clId="{8F62429A-6AAD-4E22-91E9-51710AB92828}" dt="2023-06-02T13:48:40.088" v="0" actId="20577"/>
+          <ac:spMkLst>
+            <pc:docMk/>
+            <pc:sldMk cId="0" sldId="260"/>
+            <ac:spMk id="1227783" creationId="{F7B3941E-B689-22D6-F18C-358E4BAEDF5F}"/>
+          </ac:spMkLst>
+        </pc:spChg>
+      </pc:sldChg>
+    </pc:docChg>
+  </pc:docChgLst>
+  <pc:docChgLst>
+    <pc:chgData name="Scruel Tao" userId="5ea5c98d59b44d4b" providerId="LiveId" clId="{2BA6F94F-59B6-4AA6-9DB6-4A8227DBE37E}"/>
+    <pc:docChg chg="undo redo custSel addSld delSld modSld sldOrd modMainMaster">
+      <pc:chgData name="Scruel Tao" userId="5ea5c98d59b44d4b" providerId="LiveId" clId="{2BA6F94F-59B6-4AA6-9DB6-4A8227DBE37E}" dt="2023-04-06T03:22:01.021" v="6326" actId="20577"/>
+      <pc:docMkLst>
+        <pc:docMk/>
+      </pc:docMkLst>
+      <pc:sldChg chg="del">
+        <pc:chgData name="Scruel Tao" userId="5ea5c98d59b44d4b" providerId="LiveId" clId="{2BA6F94F-59B6-4AA6-9DB6-4A8227DBE37E}" dt="2023-04-03T03:24:06.255" v="207" actId="47"/>
+        <pc:sldMkLst>
+          <pc:docMk/>
+          <pc:sldMk cId="1900326474" sldId="256"/>
+        </pc:sldMkLst>
+      </pc:sldChg>
+      <pc:sldChg chg="modSp mod">
+        <pc:chgData name="Scruel Tao" userId="5ea5c98d59b44d4b" providerId="LiveId" clId="{2BA6F94F-59B6-4AA6-9DB6-4A8227DBE37E}" dt="2023-04-06T03:06:34.065" v="6045" actId="20577"/>
+        <pc:sldMkLst>
+          <pc:docMk/>
+          <pc:sldMk cId="1112998187" sldId="257"/>
+        </pc:sldMkLst>
+        <pc:spChg chg="mod">
+          <ac:chgData name="Scruel Tao" userId="5ea5c98d59b44d4b" providerId="LiveId" clId="{2BA6F94F-59B6-4AA6-9DB6-4A8227DBE37E}" dt="2023-04-06T01:53:20.359" v="3276"/>
+          <ac:spMkLst>
+            <pc:docMk/>
+            <pc:sldMk cId="1112998187" sldId="257"/>
+            <ac:spMk id="2" creationId="{1422DFF6-0952-1023-64E3-97184D36BE3F}"/>
+          </ac:spMkLst>
+        </pc:spChg>
+        <pc:spChg chg="mod">
+          <ac:chgData name="Scruel Tao" userId="5ea5c98d59b44d4b" providerId="LiveId" clId="{2BA6F94F-59B6-4AA6-9DB6-4A8227DBE37E}" dt="2023-04-06T03:06:34.065" v="6045" actId="20577"/>
+          <ac:spMkLst>
+            <pc:docMk/>
+            <pc:sldMk cId="1112998187" sldId="257"/>
+            <ac:spMk id="3" creationId="{AC7759D9-0BB4-08ED-8476-24F7D903D6DE}"/>
+          </ac:spMkLst>
+        </pc:spChg>
+      </pc:sldChg>
+      <pc:sldChg chg="addSp delSp modSp mod modClrScheme chgLayout">
+        <pc:chgData name="Scruel Tao" userId="5ea5c98d59b44d4b" providerId="LiveId" clId="{2BA6F94F-59B6-4AA6-9DB6-4A8227DBE37E}" dt="2023-04-03T05:03:22.628" v="2756"/>
+        <pc:sldMkLst>
+          <pc:docMk/>
+          <pc:sldMk cId="3636494425" sldId="258"/>
+        </pc:sldMkLst>
+        <pc:spChg chg="mod ord">
+          <ac:chgData name="Scruel Tao" userId="5ea5c98d59b44d4b" providerId="LiveId" clId="{2BA6F94F-59B6-4AA6-9DB6-4A8227DBE37E}" dt="2023-04-03T05:03:22.628" v="2756"/>
+          <ac:spMkLst>
+            <pc:docMk/>
+            <pc:sldMk cId="3636494425" sldId="258"/>
+            <ac:spMk id="2" creationId="{ABA783DF-49A6-7EF1-661E-C574E2C2F386}"/>
+          </ac:spMkLst>
+        </pc:spChg>
+        <pc:spChg chg="mod ord">
+          <ac:chgData name="Scruel Tao" userId="5ea5c98d59b44d4b" providerId="LiveId" clId="{2BA6F94F-59B6-4AA6-9DB6-4A8227DBE37E}" dt="2023-04-03T03:46:29.252" v="641" actId="20577"/>
+          <ac:spMkLst>
+            <pc:docMk/>
+            <pc:sldMk cId="3636494425" sldId="258"/>
+            <ac:spMk id="3" creationId="{4C14948B-081B-0FED-AF72-DA2CFEC85EB0}"/>
+          </ac:spMkLst>
+        </pc:spChg>
+        <pc:spChg chg="add del mod ord">
+          <ac:chgData name="Scruel Tao" userId="5ea5c98d59b44d4b" providerId="LiveId" clId="{2BA6F94F-59B6-4AA6-9DB6-4A8227DBE37E}" dt="2023-04-03T03:44:53.662" v="491" actId="700"/>
+          <ac:spMkLst>
+            <pc:docMk/>
+            <pc:sldMk cId="3636494425" sldId="258"/>
+            <ac:spMk id="6" creationId="{F56D7D0D-9A8C-4EF8-27F2-E32848F94E27}"/>
+          </ac:spMkLst>
+        </pc:spChg>
+        <pc:spChg chg="add del mod ord">
+          <ac:chgData name="Scruel Tao" userId="5ea5c98d59b44d4b" providerId="LiveId" clId="{2BA6F94F-59B6-4AA6-9DB6-4A8227DBE37E}" dt="2023-04-03T03:47:53.866" v="642" actId="478"/>
+          <ac:spMkLst>
+            <pc:docMk/>
+            <pc:sldMk cId="3636494425" sldId="258"/>
+            <ac:spMk id="7" creationId="{34E14114-55C2-509B-E32D-4974A828AFB6}"/>
+          </ac:spMkLst>
+        </pc:spChg>
+        <pc:picChg chg="add mod">
+          <ac:chgData name="Scruel Tao" userId="5ea5c98d59b44d4b" providerId="LiveId" clId="{2BA6F94F-59B6-4AA6-9DB6-4A8227DBE37E}" dt="2023-04-03T03:45:05.643" v="494" actId="1076"/>
+          <ac:picMkLst>
+            <pc:docMk/>
+            <pc:sldMk cId="3636494425" sldId="258"/>
+            <ac:picMk id="5" creationId="{C5E50AA4-F82C-6E14-E269-5451494306AE}"/>
+          </ac:picMkLst>
+        </pc:picChg>
+      </pc:sldChg>
+      <pc:sldChg chg="addSp delSp modSp add mod modClrScheme chgLayout">
+        <pc:chgData name="Scruel Tao" userId="5ea5c98d59b44d4b" providerId="LiveId" clId="{2BA6F94F-59B6-4AA6-9DB6-4A8227DBE37E}" dt="2023-04-06T01:58:50.310" v="3415" actId="20577"/>
+        <pc:sldMkLst>
+          <pc:docMk/>
+          <pc:sldMk cId="1199684676" sldId="259"/>
+        </pc:sldMkLst>
+        <pc:spChg chg="mod ord">
+          <ac:chgData name="Scruel Tao" userId="5ea5c98d59b44d4b" providerId="LiveId" clId="{2BA6F94F-59B6-4AA6-9DB6-4A8227DBE37E}" dt="2023-04-06T01:58:50.310" v="3415" actId="20577"/>
+          <ac:spMkLst>
+            <pc:docMk/>
+            <pc:sldMk cId="1199684676" sldId="259"/>
+            <ac:spMk id="2" creationId="{ABA783DF-49A6-7EF1-661E-C574E2C2F386}"/>
+          </ac:spMkLst>
+        </pc:spChg>
+        <pc:spChg chg="del">
+          <ac:chgData name="Scruel Tao" userId="5ea5c98d59b44d4b" providerId="LiveId" clId="{2BA6F94F-59B6-4AA6-9DB6-4A8227DBE37E}" dt="2023-04-03T03:35:16.150" v="336"/>
+          <ac:spMkLst>
+            <pc:docMk/>
+            <pc:sldMk cId="1199684676" sldId="259"/>
+            <ac:spMk id="3" creationId="{4C14948B-081B-0FED-AF72-DA2CFEC85EB0}"/>
+          </ac:spMkLst>
+        </pc:spChg>
+        <pc:spChg chg="add del mod">
+          <ac:chgData name="Scruel Tao" userId="5ea5c98d59b44d4b" providerId="LiveId" clId="{2BA6F94F-59B6-4AA6-9DB6-4A8227DBE37E}" dt="2023-04-03T03:35:26.887" v="338"/>
+          <ac:spMkLst>
+            <pc:docMk/>
+            <pc:sldMk cId="1199684676" sldId="259"/>
+            <ac:spMk id="6" creationId="{99A6C97A-27D9-096E-3F01-65FA7A6B5674}"/>
+          </ac:spMkLst>
+        </pc:spChg>
+        <pc:spChg chg="add del mod">
+          <ac:chgData name="Scruel Tao" userId="5ea5c98d59b44d4b" providerId="LiveId" clId="{2BA6F94F-59B6-4AA6-9DB6-4A8227DBE37E}" dt="2023-04-03T03:35:46.159" v="342"/>
+          <ac:spMkLst>
+            <pc:docMk/>
+            <pc:sldMk cId="1199684676" sldId="259"/>
+            <ac:spMk id="9" creationId="{EA4CD5A2-8483-D61D-CBA0-AB48D8A07DC9}"/>
+          </ac:spMkLst>
+        </pc:spChg>
+        <pc:spChg chg="add mod ord">
+          <ac:chgData name="Scruel Tao" userId="5ea5c98d59b44d4b" providerId="LiveId" clId="{2BA6F94F-59B6-4AA6-9DB6-4A8227DBE37E}" dt="2023-04-06T01:54:00.591" v="3312" actId="20577"/>
+          <ac:spMkLst>
+            <pc:docMk/>
+            <pc:sldMk cId="1199684676" sldId="259"/>
+            <ac:spMk id="12" creationId="{17AECC1C-6944-9F68-770A-0455E86B2492}"/>
+          </ac:spMkLst>
+        </pc:spChg>
+        <pc:picChg chg="add del mod">
+          <ac:chgData name="Scruel Tao" userId="5ea5c98d59b44d4b" providerId="LiveId" clId="{2BA6F94F-59B6-4AA6-9DB6-4A8227DBE37E}" dt="2023-04-03T03:35:18.823" v="337" actId="478"/>
+          <ac:picMkLst>
+            <pc:docMk/>
+            <pc:sldMk cId="1199684676" sldId="259"/>
+            <ac:picMk id="4" creationId="{5CD98794-78EF-B400-A554-F39AC55576BD}"/>
+          </ac:picMkLst>
+        </pc:picChg>
+        <pc:picChg chg="add del mod">
+          <ac:chgData name="Scruel Tao" userId="5ea5c98d59b44d4b" providerId="LiveId" clId="{2BA6F94F-59B6-4AA6-9DB6-4A8227DBE37E}" dt="2023-04-03T03:35:35.326" v="341" actId="478"/>
+          <ac:picMkLst>
+            <pc:docMk/>
+            <pc:sldMk cId="1199684676" sldId="259"/>
+            <ac:picMk id="7" creationId="{F8FEA747-E9DF-6A17-2CB8-1B41D931CB90}"/>
+          </ac:picMkLst>
+        </pc:picChg>
+        <pc:picChg chg="add mod ord">
+          <ac:chgData name="Scruel Tao" userId="5ea5c98d59b44d4b" providerId="LiveId" clId="{2BA6F94F-59B6-4AA6-9DB6-4A8227DBE37E}" dt="2023-04-06T01:54:10.825" v="3315" actId="1076"/>
+          <ac:picMkLst>
+            <pc:docMk/>
+            <pc:sldMk cId="1199684676" sldId="259"/>
+            <ac:picMk id="11" creationId="{9D500740-D60E-EFBC-F3C9-43DA9B4672BC}"/>
+          </ac:picMkLst>
+        </pc:picChg>
+      </pc:sldChg>
+      <pc:sldChg chg="addSp delSp modSp add mod">
+        <pc:chgData name="Scruel Tao" userId="5ea5c98d59b44d4b" providerId="LiveId" clId="{2BA6F94F-59B6-4AA6-9DB6-4A8227DBE37E}" dt="2023-04-03T03:41:24.102" v="348" actId="1076"/>
+        <pc:sldMkLst>
+          <pc:docMk/>
+          <pc:sldMk cId="0" sldId="260"/>
+        </pc:sldMkLst>
+        <pc:spChg chg="mod">
+          <ac:chgData name="Scruel Tao" userId="5ea5c98d59b44d4b" providerId="LiveId" clId="{2BA6F94F-59B6-4AA6-9DB6-4A8227DBE37E}" dt="2023-04-03T03:33:34.644" v="330"/>
+          <ac:spMkLst>
+            <pc:docMk/>
+            <pc:sldMk cId="0" sldId="260"/>
+            <ac:spMk id="1227783" creationId="{F7B3941E-B689-22D6-F18C-358E4BAEDF5F}"/>
+          </ac:spMkLst>
+        </pc:spChg>
+        <pc:spChg chg="add del mod">
+          <ac:chgData name="Scruel Tao" userId="5ea5c98d59b44d4b" providerId="LiveId" clId="{2BA6F94F-59B6-4AA6-9DB6-4A8227DBE37E}" dt="2023-04-03T03:33:39.968" v="331" actId="1076"/>
+          <ac:spMkLst>
+            <pc:docMk/>
+            <pc:sldMk cId="0" sldId="260"/>
+            <ac:spMk id="1227786" creationId="{C3F4DD20-8FA3-3CB0-19B6-FE0240B92A34}"/>
+          </ac:spMkLst>
+        </pc:spChg>
+        <pc:picChg chg="add mod">
+          <ac:chgData name="Scruel Tao" userId="5ea5c98d59b44d4b" providerId="LiveId" clId="{2BA6F94F-59B6-4AA6-9DB6-4A8227DBE37E}" dt="2023-04-03T03:41:24.102" v="348" actId="1076"/>
+          <ac:picMkLst>
+            <pc:docMk/>
+            <pc:sldMk cId="0" sldId="260"/>
+            <ac:picMk id="4" creationId="{E03AF484-A892-E4D7-A8C4-A4C7AE20944E}"/>
+          </ac:picMkLst>
+        </pc:picChg>
+      </pc:sldChg>
+      <pc:sldChg chg="addSp delSp modSp add mod chgLayout">
+        <pc:chgData name="Scruel Tao" userId="5ea5c98d59b44d4b" providerId="LiveId" clId="{2BA6F94F-59B6-4AA6-9DB6-4A8227DBE37E}" dt="2023-04-06T01:59:00.026" v="3419" actId="20577"/>
+        <pc:sldMkLst>
+          <pc:docMk/>
+          <pc:sldMk cId="3351160539" sldId="261"/>
+        </pc:sldMkLst>
+        <pc:spChg chg="mod ord">
+          <ac:chgData name="Scruel Tao" userId="5ea5c98d59b44d4b" providerId="LiveId" clId="{2BA6F94F-59B6-4AA6-9DB6-4A8227DBE37E}" dt="2023-04-06T01:59:00.026" v="3419" actId="20577"/>
+          <ac:spMkLst>
+            <pc:docMk/>
+            <pc:sldMk cId="3351160539" sldId="261"/>
+            <ac:spMk id="2" creationId="{ABA783DF-49A6-7EF1-661E-C574E2C2F386}"/>
+          </ac:spMkLst>
+        </pc:spChg>
+        <pc:spChg chg="add del mod">
+          <ac:chgData name="Scruel Tao" userId="5ea5c98d59b44d4b" providerId="LiveId" clId="{2BA6F94F-59B6-4AA6-9DB6-4A8227DBE37E}" dt="2023-04-03T03:55:10.330" v="847" actId="700"/>
+          <ac:spMkLst>
+            <pc:docMk/>
+            <pc:sldMk cId="3351160539" sldId="261"/>
+            <ac:spMk id="4" creationId="{B3A734ED-5C82-D6A5-9DB3-B2DF9F846D94}"/>
+          </ac:spMkLst>
+        </pc:spChg>
+        <pc:spChg chg="add mod ord">
+          <ac:chgData name="Scruel Tao" userId="5ea5c98d59b44d4b" providerId="LiveId" clId="{2BA6F94F-59B6-4AA6-9DB6-4A8227DBE37E}" dt="2023-04-03T04:04:07.946" v="1365" actId="20577"/>
+          <ac:spMkLst>
+            <pc:docMk/>
+            <pc:sldMk cId="3351160539" sldId="261"/>
+            <ac:spMk id="5" creationId="{334FF01F-2A65-44F6-34F9-69AC934A31D7}"/>
+          </ac:spMkLst>
+        </pc:spChg>
+        <pc:spChg chg="add del mod">
+          <ac:chgData name="Scruel Tao" userId="5ea5c98d59b44d4b" providerId="LiveId" clId="{2BA6F94F-59B6-4AA6-9DB6-4A8227DBE37E}" dt="2023-04-03T03:59:25.344" v="1081"/>
+          <ac:spMkLst>
+            <pc:docMk/>
+            <pc:sldMk cId="3351160539" sldId="261"/>
+            <ac:spMk id="9" creationId="{C16084A3-CDE6-AAC4-2971-FD575FBF0A8B}"/>
+          </ac:spMkLst>
+        </pc:spChg>
+        <pc:spChg chg="del mod ord">
+          <ac:chgData name="Scruel Tao" userId="5ea5c98d59b44d4b" providerId="LiveId" clId="{2BA6F94F-59B6-4AA6-9DB6-4A8227DBE37E}" dt="2023-04-03T03:58:01.823" v="1015"/>
+          <ac:spMkLst>
+            <pc:docMk/>
+            <pc:sldMk cId="3351160539" sldId="261"/>
+            <ac:spMk id="12" creationId="{17AECC1C-6944-9F68-770A-0455E86B2492}"/>
+          </ac:spMkLst>
+        </pc:spChg>
+        <pc:spChg chg="add mod">
+          <ac:chgData name="Scruel Tao" userId="5ea5c98d59b44d4b" providerId="LiveId" clId="{2BA6F94F-59B6-4AA6-9DB6-4A8227DBE37E}" dt="2023-04-03T04:05:44.217" v="1475" actId="114"/>
+          <ac:spMkLst>
+            <pc:docMk/>
+            <pc:sldMk cId="3351160539" sldId="261"/>
+            <ac:spMk id="14" creationId="{670E3534-8F35-5B26-8418-171E013CEE09}"/>
+          </ac:spMkLst>
+        </pc:spChg>
+        <pc:picChg chg="add del mod">
+          <ac:chgData name="Scruel Tao" userId="5ea5c98d59b44d4b" providerId="LiveId" clId="{2BA6F94F-59B6-4AA6-9DB6-4A8227DBE37E}" dt="2023-04-03T03:59:24.519" v="1080" actId="478"/>
+          <ac:picMkLst>
+            <pc:docMk/>
+            <pc:sldMk cId="3351160539" sldId="261"/>
+            <ac:picMk id="7" creationId="{0FBFFB0C-E3DC-4B3B-8988-A0B34551F390}"/>
+          </ac:picMkLst>
+        </pc:picChg>
+        <pc:picChg chg="del">
+          <ac:chgData name="Scruel Tao" userId="5ea5c98d59b44d4b" providerId="LiveId" clId="{2BA6F94F-59B6-4AA6-9DB6-4A8227DBE37E}" dt="2023-04-03T03:53:43.786" v="845" actId="21"/>
+          <ac:picMkLst>
+            <pc:docMk/>
+            <pc:sldMk cId="3351160539" sldId="261"/>
+            <ac:picMk id="11" creationId="{9D500740-D60E-EFBC-F3C9-43DA9B4672BC}"/>
+          </ac:picMkLst>
+        </pc:picChg>
+        <pc:picChg chg="add mod">
+          <ac:chgData name="Scruel Tao" userId="5ea5c98d59b44d4b" providerId="LiveId" clId="{2BA6F94F-59B6-4AA6-9DB6-4A8227DBE37E}" dt="2023-04-03T04:05:27.689" v="1473" actId="1076"/>
+          <ac:picMkLst>
+            <pc:docMk/>
+            <pc:sldMk cId="3351160539" sldId="261"/>
+            <ac:picMk id="13" creationId="{7C633EC2-82A6-5F6A-D9A3-326C1E77FDA3}"/>
+          </ac:picMkLst>
+        </pc:picChg>
+      </pc:sldChg>
+      <pc:sldChg chg="addSp delSp modSp add mod">
+        <pc:chgData name="Scruel Tao" userId="5ea5c98d59b44d4b" providerId="LiveId" clId="{2BA6F94F-59B6-4AA6-9DB6-4A8227DBE37E}" dt="2023-04-06T03:20:40.633" v="6312" actId="20577"/>
+        <pc:sldMkLst>
+          <pc:docMk/>
+          <pc:sldMk cId="1122177192" sldId="262"/>
+        </pc:sldMkLst>
+        <pc:spChg chg="mod">
+          <ac:chgData name="Scruel Tao" userId="5ea5c98d59b44d4b" providerId="LiveId" clId="{2BA6F94F-59B6-4AA6-9DB6-4A8227DBE37E}" dt="2023-04-06T03:20:30.082" v="6290" actId="20577"/>
+          <ac:spMkLst>
+            <pc:docMk/>
+            <pc:sldMk cId="1122177192" sldId="262"/>
+            <ac:spMk id="2" creationId="{ABA783DF-49A6-7EF1-661E-C574E2C2F386}"/>
+          </ac:spMkLst>
+        </pc:spChg>
+        <pc:spChg chg="mod">
+          <ac:chgData name="Scruel Tao" userId="5ea5c98d59b44d4b" providerId="LiveId" clId="{2BA6F94F-59B6-4AA6-9DB6-4A8227DBE37E}" dt="2023-04-06T03:20:40.633" v="6312" actId="20577"/>
+          <ac:spMkLst>
+            <pc:docMk/>
+            <pc:sldMk cId="1122177192" sldId="262"/>
+            <ac:spMk id="5" creationId="{334FF01F-2A65-44F6-34F9-69AC934A31D7}"/>
+          </ac:spMkLst>
+        </pc:spChg>
+        <pc:spChg chg="del">
+          <ac:chgData name="Scruel Tao" userId="5ea5c98d59b44d4b" providerId="LiveId" clId="{2BA6F94F-59B6-4AA6-9DB6-4A8227DBE37E}" dt="2023-04-03T04:15:30.512" v="1555"/>
+          <ac:spMkLst>
+            <pc:docMk/>
+            <pc:sldMk cId="1122177192" sldId="262"/>
+            <ac:spMk id="12" creationId="{17AECC1C-6944-9F68-770A-0455E86B2492}"/>
+          </ac:spMkLst>
+        </pc:spChg>
+        <pc:picChg chg="add mod">
+          <ac:chgData name="Scruel Tao" userId="5ea5c98d59b44d4b" providerId="LiveId" clId="{2BA6F94F-59B6-4AA6-9DB6-4A8227DBE37E}" dt="2023-04-03T04:15:30.512" v="1555"/>
+          <ac:picMkLst>
+            <pc:docMk/>
+            <pc:sldMk cId="1122177192" sldId="262"/>
+            <ac:picMk id="4" creationId="{1025CE4E-D3BC-5184-15B8-313E85995FFB}"/>
+          </ac:picMkLst>
+        </pc:picChg>
+      </pc:sldChg>
+      <pc:sldChg chg="addSp delSp modSp add mod chgLayout">
+        <pc:chgData name="Scruel Tao" userId="5ea5c98d59b44d4b" providerId="LiveId" clId="{2BA6F94F-59B6-4AA6-9DB6-4A8227DBE37E}" dt="2023-04-06T01:59:30.132" v="3435" actId="20577"/>
+        <pc:sldMkLst>
+          <pc:docMk/>
+          <pc:sldMk cId="3745137309" sldId="263"/>
+        </pc:sldMkLst>
+        <pc:spChg chg="mod ord">
+          <ac:chgData name="Scruel Tao" userId="5ea5c98d59b44d4b" providerId="LiveId" clId="{2BA6F94F-59B6-4AA6-9DB6-4A8227DBE37E}" dt="2023-04-06T01:59:30.132" v="3435" actId="20577"/>
+          <ac:spMkLst>
+            <pc:docMk/>
+            <pc:sldMk cId="3745137309" sldId="263"/>
+            <ac:spMk id="2" creationId="{ABA783DF-49A6-7EF1-661E-C574E2C2F386}"/>
+          </ac:spMkLst>
+        </pc:spChg>
+        <pc:spChg chg="del">
+          <ac:chgData name="Scruel Tao" userId="5ea5c98d59b44d4b" providerId="LiveId" clId="{2BA6F94F-59B6-4AA6-9DB6-4A8227DBE37E}" dt="2023-04-03T04:18:57.963" v="1679"/>
+          <ac:spMkLst>
+            <pc:docMk/>
+            <pc:sldMk cId="3745137309" sldId="263"/>
+            <ac:spMk id="5" creationId="{334FF01F-2A65-44F6-34F9-69AC934A31D7}"/>
+          </ac:spMkLst>
+        </pc:spChg>
+        <pc:spChg chg="add del mod ord">
+          <ac:chgData name="Scruel Tao" userId="5ea5c98d59b44d4b" providerId="LiveId" clId="{2BA6F94F-59B6-4AA6-9DB6-4A8227DBE37E}" dt="2023-04-03T04:19:17.511" v="1685"/>
+          <ac:spMkLst>
+            <pc:docMk/>
+            <pc:sldMk cId="3745137309" sldId="263"/>
+            <ac:spMk id="6" creationId="{6B189840-C568-FCE7-C338-AC0FAD512F62}"/>
+          </ac:spMkLst>
+        </pc:spChg>
+        <pc:spChg chg="add mod">
+          <ac:chgData name="Scruel Tao" userId="5ea5c98d59b44d4b" providerId="LiveId" clId="{2BA6F94F-59B6-4AA6-9DB6-4A8227DBE37E}" dt="2023-04-03T04:24:42.121" v="1788" actId="1076"/>
+          <ac:spMkLst>
+            <pc:docMk/>
+            <pc:sldMk cId="3745137309" sldId="263"/>
+            <ac:spMk id="8" creationId="{4EC194EB-1593-CBF2-055D-77D4ADFC943F}"/>
+          </ac:spMkLst>
+        </pc:spChg>
+        <pc:spChg chg="del">
+          <ac:chgData name="Scruel Tao" userId="5ea5c98d59b44d4b" providerId="LiveId" clId="{2BA6F94F-59B6-4AA6-9DB6-4A8227DBE37E}" dt="2023-04-03T04:19:06.857" v="1681" actId="478"/>
+          <ac:spMkLst>
+            <pc:docMk/>
+            <pc:sldMk cId="3745137309" sldId="263"/>
+            <ac:spMk id="12" creationId="{17AECC1C-6944-9F68-770A-0455E86B2492}"/>
+          </ac:spMkLst>
+        </pc:spChg>
+        <pc:spChg chg="add del mod">
+          <ac:chgData name="Scruel Tao" userId="5ea5c98d59b44d4b" providerId="LiveId" clId="{2BA6F94F-59B6-4AA6-9DB6-4A8227DBE37E}" dt="2023-04-03T04:39:14.278" v="1794"/>
+          <ac:spMkLst>
+            <pc:docMk/>
+            <pc:sldMk cId="3745137309" sldId="263"/>
+            <ac:spMk id="13" creationId="{2B1E7E69-5ECD-2369-2087-012FACB0EF09}"/>
+          </ac:spMkLst>
+        </pc:spChg>
+        <pc:spChg chg="add mod">
+          <ac:chgData name="Scruel Tao" userId="5ea5c98d59b44d4b" providerId="LiveId" clId="{2BA6F94F-59B6-4AA6-9DB6-4A8227DBE37E}" dt="2023-04-03T04:43:54.118" v="2025" actId="1076"/>
+          <ac:spMkLst>
+            <pc:docMk/>
+            <pc:sldMk cId="3745137309" sldId="263"/>
+            <ac:spMk id="14" creationId="{7382B610-BA58-D421-667D-2CC58252E53B}"/>
+          </ac:spMkLst>
+        </pc:spChg>
+        <pc:spChg chg="add del mod">
+          <ac:chgData name="Scruel Tao" userId="5ea5c98d59b44d4b" providerId="LiveId" clId="{2BA6F94F-59B6-4AA6-9DB6-4A8227DBE37E}" dt="2023-04-03T04:41:30.895" v="1872"/>
+          <ac:spMkLst>
+            <pc:docMk/>
+            <pc:sldMk cId="3745137309" sldId="263"/>
+            <ac:spMk id="20" creationId="{3C1528B3-D941-8F6A-C2B1-9FE727504D1A}"/>
+          </ac:spMkLst>
+        </pc:spChg>
+        <pc:spChg chg="add mod">
+          <ac:chgData name="Scruel Tao" userId="5ea5c98d59b44d4b" providerId="LiveId" clId="{2BA6F94F-59B6-4AA6-9DB6-4A8227DBE37E}" dt="2023-04-03T04:43:48.923" v="2024" actId="113"/>
+          <ac:spMkLst>
+            <pc:docMk/>
+            <pc:sldMk cId="3745137309" sldId="263"/>
+            <ac:spMk id="22" creationId="{7B6674C0-F558-F52E-4B1A-A3B15762388C}"/>
+          </ac:spMkLst>
+        </pc:spChg>
+        <pc:picChg chg="add del mod ord">
+          <ac:chgData name="Scruel Tao" userId="5ea5c98d59b44d4b" providerId="LiveId" clId="{2BA6F94F-59B6-4AA6-9DB6-4A8227DBE37E}" dt="2023-04-03T04:19:16.103" v="1684" actId="21"/>
+          <ac:picMkLst>
+            <pc:docMk/>
+            <pc:sldMk cId="3745137309" sldId="263"/>
+            <ac:picMk id="4" creationId="{52AC7973-0B2B-7791-FC5B-6D95CBD8CBA1}"/>
+          </ac:picMkLst>
+        </pc:picChg>
+        <pc:picChg chg="add del mod">
+          <ac:chgData name="Scruel Tao" userId="5ea5c98d59b44d4b" providerId="LiveId" clId="{2BA6F94F-59B6-4AA6-9DB6-4A8227DBE37E}" dt="2023-04-03T04:41:22.605" v="1869" actId="478"/>
+          <ac:picMkLst>
+            <pc:docMk/>
+            <pc:sldMk cId="3745137309" sldId="263"/>
+            <ac:picMk id="9" creationId="{B07056AA-01D5-51E8-D408-F1980FDC4BC3}"/>
+          </ac:picMkLst>
+        </pc:picChg>
+        <pc:picChg chg="add del mod">
+          <ac:chgData name="Scruel Tao" userId="5ea5c98d59b44d4b" providerId="LiveId" clId="{2BA6F94F-59B6-4AA6-9DB6-4A8227DBE37E}" dt="2023-04-03T04:40:34.570" v="1864" actId="21"/>
+          <ac:picMkLst>
+            <pc:docMk/>
+            <pc:sldMk cId="3745137309" sldId="263"/>
+            <ac:picMk id="11" creationId="{F2971DA2-97CA-921D-0683-2575B93D11D9}"/>
+          </ac:picMkLst>
+        </pc:picChg>
+        <pc:picChg chg="add mod">
+          <ac:chgData name="Scruel Tao" userId="5ea5c98d59b44d4b" providerId="LiveId" clId="{2BA6F94F-59B6-4AA6-9DB6-4A8227DBE37E}" dt="2023-04-03T04:41:02.756" v="1866" actId="1076"/>
+          <ac:picMkLst>
+            <pc:docMk/>
+            <pc:sldMk cId="3745137309" sldId="263"/>
+            <ac:picMk id="16" creationId="{6DA1B3CC-2227-CCDD-B3BF-D5E87A89708B}"/>
+          </ac:picMkLst>
+        </pc:picChg>
+        <pc:picChg chg="add del mod">
+          <ac:chgData name="Scruel Tao" userId="5ea5c98d59b44d4b" providerId="LiveId" clId="{2BA6F94F-59B6-4AA6-9DB6-4A8227DBE37E}" dt="2023-04-03T04:41:29.949" v="1871" actId="21"/>
+          <ac:picMkLst>
+            <pc:docMk/>
+            <pc:sldMk cId="3745137309" sldId="263"/>
+            <ac:picMk id="18" creationId="{313CB848-6C20-4548-45B0-BFDAA30EA3A2}"/>
+          </ac:picMkLst>
+        </pc:picChg>
+        <pc:picChg chg="add mod">
+          <ac:chgData name="Scruel Tao" userId="5ea5c98d59b44d4b" providerId="LiveId" clId="{2BA6F94F-59B6-4AA6-9DB6-4A8227DBE37E}" dt="2023-04-03T04:43:33.350" v="2001" actId="1076"/>
+          <ac:picMkLst>
+            <pc:docMk/>
+            <pc:sldMk cId="3745137309" sldId="263"/>
+            <ac:picMk id="21" creationId="{87C92696-2285-C2FB-D306-11BA00515544}"/>
+          </ac:picMkLst>
+        </pc:picChg>
+      </pc:sldChg>
+      <pc:sldChg chg="addSp delSp modSp add mod ord">
+        <pc:chgData name="Scruel Tao" userId="5ea5c98d59b44d4b" providerId="LiveId" clId="{2BA6F94F-59B6-4AA6-9DB6-4A8227DBE37E}" dt="2023-04-06T01:59:23.291" v="3427" actId="20577"/>
+        <pc:sldMkLst>
+          <pc:docMk/>
+          <pc:sldMk cId="3725727672" sldId="264"/>
+        </pc:sldMkLst>
+        <pc:spChg chg="mod">
+          <ac:chgData name="Scruel Tao" userId="5ea5c98d59b44d4b" providerId="LiveId" clId="{2BA6F94F-59B6-4AA6-9DB6-4A8227DBE37E}" dt="2023-04-06T01:59:23.291" v="3427" actId="20577"/>
+          <ac:spMkLst>
+            <pc:docMk/>
+            <pc:sldMk cId="3725727672" sldId="264"/>
+            <ac:spMk id="2" creationId="{ABA783DF-49A6-7EF1-661E-C574E2C2F386}"/>
+          </ac:spMkLst>
+        </pc:spChg>
+        <pc:spChg chg="mod">
+          <ac:chgData name="Scruel Tao" userId="5ea5c98d59b44d4b" providerId="LiveId" clId="{2BA6F94F-59B6-4AA6-9DB6-4A8227DBE37E}" dt="2023-04-03T05:01:36.612" v="2644" actId="1076"/>
+          <ac:spMkLst>
+            <pc:docMk/>
+            <pc:sldMk cId="3725727672" sldId="264"/>
+            <ac:spMk id="5" creationId="{334FF01F-2A65-44F6-34F9-69AC934A31D7}"/>
+          </ac:spMkLst>
+        </pc:spChg>
+        <pc:spChg chg="add del mod">
+          <ac:chgData name="Scruel Tao" userId="5ea5c98d59b44d4b" providerId="LiveId" clId="{2BA6F94F-59B6-4AA6-9DB6-4A8227DBE37E}" dt="2023-04-03T05:00:26.370" v="2626"/>
+          <ac:spMkLst>
+            <pc:docMk/>
+            <pc:sldMk cId="3725727672" sldId="264"/>
+            <ac:spMk id="11" creationId="{E9210103-9DD3-6F29-C0C7-B18A6E419E73}"/>
+          </ac:spMkLst>
+        </pc:spChg>
+        <pc:spChg chg="del mod">
+          <ac:chgData name="Scruel Tao" userId="5ea5c98d59b44d4b" providerId="LiveId" clId="{2BA6F94F-59B6-4AA6-9DB6-4A8227DBE37E}" dt="2023-04-03T04:44:34.015" v="2029"/>
+          <ac:spMkLst>
+            <pc:docMk/>
+            <pc:sldMk cId="3725727672" sldId="264"/>
+            <ac:spMk id="12" creationId="{17AECC1C-6944-9F68-770A-0455E86B2492}"/>
+          </ac:spMkLst>
+        </pc:spChg>
+        <pc:spChg chg="add mod">
+          <ac:chgData name="Scruel Tao" userId="5ea5c98d59b44d4b" providerId="LiveId" clId="{2BA6F94F-59B6-4AA6-9DB6-4A8227DBE37E}" dt="2023-04-03T05:03:05.445" v="2754" actId="1076"/>
+          <ac:spMkLst>
+            <pc:docMk/>
+            <pc:sldMk cId="3725727672" sldId="264"/>
+            <ac:spMk id="15" creationId="{57CD949C-3C60-4F11-3188-DAAC2954E147}"/>
+          </ac:spMkLst>
+        </pc:spChg>
+        <pc:picChg chg="add del mod">
+          <ac:chgData name="Scruel Tao" userId="5ea5c98d59b44d4b" providerId="LiveId" clId="{2BA6F94F-59B6-4AA6-9DB6-4A8227DBE37E}" dt="2023-04-03T05:00:25.324" v="2625" actId="478"/>
+          <ac:picMkLst>
+            <pc:docMk/>
+            <pc:sldMk cId="3725727672" sldId="264"/>
+            <ac:picMk id="4" creationId="{A511FBE8-0DD6-E630-8EF3-0C4EEA9CD752}"/>
+          </ac:picMkLst>
+        </pc:picChg>
+        <pc:picChg chg="add del mod">
+          <ac:chgData name="Scruel Tao" userId="5ea5c98d59b44d4b" providerId="LiveId" clId="{2BA6F94F-59B6-4AA6-9DB6-4A8227DBE37E}" dt="2023-04-03T04:57:24.837" v="2616" actId="21"/>
+          <ac:picMkLst>
+            <pc:docMk/>
+            <pc:sldMk cId="3725727672" sldId="264"/>
+            <ac:picMk id="7" creationId="{DD04D8AF-8509-73F1-4E2C-416ED822D93C}"/>
+          </ac:picMkLst>
+        </pc:picChg>
+        <pc:picChg chg="add mod">
+          <ac:chgData name="Scruel Tao" userId="5ea5c98d59b44d4b" providerId="LiveId" clId="{2BA6F94F-59B6-4AA6-9DB6-4A8227DBE37E}" dt="2023-04-03T05:01:32.816" v="2643" actId="1076"/>
+          <ac:picMkLst>
+            <pc:docMk/>
+            <pc:sldMk cId="3725727672" sldId="264"/>
+            <ac:picMk id="9" creationId="{5508513D-8323-A6F7-C52C-5D05B49C07CC}"/>
+          </ac:picMkLst>
+        </pc:picChg>
+        <pc:picChg chg="add mod">
+          <ac:chgData name="Scruel Tao" userId="5ea5c98d59b44d4b" providerId="LiveId" clId="{2BA6F94F-59B6-4AA6-9DB6-4A8227DBE37E}" dt="2023-04-03T05:01:30.973" v="2642" actId="1076"/>
+          <ac:picMkLst>
+            <pc:docMk/>
+            <pc:sldMk cId="3725727672" sldId="264"/>
+            <ac:picMk id="14" creationId="{D5EB1BEF-B3CD-34F8-C19A-87E8C64345B3}"/>
+          </ac:picMkLst>
+        </pc:picChg>
+      </pc:sldChg>
+      <pc:sldChg chg="addSp delSp modSp add mod">
+        <pc:chgData name="Scruel Tao" userId="5ea5c98d59b44d4b" providerId="LiveId" clId="{2BA6F94F-59B6-4AA6-9DB6-4A8227DBE37E}" dt="2023-04-06T03:12:15.194" v="6242" actId="13926"/>
+        <pc:sldMkLst>
+          <pc:docMk/>
+          <pc:sldMk cId="3416507657" sldId="265"/>
+        </pc:sldMkLst>
+        <pc:spChg chg="mod">
+          <ac:chgData name="Scruel Tao" userId="5ea5c98d59b44d4b" providerId="LiveId" clId="{2BA6F94F-59B6-4AA6-9DB6-4A8227DBE37E}" dt="2023-04-06T01:59:38.903" v="3439" actId="20577"/>
+          <ac:spMkLst>
+            <pc:docMk/>
+            <pc:sldMk cId="3416507657" sldId="265"/>
+            <ac:spMk id="2" creationId="{ABA783DF-49A6-7EF1-661E-C574E2C2F386}"/>
+          </ac:spMkLst>
+        </pc:spChg>
+        <pc:spChg chg="add del mod">
+          <ac:chgData name="Scruel Tao" userId="5ea5c98d59b44d4b" providerId="LiveId" clId="{2BA6F94F-59B6-4AA6-9DB6-4A8227DBE37E}" dt="2023-04-06T03:12:15.194" v="6242" actId="13926"/>
+          <ac:spMkLst>
+            <pc:docMk/>
+            <pc:sldMk cId="3416507657" sldId="265"/>
+            <ac:spMk id="5" creationId="{334FF01F-2A65-44F6-34F9-69AC934A31D7}"/>
+          </ac:spMkLst>
+        </pc:spChg>
+        <pc:spChg chg="add del mod">
+          <ac:chgData name="Scruel Tao" userId="5ea5c98d59b44d4b" providerId="LiveId" clId="{2BA6F94F-59B6-4AA6-9DB6-4A8227DBE37E}" dt="2023-04-03T05:07:31.501" v="2932"/>
+          <ac:spMkLst>
+            <pc:docMk/>
+            <pc:sldMk cId="3416507657" sldId="265"/>
+            <ac:spMk id="9" creationId="{CCAFF9B5-8F81-F673-219D-9240B0194641}"/>
+          </ac:spMkLst>
+        </pc:spChg>
+        <pc:spChg chg="del">
+          <ac:chgData name="Scruel Tao" userId="5ea5c98d59b44d4b" providerId="LiveId" clId="{2BA6F94F-59B6-4AA6-9DB6-4A8227DBE37E}" dt="2023-04-03T05:06:16.950" v="2812"/>
+          <ac:spMkLst>
+            <pc:docMk/>
+            <pc:sldMk cId="3416507657" sldId="265"/>
+            <ac:spMk id="12" creationId="{17AECC1C-6944-9F68-770A-0455E86B2492}"/>
+          </ac:spMkLst>
+        </pc:spChg>
+        <pc:picChg chg="add del mod">
+          <ac:chgData name="Scruel Tao" userId="5ea5c98d59b44d4b" providerId="LiveId" clId="{2BA6F94F-59B6-4AA6-9DB6-4A8227DBE37E}" dt="2023-04-03T05:06:16.168" v="2811"/>
+          <ac:picMkLst>
+            <pc:docMk/>
+            <pc:sldMk cId="3416507657" sldId="265"/>
+            <ac:picMk id="4" creationId="{ABCDEA2C-CB97-DE24-E641-E77BFA3BF78D}"/>
+          </ac:picMkLst>
+        </pc:picChg>
+        <pc:picChg chg="add del mod">
+          <ac:chgData name="Scruel Tao" userId="5ea5c98d59b44d4b" providerId="LiveId" clId="{2BA6F94F-59B6-4AA6-9DB6-4A8227DBE37E}" dt="2023-04-03T05:07:30.490" v="2931" actId="478"/>
+          <ac:picMkLst>
+            <pc:docMk/>
+            <pc:sldMk cId="3416507657" sldId="265"/>
+            <ac:picMk id="7" creationId="{203C7841-531F-0781-7458-699E2A5C7CE7}"/>
+          </ac:picMkLst>
+        </pc:picChg>
+        <pc:picChg chg="add mod">
+          <ac:chgData name="Scruel Tao" userId="5ea5c98d59b44d4b" providerId="LiveId" clId="{2BA6F94F-59B6-4AA6-9DB6-4A8227DBE37E}" dt="2023-04-03T05:09:18.591" v="3012" actId="1076"/>
+          <ac:picMkLst>
+            <pc:docMk/>
+            <pc:sldMk cId="3416507657" sldId="265"/>
+            <ac:picMk id="11" creationId="{44AA24C5-508C-4D40-7E65-55D5627E4671}"/>
+          </ac:picMkLst>
+        </pc:picChg>
+      </pc:sldChg>
+      <pc:sldChg chg="add del">
+        <pc:chgData name="Scruel Tao" userId="5ea5c98d59b44d4b" providerId="LiveId" clId="{2BA6F94F-59B6-4AA6-9DB6-4A8227DBE37E}" dt="2023-04-03T05:03:50.426" v="2761" actId="47"/>
+        <pc:sldMkLst>
+          <pc:docMk/>
+          <pc:sldMk cId="3540231720" sldId="266"/>
+        </pc:sldMkLst>
+      </pc:sldChg>
+      <pc:sldChg chg="add del">
+        <pc:chgData name="Scruel Tao" userId="5ea5c98d59b44d4b" providerId="LiveId" clId="{2BA6F94F-59B6-4AA6-9DB6-4A8227DBE37E}" dt="2023-04-03T05:03:50.758" v="2762" actId="47"/>
+        <pc:sldMkLst>
+          <pc:docMk/>
+          <pc:sldMk cId="4025758886" sldId="267"/>
+        </pc:sldMkLst>
+      </pc:sldChg>
+      <pc:sldChg chg="add del">
+        <pc:chgData name="Scruel Tao" userId="5ea5c98d59b44d4b" providerId="LiveId" clId="{2BA6F94F-59B6-4AA6-9DB6-4A8227DBE37E}" dt="2023-04-03T05:03:50.967" v="2763" actId="47"/>
+        <pc:sldMkLst>
+          <pc:docMk/>
+          <pc:sldMk cId="3881832977" sldId="268"/>
+        </pc:sldMkLst>
+      </pc:sldChg>
+      <pc:sldChg chg="add del">
+        <pc:chgData name="Scruel Tao" userId="5ea5c98d59b44d4b" providerId="LiveId" clId="{2BA6F94F-59B6-4AA6-9DB6-4A8227DBE37E}" dt="2023-04-03T05:03:51.140" v="2764" actId="47"/>
+        <pc:sldMkLst>
+          <pc:docMk/>
+          <pc:sldMk cId="3546485175" sldId="269"/>
+        </pc:sldMkLst>
+      </pc:sldChg>
+      <pc:sldChg chg="addSp delSp modSp add mod ord">
+        <pc:chgData name="Scruel Tao" userId="5ea5c98d59b44d4b" providerId="LiveId" clId="{2BA6F94F-59B6-4AA6-9DB6-4A8227DBE37E}" dt="2023-04-06T03:12:53.496" v="6269" actId="1076"/>
+        <pc:sldMkLst>
+          <pc:docMk/>
+          <pc:sldMk cId="192831406" sldId="270"/>
+        </pc:sldMkLst>
+        <pc:spChg chg="mod">
+          <ac:chgData name="Scruel Tao" userId="5ea5c98d59b44d4b" providerId="LiveId" clId="{2BA6F94F-59B6-4AA6-9DB6-4A8227DBE37E}" dt="2023-04-06T01:59:06.037" v="3423" actId="20577"/>
+          <ac:spMkLst>
+            <pc:docMk/>
+            <pc:sldMk cId="192831406" sldId="270"/>
+            <ac:spMk id="2" creationId="{ABA783DF-49A6-7EF1-661E-C574E2C2F386}"/>
+          </ac:spMkLst>
+        </pc:spChg>
+        <pc:spChg chg="mod">
+          <ac:chgData name="Scruel Tao" userId="5ea5c98d59b44d4b" providerId="LiveId" clId="{2BA6F94F-59B6-4AA6-9DB6-4A8227DBE37E}" dt="2023-04-03T04:55:36.354" v="2500" actId="20577"/>
+          <ac:spMkLst>
+            <pc:docMk/>
+            <pc:sldMk cId="192831406" sldId="270"/>
+            <ac:spMk id="5" creationId="{334FF01F-2A65-44F6-34F9-69AC934A31D7}"/>
+          </ac:spMkLst>
+        </pc:spChg>
+        <pc:spChg chg="add del mod">
+          <ac:chgData name="Scruel Tao" userId="5ea5c98d59b44d4b" providerId="LiveId" clId="{2BA6F94F-59B6-4AA6-9DB6-4A8227DBE37E}" dt="2023-04-03T04:49:26.325" v="2108"/>
+          <ac:spMkLst>
+            <pc:docMk/>
+            <pc:sldMk cId="192831406" sldId="270"/>
+            <ac:spMk id="6" creationId="{4825B1F8-4B63-9130-AF5C-D8B58F7AE6AF}"/>
+          </ac:spMkLst>
+        </pc:spChg>
+        <pc:spChg chg="add del mod">
+          <ac:chgData name="Scruel Tao" userId="5ea5c98d59b44d4b" providerId="LiveId" clId="{2BA6F94F-59B6-4AA6-9DB6-4A8227DBE37E}" dt="2023-04-03T04:55:48.392" v="2504"/>
+          <ac:spMkLst>
+            <pc:docMk/>
+            <pc:sldMk cId="192831406" sldId="270"/>
+            <ac:spMk id="13" creationId="{BFF52406-2E49-3B9D-2A6D-2A5EDD1B1D0D}"/>
+          </ac:spMkLst>
+        </pc:spChg>
+        <pc:spChg chg="add mod">
+          <ac:chgData name="Scruel Tao" userId="5ea5c98d59b44d4b" providerId="LiveId" clId="{2BA6F94F-59B6-4AA6-9DB6-4A8227DBE37E}" dt="2023-04-06T03:12:53.496" v="6269" actId="1076"/>
+          <ac:spMkLst>
+            <pc:docMk/>
+            <pc:sldMk cId="192831406" sldId="270"/>
+            <ac:spMk id="14" creationId="{BF2C039C-7D70-5BA8-10BF-AC65C1C472C2}"/>
+          </ac:spMkLst>
+        </pc:spChg>
+        <pc:picChg chg="del">
+          <ac:chgData name="Scruel Tao" userId="5ea5c98d59b44d4b" providerId="LiveId" clId="{2BA6F94F-59B6-4AA6-9DB6-4A8227DBE37E}" dt="2023-04-03T04:46:04.237" v="2072" actId="21"/>
+          <ac:picMkLst>
+            <pc:docMk/>
+            <pc:sldMk cId="192831406" sldId="270"/>
+            <ac:picMk id="4" creationId="{A511FBE8-0DD6-E630-8EF3-0C4EEA9CD752}"/>
+          </ac:picMkLst>
+        </pc:picChg>
+        <pc:picChg chg="del mod">
+          <ac:chgData name="Scruel Tao" userId="5ea5c98d59b44d4b" providerId="LiveId" clId="{2BA6F94F-59B6-4AA6-9DB6-4A8227DBE37E}" dt="2023-04-03T04:49:25.552" v="2107" actId="21"/>
+          <ac:picMkLst>
+            <pc:docMk/>
+            <pc:sldMk cId="192831406" sldId="270"/>
+            <ac:picMk id="7" creationId="{DD04D8AF-8509-73F1-4E2C-416ED822D93C}"/>
+          </ac:picMkLst>
+        </pc:picChg>
+        <pc:picChg chg="add mod">
+          <ac:chgData name="Scruel Tao" userId="5ea5c98d59b44d4b" providerId="LiveId" clId="{2BA6F94F-59B6-4AA6-9DB6-4A8227DBE37E}" dt="2023-04-03T04:56:24.305" v="2563" actId="1076"/>
+          <ac:picMkLst>
+            <pc:docMk/>
+            <pc:sldMk cId="192831406" sldId="270"/>
+            <ac:picMk id="8" creationId="{9FEE71E3-5A5A-BDD3-0177-666AE0953528}"/>
+          </ac:picMkLst>
+        </pc:picChg>
+        <pc:picChg chg="add mod">
+          <ac:chgData name="Scruel Tao" userId="5ea5c98d59b44d4b" providerId="LiveId" clId="{2BA6F94F-59B6-4AA6-9DB6-4A8227DBE37E}" dt="2023-04-03T04:57:09.828" v="2614" actId="1076"/>
+          <ac:picMkLst>
+            <pc:docMk/>
+            <pc:sldMk cId="192831406" sldId="270"/>
+            <ac:picMk id="10" creationId="{ED7D2C24-3911-466C-3E76-669FC1671250}"/>
+          </ac:picMkLst>
+        </pc:picChg>
+        <pc:picChg chg="add mod">
+          <ac:chgData name="Scruel Tao" userId="5ea5c98d59b44d4b" providerId="LiveId" clId="{2BA6F94F-59B6-4AA6-9DB6-4A8227DBE37E}" dt="2023-04-03T04:55:39.683" v="2501" actId="1076"/>
+          <ac:picMkLst>
+            <pc:docMk/>
+            <pc:sldMk cId="192831406" sldId="270"/>
+            <ac:picMk id="12" creationId="{A8B42638-E2EC-8913-3326-65DFC6BFA414}"/>
+          </ac:picMkLst>
+        </pc:picChg>
+      </pc:sldChg>
+      <pc:sldChg chg="addSp delSp modSp add mod modTransition delAnim modAnim">
+        <pc:chgData name="Scruel Tao" userId="5ea5c98d59b44d4b" providerId="LiveId" clId="{2BA6F94F-59B6-4AA6-9DB6-4A8227DBE37E}" dt="2023-04-06T02:37:35.540" v="4103" actId="20577"/>
+        <pc:sldMkLst>
+          <pc:docMk/>
+          <pc:sldMk cId="555885545" sldId="271"/>
+        </pc:sldMkLst>
+        <pc:spChg chg="mod">
+          <ac:chgData name="Scruel Tao" userId="5ea5c98d59b44d4b" providerId="LiveId" clId="{2BA6F94F-59B6-4AA6-9DB6-4A8227DBE37E}" dt="2023-04-06T02:37:35.540" v="4103" actId="20577"/>
+          <ac:spMkLst>
+            <pc:docMk/>
+            <pc:sldMk cId="555885545" sldId="271"/>
+            <ac:spMk id="2" creationId="{ABA783DF-49A6-7EF1-661E-C574E2C2F386}"/>
+          </ac:spMkLst>
+        </pc:spChg>
+        <pc:spChg chg="mod">
+          <ac:chgData name="Scruel Tao" userId="5ea5c98d59b44d4b" providerId="LiveId" clId="{2BA6F94F-59B6-4AA6-9DB6-4A8227DBE37E}" dt="2023-04-06T02:37:10.496" v="4102" actId="20577"/>
+          <ac:spMkLst>
+            <pc:docMk/>
+            <pc:sldMk cId="555885545" sldId="271"/>
+            <ac:spMk id="5" creationId="{334FF01F-2A65-44F6-34F9-69AC934A31D7}"/>
+          </ac:spMkLst>
+        </pc:spChg>
+        <pc:spChg chg="del">
+          <ac:chgData name="Scruel Tao" userId="5ea5c98d59b44d4b" providerId="LiveId" clId="{2BA6F94F-59B6-4AA6-9DB6-4A8227DBE37E}" dt="2023-04-03T05:12:20.396" v="3109"/>
+          <ac:spMkLst>
+            <pc:docMk/>
+            <pc:sldMk cId="555885545" sldId="271"/>
+            <ac:spMk id="12" creationId="{17AECC1C-6944-9F68-770A-0455E86B2492}"/>
+          </ac:spMkLst>
+        </pc:spChg>
+        <pc:picChg chg="add mod">
+          <ac:chgData name="Scruel Tao" userId="5ea5c98d59b44d4b" providerId="LiveId" clId="{2BA6F94F-59B6-4AA6-9DB6-4A8227DBE37E}" dt="2023-04-03T05:12:24.482" v="3111" actId="1076"/>
+          <ac:picMkLst>
+            <pc:docMk/>
+            <pc:sldMk cId="555885545" sldId="271"/>
+            <ac:picMk id="3" creationId="{E9C9C4B6-9E80-13FC-3C11-56455F818828}"/>
+          </ac:picMkLst>
+        </pc:picChg>
+        <pc:picChg chg="add del mod">
+          <ac:chgData name="Scruel Tao" userId="5ea5c98d59b44d4b" providerId="LiveId" clId="{2BA6F94F-59B6-4AA6-9DB6-4A8227DBE37E}" dt="2023-04-06T02:23:46.442" v="3975" actId="478"/>
+          <ac:picMkLst>
+            <pc:docMk/>
+            <pc:sldMk cId="555885545" sldId="271"/>
+            <ac:picMk id="6" creationId="{946FBC4D-967C-E0DD-4B99-AFE37DE456FC}"/>
+          </ac:picMkLst>
+        </pc:picChg>
+        <pc:picChg chg="add del mod">
+          <ac:chgData name="Scruel Tao" userId="5ea5c98d59b44d4b" providerId="LiveId" clId="{2BA6F94F-59B6-4AA6-9DB6-4A8227DBE37E}" dt="2023-04-06T02:34:23.966" v="4014" actId="478"/>
+          <ac:picMkLst>
+            <pc:docMk/>
+            <pc:sldMk cId="555885545" sldId="271"/>
+            <ac:picMk id="8" creationId="{CBE0F782-9063-9A1B-F123-E3585C23F8D4}"/>
+          </ac:picMkLst>
+        </pc:picChg>
+        <pc:picChg chg="add mod ord">
+          <ac:chgData name="Scruel Tao" userId="5ea5c98d59b44d4b" providerId="LiveId" clId="{2BA6F94F-59B6-4AA6-9DB6-4A8227DBE37E}" dt="2023-04-06T02:34:21.109" v="4013" actId="171"/>
+          <ac:picMkLst>
+            <pc:docMk/>
+            <pc:sldMk cId="555885545" sldId="271"/>
+            <ac:picMk id="10" creationId="{AB9AA877-00A8-CAE0-AEB2-54C3CC706AB2}"/>
+          </ac:picMkLst>
+        </pc:picChg>
+        <pc:picChg chg="add del mod">
+          <ac:chgData name="Scruel Tao" userId="5ea5c98d59b44d4b" providerId="LiveId" clId="{2BA6F94F-59B6-4AA6-9DB6-4A8227DBE37E}" dt="2023-04-06T02:34:05.904" v="4011" actId="478"/>
+          <ac:picMkLst>
+            <pc:docMk/>
+            <pc:sldMk cId="555885545" sldId="271"/>
+            <ac:picMk id="12" creationId="{6B5B9BC3-94A6-21D9-46F9-DD8E61B43B92}"/>
+          </ac:picMkLst>
+        </pc:picChg>
+        <pc:picChg chg="add mod">
+          <ac:chgData name="Scruel Tao" userId="5ea5c98d59b44d4b" providerId="LiveId" clId="{2BA6F94F-59B6-4AA6-9DB6-4A8227DBE37E}" dt="2023-04-06T02:34:48.022" v="4029" actId="1076"/>
+          <ac:picMkLst>
+            <pc:docMk/>
+            <pc:sldMk cId="555885545" sldId="271"/>
+            <ac:picMk id="14" creationId="{6A16C4FE-00E6-5357-100A-B8710B34F596}"/>
+          </ac:picMkLst>
+        </pc:picChg>
+        <pc:picChg chg="add mod">
+          <ac:chgData name="Scruel Tao" userId="5ea5c98d59b44d4b" providerId="LiveId" clId="{2BA6F94F-59B6-4AA6-9DB6-4A8227DBE37E}" dt="2023-04-06T02:35:36.170" v="4034" actId="1076"/>
+          <ac:picMkLst>
+            <pc:docMk/>
+            <pc:sldMk cId="555885545" sldId="271"/>
+            <ac:picMk id="16" creationId="{11C754BB-74AE-32B2-031C-7FF20420B575}"/>
+          </ac:picMkLst>
+        </pc:picChg>
+      </pc:sldChg>
+      <pc:sldChg chg="addSp delSp modSp add mod modClrScheme modAnim chgLayout">
+        <pc:chgData name="Scruel Tao" userId="5ea5c98d59b44d4b" providerId="LiveId" clId="{2BA6F94F-59B6-4AA6-9DB6-4A8227DBE37E}" dt="2023-04-06T03:21:33.591" v="6322" actId="20577"/>
+        <pc:sldMkLst>
+          <pc:docMk/>
+          <pc:sldMk cId="1518949093" sldId="272"/>
+        </pc:sldMkLst>
+        <pc:spChg chg="mod ord">
+          <ac:chgData name="Scruel Tao" userId="5ea5c98d59b44d4b" providerId="LiveId" clId="{2BA6F94F-59B6-4AA6-9DB6-4A8227DBE37E}" dt="2023-04-06T02:46:26.755" v="4346" actId="700"/>
+          <ac:spMkLst>
+            <pc:docMk/>
+            <pc:sldMk cId="1518949093" sldId="272"/>
+            <ac:spMk id="2" creationId="{ABA783DF-49A6-7EF1-661E-C574E2C2F386}"/>
+          </ac:spMkLst>
+        </pc:spChg>
+        <pc:spChg chg="add mod ord">
+          <ac:chgData name="Scruel Tao" userId="5ea5c98d59b44d4b" providerId="LiveId" clId="{2BA6F94F-59B6-4AA6-9DB6-4A8227DBE37E}" dt="2023-04-06T03:21:33.591" v="6322" actId="20577"/>
+          <ac:spMkLst>
+            <pc:docMk/>
+            <pc:sldMk cId="1518949093" sldId="272"/>
+            <ac:spMk id="3" creationId="{939F03AE-10F4-D882-D99A-D5393469A114}"/>
+          </ac:spMkLst>
+        </pc:spChg>
+        <pc:spChg chg="add mod">
+          <ac:chgData name="Scruel Tao" userId="5ea5c98d59b44d4b" providerId="LiveId" clId="{2BA6F94F-59B6-4AA6-9DB6-4A8227DBE37E}" dt="2023-04-06T03:00:35.995" v="5800" actId="1076"/>
+          <ac:spMkLst>
+            <pc:docMk/>
+            <pc:sldMk cId="1518949093" sldId="272"/>
+            <ac:spMk id="4" creationId="{7F9F47DD-E49D-A929-FBF6-0571BAC29FB6}"/>
+          </ac:spMkLst>
+        </pc:spChg>
+        <pc:spChg chg="del mod ord">
+          <ac:chgData name="Scruel Tao" userId="5ea5c98d59b44d4b" providerId="LiveId" clId="{2BA6F94F-59B6-4AA6-9DB6-4A8227DBE37E}" dt="2023-04-06T02:46:26.755" v="4346" actId="700"/>
+          <ac:spMkLst>
+            <pc:docMk/>
+            <pc:sldMk cId="1518949093" sldId="272"/>
+            <ac:spMk id="5" creationId="{334FF01F-2A65-44F6-34F9-69AC934A31D7}"/>
+          </ac:spMkLst>
+        </pc:spChg>
+        <pc:spChg chg="add del mod">
+          <ac:chgData name="Scruel Tao" userId="5ea5c98d59b44d4b" providerId="LiveId" clId="{2BA6F94F-59B6-4AA6-9DB6-4A8227DBE37E}" dt="2023-04-06T02:46:26.755" v="4346" actId="700"/>
+          <ac:spMkLst>
+            <pc:docMk/>
+            <pc:sldMk cId="1518949093" sldId="272"/>
+            <ac:spMk id="7" creationId="{F35B7A8A-4930-2C62-CD2B-1E4E38AFABE3}"/>
+          </ac:spMkLst>
+        </pc:spChg>
+        <pc:spChg chg="del">
+          <ac:chgData name="Scruel Tao" userId="5ea5c98d59b44d4b" providerId="LiveId" clId="{2BA6F94F-59B6-4AA6-9DB6-4A8227DBE37E}" dt="2023-04-03T05:12:13.720" v="3106"/>
+          <ac:spMkLst>
+            <pc:docMk/>
+            <pc:sldMk cId="1518949093" sldId="272"/>
+            <ac:spMk id="12" creationId="{17AECC1C-6944-9F68-770A-0455E86B2492}"/>
+          </ac:spMkLst>
+        </pc:spChg>
+        <pc:picChg chg="add del mod">
+          <ac:chgData name="Scruel Tao" userId="5ea5c98d59b44d4b" providerId="LiveId" clId="{2BA6F94F-59B6-4AA6-9DB6-4A8227DBE37E}" dt="2023-04-03T05:12:18.430" v="3108" actId="21"/>
+          <ac:picMkLst>
+            <pc:docMk/>
+            <pc:sldMk cId="1518949093" sldId="272"/>
+            <ac:picMk id="4" creationId="{ED7E2725-EC32-D629-C663-EC55BC83D8AA}"/>
+          </ac:picMkLst>
+        </pc:picChg>
+      </pc:sldChg>
+      <pc:sldChg chg="addSp delSp modSp add mod modAnim">
+        <pc:chgData name="Scruel Tao" userId="5ea5c98d59b44d4b" providerId="LiveId" clId="{2BA6F94F-59B6-4AA6-9DB6-4A8227DBE37E}" dt="2023-04-06T03:22:01.021" v="6326" actId="20577"/>
+        <pc:sldMkLst>
+          <pc:docMk/>
+          <pc:sldMk cId="1301849154" sldId="273"/>
+        </pc:sldMkLst>
+        <pc:spChg chg="mod">
+          <ac:chgData name="Scruel Tao" userId="5ea5c98d59b44d4b" providerId="LiveId" clId="{2BA6F94F-59B6-4AA6-9DB6-4A8227DBE37E}" dt="2023-04-06T02:00:22.559" v="3502" actId="20577"/>
+          <ac:spMkLst>
+            <pc:docMk/>
+            <pc:sldMk cId="1301849154" sldId="273"/>
+            <ac:spMk id="2" creationId="{ABA783DF-49A6-7EF1-661E-C574E2C2F386}"/>
+          </ac:spMkLst>
+        </pc:spChg>
+        <pc:spChg chg="mod ord">
+          <ac:chgData name="Scruel Tao" userId="5ea5c98d59b44d4b" providerId="LiveId" clId="{2BA6F94F-59B6-4AA6-9DB6-4A8227DBE37E}" dt="2023-04-06T03:22:01.021" v="6326" actId="20577"/>
+          <ac:spMkLst>
+            <pc:docMk/>
+            <pc:sldMk cId="1301849154" sldId="273"/>
+            <ac:spMk id="5" creationId="{334FF01F-2A65-44F6-34F9-69AC934A31D7}"/>
+          </ac:spMkLst>
+        </pc:spChg>
+        <pc:spChg chg="add del">
+          <ac:chgData name="Scruel Tao" userId="5ea5c98d59b44d4b" providerId="LiveId" clId="{2BA6F94F-59B6-4AA6-9DB6-4A8227DBE37E}" dt="2023-04-06T03:03:08.342" v="5816" actId="22"/>
+          <ac:spMkLst>
+            <pc:docMk/>
+            <pc:sldMk cId="1301849154" sldId="273"/>
+            <ac:spMk id="9" creationId="{2D63CFCC-FD4C-6E5B-C31C-1FACE6548087}"/>
+          </ac:spMkLst>
+        </pc:spChg>
+        <pc:spChg chg="del">
+          <ac:chgData name="Scruel Tao" userId="5ea5c98d59b44d4b" providerId="LiveId" clId="{2BA6F94F-59B6-4AA6-9DB6-4A8227DBE37E}" dt="2023-04-06T02:59:42.163" v="5772"/>
+          <ac:spMkLst>
+            <pc:docMk/>
+            <pc:sldMk cId="1301849154" sldId="273"/>
+            <ac:spMk id="12" creationId="{17AECC1C-6944-9F68-770A-0455E86B2492}"/>
+          </ac:spMkLst>
+        </pc:spChg>
+        <pc:picChg chg="add mod">
+          <ac:chgData name="Scruel Tao" userId="5ea5c98d59b44d4b" providerId="LiveId" clId="{2BA6F94F-59B6-4AA6-9DB6-4A8227DBE37E}" dt="2023-04-06T03:00:08.355" v="5783" actId="14100"/>
+          <ac:picMkLst>
+            <pc:docMk/>
+            <pc:sldMk cId="1301849154" sldId="273"/>
+            <ac:picMk id="4" creationId="{0A002240-4414-DA2D-96E9-81195475F4D9}"/>
+          </ac:picMkLst>
+        </pc:picChg>
+        <pc:picChg chg="add mod">
+          <ac:chgData name="Scruel Tao" userId="5ea5c98d59b44d4b" providerId="LiveId" clId="{2BA6F94F-59B6-4AA6-9DB6-4A8227DBE37E}" dt="2023-04-06T03:01:55.942" v="5807" actId="1076"/>
+          <ac:picMkLst>
+            <pc:docMk/>
+            <pc:sldMk cId="1301849154" sldId="273"/>
+            <ac:picMk id="7" creationId="{039AB04D-EA90-8BDD-A9C6-599C7C25DC63}"/>
+          </ac:picMkLst>
+        </pc:picChg>
+        <pc:picChg chg="add mod">
+          <ac:chgData name="Scruel Tao" userId="5ea5c98d59b44d4b" providerId="LiveId" clId="{2BA6F94F-59B6-4AA6-9DB6-4A8227DBE37E}" dt="2023-04-06T03:03:35.262" v="5826" actId="1076"/>
+          <ac:picMkLst>
+            <pc:docMk/>
+            <pc:sldMk cId="1301849154" sldId="273"/>
+            <ac:picMk id="11" creationId="{F56CF5C9-083E-9020-8D45-F23AB3CF38CE}"/>
+          </ac:picMkLst>
+        </pc:picChg>
+      </pc:sldChg>
+      <pc:sldChg chg="addSp delSp modSp add mod modClrScheme modAnim chgLayout">
+        <pc:chgData name="Scruel Tao" userId="5ea5c98d59b44d4b" providerId="LiveId" clId="{2BA6F94F-59B6-4AA6-9DB6-4A8227DBE37E}" dt="2023-04-06T03:08:04.347" v="6177" actId="20577"/>
+        <pc:sldMkLst>
+          <pc:docMk/>
+          <pc:sldMk cId="2878673110" sldId="274"/>
+        </pc:sldMkLst>
+        <pc:spChg chg="mod ord">
+          <ac:chgData name="Scruel Tao" userId="5ea5c98d59b44d4b" providerId="LiveId" clId="{2BA6F94F-59B6-4AA6-9DB6-4A8227DBE37E}" dt="2023-04-06T03:06:24.832" v="6026" actId="20577"/>
+          <ac:spMkLst>
+            <pc:docMk/>
+            <pc:sldMk cId="2878673110" sldId="274"/>
+            <ac:spMk id="2" creationId="{ABA783DF-49A6-7EF1-661E-C574E2C2F386}"/>
+          </ac:spMkLst>
+        </pc:spChg>
+        <pc:spChg chg="add mod ord">
+          <ac:chgData name="Scruel Tao" userId="5ea5c98d59b44d4b" providerId="LiveId" clId="{2BA6F94F-59B6-4AA6-9DB6-4A8227DBE37E}" dt="2023-04-06T03:08:04.347" v="6177" actId="20577"/>
+          <ac:spMkLst>
+            <pc:docMk/>
+            <pc:sldMk cId="2878673110" sldId="274"/>
+            <ac:spMk id="3" creationId="{9E0BA8B8-92DA-1AC9-79B9-A552D184BB54}"/>
+          </ac:spMkLst>
+        </pc:spChg>
+        <pc:spChg chg="del mod ord">
+          <ac:chgData name="Scruel Tao" userId="5ea5c98d59b44d4b" providerId="LiveId" clId="{2BA6F94F-59B6-4AA6-9DB6-4A8227DBE37E}" dt="2023-04-03T05:14:57.549" v="3272" actId="700"/>
+          <ac:spMkLst>
+            <pc:docMk/>
+            <pc:sldMk cId="2878673110" sldId="274"/>
+            <ac:spMk id="5" creationId="{334FF01F-2A65-44F6-34F9-69AC934A31D7}"/>
+          </ac:spMkLst>
+        </pc:spChg>
+        <pc:spChg chg="del">
+          <ac:chgData name="Scruel Tao" userId="5ea5c98d59b44d4b" providerId="LiveId" clId="{2BA6F94F-59B6-4AA6-9DB6-4A8227DBE37E}" dt="2023-04-03T05:14:57.549" v="3272" actId="700"/>
+          <ac:spMkLst>
+            <pc:docMk/>
+            <pc:sldMk cId="2878673110" sldId="274"/>
+            <ac:spMk id="12" creationId="{17AECC1C-6944-9F68-770A-0455E86B2492}"/>
+          </ac:spMkLst>
+        </pc:spChg>
+      </pc:sldChg>
+      <pc:sldChg chg="addSp delSp modSp add mod delAnim modAnim">
+        <pc:chgData name="Scruel Tao" userId="5ea5c98d59b44d4b" providerId="LiveId" clId="{2BA6F94F-59B6-4AA6-9DB6-4A8227DBE37E}" dt="2023-04-06T03:11:42.112" v="6223" actId="20577"/>
+        <pc:sldMkLst>
+          <pc:docMk/>
+          <pc:sldMk cId="1525970791" sldId="275"/>
+        </pc:sldMkLst>
+        <pc:spChg chg="mod">
+          <ac:chgData name="Scruel Tao" userId="5ea5c98d59b44d4b" providerId="LiveId" clId="{2BA6F94F-59B6-4AA6-9DB6-4A8227DBE37E}" dt="2023-04-06T02:37:55.606" v="4130" actId="20577"/>
+          <ac:spMkLst>
+            <pc:docMk/>
+            <pc:sldMk cId="1525970791" sldId="275"/>
+            <ac:spMk id="2" creationId="{ABA783DF-49A6-7EF1-661E-C574E2C2F386}"/>
+          </ac:spMkLst>
+        </pc:spChg>
+        <pc:spChg chg="add mod">
+          <ac:chgData name="Scruel Tao" userId="5ea5c98d59b44d4b" providerId="LiveId" clId="{2BA6F94F-59B6-4AA6-9DB6-4A8227DBE37E}" dt="2023-04-06T02:40:44.115" v="4288" actId="1076"/>
+          <ac:spMkLst>
+            <pc:docMk/>
+            <pc:sldMk cId="1525970791" sldId="275"/>
+            <ac:spMk id="3" creationId="{758FEE91-E006-78B4-7371-44F05CE1873F}"/>
+          </ac:spMkLst>
+        </pc:spChg>
+        <pc:spChg chg="mod">
+          <ac:chgData name="Scruel Tao" userId="5ea5c98d59b44d4b" providerId="LiveId" clId="{2BA6F94F-59B6-4AA6-9DB6-4A8227DBE37E}" dt="2023-04-06T03:11:42.112" v="6223" actId="20577"/>
+          <ac:spMkLst>
+            <pc:docMk/>
+            <pc:sldMk cId="1525970791" sldId="275"/>
+            <ac:spMk id="5" creationId="{334FF01F-2A65-44F6-34F9-69AC934A31D7}"/>
+          </ac:spMkLst>
+        </pc:spChg>
+        <pc:spChg chg="add del mod">
+          <ac:chgData name="Scruel Tao" userId="5ea5c98d59b44d4b" providerId="LiveId" clId="{2BA6F94F-59B6-4AA6-9DB6-4A8227DBE37E}" dt="2023-04-06T02:41:11.484" v="4301"/>
+          <ac:spMkLst>
+            <pc:docMk/>
+            <pc:sldMk cId="1525970791" sldId="275"/>
+            <ac:spMk id="6" creationId="{FE71521E-2CC0-4A61-AAED-50B969DD3FB2}"/>
+          </ac:spMkLst>
+        </pc:spChg>
+        <pc:spChg chg="add del mod">
+          <ac:chgData name="Scruel Tao" userId="5ea5c98d59b44d4b" providerId="LiveId" clId="{2BA6F94F-59B6-4AA6-9DB6-4A8227DBE37E}" dt="2023-04-06T02:41:49.801" v="4308"/>
+          <ac:spMkLst>
+            <pc:docMk/>
+            <pc:sldMk cId="1525970791" sldId="275"/>
+            <ac:spMk id="11" creationId="{E7566BCF-DD27-2A40-5FAC-846D590C6664}"/>
+          </ac:spMkLst>
+        </pc:spChg>
+        <pc:picChg chg="del">
+          <ac:chgData name="Scruel Tao" userId="5ea5c98d59b44d4b" providerId="LiveId" clId="{2BA6F94F-59B6-4AA6-9DB6-4A8227DBE37E}" dt="2023-04-03T05:13:19.543" v="3163" actId="21"/>
+          <ac:picMkLst>
+            <pc:docMk/>
+            <pc:sldMk cId="1525970791" sldId="275"/>
+            <ac:picMk id="3" creationId="{E9C9C4B6-9E80-13FC-3C11-56455F818828}"/>
+          </ac:picMkLst>
+        </pc:picChg>
+        <pc:picChg chg="add del mod">
+          <ac:chgData name="Scruel Tao" userId="5ea5c98d59b44d4b" providerId="LiveId" clId="{2BA6F94F-59B6-4AA6-9DB6-4A8227DBE37E}" dt="2023-04-06T02:41:10.728" v="4300"/>
+          <ac:picMkLst>
+            <pc:docMk/>
+            <pc:sldMk cId="1525970791" sldId="275"/>
+            <ac:picMk id="7" creationId="{72753DEC-DD0C-C274-F404-F5EB4CD1C448}"/>
+          </ac:picMkLst>
+        </pc:picChg>
+        <pc:picChg chg="add del mod">
+          <ac:chgData name="Scruel Tao" userId="5ea5c98d59b44d4b" providerId="LiveId" clId="{2BA6F94F-59B6-4AA6-9DB6-4A8227DBE37E}" dt="2023-04-06T02:41:48.798" v="4307" actId="478"/>
+          <ac:picMkLst>
+            <pc:docMk/>
+            <pc:sldMk cId="1525970791" sldId="275"/>
+            <ac:picMk id="9" creationId="{956D46E1-CA10-6110-3721-527FB106B816}"/>
+          </ac:picMkLst>
+        </pc:picChg>
+        <pc:picChg chg="add mod">
+          <ac:chgData name="Scruel Tao" userId="5ea5c98d59b44d4b" providerId="LiveId" clId="{2BA6F94F-59B6-4AA6-9DB6-4A8227DBE37E}" dt="2023-04-06T02:41:56.060" v="4311" actId="14100"/>
+          <ac:picMkLst>
+            <pc:docMk/>
+            <pc:sldMk cId="1525970791" sldId="275"/>
+            <ac:picMk id="13" creationId="{28E0336C-E8D0-EA88-BA1F-58180AAA10B2}"/>
+          </ac:picMkLst>
+        </pc:picChg>
+        <pc:picChg chg="add mod">
+          <ac:chgData name="Scruel Tao" userId="5ea5c98d59b44d4b" providerId="LiveId" clId="{2BA6F94F-59B6-4AA6-9DB6-4A8227DBE37E}" dt="2023-04-06T02:43:15.541" v="4323" actId="1076"/>
+          <ac:picMkLst>
+            <pc:docMk/>
+            <pc:sldMk cId="1525970791" sldId="275"/>
+            <ac:picMk id="15" creationId="{688D0B3B-ED19-D752-7801-4EA7CCF93CF1}"/>
+          </ac:picMkLst>
+        </pc:picChg>
+        <pc:picChg chg="add del mod">
+          <ac:chgData name="Scruel Tao" userId="5ea5c98d59b44d4b" providerId="LiveId" clId="{2BA6F94F-59B6-4AA6-9DB6-4A8227DBE37E}" dt="2023-04-06T02:45:44.597" v="4337" actId="478"/>
+          <ac:picMkLst>
+            <pc:docMk/>
+            <pc:sldMk cId="1525970791" sldId="275"/>
+            <ac:picMk id="17" creationId="{A0899730-319B-2A2E-DBC8-BEBF8655AA69}"/>
+          </ac:picMkLst>
+        </pc:picChg>
+        <pc:picChg chg="add mod">
+          <ac:chgData name="Scruel Tao" userId="5ea5c98d59b44d4b" providerId="LiveId" clId="{2BA6F94F-59B6-4AA6-9DB6-4A8227DBE37E}" dt="2023-04-06T02:45:54.296" v="4342" actId="1076"/>
+          <ac:picMkLst>
+            <pc:docMk/>
+            <pc:sldMk cId="1525970791" sldId="275"/>
+            <ac:picMk id="19" creationId="{EA4C9E56-4F35-33EF-251B-533EFC0DABBF}"/>
+          </ac:picMkLst>
+        </pc:picChg>
+      </pc:sldChg>
+      <pc:sldChg chg="modSp add del mod">
+        <pc:chgData name="Scruel Tao" userId="5ea5c98d59b44d4b" providerId="LiveId" clId="{2BA6F94F-59B6-4AA6-9DB6-4A8227DBE37E}" dt="2023-04-06T02:37:57.733" v="4131" actId="47"/>
+        <pc:sldMkLst>
+          <pc:docMk/>
+          <pc:sldMk cId="1084643022" sldId="276"/>
+        </pc:sldMkLst>
+        <pc:spChg chg="mod">
+          <ac:chgData name="Scruel Tao" userId="5ea5c98d59b44d4b" providerId="LiveId" clId="{2BA6F94F-59B6-4AA6-9DB6-4A8227DBE37E}" dt="2023-04-06T01:59:57.563" v="3451" actId="20577"/>
+          <ac:spMkLst>
+            <pc:docMk/>
+            <pc:sldMk cId="1084643022" sldId="276"/>
+            <ac:spMk id="2" creationId="{ABA783DF-49A6-7EF1-661E-C574E2C2F386}"/>
+          </ac:spMkLst>
+        </pc:spChg>
+      </pc:sldChg>
+      <pc:sldMasterChg chg="modSldLayout">
+        <pc:chgData name="Scruel Tao" userId="5ea5c98d59b44d4b" providerId="LiveId" clId="{2BA6F94F-59B6-4AA6-9DB6-4A8227DBE37E}" dt="2023-04-03T03:34:53.033" v="335" actId="1076"/>
+        <pc:sldMasterMkLst>
+          <pc:docMk/>
+          <pc:sldMasterMk cId="1766057859" sldId="2147483648"/>
+        </pc:sldMasterMkLst>
+        <pc:sldLayoutChg chg="delSp modSp mod">
+          <pc:chgData name="Scruel Tao" userId="5ea5c98d59b44d4b" providerId="LiveId" clId="{2BA6F94F-59B6-4AA6-9DB6-4A8227DBE37E}" dt="2023-04-03T03:34:53.033" v="335" actId="1076"/>
+          <pc:sldLayoutMkLst>
+            <pc:docMk/>
+            <pc:sldMasterMk cId="3583938199" sldId="2147483661"/>
+            <pc:sldLayoutMk cId="1337634028" sldId="2147483660"/>
+          </pc:sldLayoutMkLst>
+          <pc:spChg chg="del mod">
+            <ac:chgData name="Scruel Tao" userId="5ea5c98d59b44d4b" providerId="LiveId" clId="{2BA6F94F-59B6-4AA6-9DB6-4A8227DBE37E}" dt="2023-04-03T03:27:47.594" v="278" actId="478"/>
+            <ac:spMkLst>
+              <pc:docMk/>
+              <pc:sldMasterMk cId="3583938199" sldId="2147483661"/>
+              <pc:sldLayoutMk cId="1337634028" sldId="2147483660"/>
+              <ac:spMk id="19468" creationId="{418CE5A5-515B-CEAB-D160-CBAFEBF4837F}"/>
+            </ac:spMkLst>
+          </pc:spChg>
+          <pc:picChg chg="del">
+            <ac:chgData name="Scruel Tao" userId="5ea5c98d59b44d4b" providerId="LiveId" clId="{2BA6F94F-59B6-4AA6-9DB6-4A8227DBE37E}" dt="2023-04-03T03:26:11.336" v="269" actId="21"/>
+            <ac:picMkLst>
+              <pc:docMk/>
+              <pc:sldMasterMk cId="3583938199" sldId="2147483661"/>
+              <pc:sldLayoutMk cId="1337634028" sldId="2147483660"/>
+              <ac:picMk id="19481" creationId="{02568321-E4E6-1B3D-8017-A3451A7203B9}"/>
+            </ac:picMkLst>
+          </pc:picChg>
+          <pc:picChg chg="mod">
+            <ac:chgData name="Scruel Tao" userId="5ea5c98d59b44d4b" providerId="LiveId" clId="{2BA6F94F-59B6-4AA6-9DB6-4A8227DBE37E}" dt="2023-04-03T03:34:53.033" v="335" actId="1076"/>
+            <ac:picMkLst>
+              <pc:docMk/>
+              <pc:sldMasterMk cId="3583938199" sldId="2147483661"/>
+              <pc:sldLayoutMk cId="1337634028" sldId="2147483660"/>
+              <ac:picMk id="19482" creationId="{8F2B9C9A-7CA4-5723-784E-DBADCF09186B}"/>
+            </ac:picMkLst>
+          </pc:picChg>
+        </pc:sldLayoutChg>
+      </pc:sldMasterChg>
+    </pc:docChg>
+  </pc:docChgLst>
+  <pc:docChgLst>
     <pc:chgData name="Scruel Tao" userId="5ea5c98d59b44d4b" providerId="LiveId" clId="{42F73B06-DA81-4C67-8473-07E158E9C79B}"/>
     <pc:docChg chg="undo redo custSel addSld delSld modSld sldOrd modMainMaster">
       <pc:chgData name="Scruel Tao" userId="5ea5c98d59b44d4b" providerId="LiveId" clId="{42F73B06-DA81-4C67-8473-07E158E9C79B}" dt="2023-04-25T04:46:22.938" v="2599" actId="20577"/>
@@ -2500,14 +2500,14 @@
           <pc:chgData name="Scruel Tao" userId="5ea5c98d59b44d4b" providerId="LiveId" clId="{42F73B06-DA81-4C67-8473-07E158E9C79B}" dt="2023-04-25T02:47:33.665" v="42" actId="21"/>
           <pc:sldLayoutMkLst>
             <pc:docMk/>
-            <pc:sldMasterMk cId="1766057859" sldId="2147483648"/>
+            <pc:sldMasterMk cId="3583938199" sldId="2147483661"/>
             <pc:sldLayoutMk cId="1337634028" sldId="2147483660"/>
           </pc:sldLayoutMkLst>
           <pc:picChg chg="del">
             <ac:chgData name="Scruel Tao" userId="5ea5c98d59b44d4b" providerId="LiveId" clId="{42F73B06-DA81-4C67-8473-07E158E9C79B}" dt="2023-04-25T02:47:33.665" v="42" actId="21"/>
             <ac:picMkLst>
               <pc:docMk/>
-              <pc:sldMasterMk cId="1766057859" sldId="2147483648"/>
+              <pc:sldMasterMk cId="3583938199" sldId="2147483661"/>
               <pc:sldLayoutMk cId="1337634028" sldId="2147483660"/>
               <ac:picMk id="19482" creationId="{8F2B9C9A-7CA4-5723-784E-DBADCF09186B}"/>
             </ac:picMkLst>
@@ -2837,14 +2837,14 @@
           <pc:chgData name="Scruel Tao" userId="5ea5c98d59b44d4b" providerId="LiveId" clId="{3CC7155B-2781-41E0-88B2-BB844CE8EF19}" dt="2023-05-16T03:59:23.242" v="70" actId="478"/>
           <pc:sldLayoutMkLst>
             <pc:docMk/>
-            <pc:sldMasterMk cId="1766057859" sldId="2147483648"/>
+            <pc:sldMasterMk cId="3583938199" sldId="2147483661"/>
             <pc:sldLayoutMk cId="1337634028" sldId="2147483660"/>
           </pc:sldLayoutMkLst>
           <pc:spChg chg="del">
             <ac:chgData name="Scruel Tao" userId="5ea5c98d59b44d4b" providerId="LiveId" clId="{3CC7155B-2781-41E0-88B2-BB844CE8EF19}" dt="2023-05-16T03:59:23.242" v="70" actId="478"/>
             <ac:spMkLst>
               <pc:docMk/>
-              <pc:sldMasterMk cId="1766057859" sldId="2147483648"/>
+              <pc:sldMasterMk cId="3583938199" sldId="2147483661"/>
               <pc:sldLayoutMk cId="1337634028" sldId="2147483660"/>
               <ac:spMk id="19472" creationId="{BD0BF484-93B1-9A87-952A-7D5E9B29C38D}"/>
             </ac:spMkLst>
@@ -2950,7 +2950,7 @@
           <a:p>
             <a:fld id="{AC7E1972-C479-4420-A687-8FB83BA90DEB}" type="datetimeFigureOut">
               <a:rPr lang="zh-CN" altLang="en-US" smtClean="0"/>
-              <a:t>2025/6/5 Thu</a:t>
+              <a:t>2025/6/6 Fri</a:t>
             </a:fld>
             <a:endParaRPr lang="zh-CN" altLang="en-US"/>
           </a:p>
@@ -3127,7 +3127,7 @@
           <a:p>
             <a:fld id="{89B7AB8D-BCC0-43C6-B24C-055A25DB558F}" type="datetimeFigureOut">
               <a:rPr lang="zh-CN" altLang="en-US" smtClean="0"/>
-              <a:t>2025/6/5 Thu</a:t>
+              <a:t>2025/6/6 Fri</a:t>
             </a:fld>
             <a:endParaRPr lang="zh-CN" altLang="en-US"/>
           </a:p>
@@ -4795,7 +4795,7 @@
           <a:p>
             <a:fld id="{F721228B-0167-4061-A906-8575043315EE}" type="datetimeFigureOut">
               <a:rPr lang="zh-CN" altLang="en-US" smtClean="0"/>
-              <a:t>2025/6/5 Thu</a:t>
+              <a:t>2025/6/6 Fri</a:t>
             </a:fld>
             <a:endParaRPr lang="zh-CN" altLang="en-US"/>
           </a:p>
@@ -4858,13 +4858,25 @@
     </p:spTree>
     <p:extLst>
       <p:ext uri="{BB962C8B-B14F-4D97-AF65-F5344CB8AC3E}">
-        <p14:creationId xmlns:p14="http://schemas.microsoft.com/office/powerpoint/2010/main" val="2187492797"/>
+        <p14:creationId xmlns:p14="http://schemas.microsoft.com/office/powerpoint/2010/main" val="2303532847"/>
       </p:ext>
     </p:extLst>
   </p:cSld>
   <p:clrMapOvr>
     <a:masterClrMapping/>
   </p:clrMapOvr>
+  <mc:AlternateContent xmlns:mc="http://schemas.openxmlformats.org/markup-compatibility/2006" xmlns:p14="http://schemas.microsoft.com/office/powerpoint/2010/main">
+    <mc:Choice Requires="p14">
+      <p:transition spd="med" p14:dur="700">
+        <p:fade/>
+      </p:transition>
+    </mc:Choice>
+    <mc:Fallback xmlns="">
+      <p:transition spd="med">
+        <p:fade/>
+      </p:transition>
+    </mc:Fallback>
+  </mc:AlternateContent>
 </p:sldLayout>
 </file>
 
@@ -4993,7 +5005,7 @@
           <a:p>
             <a:fld id="{F721228B-0167-4061-A906-8575043315EE}" type="datetimeFigureOut">
               <a:rPr lang="zh-CN" altLang="en-US" smtClean="0"/>
-              <a:t>2025/6/5 Thu</a:t>
+              <a:t>2025/6/6 Fri</a:t>
             </a:fld>
             <a:endParaRPr lang="zh-CN" altLang="en-US"/>
           </a:p>
@@ -5056,13 +5068,25 @@
     </p:spTree>
     <p:extLst>
       <p:ext uri="{BB962C8B-B14F-4D97-AF65-F5344CB8AC3E}">
-        <p14:creationId xmlns:p14="http://schemas.microsoft.com/office/powerpoint/2010/main" val="3533658407"/>
+        <p14:creationId xmlns:p14="http://schemas.microsoft.com/office/powerpoint/2010/main" val="1496209889"/>
       </p:ext>
     </p:extLst>
   </p:cSld>
   <p:clrMapOvr>
     <a:masterClrMapping/>
   </p:clrMapOvr>
+  <mc:AlternateContent xmlns:mc="http://schemas.openxmlformats.org/markup-compatibility/2006" xmlns:p14="http://schemas.microsoft.com/office/powerpoint/2010/main">
+    <mc:Choice Requires="p14">
+      <p:transition spd="med" p14:dur="700">
+        <p:fade/>
+      </p:transition>
+    </mc:Choice>
+    <mc:Fallback xmlns="">
+      <p:transition spd="med">
+        <p:fade/>
+      </p:transition>
+    </mc:Fallback>
+  </mc:AlternateContent>
 </p:sldLayout>
 </file>
 
@@ -5201,7 +5225,7 @@
           <a:p>
             <a:fld id="{F721228B-0167-4061-A906-8575043315EE}" type="datetimeFigureOut">
               <a:rPr lang="zh-CN" altLang="en-US" smtClean="0"/>
-              <a:t>2025/6/5 Thu</a:t>
+              <a:t>2025/6/6 Fri</a:t>
             </a:fld>
             <a:endParaRPr lang="zh-CN" altLang="en-US"/>
           </a:p>
@@ -5264,18 +5288,30 @@
     </p:spTree>
     <p:extLst>
       <p:ext uri="{BB962C8B-B14F-4D97-AF65-F5344CB8AC3E}">
-        <p14:creationId xmlns:p14="http://schemas.microsoft.com/office/powerpoint/2010/main" val="1976972956"/>
+        <p14:creationId xmlns:p14="http://schemas.microsoft.com/office/powerpoint/2010/main" val="2937855052"/>
       </p:ext>
     </p:extLst>
   </p:cSld>
   <p:clrMapOvr>
     <a:masterClrMapping/>
   </p:clrMapOvr>
+  <mc:AlternateContent xmlns:mc="http://schemas.openxmlformats.org/markup-compatibility/2006" xmlns:p14="http://schemas.microsoft.com/office/powerpoint/2010/main">
+    <mc:Choice Requires="p14">
+      <p:transition spd="med" p14:dur="700">
+        <p:fade/>
+      </p:transition>
+    </mc:Choice>
+    <mc:Fallback xmlns="">
+      <p:transition spd="med">
+        <p:fade/>
+      </p:transition>
+    </mc:Fallback>
+  </mc:AlternateContent>
 </p:sldLayout>
 </file>
 
 <file path=ppt/slideLayouts/slideLayout12.xml><?xml version="1.0" encoding="utf-8"?>
-<p:sldLayout xmlns:a="http://schemas.openxmlformats.org/drawingml/2006/main" xmlns:r="http://schemas.openxmlformats.org/officeDocument/2006/relationships" xmlns:p="http://schemas.openxmlformats.org/presentationml/2006/main" showMasterSp="0" userDrawn="1">
+<p:sldLayout xmlns:a="http://schemas.openxmlformats.org/drawingml/2006/main" xmlns:r="http://schemas.openxmlformats.org/officeDocument/2006/relationships" xmlns:p="http://schemas.openxmlformats.org/presentationml/2006/main" preserve="1" userDrawn="1">
   <p:cSld name="1_标题幻灯片">
     <p:spTree>
       <p:nvGrpSpPr>
@@ -5484,6 +5520,470 @@
     </p:spTree>
     <p:extLst>
       <p:ext uri="{BB962C8B-B14F-4D97-AF65-F5344CB8AC3E}">
+        <p14:creationId xmlns:p14="http://schemas.microsoft.com/office/powerpoint/2010/main" val="3617510150"/>
+      </p:ext>
+    </p:extLst>
+  </p:cSld>
+  <p:clrMapOvr>
+    <a:masterClrMapping/>
+  </p:clrMapOvr>
+  <mc:AlternateContent xmlns:mc="http://schemas.openxmlformats.org/markup-compatibility/2006" xmlns:p14="http://schemas.microsoft.com/office/powerpoint/2010/main">
+    <mc:Choice Requires="p14">
+      <p:transition spd="med" p14:dur="700">
+        <p:fade/>
+      </p:transition>
+    </mc:Choice>
+    <mc:Fallback xmlns="">
+      <p:transition spd="med">
+        <p:fade/>
+      </p:transition>
+    </mc:Fallback>
+  </mc:AlternateContent>
+</p:sldLayout>
+</file>
+
+<file path=ppt/slideLayouts/slideLayout13.xml><?xml version="1.0" encoding="utf-8"?>
+<p:sldLayout xmlns:a="http://schemas.openxmlformats.org/drawingml/2006/main" xmlns:r="http://schemas.openxmlformats.org/officeDocument/2006/relationships" xmlns:p="http://schemas.openxmlformats.org/presentationml/2006/main" preserve="1" userDrawn="1">
+  <p:cSld name="2_标题幻灯片">
+    <p:spTree>
+      <p:nvGrpSpPr>
+        <p:cNvPr id="1" name=""/>
+        <p:cNvGrpSpPr/>
+        <p:nvPr/>
+      </p:nvGrpSpPr>
+      <p:grpSpPr>
+        <a:xfrm>
+          <a:off x="0" y="0"/>
+          <a:ext cx="0" cy="0"/>
+          <a:chOff x="0" y="0"/>
+          <a:chExt cx="0" cy="0"/>
+        </a:xfrm>
+      </p:grpSpPr>
+      <p:sp>
+        <p:nvSpPr>
+          <p:cNvPr id="19483" name="Rectangle 27">
+            <a:extLst>
+              <a:ext uri="{FF2B5EF4-FFF2-40B4-BE49-F238E27FC236}">
+                <a16:creationId xmlns:a16="http://schemas.microsoft.com/office/drawing/2014/main" id="{FFE563FA-4880-391C-43FD-EF34392B9FBB}"/>
+              </a:ext>
+            </a:extLst>
+          </p:cNvPr>
+          <p:cNvSpPr>
+            <a:spLocks noChangeArrowheads="1"/>
+          </p:cNvSpPr>
+          <p:nvPr userDrawn="1"/>
+        </p:nvSpPr>
+        <p:spPr bwMode="auto">
+          <a:xfrm>
+            <a:off x="2641600" y="4191000"/>
+            <a:ext cx="7416800" cy="2209800"/>
+          </a:xfrm>
+          <a:prstGeom prst="rect">
+            <a:avLst/>
+          </a:prstGeom>
+          <a:noFill/>
+          <a:ln>
+            <a:noFill/>
+          </a:ln>
+          <a:effectLst/>
+          <a:extLst>
+            <a:ext uri="{909E8E84-426E-40DD-AFC4-6F175D3DCCD1}">
+              <a14:hiddenFill xmlns:a14="http://schemas.microsoft.com/office/drawing/2010/main">
+                <a:solidFill>
+                  <a:schemeClr val="accent1"/>
+                </a:solidFill>
+              </a14:hiddenFill>
+            </a:ext>
+            <a:ext uri="{91240B29-F687-4F45-9708-019B960494DF}">
+              <a14:hiddenLine xmlns:a14="http://schemas.microsoft.com/office/drawing/2010/main" w="9525">
+                <a:solidFill>
+                  <a:schemeClr val="tx1"/>
+                </a:solidFill>
+                <a:miter lim="800000"/>
+                <a:headEnd/>
+                <a:tailEnd/>
+              </a14:hiddenLine>
+            </a:ext>
+            <a:ext uri="{AF507438-7753-43E0-B8FC-AC1667EBCBE1}">
+              <a14:hiddenEffects xmlns:a14="http://schemas.microsoft.com/office/drawing/2010/main">
+                <a:effectLst>
+                  <a:outerShdw dist="35921" dir="2700000" algn="ctr" rotWithShape="0">
+                    <a:schemeClr val="bg2"/>
+                  </a:outerShdw>
+                </a:effectLst>
+              </a14:hiddenEffects>
+            </a:ext>
+          </a:extLst>
+        </p:spPr>
+        <p:txBody>
+          <a:bodyPr/>
+          <a:lstStyle>
+            <a:lvl1pPr marL="287338" indent="-287338" eaLnBrk="0" hangingPunct="0">
+              <a:spcBef>
+                <a:spcPct val="0"/>
+              </a:spcBef>
+              <a:defRPr kumimoji="1" sz="2400">
+                <a:solidFill>
+                  <a:schemeClr val="tx1"/>
+                </a:solidFill>
+                <a:latin typeface="Times New Roman" panose="02020603050405020304" pitchFamily="18" charset="0"/>
+              </a:defRPr>
+            </a:lvl1pPr>
+            <a:lvl2pPr marL="744538" indent="-287338" eaLnBrk="0" hangingPunct="0">
+              <a:spcBef>
+                <a:spcPct val="0"/>
+              </a:spcBef>
+              <a:defRPr kumimoji="1" sz="2400">
+                <a:solidFill>
+                  <a:schemeClr val="tx1"/>
+                </a:solidFill>
+                <a:latin typeface="Times New Roman" panose="02020603050405020304" pitchFamily="18" charset="0"/>
+              </a:defRPr>
+            </a:lvl2pPr>
+            <a:lvl3pPr eaLnBrk="0" hangingPunct="0">
+              <a:spcBef>
+                <a:spcPct val="0"/>
+              </a:spcBef>
+              <a:defRPr kumimoji="1" sz="2400">
+                <a:solidFill>
+                  <a:schemeClr val="tx1"/>
+                </a:solidFill>
+                <a:latin typeface="Times New Roman" panose="02020603050405020304" pitchFamily="18" charset="0"/>
+              </a:defRPr>
+            </a:lvl3pPr>
+            <a:lvl4pPr eaLnBrk="0" hangingPunct="0">
+              <a:spcBef>
+                <a:spcPct val="0"/>
+              </a:spcBef>
+              <a:defRPr kumimoji="1" sz="2400">
+                <a:solidFill>
+                  <a:schemeClr val="tx1"/>
+                </a:solidFill>
+                <a:latin typeface="Times New Roman" panose="02020603050405020304" pitchFamily="18" charset="0"/>
+              </a:defRPr>
+            </a:lvl4pPr>
+            <a:lvl5pPr eaLnBrk="0" hangingPunct="0">
+              <a:spcBef>
+                <a:spcPct val="0"/>
+              </a:spcBef>
+              <a:defRPr kumimoji="1" sz="2400">
+                <a:solidFill>
+                  <a:schemeClr val="tx1"/>
+                </a:solidFill>
+                <a:latin typeface="Times New Roman" panose="02020603050405020304" pitchFamily="18" charset="0"/>
+              </a:defRPr>
+            </a:lvl5pPr>
+            <a:lvl6pPr eaLnBrk="0" fontAlgn="base" hangingPunct="0">
+              <a:spcBef>
+                <a:spcPct val="0"/>
+              </a:spcBef>
+              <a:spcAft>
+                <a:spcPct val="0"/>
+              </a:spcAft>
+              <a:defRPr kumimoji="1" sz="2400">
+                <a:solidFill>
+                  <a:schemeClr val="tx1"/>
+                </a:solidFill>
+                <a:latin typeface="Times New Roman" panose="02020603050405020304" pitchFamily="18" charset="0"/>
+              </a:defRPr>
+            </a:lvl6pPr>
+            <a:lvl7pPr eaLnBrk="0" fontAlgn="base" hangingPunct="0">
+              <a:spcBef>
+                <a:spcPct val="0"/>
+              </a:spcBef>
+              <a:spcAft>
+                <a:spcPct val="0"/>
+              </a:spcAft>
+              <a:defRPr kumimoji="1" sz="2400">
+                <a:solidFill>
+                  <a:schemeClr val="tx1"/>
+                </a:solidFill>
+                <a:latin typeface="Times New Roman" panose="02020603050405020304" pitchFamily="18" charset="0"/>
+              </a:defRPr>
+            </a:lvl7pPr>
+            <a:lvl8pPr eaLnBrk="0" fontAlgn="base" hangingPunct="0">
+              <a:spcBef>
+                <a:spcPct val="0"/>
+              </a:spcBef>
+              <a:spcAft>
+                <a:spcPct val="0"/>
+              </a:spcAft>
+              <a:defRPr kumimoji="1" sz="2400">
+                <a:solidFill>
+                  <a:schemeClr val="tx1"/>
+                </a:solidFill>
+                <a:latin typeface="Times New Roman" panose="02020603050405020304" pitchFamily="18" charset="0"/>
+              </a:defRPr>
+            </a:lvl8pPr>
+            <a:lvl9pPr eaLnBrk="0" fontAlgn="base" hangingPunct="0">
+              <a:spcBef>
+                <a:spcPct val="0"/>
+              </a:spcBef>
+              <a:spcAft>
+                <a:spcPct val="0"/>
+              </a:spcAft>
+              <a:defRPr kumimoji="1" sz="2400">
+                <a:solidFill>
+                  <a:schemeClr val="tx1"/>
+                </a:solidFill>
+                <a:latin typeface="Times New Roman" panose="02020603050405020304" pitchFamily="18" charset="0"/>
+              </a:defRPr>
+            </a:lvl9pPr>
+          </a:lstStyle>
+          <a:p>
+            <a:pPr eaLnBrk="1" hangingPunct="1">
+              <a:lnSpc>
+                <a:spcPct val="102000"/>
+              </a:lnSpc>
+              <a:spcBef>
+                <a:spcPct val="20000"/>
+              </a:spcBef>
+              <a:buClr>
+                <a:srgbClr val="808080"/>
+              </a:buClr>
+              <a:buSzPct val="60000"/>
+            </a:pPr>
+            <a:endParaRPr kumimoji="0" lang="en-GB" altLang="zh-CN" sz="1600">
+              <a:latin typeface="Verdana" panose="020B0604030504040204" pitchFamily="34" charset="0"/>
+            </a:endParaRPr>
+          </a:p>
+        </p:txBody>
+      </p:sp>
+    </p:spTree>
+    <p:extLst>
+      <p:ext uri="{BB962C8B-B14F-4D97-AF65-F5344CB8AC3E}">
+        <p14:creationId xmlns:p14="http://schemas.microsoft.com/office/powerpoint/2010/main" val="1686394299"/>
+      </p:ext>
+    </p:extLst>
+  </p:cSld>
+  <p:clrMapOvr>
+    <a:masterClrMapping/>
+  </p:clrMapOvr>
+  <mc:AlternateContent xmlns:mc="http://schemas.openxmlformats.org/markup-compatibility/2006" xmlns:p14="http://schemas.microsoft.com/office/powerpoint/2010/main">
+    <mc:Choice Requires="p14">
+      <p:transition spd="med" p14:dur="700">
+        <p:fade/>
+      </p:transition>
+    </mc:Choice>
+    <mc:Fallback xmlns="">
+      <p:transition spd="med">
+        <p:fade/>
+      </p:transition>
+    </mc:Fallback>
+  </mc:AlternateContent>
+</p:sldLayout>
+</file>
+
+<file path=ppt/slideLayouts/slideLayout14.xml><?xml version="1.0" encoding="utf-8"?>
+<p:sldLayout xmlns:a="http://schemas.openxmlformats.org/drawingml/2006/main" xmlns:r="http://schemas.openxmlformats.org/officeDocument/2006/relationships" xmlns:p="http://schemas.openxmlformats.org/presentationml/2006/main" showMasterSp="0" userDrawn="1">
+  <p:cSld name="3_标题幻灯片">
+    <p:spTree>
+      <p:nvGrpSpPr>
+        <p:cNvPr id="1" name=""/>
+        <p:cNvGrpSpPr/>
+        <p:nvPr/>
+      </p:nvGrpSpPr>
+      <p:grpSpPr>
+        <a:xfrm>
+          <a:off x="0" y="0"/>
+          <a:ext cx="0" cy="0"/>
+          <a:chOff x="0" y="0"/>
+          <a:chExt cx="0" cy="0"/>
+        </a:xfrm>
+      </p:grpSpPr>
+      <p:sp>
+        <p:nvSpPr>
+          <p:cNvPr id="19483" name="Rectangle 27">
+            <a:extLst>
+              <a:ext uri="{FF2B5EF4-FFF2-40B4-BE49-F238E27FC236}">
+                <a16:creationId xmlns:a16="http://schemas.microsoft.com/office/drawing/2014/main" id="{FFE563FA-4880-391C-43FD-EF34392B9FBB}"/>
+              </a:ext>
+            </a:extLst>
+          </p:cNvPr>
+          <p:cNvSpPr>
+            <a:spLocks noChangeArrowheads="1"/>
+          </p:cNvSpPr>
+          <p:nvPr userDrawn="1"/>
+        </p:nvSpPr>
+        <p:spPr bwMode="auto">
+          <a:xfrm>
+            <a:off x="2641600" y="4191000"/>
+            <a:ext cx="7416800" cy="2209800"/>
+          </a:xfrm>
+          <a:prstGeom prst="rect">
+            <a:avLst/>
+          </a:prstGeom>
+          <a:noFill/>
+          <a:ln>
+            <a:noFill/>
+          </a:ln>
+          <a:effectLst/>
+          <a:extLst>
+            <a:ext uri="{909E8E84-426E-40DD-AFC4-6F175D3DCCD1}">
+              <a14:hiddenFill xmlns:a14="http://schemas.microsoft.com/office/drawing/2010/main">
+                <a:solidFill>
+                  <a:schemeClr val="accent1"/>
+                </a:solidFill>
+              </a14:hiddenFill>
+            </a:ext>
+            <a:ext uri="{91240B29-F687-4F45-9708-019B960494DF}">
+              <a14:hiddenLine xmlns:a14="http://schemas.microsoft.com/office/drawing/2010/main" w="9525">
+                <a:solidFill>
+                  <a:schemeClr val="tx1"/>
+                </a:solidFill>
+                <a:miter lim="800000"/>
+                <a:headEnd/>
+                <a:tailEnd/>
+              </a14:hiddenLine>
+            </a:ext>
+            <a:ext uri="{AF507438-7753-43E0-B8FC-AC1667EBCBE1}">
+              <a14:hiddenEffects xmlns:a14="http://schemas.microsoft.com/office/drawing/2010/main">
+                <a:effectLst>
+                  <a:outerShdw dist="35921" dir="2700000" algn="ctr" rotWithShape="0">
+                    <a:schemeClr val="bg2"/>
+                  </a:outerShdw>
+                </a:effectLst>
+              </a14:hiddenEffects>
+            </a:ext>
+          </a:extLst>
+        </p:spPr>
+        <p:txBody>
+          <a:bodyPr/>
+          <a:lstStyle>
+            <a:lvl1pPr marL="287338" indent="-287338" eaLnBrk="0" hangingPunct="0">
+              <a:spcBef>
+                <a:spcPct val="0"/>
+              </a:spcBef>
+              <a:defRPr kumimoji="1" sz="2400">
+                <a:solidFill>
+                  <a:schemeClr val="tx1"/>
+                </a:solidFill>
+                <a:latin typeface="Times New Roman" panose="02020603050405020304" pitchFamily="18" charset="0"/>
+              </a:defRPr>
+            </a:lvl1pPr>
+            <a:lvl2pPr marL="744538" indent="-287338" eaLnBrk="0" hangingPunct="0">
+              <a:spcBef>
+                <a:spcPct val="0"/>
+              </a:spcBef>
+              <a:defRPr kumimoji="1" sz="2400">
+                <a:solidFill>
+                  <a:schemeClr val="tx1"/>
+                </a:solidFill>
+                <a:latin typeface="Times New Roman" panose="02020603050405020304" pitchFamily="18" charset="0"/>
+              </a:defRPr>
+            </a:lvl2pPr>
+            <a:lvl3pPr eaLnBrk="0" hangingPunct="0">
+              <a:spcBef>
+                <a:spcPct val="0"/>
+              </a:spcBef>
+              <a:defRPr kumimoji="1" sz="2400">
+                <a:solidFill>
+                  <a:schemeClr val="tx1"/>
+                </a:solidFill>
+                <a:latin typeface="Times New Roman" panose="02020603050405020304" pitchFamily="18" charset="0"/>
+              </a:defRPr>
+            </a:lvl3pPr>
+            <a:lvl4pPr eaLnBrk="0" hangingPunct="0">
+              <a:spcBef>
+                <a:spcPct val="0"/>
+              </a:spcBef>
+              <a:defRPr kumimoji="1" sz="2400">
+                <a:solidFill>
+                  <a:schemeClr val="tx1"/>
+                </a:solidFill>
+                <a:latin typeface="Times New Roman" panose="02020603050405020304" pitchFamily="18" charset="0"/>
+              </a:defRPr>
+            </a:lvl4pPr>
+            <a:lvl5pPr eaLnBrk="0" hangingPunct="0">
+              <a:spcBef>
+                <a:spcPct val="0"/>
+              </a:spcBef>
+              <a:defRPr kumimoji="1" sz="2400">
+                <a:solidFill>
+                  <a:schemeClr val="tx1"/>
+                </a:solidFill>
+                <a:latin typeface="Times New Roman" panose="02020603050405020304" pitchFamily="18" charset="0"/>
+              </a:defRPr>
+            </a:lvl5pPr>
+            <a:lvl6pPr eaLnBrk="0" fontAlgn="base" hangingPunct="0">
+              <a:spcBef>
+                <a:spcPct val="0"/>
+              </a:spcBef>
+              <a:spcAft>
+                <a:spcPct val="0"/>
+              </a:spcAft>
+              <a:defRPr kumimoji="1" sz="2400">
+                <a:solidFill>
+                  <a:schemeClr val="tx1"/>
+                </a:solidFill>
+                <a:latin typeface="Times New Roman" panose="02020603050405020304" pitchFamily="18" charset="0"/>
+              </a:defRPr>
+            </a:lvl6pPr>
+            <a:lvl7pPr eaLnBrk="0" fontAlgn="base" hangingPunct="0">
+              <a:spcBef>
+                <a:spcPct val="0"/>
+              </a:spcBef>
+              <a:spcAft>
+                <a:spcPct val="0"/>
+              </a:spcAft>
+              <a:defRPr kumimoji="1" sz="2400">
+                <a:solidFill>
+                  <a:schemeClr val="tx1"/>
+                </a:solidFill>
+                <a:latin typeface="Times New Roman" panose="02020603050405020304" pitchFamily="18" charset="0"/>
+              </a:defRPr>
+            </a:lvl7pPr>
+            <a:lvl8pPr eaLnBrk="0" fontAlgn="base" hangingPunct="0">
+              <a:spcBef>
+                <a:spcPct val="0"/>
+              </a:spcBef>
+              <a:spcAft>
+                <a:spcPct val="0"/>
+              </a:spcAft>
+              <a:defRPr kumimoji="1" sz="2400">
+                <a:solidFill>
+                  <a:schemeClr val="tx1"/>
+                </a:solidFill>
+                <a:latin typeface="Times New Roman" panose="02020603050405020304" pitchFamily="18" charset="0"/>
+              </a:defRPr>
+            </a:lvl8pPr>
+            <a:lvl9pPr eaLnBrk="0" fontAlgn="base" hangingPunct="0">
+              <a:spcBef>
+                <a:spcPct val="0"/>
+              </a:spcBef>
+              <a:spcAft>
+                <a:spcPct val="0"/>
+              </a:spcAft>
+              <a:defRPr kumimoji="1" sz="2400">
+                <a:solidFill>
+                  <a:schemeClr val="tx1"/>
+                </a:solidFill>
+                <a:latin typeface="Times New Roman" panose="02020603050405020304" pitchFamily="18" charset="0"/>
+              </a:defRPr>
+            </a:lvl9pPr>
+          </a:lstStyle>
+          <a:p>
+            <a:pPr eaLnBrk="1" hangingPunct="1">
+              <a:lnSpc>
+                <a:spcPct val="102000"/>
+              </a:lnSpc>
+              <a:spcBef>
+                <a:spcPct val="20000"/>
+              </a:spcBef>
+              <a:buClr>
+                <a:srgbClr val="808080"/>
+              </a:buClr>
+              <a:buSzPct val="60000"/>
+            </a:pPr>
+            <a:endParaRPr kumimoji="0" lang="en-GB" altLang="zh-CN" sz="1600">
+              <a:latin typeface="Verdana" panose="020B0604030504040204" pitchFamily="34" charset="0"/>
+            </a:endParaRPr>
+          </a:p>
+        </p:txBody>
+      </p:sp>
+    </p:spTree>
+    <p:extLst>
+      <p:ext uri="{BB962C8B-B14F-4D97-AF65-F5344CB8AC3E}">
         <p14:creationId xmlns:p14="http://schemas.microsoft.com/office/powerpoint/2010/main" val="1337634028"/>
       </p:ext>
     </p:extLst>
@@ -5675,7 +6175,7 @@
           <a:p>
             <a:fld id="{F721228B-0167-4061-A906-8575043315EE}" type="datetimeFigureOut">
               <a:rPr lang="zh-CN" altLang="en-US" smtClean="0"/>
-              <a:t>2025/6/5 Thu</a:t>
+              <a:t>2025/6/6 Fri</a:t>
             </a:fld>
             <a:endParaRPr lang="zh-CN" altLang="en-US"/>
           </a:p>
@@ -5740,7 +6240,7 @@
           <p:cNvPr id="8" name="矩形 7">
             <a:extLst>
               <a:ext uri="{FF2B5EF4-FFF2-40B4-BE49-F238E27FC236}">
-                <a16:creationId xmlns:a16="http://schemas.microsoft.com/office/drawing/2014/main" id="{BEB3E3A8-3316-B706-FD12-D3CE90BB24EE}"/>
+                <a16:creationId xmlns:a16="http://schemas.microsoft.com/office/drawing/2014/main" id="{F52872EC-81BB-5622-062D-1B604B1CF283}"/>
               </a:ext>
             </a:extLst>
           </p:cNvPr>
@@ -5787,13 +6287,25 @@
     </p:spTree>
     <p:extLst>
       <p:ext uri="{BB962C8B-B14F-4D97-AF65-F5344CB8AC3E}">
-        <p14:creationId xmlns:p14="http://schemas.microsoft.com/office/powerpoint/2010/main" val="2116765151"/>
+        <p14:creationId xmlns:p14="http://schemas.microsoft.com/office/powerpoint/2010/main" val="3658005765"/>
       </p:ext>
     </p:extLst>
   </p:cSld>
   <p:clrMapOvr>
     <a:masterClrMapping/>
   </p:clrMapOvr>
+  <mc:AlternateContent xmlns:mc="http://schemas.openxmlformats.org/markup-compatibility/2006" xmlns:p14="http://schemas.microsoft.com/office/powerpoint/2010/main">
+    <mc:Choice Requires="p14">
+      <p:transition spd="med" p14:dur="700">
+        <p:fade/>
+      </p:transition>
+    </mc:Choice>
+    <mc:Fallback xmlns="">
+      <p:transition spd="med">
+        <p:fade/>
+      </p:transition>
+    </mc:Fallback>
+  </mc:AlternateContent>
 </p:sldLayout>
 </file>
 
@@ -5999,7 +6511,7 @@
           <a:p>
             <a:fld id="{F721228B-0167-4061-A906-8575043315EE}" type="datetimeFigureOut">
               <a:rPr lang="zh-CN" altLang="en-US" smtClean="0"/>
-              <a:t>2025/6/5 Thu</a:t>
+              <a:t>2025/6/6 Fri</a:t>
             </a:fld>
             <a:endParaRPr lang="zh-CN" altLang="en-US"/>
           </a:p>
@@ -6062,13 +6574,25 @@
     </p:spTree>
     <p:extLst>
       <p:ext uri="{BB962C8B-B14F-4D97-AF65-F5344CB8AC3E}">
-        <p14:creationId xmlns:p14="http://schemas.microsoft.com/office/powerpoint/2010/main" val="3876442843"/>
+        <p14:creationId xmlns:p14="http://schemas.microsoft.com/office/powerpoint/2010/main" val="1972621083"/>
       </p:ext>
     </p:extLst>
   </p:cSld>
   <p:clrMapOvr>
     <a:masterClrMapping/>
   </p:clrMapOvr>
+  <mc:AlternateContent xmlns:mc="http://schemas.openxmlformats.org/markup-compatibility/2006" xmlns:p14="http://schemas.microsoft.com/office/powerpoint/2010/main">
+    <mc:Choice Requires="p14">
+      <p:transition spd="med" p14:dur="700">
+        <p:fade/>
+      </p:transition>
+    </mc:Choice>
+    <mc:Fallback xmlns="">
+      <p:transition spd="med">
+        <p:fade/>
+      </p:transition>
+    </mc:Fallback>
+  </mc:AlternateContent>
 </p:sldLayout>
 </file>
 
@@ -6345,7 +6869,7 @@
           <a:p>
             <a:fld id="{F721228B-0167-4061-A906-8575043315EE}" type="datetimeFigureOut">
               <a:rPr lang="zh-CN" altLang="en-US" smtClean="0"/>
-              <a:t>2025/6/5 Thu</a:t>
+              <a:t>2025/6/6 Fri</a:t>
             </a:fld>
             <a:endParaRPr lang="zh-CN" altLang="en-US"/>
           </a:p>
@@ -6410,7 +6934,7 @@
           <p:cNvPr id="9" name="矩形 8">
             <a:extLst>
               <a:ext uri="{FF2B5EF4-FFF2-40B4-BE49-F238E27FC236}">
-                <a16:creationId xmlns:a16="http://schemas.microsoft.com/office/drawing/2014/main" id="{F8DE3781-482F-3A31-4994-91B6B695F7BB}"/>
+                <a16:creationId xmlns:a16="http://schemas.microsoft.com/office/drawing/2014/main" id="{82EB41EB-0D08-7526-0E4D-92DD20C296DF}"/>
               </a:ext>
             </a:extLst>
           </p:cNvPr>
@@ -6457,13 +6981,25 @@
     </p:spTree>
     <p:extLst>
       <p:ext uri="{BB962C8B-B14F-4D97-AF65-F5344CB8AC3E}">
-        <p14:creationId xmlns:p14="http://schemas.microsoft.com/office/powerpoint/2010/main" val="2296489930"/>
+        <p14:creationId xmlns:p14="http://schemas.microsoft.com/office/powerpoint/2010/main" val="2692169039"/>
       </p:ext>
     </p:extLst>
   </p:cSld>
   <p:clrMapOvr>
     <a:masterClrMapping/>
   </p:clrMapOvr>
+  <mc:AlternateContent xmlns:mc="http://schemas.openxmlformats.org/markup-compatibility/2006" xmlns:p14="http://schemas.microsoft.com/office/powerpoint/2010/main">
+    <mc:Choice Requires="p14">
+      <p:transition spd="med" p14:dur="700">
+        <p:fade/>
+      </p:transition>
+    </mc:Choice>
+    <mc:Fallback xmlns="">
+      <p:transition spd="med">
+        <p:fade/>
+      </p:transition>
+    </mc:Fallback>
+  </mc:AlternateContent>
 </p:sldLayout>
 </file>
 
@@ -6806,7 +7342,7 @@
           <a:p>
             <a:fld id="{F721228B-0167-4061-A906-8575043315EE}" type="datetimeFigureOut">
               <a:rPr lang="zh-CN" altLang="en-US" smtClean="0"/>
-              <a:t>2025/6/5 Thu</a:t>
+              <a:t>2025/6/6 Fri</a:t>
             </a:fld>
             <a:endParaRPr lang="zh-CN" altLang="en-US"/>
           </a:p>
@@ -6869,13 +7405,25 @@
     </p:spTree>
     <p:extLst>
       <p:ext uri="{BB962C8B-B14F-4D97-AF65-F5344CB8AC3E}">
-        <p14:creationId xmlns:p14="http://schemas.microsoft.com/office/powerpoint/2010/main" val="1903742116"/>
+        <p14:creationId xmlns:p14="http://schemas.microsoft.com/office/powerpoint/2010/main" val="1861947592"/>
       </p:ext>
     </p:extLst>
   </p:cSld>
   <p:clrMapOvr>
     <a:masterClrMapping/>
   </p:clrMapOvr>
+  <mc:AlternateContent xmlns:mc="http://schemas.openxmlformats.org/markup-compatibility/2006" xmlns:p14="http://schemas.microsoft.com/office/powerpoint/2010/main">
+    <mc:Choice Requires="p14">
+      <p:transition spd="med" p14:dur="700">
+        <p:fade/>
+      </p:transition>
+    </mc:Choice>
+    <mc:Fallback xmlns="">
+      <p:transition spd="med">
+        <p:fade/>
+      </p:transition>
+    </mc:Fallback>
+  </mc:AlternateContent>
 </p:sldLayout>
 </file>
 
@@ -6947,7 +7495,7 @@
           <a:p>
             <a:fld id="{F721228B-0167-4061-A906-8575043315EE}" type="datetimeFigureOut">
               <a:rPr lang="zh-CN" altLang="en-US" smtClean="0"/>
-              <a:t>2025/6/5 Thu</a:t>
+              <a:t>2025/6/6 Fri</a:t>
             </a:fld>
             <a:endParaRPr lang="zh-CN" altLang="en-US"/>
           </a:p>
@@ -7010,13 +7558,25 @@
     </p:spTree>
     <p:extLst>
       <p:ext uri="{BB962C8B-B14F-4D97-AF65-F5344CB8AC3E}">
-        <p14:creationId xmlns:p14="http://schemas.microsoft.com/office/powerpoint/2010/main" val="2266343131"/>
+        <p14:creationId xmlns:p14="http://schemas.microsoft.com/office/powerpoint/2010/main" val="4057065640"/>
       </p:ext>
     </p:extLst>
   </p:cSld>
   <p:clrMapOvr>
     <a:masterClrMapping/>
   </p:clrMapOvr>
+  <mc:AlternateContent xmlns:mc="http://schemas.openxmlformats.org/markup-compatibility/2006" xmlns:p14="http://schemas.microsoft.com/office/powerpoint/2010/main">
+    <mc:Choice Requires="p14">
+      <p:transition spd="med" p14:dur="700">
+        <p:fade/>
+      </p:transition>
+    </mc:Choice>
+    <mc:Fallback xmlns="">
+      <p:transition spd="med">
+        <p:fade/>
+      </p:transition>
+    </mc:Fallback>
+  </mc:AlternateContent>
 </p:sldLayout>
 </file>
 
@@ -7060,7 +7620,7 @@
           <a:p>
             <a:fld id="{F721228B-0167-4061-A906-8575043315EE}" type="datetimeFigureOut">
               <a:rPr lang="zh-CN" altLang="en-US" smtClean="0"/>
-              <a:t>2025/6/5 Thu</a:t>
+              <a:t>2025/6/6 Fri</a:t>
             </a:fld>
             <a:endParaRPr lang="zh-CN" altLang="en-US"/>
           </a:p>
@@ -7123,13 +7683,25 @@
     </p:spTree>
     <p:extLst>
       <p:ext uri="{BB962C8B-B14F-4D97-AF65-F5344CB8AC3E}">
-        <p14:creationId xmlns:p14="http://schemas.microsoft.com/office/powerpoint/2010/main" val="3125871839"/>
+        <p14:creationId xmlns:p14="http://schemas.microsoft.com/office/powerpoint/2010/main" val="2173481870"/>
       </p:ext>
     </p:extLst>
   </p:cSld>
   <p:clrMapOvr>
     <a:masterClrMapping/>
   </p:clrMapOvr>
+  <mc:AlternateContent xmlns:mc="http://schemas.openxmlformats.org/markup-compatibility/2006" xmlns:p14="http://schemas.microsoft.com/office/powerpoint/2010/main">
+    <mc:Choice Requires="p14">
+      <p:transition spd="med" p14:dur="700">
+        <p:fade/>
+      </p:transition>
+    </mc:Choice>
+    <mc:Fallback xmlns="">
+      <p:transition spd="med">
+        <p:fade/>
+      </p:transition>
+    </mc:Fallback>
+  </mc:AlternateContent>
 </p:sldLayout>
 </file>
 
@@ -7371,7 +7943,7 @@
           <a:p>
             <a:fld id="{F721228B-0167-4061-A906-8575043315EE}" type="datetimeFigureOut">
               <a:rPr lang="zh-CN" altLang="en-US" smtClean="0"/>
-              <a:t>2025/6/5 Thu</a:t>
+              <a:t>2025/6/6 Fri</a:t>
             </a:fld>
             <a:endParaRPr lang="zh-CN" altLang="en-US"/>
           </a:p>
@@ -7434,13 +8006,25 @@
     </p:spTree>
     <p:extLst>
       <p:ext uri="{BB962C8B-B14F-4D97-AF65-F5344CB8AC3E}">
-        <p14:creationId xmlns:p14="http://schemas.microsoft.com/office/powerpoint/2010/main" val="4269120921"/>
+        <p14:creationId xmlns:p14="http://schemas.microsoft.com/office/powerpoint/2010/main" val="4010133017"/>
       </p:ext>
     </p:extLst>
   </p:cSld>
   <p:clrMapOvr>
     <a:masterClrMapping/>
   </p:clrMapOvr>
+  <mc:AlternateContent xmlns:mc="http://schemas.openxmlformats.org/markup-compatibility/2006" xmlns:p14="http://schemas.microsoft.com/office/powerpoint/2010/main">
+    <mc:Choice Requires="p14">
+      <p:transition spd="med" p14:dur="700">
+        <p:fade/>
+      </p:transition>
+    </mc:Choice>
+    <mc:Fallback xmlns="">
+      <p:transition spd="med">
+        <p:fade/>
+      </p:transition>
+    </mc:Fallback>
+  </mc:AlternateContent>
 </p:sldLayout>
 </file>
 
@@ -7659,7 +8243,7 @@
           <a:p>
             <a:fld id="{F721228B-0167-4061-A906-8575043315EE}" type="datetimeFigureOut">
               <a:rPr lang="zh-CN" altLang="en-US" smtClean="0"/>
-              <a:t>2025/6/5 Thu</a:t>
+              <a:t>2025/6/6 Fri</a:t>
             </a:fld>
             <a:endParaRPr lang="zh-CN" altLang="en-US"/>
           </a:p>
@@ -7722,23 +8306,46 @@
     </p:spTree>
     <p:extLst>
       <p:ext uri="{BB962C8B-B14F-4D97-AF65-F5344CB8AC3E}">
-        <p14:creationId xmlns:p14="http://schemas.microsoft.com/office/powerpoint/2010/main" val="3839517779"/>
+        <p14:creationId xmlns:p14="http://schemas.microsoft.com/office/powerpoint/2010/main" val="1501747034"/>
       </p:ext>
     </p:extLst>
   </p:cSld>
   <p:clrMapOvr>
     <a:masterClrMapping/>
   </p:clrMapOvr>
+  <mc:AlternateContent xmlns:mc="http://schemas.openxmlformats.org/markup-compatibility/2006" xmlns:p14="http://schemas.microsoft.com/office/powerpoint/2010/main">
+    <mc:Choice Requires="p14">
+      <p:transition spd="med" p14:dur="700">
+        <p:fade/>
+      </p:transition>
+    </mc:Choice>
+    <mc:Fallback xmlns="">
+      <p:transition spd="med">
+        <p:fade/>
+      </p:transition>
+    </mc:Fallback>
+  </mc:AlternateContent>
 </p:sldLayout>
 </file>
 
 <file path=ppt/slideMasters/slideMaster1.xml><?xml version="1.0" encoding="utf-8"?>
-<p:sldMaster xmlns:a="http://schemas.openxmlformats.org/drawingml/2006/main" xmlns:r="http://schemas.openxmlformats.org/officeDocument/2006/relationships" xmlns:p="http://schemas.openxmlformats.org/presentationml/2006/main">
+<p:sldMaster xmlns:a="http://schemas.openxmlformats.org/drawingml/2006/main" xmlns:r="http://schemas.openxmlformats.org/officeDocument/2006/relationships" xmlns:p="http://schemas.openxmlformats.org/presentationml/2006/main" preserve="1">
   <p:cSld>
     <p:bg>
-      <p:bgRef idx="1001">
-        <a:schemeClr val="bg1"/>
-      </p:bgRef>
+      <p:bgPr>
+        <a:gradFill>
+          <a:gsLst>
+            <a:gs pos="0">
+              <a:schemeClr val="bg1"/>
+            </a:gs>
+            <a:gs pos="100000">
+              <a:srgbClr val="F0F8FF"/>
+            </a:gs>
+          </a:gsLst>
+          <a:lin ang="5400000" scaled="1"/>
+        </a:gradFill>
+        <a:effectLst/>
+      </p:bgPr>
     </p:bg>
     <p:spTree>
       <p:nvGrpSpPr>
@@ -7900,7 +8507,7 @@
           <a:p>
             <a:fld id="{F721228B-0167-4061-A906-8575043315EE}" type="datetimeFigureOut">
               <a:rPr lang="zh-CN" altLang="en-US" smtClean="0"/>
-              <a:t>2025/6/5 Thu</a:t>
+              <a:t>2025/6/6 Fri</a:t>
             </a:fld>
             <a:endParaRPr lang="zh-CN" altLang="en-US"/>
           </a:p>
@@ -7996,28 +8603,72 @@
           </a:p>
         </p:txBody>
       </p:sp>
+      <p:pic>
+        <p:nvPicPr>
+          <p:cNvPr id="7" name="图片 6">
+            <a:extLst>
+              <a:ext uri="{FF2B5EF4-FFF2-40B4-BE49-F238E27FC236}">
+                <a16:creationId xmlns:a16="http://schemas.microsoft.com/office/drawing/2014/main" id="{68A54585-7C5F-477D-7B3E-CE77E2F12069}"/>
+              </a:ext>
+            </a:extLst>
+          </p:cNvPr>
+          <p:cNvPicPr/>
+          <p:nvPr userDrawn="1"/>
+        </p:nvPicPr>
+        <p:blipFill>
+          <a:blip r:embed="rId16"/>
+          <a:stretch/>
+        </p:blipFill>
+        <p:spPr>
+          <a:xfrm>
+            <a:off x="11234160" y="5770605"/>
+            <a:ext cx="699060" cy="815726"/>
+          </a:xfrm>
+          <a:prstGeom prst="rect">
+            <a:avLst/>
+          </a:prstGeom>
+          <a:noFill/>
+          <a:ln w="0">
+            <a:noFill/>
+          </a:ln>
+        </p:spPr>
+      </p:pic>
     </p:spTree>
     <p:extLst>
       <p:ext uri="{BB962C8B-B14F-4D97-AF65-F5344CB8AC3E}">
-        <p14:creationId xmlns:p14="http://schemas.microsoft.com/office/powerpoint/2010/main" val="1766057859"/>
+        <p14:creationId xmlns:p14="http://schemas.microsoft.com/office/powerpoint/2010/main" val="3583938199"/>
       </p:ext>
     </p:extLst>
   </p:cSld>
   <p:clrMap bg1="lt1" tx1="dk1" bg2="lt2" tx2="dk2" accent1="accent1" accent2="accent2" accent3="accent3" accent4="accent4" accent5="accent5" accent6="accent6" hlink="hlink" folHlink="folHlink"/>
   <p:sldLayoutIdLst>
-    <p:sldLayoutId id="2147483649" r:id="rId1"/>
-    <p:sldLayoutId id="2147483650" r:id="rId2"/>
-    <p:sldLayoutId id="2147483651" r:id="rId3"/>
-    <p:sldLayoutId id="2147483652" r:id="rId4"/>
-    <p:sldLayoutId id="2147483653" r:id="rId5"/>
-    <p:sldLayoutId id="2147483654" r:id="rId6"/>
-    <p:sldLayoutId id="2147483655" r:id="rId7"/>
-    <p:sldLayoutId id="2147483656" r:id="rId8"/>
-    <p:sldLayoutId id="2147483657" r:id="rId9"/>
-    <p:sldLayoutId id="2147483658" r:id="rId10"/>
-    <p:sldLayoutId id="2147483659" r:id="rId11"/>
-    <p:sldLayoutId id="2147483660" r:id="rId12"/>
+    <p:sldLayoutId id="2147483662" r:id="rId1"/>
+    <p:sldLayoutId id="2147483663" r:id="rId2"/>
+    <p:sldLayoutId id="2147483664" r:id="rId3"/>
+    <p:sldLayoutId id="2147483665" r:id="rId4"/>
+    <p:sldLayoutId id="2147483666" r:id="rId5"/>
+    <p:sldLayoutId id="2147483667" r:id="rId6"/>
+    <p:sldLayoutId id="2147483668" r:id="rId7"/>
+    <p:sldLayoutId id="2147483669" r:id="rId8"/>
+    <p:sldLayoutId id="2147483670" r:id="rId9"/>
+    <p:sldLayoutId id="2147483671" r:id="rId10"/>
+    <p:sldLayoutId id="2147483672" r:id="rId11"/>
+    <p:sldLayoutId id="2147483673" r:id="rId12"/>
+    <p:sldLayoutId id="2147483674" r:id="rId13"/>
+    <p:sldLayoutId id="2147483660" r:id="rId14"/>
   </p:sldLayoutIdLst>
+  <mc:AlternateContent xmlns:mc="http://schemas.openxmlformats.org/markup-compatibility/2006" xmlns:p14="http://schemas.microsoft.com/office/powerpoint/2010/main">
+    <mc:Choice Requires="p14">
+      <p:transition spd="med" p14:dur="700">
+        <p:fade/>
+      </p:transition>
+    </mc:Choice>
+    <mc:Fallback xmlns="">
+      <p:transition spd="med">
+        <p:fade/>
+      </p:transition>
+    </mc:Fallback>
+  </mc:AlternateContent>
   <p:txStyles>
     <p:titleStyle>
       <a:lvl1pPr algn="l" defTabSz="914400" rtl="0" eaLnBrk="1" latinLnBrk="0" hangingPunct="1">
@@ -8304,14 +8955,6 @@
 <file path=ppt/slides/slide1.xml><?xml version="1.0" encoding="utf-8"?>
 <p:sld xmlns:a="http://schemas.openxmlformats.org/drawingml/2006/main" xmlns:r="http://schemas.openxmlformats.org/officeDocument/2006/relationships" xmlns:p="http://schemas.openxmlformats.org/presentationml/2006/main">
   <p:cSld>
-    <p:bg>
-      <p:bgPr>
-        <a:solidFill>
-          <a:srgbClr val="FFFAD4"/>
-        </a:solidFill>
-        <a:effectLst/>
-      </p:bgPr>
-    </p:bg>
     <p:spTree>
       <p:nvGrpSpPr>
         <p:cNvPr id="1" name=""/>
@@ -8344,20 +8987,20 @@
         </p:nvSpPr>
         <p:spPr>
           <a:xfrm>
-            <a:off x="-16934" y="3201698"/>
-            <a:ext cx="12208933" cy="1600200"/>
+            <a:off x="-17463" y="3644900"/>
+            <a:ext cx="12209463" cy="1600200"/>
           </a:xfrm>
-          <a:solidFill>
-            <a:srgbClr val="F6E979"/>
-          </a:solidFill>
+          <a:noFill/>
         </p:spPr>
         <p:txBody>
-          <a:bodyPr/>
+          <a:bodyPr>
+            <a:normAutofit/>
+          </a:bodyPr>
           <a:lstStyle/>
           <a:p>
             <a:pPr algn="ctr"/>
             <a:r>
-              <a:rPr lang="en-US" altLang="zh-CN">
+              <a:rPr lang="en-US" altLang="zh-CN" sz="4800" dirty="0">
                 <a:solidFill>
                   <a:schemeClr val="tx1">
                     <a:lumMod val="95000"/>
@@ -8377,7 +9020,7 @@
               <a:t>Python </a:t>
             </a:r>
             <a:r>
-              <a:rPr lang="zh-CN" altLang="en-US">
+              <a:rPr lang="zh-CN" altLang="en-US" sz="4800" dirty="0">
                 <a:solidFill>
                   <a:schemeClr val="tx1">
                     <a:lumMod val="95000"/>
@@ -8394,30 +9037,10 @@
                 <a:latin typeface="华文琥珀" panose="02010800040101010101" pitchFamily="2" charset="-122"/>
                 <a:ea typeface="华文琥珀" panose="02010800040101010101" pitchFamily="2" charset="-122"/>
               </a:rPr>
-              <a:t>编程</a:t>
-            </a:r>
-            <a:r>
-              <a:rPr lang="zh-CN" altLang="en-US" dirty="0">
-                <a:solidFill>
-                  <a:schemeClr val="tx1">
-                    <a:lumMod val="95000"/>
-                    <a:lumOff val="5000"/>
-                  </a:schemeClr>
-                </a:solidFill>
-                <a:effectLst>
-                  <a:outerShdw blurRad="38100" dist="38100" dir="2700000" algn="tl">
-                    <a:srgbClr val="000000">
-                      <a:alpha val="43137"/>
-                    </a:srgbClr>
-                  </a:outerShdw>
-                </a:effectLst>
-                <a:latin typeface="华文琥珀" panose="02010800040101010101" pitchFamily="2" charset="-122"/>
-                <a:ea typeface="华文琥珀" panose="02010800040101010101" pitchFamily="2" charset="-122"/>
-              </a:rPr>
-              <a:t>：从入门到实践</a:t>
+              <a:t>编程：从入门到实践</a:t>
             </a:r>
             <a:br>
-              <a:rPr lang="en-US" altLang="zh-CN" dirty="0">
+              <a:rPr lang="en-US" altLang="zh-CN" sz="4800" dirty="0">
                 <a:solidFill>
                   <a:schemeClr val="tx1">
                     <a:lumMod val="95000"/>
@@ -8436,7 +9059,7 @@
               </a:rPr>
             </a:br>
             <a:r>
-              <a:rPr lang="zh-CN" altLang="en-US" dirty="0">
+              <a:rPr lang="zh-CN" altLang="en-US" sz="4800" dirty="0">
                 <a:solidFill>
                   <a:schemeClr val="tx1">
                     <a:lumMod val="95000"/>
@@ -8455,7 +9078,7 @@
               </a:rPr>
               <a:t>（第三版）</a:t>
             </a:r>
-            <a:endParaRPr lang="en-US" altLang="zh-CN" dirty="0">
+            <a:endParaRPr lang="en-US" altLang="zh-CN" sz="4800" dirty="0">
               <a:solidFill>
                 <a:schemeClr val="tx1">
                   <a:lumMod val="95000"/>
@@ -8491,8 +9114,8 @@
         </p:nvSpPr>
         <p:spPr bwMode="auto">
           <a:xfrm>
-            <a:off x="4559361" y="5491971"/>
-            <a:ext cx="3073277" cy="369332"/>
+            <a:off x="4304483" y="5491971"/>
+            <a:ext cx="3583033" cy="461665"/>
           </a:xfrm>
           <a:prstGeom prst="rect">
             <a:avLst/>
@@ -8542,8 +9165,8 @@
               <a:buNone/>
             </a:pPr>
             <a:r>
-              <a:rPr lang="en-US" altLang="zh-CN" b="1" dirty="0">
-                <a:latin typeface="Verdana" panose="020B0604030504040204" pitchFamily="34" charset="0"/>
+              <a:rPr lang="en-US" altLang="zh-CN" sz="2400" b="1" dirty="0">
+                <a:latin typeface="Consolas" panose="020B0609020204030204" pitchFamily="49" charset="0"/>
                 <a:ea typeface="Verdana" panose="020B0604030504040204" pitchFamily="34" charset="0"/>
               </a:rPr>
               <a:t>Teacher Name / Email</a:t>
@@ -8579,7 +9202,7 @@
         </p:blipFill>
         <p:spPr>
           <a:xfrm>
-            <a:off x="4488200" y="581078"/>
+            <a:off x="4495458" y="804806"/>
             <a:ext cx="3186567" cy="2591873"/>
           </a:xfrm>
           <a:prstGeom prst="rect">
@@ -8592,7 +9215,7 @@
           <p:cNvPr id="4" name="矩形 3">
             <a:extLst>
               <a:ext uri="{FF2B5EF4-FFF2-40B4-BE49-F238E27FC236}">
-                <a16:creationId xmlns:a16="http://schemas.microsoft.com/office/drawing/2014/main" id="{1390A228-C702-50CB-624A-F0A58749DD73}"/>
+                <a16:creationId xmlns:a16="http://schemas.microsoft.com/office/drawing/2014/main" id="{75A0379E-3606-9AF4-7B2C-57E5B4C73ED1}"/>
               </a:ext>
             </a:extLst>
           </p:cNvPr>
@@ -8641,7 +9264,18 @@
   <p:clrMapOvr>
     <a:masterClrMapping/>
   </p:clrMapOvr>
-  <p:transition spd="med"/>
+  <mc:AlternateContent xmlns:mc="http://schemas.openxmlformats.org/markup-compatibility/2006" xmlns:p14="http://schemas.microsoft.com/office/powerpoint/2010/main">
+    <mc:Choice Requires="p14">
+      <p:transition spd="med" p14:dur="700">
+        <p:fade/>
+      </p:transition>
+    </mc:Choice>
+    <mc:Fallback xmlns="">
+      <p:transition spd="med">
+        <p:fade/>
+      </p:transition>
+    </mc:Fallback>
+  </mc:AlternateContent>
   <p:timing>
     <p:tnLst>
       <p:par>
@@ -8695,6 +9329,38 @@
           <a:chExt cx="0" cy="0"/>
         </a:xfrm>
       </p:grpSpPr>
+      <p:sp>
+        <p:nvSpPr>
+          <p:cNvPr id="5" name="标题 4">
+            <a:extLst>
+              <a:ext uri="{FF2B5EF4-FFF2-40B4-BE49-F238E27FC236}">
+                <a16:creationId xmlns:a16="http://schemas.microsoft.com/office/drawing/2014/main" id="{76F989C9-4F39-133F-49AF-DAB0317A15AC}"/>
+              </a:ext>
+            </a:extLst>
+          </p:cNvPr>
+          <p:cNvSpPr>
+            <a:spLocks noGrp="1"/>
+          </p:cNvSpPr>
+          <p:nvPr>
+            <p:ph type="title"/>
+          </p:nvPr>
+        </p:nvSpPr>
+        <p:spPr/>
+        <p:txBody>
+          <a:bodyPr/>
+          <a:lstStyle/>
+          <a:p>
+            <a:r>
+              <a:rPr lang="en-US" altLang="zh-CN" dirty="0"/>
+              <a:t>14.3 </a:t>
+            </a:r>
+            <a:r>
+              <a:rPr lang="zh-CN" altLang="en-US" dirty="0"/>
+              <a:t>记分</a:t>
+            </a:r>
+          </a:p>
+        </p:txBody>
+      </p:sp>
       <p:pic>
         <p:nvPicPr>
           <p:cNvPr id="4" name="内容占位符 3">
@@ -8724,38 +9390,6 @@
           </a:xfrm>
         </p:spPr>
       </p:pic>
-      <p:sp>
-        <p:nvSpPr>
-          <p:cNvPr id="5" name="标题 4">
-            <a:extLst>
-              <a:ext uri="{FF2B5EF4-FFF2-40B4-BE49-F238E27FC236}">
-                <a16:creationId xmlns:a16="http://schemas.microsoft.com/office/drawing/2014/main" id="{76F989C9-4F39-133F-49AF-DAB0317A15AC}"/>
-              </a:ext>
-            </a:extLst>
-          </p:cNvPr>
-          <p:cNvSpPr>
-            <a:spLocks noGrp="1"/>
-          </p:cNvSpPr>
-          <p:nvPr>
-            <p:ph type="title"/>
-          </p:nvPr>
-        </p:nvSpPr>
-        <p:spPr/>
-        <p:txBody>
-          <a:bodyPr/>
-          <a:lstStyle/>
-          <a:p>
-            <a:r>
-              <a:rPr lang="en-US" altLang="zh-CN" dirty="0"/>
-              <a:t>14.3 </a:t>
-            </a:r>
-            <a:r>
-              <a:rPr lang="zh-CN" altLang="en-US" dirty="0"/>
-              <a:t>记分</a:t>
-            </a:r>
-          </a:p>
-        </p:txBody>
-      </p:sp>
     </p:spTree>
     <p:extLst>
       <p:ext uri="{BB962C8B-B14F-4D97-AF65-F5344CB8AC3E}">
@@ -8766,6 +9400,18 @@
   <p:clrMapOvr>
     <a:masterClrMapping/>
   </p:clrMapOvr>
+  <mc:AlternateContent xmlns:mc="http://schemas.openxmlformats.org/markup-compatibility/2006" xmlns:p14="http://schemas.microsoft.com/office/powerpoint/2010/main">
+    <mc:Choice Requires="p14">
+      <p:transition spd="med" p14:dur="700">
+        <p:fade/>
+      </p:transition>
+    </mc:Choice>
+    <mc:Fallback xmlns="">
+      <p:transition spd="med">
+        <p:fade/>
+      </p:transition>
+    </mc:Fallback>
+  </mc:AlternateContent>
 </p:sld>
 </file>
 
@@ -8794,6 +9440,38 @@
       </p:grpSpPr>
       <p:sp>
         <p:nvSpPr>
+          <p:cNvPr id="5" name="标题 4">
+            <a:extLst>
+              <a:ext uri="{FF2B5EF4-FFF2-40B4-BE49-F238E27FC236}">
+                <a16:creationId xmlns:a16="http://schemas.microsoft.com/office/drawing/2014/main" id="{88BF575E-5E8B-D774-365D-937F969296D0}"/>
+              </a:ext>
+            </a:extLst>
+          </p:cNvPr>
+          <p:cNvSpPr>
+            <a:spLocks noGrp="1"/>
+          </p:cNvSpPr>
+          <p:nvPr>
+            <p:ph type="title"/>
+          </p:nvPr>
+        </p:nvSpPr>
+        <p:spPr/>
+        <p:txBody>
+          <a:bodyPr/>
+          <a:lstStyle/>
+          <a:p>
+            <a:r>
+              <a:rPr lang="en-US" altLang="zh-CN" dirty="0"/>
+              <a:t>14.3 </a:t>
+            </a:r>
+            <a:r>
+              <a:rPr lang="zh-CN" altLang="en-US" dirty="0"/>
+              <a:t>记分</a:t>
+            </a:r>
+          </a:p>
+        </p:txBody>
+      </p:sp>
+      <p:sp>
+        <p:nvSpPr>
           <p:cNvPr id="3" name="内容占位符 2">
             <a:extLst>
               <a:ext uri="{FF2B5EF4-FFF2-40B4-BE49-F238E27FC236}">
@@ -8849,38 +9527,6 @@
               <a:t>小节。</a:t>
             </a:r>
             <a:endParaRPr lang="en-US" altLang="zh-CN" dirty="0"/>
-          </a:p>
-        </p:txBody>
-      </p:sp>
-      <p:sp>
-        <p:nvSpPr>
-          <p:cNvPr id="5" name="标题 4">
-            <a:extLst>
-              <a:ext uri="{FF2B5EF4-FFF2-40B4-BE49-F238E27FC236}">
-                <a16:creationId xmlns:a16="http://schemas.microsoft.com/office/drawing/2014/main" id="{88BF575E-5E8B-D774-365D-937F969296D0}"/>
-              </a:ext>
-            </a:extLst>
-          </p:cNvPr>
-          <p:cNvSpPr>
-            <a:spLocks noGrp="1"/>
-          </p:cNvSpPr>
-          <p:nvPr>
-            <p:ph type="title"/>
-          </p:nvPr>
-        </p:nvSpPr>
-        <p:spPr/>
-        <p:txBody>
-          <a:bodyPr/>
-          <a:lstStyle/>
-          <a:p>
-            <a:r>
-              <a:rPr lang="en-US" altLang="zh-CN" dirty="0"/>
-              <a:t>14.3 </a:t>
-            </a:r>
-            <a:r>
-              <a:rPr lang="zh-CN" altLang="en-US" dirty="0"/>
-              <a:t>记分</a:t>
-            </a:r>
           </a:p>
         </p:txBody>
       </p:sp>
@@ -8894,6 +9540,18 @@
   <p:clrMapOvr>
     <a:masterClrMapping/>
   </p:clrMapOvr>
+  <mc:AlternateContent xmlns:mc="http://schemas.openxmlformats.org/markup-compatibility/2006" xmlns:p14="http://schemas.microsoft.com/office/powerpoint/2010/main">
+    <mc:Choice Requires="p14">
+      <p:transition spd="med" p14:dur="700">
+        <p:fade/>
+      </p:transition>
+    </mc:Choice>
+    <mc:Fallback xmlns="">
+      <p:transition spd="med">
+        <p:fade/>
+      </p:transition>
+    </mc:Fallback>
+  </mc:AlternateContent>
 </p:sld>
 </file>
 
@@ -8920,6 +9578,38 @@
           <a:chExt cx="0" cy="0"/>
         </a:xfrm>
       </p:grpSpPr>
+      <p:sp>
+        <p:nvSpPr>
+          <p:cNvPr id="5" name="标题 4">
+            <a:extLst>
+              <a:ext uri="{FF2B5EF4-FFF2-40B4-BE49-F238E27FC236}">
+                <a16:creationId xmlns:a16="http://schemas.microsoft.com/office/drawing/2014/main" id="{D5F86484-5F28-FCB0-0D90-CAD85102C0D2}"/>
+              </a:ext>
+            </a:extLst>
+          </p:cNvPr>
+          <p:cNvSpPr>
+            <a:spLocks noGrp="1"/>
+          </p:cNvSpPr>
+          <p:nvPr>
+            <p:ph type="title"/>
+          </p:nvPr>
+        </p:nvSpPr>
+        <p:spPr/>
+        <p:txBody>
+          <a:bodyPr/>
+          <a:lstStyle/>
+          <a:p>
+            <a:r>
+              <a:rPr lang="en-US" altLang="zh-CN" dirty="0"/>
+              <a:t>14.3 </a:t>
+            </a:r>
+            <a:r>
+              <a:rPr lang="zh-CN" altLang="en-US" dirty="0"/>
+              <a:t>记分</a:t>
+            </a:r>
+          </a:p>
+        </p:txBody>
+      </p:sp>
       <p:pic>
         <p:nvPicPr>
           <p:cNvPr id="6" name="内容占位符 5">
@@ -8949,38 +9639,6 @@
           </a:xfrm>
         </p:spPr>
       </p:pic>
-      <p:sp>
-        <p:nvSpPr>
-          <p:cNvPr id="5" name="标题 4">
-            <a:extLst>
-              <a:ext uri="{FF2B5EF4-FFF2-40B4-BE49-F238E27FC236}">
-                <a16:creationId xmlns:a16="http://schemas.microsoft.com/office/drawing/2014/main" id="{D5F86484-5F28-FCB0-0D90-CAD85102C0D2}"/>
-              </a:ext>
-            </a:extLst>
-          </p:cNvPr>
-          <p:cNvSpPr>
-            <a:spLocks noGrp="1"/>
-          </p:cNvSpPr>
-          <p:nvPr>
-            <p:ph type="title"/>
-          </p:nvPr>
-        </p:nvSpPr>
-        <p:spPr/>
-        <p:txBody>
-          <a:bodyPr/>
-          <a:lstStyle/>
-          <a:p>
-            <a:r>
-              <a:rPr lang="en-US" altLang="zh-CN" dirty="0"/>
-              <a:t>14.3 </a:t>
-            </a:r>
-            <a:r>
-              <a:rPr lang="zh-CN" altLang="en-US" dirty="0"/>
-              <a:t>记分</a:t>
-            </a:r>
-          </a:p>
-        </p:txBody>
-      </p:sp>
     </p:spTree>
     <p:extLst>
       <p:ext uri="{BB962C8B-B14F-4D97-AF65-F5344CB8AC3E}">
@@ -8991,6 +9649,18 @@
   <p:clrMapOvr>
     <a:masterClrMapping/>
   </p:clrMapOvr>
+  <mc:AlternateContent xmlns:mc="http://schemas.openxmlformats.org/markup-compatibility/2006" xmlns:p14="http://schemas.microsoft.com/office/powerpoint/2010/main">
+    <mc:Choice Requires="p14">
+      <p:transition spd="med" p14:dur="700">
+        <p:fade/>
+      </p:transition>
+    </mc:Choice>
+    <mc:Fallback xmlns="">
+      <p:transition spd="med">
+        <p:fade/>
+      </p:transition>
+    </mc:Fallback>
+  </mc:AlternateContent>
 </p:sld>
 </file>
 
@@ -9019,6 +9689,38 @@
       </p:grpSpPr>
       <p:sp>
         <p:nvSpPr>
+          <p:cNvPr id="5" name="标题 4">
+            <a:extLst>
+              <a:ext uri="{FF2B5EF4-FFF2-40B4-BE49-F238E27FC236}">
+                <a16:creationId xmlns:a16="http://schemas.microsoft.com/office/drawing/2014/main" id="{88C24438-62C0-E9B2-5D9D-7155FC0FC49F}"/>
+              </a:ext>
+            </a:extLst>
+          </p:cNvPr>
+          <p:cNvSpPr>
+            <a:spLocks noGrp="1"/>
+          </p:cNvSpPr>
+          <p:nvPr>
+            <p:ph type="title"/>
+          </p:nvPr>
+        </p:nvSpPr>
+        <p:spPr/>
+        <p:txBody>
+          <a:bodyPr/>
+          <a:lstStyle/>
+          <a:p>
+            <a:r>
+              <a:rPr lang="en-US" altLang="zh-CN" dirty="0"/>
+              <a:t>14.3 </a:t>
+            </a:r>
+            <a:r>
+              <a:rPr lang="zh-CN" altLang="en-US" dirty="0"/>
+              <a:t>记分</a:t>
+            </a:r>
+          </a:p>
+        </p:txBody>
+      </p:sp>
+      <p:sp>
+        <p:nvSpPr>
           <p:cNvPr id="3" name="内容占位符 2">
             <a:extLst>
               <a:ext uri="{FF2B5EF4-FFF2-40B4-BE49-F238E27FC236}">
@@ -9074,38 +9776,6 @@
               <a:t>小节。</a:t>
             </a:r>
             <a:endParaRPr lang="en-US" altLang="zh-CN" dirty="0"/>
-          </a:p>
-        </p:txBody>
-      </p:sp>
-      <p:sp>
-        <p:nvSpPr>
-          <p:cNvPr id="5" name="标题 4">
-            <a:extLst>
-              <a:ext uri="{FF2B5EF4-FFF2-40B4-BE49-F238E27FC236}">
-                <a16:creationId xmlns:a16="http://schemas.microsoft.com/office/drawing/2014/main" id="{88C24438-62C0-E9B2-5D9D-7155FC0FC49F}"/>
-              </a:ext>
-            </a:extLst>
-          </p:cNvPr>
-          <p:cNvSpPr>
-            <a:spLocks noGrp="1"/>
-          </p:cNvSpPr>
-          <p:nvPr>
-            <p:ph type="title"/>
-          </p:nvPr>
-        </p:nvSpPr>
-        <p:spPr/>
-        <p:txBody>
-          <a:bodyPr/>
-          <a:lstStyle/>
-          <a:p>
-            <a:r>
-              <a:rPr lang="en-US" altLang="zh-CN" dirty="0"/>
-              <a:t>14.3 </a:t>
-            </a:r>
-            <a:r>
-              <a:rPr lang="zh-CN" altLang="en-US" dirty="0"/>
-              <a:t>记分</a:t>
-            </a:r>
           </a:p>
         </p:txBody>
       </p:sp>
@@ -9119,6 +9789,18 @@
   <p:clrMapOvr>
     <a:masterClrMapping/>
   </p:clrMapOvr>
+  <mc:AlternateContent xmlns:mc="http://schemas.openxmlformats.org/markup-compatibility/2006" xmlns:p14="http://schemas.microsoft.com/office/powerpoint/2010/main">
+    <mc:Choice Requires="p14">
+      <p:transition spd="med" p14:dur="700">
+        <p:fade/>
+      </p:transition>
+    </mc:Choice>
+    <mc:Fallback xmlns="">
+      <p:transition spd="med">
+        <p:fade/>
+      </p:transition>
+    </mc:Fallback>
+  </mc:AlternateContent>
 </p:sld>
 </file>
 
@@ -9216,6 +9898,18 @@
   <p:clrMapOvr>
     <a:masterClrMapping/>
   </p:clrMapOvr>
+  <mc:AlternateContent xmlns:mc="http://schemas.openxmlformats.org/markup-compatibility/2006" xmlns:p14="http://schemas.microsoft.com/office/powerpoint/2010/main">
+    <mc:Choice Requires="p14">
+      <p:transition spd="med" p14:dur="700">
+        <p:fade/>
+      </p:transition>
+    </mc:Choice>
+    <mc:Fallback xmlns="">
+      <p:transition spd="med">
+        <p:fade/>
+      </p:transition>
+    </mc:Fallback>
+  </mc:AlternateContent>
 </p:sld>
 </file>
 
@@ -9356,6 +10050,18 @@
   <p:clrMapOvr>
     <a:masterClrMapping/>
   </p:clrMapOvr>
+  <mc:AlternateContent xmlns:mc="http://schemas.openxmlformats.org/markup-compatibility/2006" xmlns:p14="http://schemas.microsoft.com/office/powerpoint/2010/main">
+    <mc:Choice Requires="p14">
+      <p:transition spd="med" p14:dur="700">
+        <p:fade/>
+      </p:transition>
+    </mc:Choice>
+    <mc:Fallback xmlns="">
+      <p:transition spd="med">
+        <p:fade/>
+      </p:transition>
+    </mc:Fallback>
+  </mc:AlternateContent>
 </p:sld>
 </file>
 
@@ -9378,6 +10084,34 @@
       </p:grpSpPr>
       <p:sp>
         <p:nvSpPr>
+          <p:cNvPr id="5" name="标题 4">
+            <a:extLst>
+              <a:ext uri="{FF2B5EF4-FFF2-40B4-BE49-F238E27FC236}">
+                <a16:creationId xmlns:a16="http://schemas.microsoft.com/office/drawing/2014/main" id="{14B5F31E-85DD-B8D9-9ED7-E32A03C57260}"/>
+              </a:ext>
+            </a:extLst>
+          </p:cNvPr>
+          <p:cNvSpPr>
+            <a:spLocks noGrp="1"/>
+          </p:cNvSpPr>
+          <p:nvPr>
+            <p:ph type="title"/>
+          </p:nvPr>
+        </p:nvSpPr>
+        <p:spPr/>
+        <p:txBody>
+          <a:bodyPr/>
+          <a:lstStyle/>
+          <a:p>
+            <a:r>
+              <a:rPr lang="zh-CN" altLang="en-US" dirty="0"/>
+              <a:t>关于本讲义</a:t>
+            </a:r>
+          </a:p>
+        </p:txBody>
+      </p:sp>
+      <p:sp>
+        <p:nvSpPr>
           <p:cNvPr id="3" name="内容占位符 2">
             <a:extLst>
               <a:ext uri="{FF2B5EF4-FFF2-40B4-BE49-F238E27FC236}">
@@ -9517,34 +10251,6 @@
             <a:r>
               <a:rPr lang="en-US" altLang="zh-CN" dirty="0"/>
               <a:t>@Scruel Tao</a:t>
-            </a:r>
-          </a:p>
-        </p:txBody>
-      </p:sp>
-      <p:sp>
-        <p:nvSpPr>
-          <p:cNvPr id="5" name="标题 4">
-            <a:extLst>
-              <a:ext uri="{FF2B5EF4-FFF2-40B4-BE49-F238E27FC236}">
-                <a16:creationId xmlns:a16="http://schemas.microsoft.com/office/drawing/2014/main" id="{14B5F31E-85DD-B8D9-9ED7-E32A03C57260}"/>
-              </a:ext>
-            </a:extLst>
-          </p:cNvPr>
-          <p:cNvSpPr>
-            <a:spLocks noGrp="1"/>
-          </p:cNvSpPr>
-          <p:nvPr>
-            <p:ph type="title"/>
-          </p:nvPr>
-        </p:nvSpPr>
-        <p:spPr/>
-        <p:txBody>
-          <a:bodyPr/>
-          <a:lstStyle/>
-          <a:p>
-            <a:r>
-              <a:rPr lang="zh-CN" altLang="en-US" dirty="0"/>
-              <a:t>关于本讲义</a:t>
             </a:r>
           </a:p>
         </p:txBody>
@@ -9559,6 +10265,18 @@
   <p:clrMapOvr>
     <a:masterClrMapping/>
   </p:clrMapOvr>
+  <mc:AlternateContent xmlns:mc="http://schemas.openxmlformats.org/markup-compatibility/2006" xmlns:p14="http://schemas.microsoft.com/office/powerpoint/2010/main">
+    <mc:Choice Requires="p14">
+      <p:transition spd="med" p14:dur="700">
+        <p:fade/>
+      </p:transition>
+    </mc:Choice>
+    <mc:Fallback xmlns="">
+      <p:transition spd="med">
+        <p:fade/>
+      </p:transition>
+    </mc:Fallback>
+  </mc:AlternateContent>
 </p:sld>
 </file>
 
@@ -9725,6 +10443,18 @@
   <p:clrMapOvr>
     <a:masterClrMapping/>
   </p:clrMapOvr>
+  <mc:AlternateContent xmlns:mc="http://schemas.openxmlformats.org/markup-compatibility/2006" xmlns:p14="http://schemas.microsoft.com/office/powerpoint/2010/main">
+    <mc:Choice Requires="p14">
+      <p:transition spd="med" p14:dur="700">
+        <p:fade/>
+      </p:transition>
+    </mc:Choice>
+    <mc:Fallback xmlns="">
+      <p:transition spd="med">
+        <p:fade/>
+      </p:transition>
+    </mc:Fallback>
+  </mc:AlternateContent>
 </p:sld>
 </file>
 
@@ -9874,6 +10604,46 @@
       </p:grpSpPr>
       <p:sp>
         <p:nvSpPr>
+          <p:cNvPr id="5" name="标题 4">
+            <a:extLst>
+              <a:ext uri="{FF2B5EF4-FFF2-40B4-BE49-F238E27FC236}">
+                <a16:creationId xmlns:a16="http://schemas.microsoft.com/office/drawing/2014/main" id="{A00A4FEA-9421-97E2-9CFE-47E08F40F4C9}"/>
+              </a:ext>
+            </a:extLst>
+          </p:cNvPr>
+          <p:cNvSpPr>
+            <a:spLocks noGrp="1"/>
+          </p:cNvSpPr>
+          <p:nvPr>
+            <p:ph type="title"/>
+          </p:nvPr>
+        </p:nvSpPr>
+        <p:spPr/>
+        <p:txBody>
+          <a:bodyPr/>
+          <a:lstStyle/>
+          <a:p>
+            <a:r>
+              <a:rPr lang="en-US" altLang="zh-CN" dirty="0"/>
+              <a:t>14.1 </a:t>
+            </a:r>
+            <a:r>
+              <a:rPr lang="zh-CN" altLang="en-US" dirty="0"/>
+              <a:t>添加 </a:t>
+            </a:r>
+            <a:r>
+              <a:rPr lang="en-US" altLang="zh-CN" dirty="0"/>
+              <a:t>Play </a:t>
+            </a:r>
+            <a:r>
+              <a:rPr lang="zh-CN" altLang="en-US" dirty="0"/>
+              <a:t>按钮</a:t>
+            </a:r>
+          </a:p>
+        </p:txBody>
+      </p:sp>
+      <p:sp>
+        <p:nvSpPr>
           <p:cNvPr id="3" name="内容占位符 2">
             <a:extLst>
               <a:ext uri="{FF2B5EF4-FFF2-40B4-BE49-F238E27FC236}">
@@ -9941,46 +10711,6 @@
               <a:buNone/>
             </a:pPr>
             <a:endParaRPr lang="en-US" altLang="zh-CN" dirty="0"/>
-          </a:p>
-        </p:txBody>
-      </p:sp>
-      <p:sp>
-        <p:nvSpPr>
-          <p:cNvPr id="5" name="标题 4">
-            <a:extLst>
-              <a:ext uri="{FF2B5EF4-FFF2-40B4-BE49-F238E27FC236}">
-                <a16:creationId xmlns:a16="http://schemas.microsoft.com/office/drawing/2014/main" id="{A00A4FEA-9421-97E2-9CFE-47E08F40F4C9}"/>
-              </a:ext>
-            </a:extLst>
-          </p:cNvPr>
-          <p:cNvSpPr>
-            <a:spLocks noGrp="1"/>
-          </p:cNvSpPr>
-          <p:nvPr>
-            <p:ph type="title"/>
-          </p:nvPr>
-        </p:nvSpPr>
-        <p:spPr/>
-        <p:txBody>
-          <a:bodyPr/>
-          <a:lstStyle/>
-          <a:p>
-            <a:r>
-              <a:rPr lang="en-US" altLang="zh-CN" dirty="0"/>
-              <a:t>14.1 </a:t>
-            </a:r>
-            <a:r>
-              <a:rPr lang="zh-CN" altLang="en-US" dirty="0"/>
-              <a:t>添加 </a:t>
-            </a:r>
-            <a:r>
-              <a:rPr lang="en-US" altLang="zh-CN" dirty="0"/>
-              <a:t>Play </a:t>
-            </a:r>
-            <a:r>
-              <a:rPr lang="zh-CN" altLang="en-US" dirty="0"/>
-              <a:t>按钮</a:t>
-            </a:r>
           </a:p>
         </p:txBody>
       </p:sp>
@@ -9994,6 +10724,18 @@
   <p:clrMapOvr>
     <a:masterClrMapping/>
   </p:clrMapOvr>
+  <mc:AlternateContent xmlns:mc="http://schemas.openxmlformats.org/markup-compatibility/2006" xmlns:p14="http://schemas.microsoft.com/office/powerpoint/2010/main">
+    <mc:Choice Requires="p14">
+      <p:transition spd="med" p14:dur="700">
+        <p:fade/>
+      </p:transition>
+    </mc:Choice>
+    <mc:Fallback xmlns="">
+      <p:transition spd="med">
+        <p:fade/>
+      </p:transition>
+    </mc:Fallback>
+  </mc:AlternateContent>
 </p:sld>
 </file>
 
@@ -10020,6 +10762,46 @@
           <a:chExt cx="0" cy="0"/>
         </a:xfrm>
       </p:grpSpPr>
+      <p:sp>
+        <p:nvSpPr>
+          <p:cNvPr id="5" name="标题 4">
+            <a:extLst>
+              <a:ext uri="{FF2B5EF4-FFF2-40B4-BE49-F238E27FC236}">
+                <a16:creationId xmlns:a16="http://schemas.microsoft.com/office/drawing/2014/main" id="{63916F74-E475-C807-CD57-F095D560095C}"/>
+              </a:ext>
+            </a:extLst>
+          </p:cNvPr>
+          <p:cNvSpPr>
+            <a:spLocks noGrp="1"/>
+          </p:cNvSpPr>
+          <p:nvPr>
+            <p:ph type="title"/>
+          </p:nvPr>
+        </p:nvSpPr>
+        <p:spPr/>
+        <p:txBody>
+          <a:bodyPr/>
+          <a:lstStyle/>
+          <a:p>
+            <a:r>
+              <a:rPr lang="en-US" altLang="zh-CN" dirty="0"/>
+              <a:t>14.1 </a:t>
+            </a:r>
+            <a:r>
+              <a:rPr lang="zh-CN" altLang="en-US" dirty="0"/>
+              <a:t>添加 </a:t>
+            </a:r>
+            <a:r>
+              <a:rPr lang="en-US" altLang="zh-CN" dirty="0"/>
+              <a:t>Play </a:t>
+            </a:r>
+            <a:r>
+              <a:rPr lang="zh-CN" altLang="en-US" dirty="0"/>
+              <a:t>按钮</a:t>
+            </a:r>
+          </a:p>
+        </p:txBody>
+      </p:sp>
       <p:pic>
         <p:nvPicPr>
           <p:cNvPr id="4" name="内容占位符 3">
@@ -10049,46 +10831,6 @@
           </a:xfrm>
         </p:spPr>
       </p:pic>
-      <p:sp>
-        <p:nvSpPr>
-          <p:cNvPr id="5" name="标题 4">
-            <a:extLst>
-              <a:ext uri="{FF2B5EF4-FFF2-40B4-BE49-F238E27FC236}">
-                <a16:creationId xmlns:a16="http://schemas.microsoft.com/office/drawing/2014/main" id="{63916F74-E475-C807-CD57-F095D560095C}"/>
-              </a:ext>
-            </a:extLst>
-          </p:cNvPr>
-          <p:cNvSpPr>
-            <a:spLocks noGrp="1"/>
-          </p:cNvSpPr>
-          <p:nvPr>
-            <p:ph type="title"/>
-          </p:nvPr>
-        </p:nvSpPr>
-        <p:spPr/>
-        <p:txBody>
-          <a:bodyPr/>
-          <a:lstStyle/>
-          <a:p>
-            <a:r>
-              <a:rPr lang="en-US" altLang="zh-CN" dirty="0"/>
-              <a:t>14.1 </a:t>
-            </a:r>
-            <a:r>
-              <a:rPr lang="zh-CN" altLang="en-US" dirty="0"/>
-              <a:t>添加 </a:t>
-            </a:r>
-            <a:r>
-              <a:rPr lang="en-US" altLang="zh-CN" dirty="0"/>
-              <a:t>Play </a:t>
-            </a:r>
-            <a:r>
-              <a:rPr lang="zh-CN" altLang="en-US" dirty="0"/>
-              <a:t>按钮</a:t>
-            </a:r>
-          </a:p>
-        </p:txBody>
-      </p:sp>
     </p:spTree>
     <p:extLst>
       <p:ext uri="{BB962C8B-B14F-4D97-AF65-F5344CB8AC3E}">
@@ -10099,6 +10841,18 @@
   <p:clrMapOvr>
     <a:masterClrMapping/>
   </p:clrMapOvr>
+  <mc:AlternateContent xmlns:mc="http://schemas.openxmlformats.org/markup-compatibility/2006" xmlns:p14="http://schemas.microsoft.com/office/powerpoint/2010/main">
+    <mc:Choice Requires="p14">
+      <p:transition spd="med" p14:dur="700">
+        <p:fade/>
+      </p:transition>
+    </mc:Choice>
+    <mc:Fallback xmlns="">
+      <p:transition spd="med">
+        <p:fade/>
+      </p:transition>
+    </mc:Fallback>
+  </mc:AlternateContent>
 </p:sld>
 </file>
 
@@ -10127,6 +10881,46 @@
       </p:grpSpPr>
       <p:sp>
         <p:nvSpPr>
+          <p:cNvPr id="5" name="标题 4">
+            <a:extLst>
+              <a:ext uri="{FF2B5EF4-FFF2-40B4-BE49-F238E27FC236}">
+                <a16:creationId xmlns:a16="http://schemas.microsoft.com/office/drawing/2014/main" id="{B83108ED-7462-5DBD-6129-06CEC2129CE5}"/>
+              </a:ext>
+            </a:extLst>
+          </p:cNvPr>
+          <p:cNvSpPr>
+            <a:spLocks noGrp="1"/>
+          </p:cNvSpPr>
+          <p:nvPr>
+            <p:ph type="title"/>
+          </p:nvPr>
+        </p:nvSpPr>
+        <p:spPr/>
+        <p:txBody>
+          <a:bodyPr/>
+          <a:lstStyle/>
+          <a:p>
+            <a:r>
+              <a:rPr lang="en-US" altLang="zh-CN" dirty="0"/>
+              <a:t>14.1 </a:t>
+            </a:r>
+            <a:r>
+              <a:rPr lang="zh-CN" altLang="en-US" dirty="0"/>
+              <a:t>添加 </a:t>
+            </a:r>
+            <a:r>
+              <a:rPr lang="en-US" altLang="zh-CN" dirty="0"/>
+              <a:t>Play </a:t>
+            </a:r>
+            <a:r>
+              <a:rPr lang="zh-CN" altLang="en-US" dirty="0"/>
+              <a:t>按钮</a:t>
+            </a:r>
+          </a:p>
+        </p:txBody>
+      </p:sp>
+      <p:sp>
+        <p:nvSpPr>
           <p:cNvPr id="3" name="内容占位符 2">
             <a:extLst>
               <a:ext uri="{FF2B5EF4-FFF2-40B4-BE49-F238E27FC236}">
@@ -10214,46 +11008,6 @@
               <a:t>中的代码，隐藏游戏过程中不必要展示的鼠标。</a:t>
             </a:r>
             <a:endParaRPr lang="en-US" altLang="zh-CN" dirty="0"/>
-          </a:p>
-        </p:txBody>
-      </p:sp>
-      <p:sp>
-        <p:nvSpPr>
-          <p:cNvPr id="5" name="标题 4">
-            <a:extLst>
-              <a:ext uri="{FF2B5EF4-FFF2-40B4-BE49-F238E27FC236}">
-                <a16:creationId xmlns:a16="http://schemas.microsoft.com/office/drawing/2014/main" id="{B83108ED-7462-5DBD-6129-06CEC2129CE5}"/>
-              </a:ext>
-            </a:extLst>
-          </p:cNvPr>
-          <p:cNvSpPr>
-            <a:spLocks noGrp="1"/>
-          </p:cNvSpPr>
-          <p:nvPr>
-            <p:ph type="title"/>
-          </p:nvPr>
-        </p:nvSpPr>
-        <p:spPr/>
-        <p:txBody>
-          <a:bodyPr/>
-          <a:lstStyle/>
-          <a:p>
-            <a:r>
-              <a:rPr lang="en-US" altLang="zh-CN" dirty="0"/>
-              <a:t>14.1 </a:t>
-            </a:r>
-            <a:r>
-              <a:rPr lang="zh-CN" altLang="en-US" dirty="0"/>
-              <a:t>添加 </a:t>
-            </a:r>
-            <a:r>
-              <a:rPr lang="en-US" altLang="zh-CN" dirty="0"/>
-              <a:t>Play </a:t>
-            </a:r>
-            <a:r>
-              <a:rPr lang="zh-CN" altLang="en-US" dirty="0"/>
-              <a:t>按钮</a:t>
-            </a:r>
           </a:p>
         </p:txBody>
       </p:sp>
@@ -10267,6 +11021,18 @@
   <p:clrMapOvr>
     <a:masterClrMapping/>
   </p:clrMapOvr>
+  <mc:AlternateContent xmlns:mc="http://schemas.openxmlformats.org/markup-compatibility/2006" xmlns:p14="http://schemas.microsoft.com/office/powerpoint/2010/main">
+    <mc:Choice Requires="p14">
+      <p:transition spd="med" p14:dur="700">
+        <p:fade/>
+      </p:transition>
+    </mc:Choice>
+    <mc:Fallback xmlns="">
+      <p:transition spd="med">
+        <p:fade/>
+      </p:transition>
+    </mc:Fallback>
+  </mc:AlternateContent>
 </p:sld>
 </file>
 
@@ -10295,6 +11061,38 @@
       </p:grpSpPr>
       <p:sp>
         <p:nvSpPr>
+          <p:cNvPr id="5" name="标题 4">
+            <a:extLst>
+              <a:ext uri="{FF2B5EF4-FFF2-40B4-BE49-F238E27FC236}">
+                <a16:creationId xmlns:a16="http://schemas.microsoft.com/office/drawing/2014/main" id="{7DCDF039-3122-5944-3308-4A6D9773DC41}"/>
+              </a:ext>
+            </a:extLst>
+          </p:cNvPr>
+          <p:cNvSpPr>
+            <a:spLocks noGrp="1"/>
+          </p:cNvSpPr>
+          <p:nvPr>
+            <p:ph type="title"/>
+          </p:nvPr>
+        </p:nvSpPr>
+        <p:spPr/>
+        <p:txBody>
+          <a:bodyPr/>
+          <a:lstStyle/>
+          <a:p>
+            <a:r>
+              <a:rPr lang="en-US" altLang="zh-CN" dirty="0"/>
+              <a:t>14.2 </a:t>
+            </a:r>
+            <a:r>
+              <a:rPr lang="zh-CN" altLang="en-US" dirty="0"/>
+              <a:t>提高难度</a:t>
+            </a:r>
+          </a:p>
+        </p:txBody>
+      </p:sp>
+      <p:sp>
+        <p:nvSpPr>
           <p:cNvPr id="3" name="内容占位符 2">
             <a:extLst>
               <a:ext uri="{FF2B5EF4-FFF2-40B4-BE49-F238E27FC236}">
@@ -10374,38 +11172,6 @@
               <a:buNone/>
             </a:pPr>
             <a:endParaRPr lang="en-US" altLang="zh-CN" dirty="0"/>
-          </a:p>
-        </p:txBody>
-      </p:sp>
-      <p:sp>
-        <p:nvSpPr>
-          <p:cNvPr id="5" name="标题 4">
-            <a:extLst>
-              <a:ext uri="{FF2B5EF4-FFF2-40B4-BE49-F238E27FC236}">
-                <a16:creationId xmlns:a16="http://schemas.microsoft.com/office/drawing/2014/main" id="{7DCDF039-3122-5944-3308-4A6D9773DC41}"/>
-              </a:ext>
-            </a:extLst>
-          </p:cNvPr>
-          <p:cNvSpPr>
-            <a:spLocks noGrp="1"/>
-          </p:cNvSpPr>
-          <p:nvPr>
-            <p:ph type="title"/>
-          </p:nvPr>
-        </p:nvSpPr>
-        <p:spPr/>
-        <p:txBody>
-          <a:bodyPr/>
-          <a:lstStyle/>
-          <a:p>
-            <a:r>
-              <a:rPr lang="en-US" altLang="zh-CN" dirty="0"/>
-              <a:t>14.2 </a:t>
-            </a:r>
-            <a:r>
-              <a:rPr lang="zh-CN" altLang="en-US" dirty="0"/>
-              <a:t>提高难度</a:t>
-            </a:r>
           </a:p>
         </p:txBody>
       </p:sp>
@@ -10419,6 +11185,18 @@
   <p:clrMapOvr>
     <a:masterClrMapping/>
   </p:clrMapOvr>
+  <mc:AlternateContent xmlns:mc="http://schemas.openxmlformats.org/markup-compatibility/2006" xmlns:p14="http://schemas.microsoft.com/office/powerpoint/2010/main">
+    <mc:Choice Requires="p14">
+      <p:transition spd="med" p14:dur="700">
+        <p:fade/>
+      </p:transition>
+    </mc:Choice>
+    <mc:Fallback xmlns="">
+      <p:transition spd="med">
+        <p:fade/>
+      </p:transition>
+    </mc:Fallback>
+  </mc:AlternateContent>
 </p:sld>
 </file>
 
@@ -10447,6 +11225,38 @@
       </p:grpSpPr>
       <p:sp>
         <p:nvSpPr>
+          <p:cNvPr id="5" name="标题 4">
+            <a:extLst>
+              <a:ext uri="{FF2B5EF4-FFF2-40B4-BE49-F238E27FC236}">
+                <a16:creationId xmlns:a16="http://schemas.microsoft.com/office/drawing/2014/main" id="{E2004E6B-14CA-8175-277A-862FC57473FB}"/>
+              </a:ext>
+            </a:extLst>
+          </p:cNvPr>
+          <p:cNvSpPr>
+            <a:spLocks noGrp="1"/>
+          </p:cNvSpPr>
+          <p:nvPr>
+            <p:ph type="title"/>
+          </p:nvPr>
+        </p:nvSpPr>
+        <p:spPr/>
+        <p:txBody>
+          <a:bodyPr/>
+          <a:lstStyle/>
+          <a:p>
+            <a:r>
+              <a:rPr lang="en-US" altLang="zh-CN" dirty="0"/>
+              <a:t>14.3 </a:t>
+            </a:r>
+            <a:r>
+              <a:rPr lang="zh-CN" altLang="en-US" dirty="0"/>
+              <a:t>记分</a:t>
+            </a:r>
+          </a:p>
+        </p:txBody>
+      </p:sp>
+      <p:sp>
+        <p:nvSpPr>
           <p:cNvPr id="3" name="内容占位符 2">
             <a:extLst>
               <a:ext uri="{FF2B5EF4-FFF2-40B4-BE49-F238E27FC236}">
@@ -10530,38 +11340,6 @@
               <a:t>小节。</a:t>
             </a:r>
             <a:endParaRPr lang="en-US" altLang="zh-CN" dirty="0"/>
-          </a:p>
-        </p:txBody>
-      </p:sp>
-      <p:sp>
-        <p:nvSpPr>
-          <p:cNvPr id="5" name="标题 4">
-            <a:extLst>
-              <a:ext uri="{FF2B5EF4-FFF2-40B4-BE49-F238E27FC236}">
-                <a16:creationId xmlns:a16="http://schemas.microsoft.com/office/drawing/2014/main" id="{E2004E6B-14CA-8175-277A-862FC57473FB}"/>
-              </a:ext>
-            </a:extLst>
-          </p:cNvPr>
-          <p:cNvSpPr>
-            <a:spLocks noGrp="1"/>
-          </p:cNvSpPr>
-          <p:nvPr>
-            <p:ph type="title"/>
-          </p:nvPr>
-        </p:nvSpPr>
-        <p:spPr/>
-        <p:txBody>
-          <a:bodyPr/>
-          <a:lstStyle/>
-          <a:p>
-            <a:r>
-              <a:rPr lang="en-US" altLang="zh-CN" dirty="0"/>
-              <a:t>14.3 </a:t>
-            </a:r>
-            <a:r>
-              <a:rPr lang="zh-CN" altLang="en-US" dirty="0"/>
-              <a:t>记分</a:t>
-            </a:r>
           </a:p>
         </p:txBody>
       </p:sp>
@@ -10575,11 +11353,23 @@
   <p:clrMapOvr>
     <a:masterClrMapping/>
   </p:clrMapOvr>
+  <mc:AlternateContent xmlns:mc="http://schemas.openxmlformats.org/markup-compatibility/2006" xmlns:p14="http://schemas.microsoft.com/office/powerpoint/2010/main">
+    <mc:Choice Requires="p14">
+      <p:transition spd="med" p14:dur="700">
+        <p:fade/>
+      </p:transition>
+    </mc:Choice>
+    <mc:Fallback xmlns="">
+      <p:transition spd="med">
+        <p:fade/>
+      </p:transition>
+    </mc:Fallback>
+  </mc:AlternateContent>
 </p:sld>
 </file>
 
 <file path=ppt/theme/theme1.xml><?xml version="1.0" encoding="utf-8"?>
-<a:theme xmlns:a="http://schemas.openxmlformats.org/drawingml/2006/main" name="Office 主题​​">
+<a:theme xmlns:a="http://schemas.openxmlformats.org/drawingml/2006/main" name="2_Office 主题​​">
   <a:themeElements>
     <a:clrScheme name="Office">
       <a:dk1>
